--- a/Aviaco france.pptx
+++ b/Aviaco france.pptx
@@ -128,7 +128,7 @@
   </p:defaultTextStyle>
   <p:extLst>
     <p:ext uri="{EFAFB233-063F-42B5-8137-9DF3F51BA10A}">
-      <p15:sldGuideLst xmlns:p15="http://schemas.microsoft.com/office/powerpoint/2012/main"/>
+      <p15:sldGuideLst xmlns:p15="http://schemas.microsoft.com/office/powerpoint/2012/main" xmlns=""/>
     </p:ext>
   </p:extLst>
 </p:presentation>
@@ -149,6 +149,7 @@
   </mc:AlternateContent>
   <c:chart>
     <c:title>
+      <c:layout/>
       <c:overlay val="0"/>
       <c:spPr>
         <a:noFill/>
@@ -630,11 +631,27 @@
           </c:dPt>
           <c:dLbls>
             <c:dLbl>
+              <c:idx val="2"/>
+              <c:layout>
+                <c:manualLayout>
+                  <c:x val="-0.00974102425975246"/>
+                  <c:y val="-9.70890235263403E-17"/>
+                </c:manualLayout>
+              </c:layout>
+              <c:dLblPos val="bestFit"/>
+              <c:showLegendKey val="0"/>
+              <c:showVal val="0"/>
+              <c:showCatName val="1"/>
+              <c:showSerName val="0"/>
+              <c:showPercent val="1"/>
+              <c:showBubbleSize val="0"/>
+            </c:dLbl>
+            <c:dLbl>
               <c:idx val="6"/>
               <c:layout>
                 <c:manualLayout>
-                  <c:x val="-5.1519396915536211E-2"/>
-                  <c:y val="-7.1493652306082067E-2"/>
+                  <c:x val="-0.0515193969155362"/>
+                  <c:y val="-0.0714936523060821"/>
                 </c:manualLayout>
               </c:layout>
               <c:dLblPos val="bestFit"/>
@@ -652,8 +669,8 @@
               <c:idx val="8"/>
               <c:layout>
                 <c:manualLayout>
-                  <c:x val="-5.3181312945069621E-2"/>
-                  <c:y val="9.7972782789816124E-2"/>
+                  <c:x val="-0.0531813129450696"/>
+                  <c:y val="0.0979727827898161"/>
                 </c:manualLayout>
               </c:layout>
               <c:dLblPos val="bestFit"/>
@@ -671,8 +688,8 @@
               <c:idx val="10"/>
               <c:layout>
                 <c:manualLayout>
-                  <c:x val="4.4871732797402461E-2"/>
-                  <c:y val="-9.0029043644695939E-2"/>
+                  <c:x val="0.0448717327974025"/>
+                  <c:y val="-0.090029043644696"/>
                 </c:manualLayout>
               </c:layout>
               <c:dLblPos val="bestFit"/>
@@ -690,8 +707,8 @@
               <c:idx val="11"/>
               <c:layout>
                 <c:manualLayout>
-                  <c:x val="9.4729213683405256E-2"/>
-                  <c:y val="-1.2136127940792541E-17"/>
+                  <c:x val="0.0947292136834052"/>
+                  <c:y val="-1.21361279407925E-17"/>
                 </c:manualLayout>
               </c:layout>
               <c:dLblPos val="bestFit"/>
@@ -811,40 +828,40 @@
                 <c:formatCode>General</c:formatCode>
                 <c:ptCount val="12"/>
                 <c:pt idx="0">
-                  <c:v>1</c:v>
+                  <c:v>1.0</c:v>
                 </c:pt>
                 <c:pt idx="1">
-                  <c:v>40</c:v>
+                  <c:v>40.0</c:v>
                 </c:pt>
                 <c:pt idx="2">
-                  <c:v>20</c:v>
+                  <c:v>20.0</c:v>
                 </c:pt>
                 <c:pt idx="3">
-                  <c:v>10</c:v>
+                  <c:v>10.0</c:v>
                 </c:pt>
                 <c:pt idx="4">
-                  <c:v>20</c:v>
+                  <c:v>20.0</c:v>
                 </c:pt>
                 <c:pt idx="5">
-                  <c:v>0</c:v>
+                  <c:v>0.0</c:v>
                 </c:pt>
                 <c:pt idx="6">
-                  <c:v>5</c:v>
+                  <c:v>5.0</c:v>
                 </c:pt>
                 <c:pt idx="7">
-                  <c:v>30</c:v>
+                  <c:v>30.0</c:v>
                 </c:pt>
                 <c:pt idx="8">
-                  <c:v>5</c:v>
+                  <c:v>5.0</c:v>
                 </c:pt>
                 <c:pt idx="9">
-                  <c:v>0</c:v>
+                  <c:v>0.0</c:v>
                 </c:pt>
                 <c:pt idx="10">
-                  <c:v>5</c:v>
+                  <c:v>5.0</c:v>
                 </c:pt>
                 <c:pt idx="11">
-                  <c:v>20</c:v>
+                  <c:v>20.0</c:v>
                 </c:pt>
               </c:numCache>
             </c:numRef>
@@ -871,6 +888,7 @@
     </c:plotArea>
     <c:legend>
       <c:legendPos val="r"/>
+      <c:layout/>
       <c:overlay val="0"/>
       <c:spPr>
         <a:solidFill>
@@ -941,7 +959,7 @@
       <a:endParaRPr lang="fr-FR"/>
     </a:p>
   </c:txPr>
-  <c:externalData r:id="rId3">
+  <c:externalData r:id="rId1">
     <c:autoUpdate val="0"/>
   </c:externalData>
 </c:chartSpace>
@@ -966,8 +984,8 @@
         <c:manualLayout>
           <c:xMode val="edge"/>
           <c:yMode val="edge"/>
-          <c:x val="2.3387957665450081E-2"/>
-          <c:y val="2.1607905236331906E-2"/>
+          <c:x val="0.0233879576654501"/>
+          <c:y val="0.0216079052363319"/>
         </c:manualLayout>
       </c:layout>
       <c:overlay val="0"/>
@@ -1161,16 +1179,16 @@
                 <c:formatCode>General</c:formatCode>
                 <c:ptCount val="4"/>
                 <c:pt idx="0">
-                  <c:v>60</c:v>
+                  <c:v>60.0</c:v>
                 </c:pt>
                 <c:pt idx="1">
-                  <c:v>10</c:v>
+                  <c:v>10.0</c:v>
                 </c:pt>
                 <c:pt idx="2">
-                  <c:v>10</c:v>
+                  <c:v>10.0</c:v>
                 </c:pt>
                 <c:pt idx="3">
-                  <c:v>20</c:v>
+                  <c:v>20.0</c:v>
                 </c:pt>
               </c:numCache>
             </c:numRef>
@@ -1198,6 +1216,7 @@
     </c:plotArea>
     <c:legend>
       <c:legendPos val="b"/>
+      <c:layout/>
       <c:overlay val="0"/>
       <c:spPr>
         <a:noFill/>
@@ -1248,7 +1267,7 @@
       <a:endParaRPr lang="fr-FR"/>
     </a:p>
   </c:txPr>
-  <c:externalData r:id="rId3">
+  <c:externalData r:id="rId1">
     <c:autoUpdate val="0"/>
   </c:externalData>
 </c:chartSpace>
@@ -2582,7 +2601,7 @@
           <a:p>
             <a:fld id="{4AAD347D-5ACD-4C99-B74B-A9C85AD731AF}" type="datetimeFigureOut">
               <a:rPr lang="en-US" dirty="0"/>
-              <a:t>8/26/2015</a:t>
+              <a:t>12/06/16</a:t>
             </a:fld>
             <a:endParaRPr lang="en-US" dirty="0"/>
           </a:p>
@@ -2624,7 +2643,7 @@
           <a:p>
             <a:fld id="{D57F1E4F-1CFF-5643-939E-02111984F565}" type="slidenum">
               <a:rPr lang="en-US" dirty="0"/>
-              <a:t>‹N°›</a:t>
+              <a:t>‹#›</a:t>
             </a:fld>
             <a:endParaRPr lang="en-US" dirty="0"/>
           </a:p>
@@ -2852,7 +2871,7 @@
           <a:p>
             <a:fld id="{4509A250-FF31-4206-8172-F9D3106AACB1}" type="datetimeFigureOut">
               <a:rPr lang="en-US" dirty="0"/>
-              <a:t>8/26/2015</a:t>
+              <a:t>12/06/16</a:t>
             </a:fld>
             <a:endParaRPr lang="en-US" dirty="0"/>
           </a:p>
@@ -2894,7 +2913,7 @@
           <a:p>
             <a:fld id="{D57F1E4F-1CFF-5643-939E-02111984F565}" type="slidenum">
               <a:rPr lang="en-US" dirty="0"/>
-              <a:t>‹N°›</a:t>
+              <a:t>‹#›</a:t>
             </a:fld>
             <a:endParaRPr lang="en-US" dirty="0"/>
           </a:p>
@@ -3041,7 +3060,7 @@
           <a:p>
             <a:fld id="{4509A250-FF31-4206-8172-F9D3106AACB1}" type="datetimeFigureOut">
               <a:rPr lang="en-US" dirty="0"/>
-              <a:t>8/26/2015</a:t>
+              <a:t>12/06/16</a:t>
             </a:fld>
             <a:endParaRPr lang="en-US" dirty="0"/>
           </a:p>
@@ -3083,7 +3102,7 @@
           <a:p>
             <a:fld id="{D57F1E4F-1CFF-5643-939E-02111984F565}" type="slidenum">
               <a:rPr lang="en-US" dirty="0"/>
-              <a:t>‹N°›</a:t>
+              <a:t>‹#›</a:t>
             </a:fld>
             <a:endParaRPr lang="en-US" dirty="0"/>
           </a:p>
@@ -3309,7 +3328,7 @@
           <a:p>
             <a:fld id="{4509A250-FF31-4206-8172-F9D3106AACB1}" type="datetimeFigureOut">
               <a:rPr lang="en-US" dirty="0"/>
-              <a:t>8/26/2015</a:t>
+              <a:t>12/06/16</a:t>
             </a:fld>
             <a:endParaRPr lang="en-US" dirty="0"/>
           </a:p>
@@ -3351,7 +3370,7 @@
           <a:p>
             <a:fld id="{D57F1E4F-1CFF-5643-939E-02111984F565}" type="slidenum">
               <a:rPr lang="en-US" dirty="0"/>
-              <a:t>‹N°›</a:t>
+              <a:t>‹#›</a:t>
             </a:fld>
             <a:endParaRPr lang="en-US" dirty="0"/>
           </a:p>
@@ -3645,7 +3664,7 @@
           <a:p>
             <a:fld id="{4509A250-FF31-4206-8172-F9D3106AACB1}" type="datetimeFigureOut">
               <a:rPr lang="en-US" dirty="0"/>
-              <a:t>8/26/2015</a:t>
+              <a:t>12/06/16</a:t>
             </a:fld>
             <a:endParaRPr lang="en-US" dirty="0"/>
           </a:p>
@@ -3687,7 +3706,7 @@
           <a:p>
             <a:fld id="{D57F1E4F-1CFF-5643-939E-02111984F565}" type="slidenum">
               <a:rPr lang="en-US" dirty="0"/>
-              <a:t>‹N°›</a:t>
+              <a:t>‹#›</a:t>
             </a:fld>
             <a:endParaRPr lang="en-US" dirty="0"/>
           </a:p>
@@ -4263,7 +4282,7 @@
           <a:p>
             <a:fld id="{4509A250-FF31-4206-8172-F9D3106AACB1}" type="datetimeFigureOut">
               <a:rPr lang="en-US" dirty="0"/>
-              <a:t>8/26/2015</a:t>
+              <a:t>12/06/16</a:t>
             </a:fld>
             <a:endParaRPr lang="en-US" dirty="0"/>
           </a:p>
@@ -4305,7 +4324,7 @@
           <a:p>
             <a:fld id="{D57F1E4F-1CFF-5643-939E-02111984F565}" type="slidenum">
               <a:rPr lang="en-US" dirty="0"/>
-              <a:t>‹N°›</a:t>
+              <a:t>‹#›</a:t>
             </a:fld>
             <a:endParaRPr lang="en-US" dirty="0"/>
           </a:p>
@@ -5118,7 +5137,7 @@
           <a:p>
             <a:fld id="{4509A250-FF31-4206-8172-F9D3106AACB1}" type="datetimeFigureOut">
               <a:rPr lang="en-US" dirty="0"/>
-              <a:t>8/26/2015</a:t>
+              <a:t>12/06/16</a:t>
             </a:fld>
             <a:endParaRPr lang="en-US" dirty="0"/>
           </a:p>
@@ -5160,7 +5179,7 @@
           <a:p>
             <a:fld id="{D57F1E4F-1CFF-5643-939E-02111984F565}" type="slidenum">
               <a:rPr lang="en-US" dirty="0"/>
-              <a:t>‹N°›</a:t>
+              <a:t>‹#›</a:t>
             </a:fld>
             <a:endParaRPr lang="en-US" dirty="0"/>
           </a:p>
@@ -5283,7 +5302,7 @@
           <a:p>
             <a:fld id="{4509A250-FF31-4206-8172-F9D3106AACB1}" type="datetimeFigureOut">
               <a:rPr lang="en-US" dirty="0"/>
-              <a:t>8/26/2015</a:t>
+              <a:t>12/06/16</a:t>
             </a:fld>
             <a:endParaRPr lang="en-US" dirty="0"/>
           </a:p>
@@ -5325,7 +5344,7 @@
           <a:p>
             <a:fld id="{D57F1E4F-1CFF-5643-939E-02111984F565}" type="slidenum">
               <a:rPr lang="en-US" dirty="0"/>
-              <a:t>‹N°›</a:t>
+              <a:t>‹#›</a:t>
             </a:fld>
             <a:endParaRPr lang="en-US" dirty="0"/>
           </a:p>
@@ -5458,7 +5477,7 @@
           <a:p>
             <a:fld id="{4509A250-FF31-4206-8172-F9D3106AACB1}" type="datetimeFigureOut">
               <a:rPr lang="en-US" dirty="0"/>
-              <a:t>8/26/2015</a:t>
+              <a:t>12/06/16</a:t>
             </a:fld>
             <a:endParaRPr lang="en-US" dirty="0"/>
           </a:p>
@@ -5500,7 +5519,7 @@
           <a:p>
             <a:fld id="{D57F1E4F-1CFF-5643-939E-02111984F565}" type="slidenum">
               <a:rPr lang="en-US" dirty="0"/>
-              <a:t>‹N°›</a:t>
+              <a:t>‹#›</a:t>
             </a:fld>
             <a:endParaRPr lang="en-US" dirty="0"/>
           </a:p>
@@ -5623,7 +5642,7 @@
           <a:p>
             <a:fld id="{4509A250-FF31-4206-8172-F9D3106AACB1}" type="datetimeFigureOut">
               <a:rPr lang="en-US" dirty="0"/>
-              <a:t>8/26/2015</a:t>
+              <a:t>12/06/16</a:t>
             </a:fld>
             <a:endParaRPr lang="en-US" dirty="0"/>
           </a:p>
@@ -5665,7 +5684,7 @@
           <a:p>
             <a:fld id="{D57F1E4F-1CFF-5643-939E-02111984F565}" type="slidenum">
               <a:rPr lang="en-US" dirty="0"/>
-              <a:t>‹N°›</a:t>
+              <a:t>‹#›</a:t>
             </a:fld>
             <a:endParaRPr lang="en-US" dirty="0"/>
           </a:p>
@@ -5865,7 +5884,7 @@
           <a:p>
             <a:fld id="{9796027F-7875-4030-9381-8BD8C4F21935}" type="datetimeFigureOut">
               <a:rPr lang="en-US" dirty="0"/>
-              <a:t>8/26/2015</a:t>
+              <a:t>12/06/16</a:t>
             </a:fld>
             <a:endParaRPr lang="en-US" dirty="0"/>
           </a:p>
@@ -5907,7 +5926,7 @@
           <a:p>
             <a:fld id="{D57F1E4F-1CFF-5643-939E-02111984F565}" type="slidenum">
               <a:rPr lang="en-US" dirty="0"/>
-              <a:t>‹N°›</a:t>
+              <a:t>‹#›</a:t>
             </a:fld>
             <a:endParaRPr lang="en-US" dirty="0"/>
           </a:p>
@@ -6152,7 +6171,7 @@
           <a:p>
             <a:fld id="{9796027F-7875-4030-9381-8BD8C4F21935}" type="datetimeFigureOut">
               <a:rPr lang="en-US" dirty="0"/>
-              <a:t>8/26/2015</a:t>
+              <a:t>12/06/16</a:t>
             </a:fld>
             <a:endParaRPr lang="en-US" dirty="0"/>
           </a:p>
@@ -6194,7 +6213,7 @@
           <a:p>
             <a:fld id="{D57F1E4F-1CFF-5643-939E-02111984F565}" type="slidenum">
               <a:rPr lang="en-US" dirty="0"/>
-              <a:t>‹N°›</a:t>
+              <a:t>‹#›</a:t>
             </a:fld>
             <a:endParaRPr lang="en-US" dirty="0"/>
           </a:p>
@@ -6591,7 +6610,7 @@
           <a:p>
             <a:fld id="{9796027F-7875-4030-9381-8BD8C4F21935}" type="datetimeFigureOut">
               <a:rPr lang="en-US" dirty="0"/>
-              <a:t>8/26/2015</a:t>
+              <a:t>12/06/16</a:t>
             </a:fld>
             <a:endParaRPr lang="en-US" dirty="0"/>
           </a:p>
@@ -6633,7 +6652,7 @@
           <a:p>
             <a:fld id="{D57F1E4F-1CFF-5643-939E-02111984F565}" type="slidenum">
               <a:rPr lang="en-US" dirty="0"/>
-              <a:t>‹N°›</a:t>
+              <a:t>‹#›</a:t>
             </a:fld>
             <a:endParaRPr lang="en-US" dirty="0"/>
           </a:p>
@@ -6704,7 +6723,7 @@
           <a:p>
             <a:fld id="{4509A250-FF31-4206-8172-F9D3106AACB1}" type="datetimeFigureOut">
               <a:rPr lang="en-US" dirty="0"/>
-              <a:t>8/26/2015</a:t>
+              <a:t>12/06/16</a:t>
             </a:fld>
             <a:endParaRPr lang="en-US" dirty="0"/>
           </a:p>
@@ -6746,7 +6765,7 @@
           <a:p>
             <a:fld id="{D57F1E4F-1CFF-5643-939E-02111984F565}" type="slidenum">
               <a:rPr lang="en-US" dirty="0"/>
-              <a:t>‹N°›</a:t>
+              <a:t>‹#›</a:t>
             </a:fld>
             <a:endParaRPr lang="en-US" dirty="0"/>
           </a:p>
@@ -6794,7 +6813,7 @@
           <a:p>
             <a:fld id="{4509A250-FF31-4206-8172-F9D3106AACB1}" type="datetimeFigureOut">
               <a:rPr lang="en-US" dirty="0"/>
-              <a:t>8/26/2015</a:t>
+              <a:t>12/06/16</a:t>
             </a:fld>
             <a:endParaRPr lang="en-US" dirty="0"/>
           </a:p>
@@ -6836,7 +6855,7 @@
           <a:p>
             <a:fld id="{D57F1E4F-1CFF-5643-939E-02111984F565}" type="slidenum">
               <a:rPr lang="en-US" dirty="0"/>
-              <a:t>‹N°›</a:t>
+              <a:t>‹#›</a:t>
             </a:fld>
             <a:endParaRPr lang="en-US" dirty="0"/>
           </a:p>
@@ -7068,7 +7087,7 @@
           <a:p>
             <a:fld id="{4509A250-FF31-4206-8172-F9D3106AACB1}" type="datetimeFigureOut">
               <a:rPr lang="en-US" dirty="0"/>
-              <a:t>8/26/2015</a:t>
+              <a:t>12/06/16</a:t>
             </a:fld>
             <a:endParaRPr lang="en-US" dirty="0"/>
           </a:p>
@@ -7110,7 +7129,7 @@
           <a:p>
             <a:fld id="{D57F1E4F-1CFF-5643-939E-02111984F565}" type="slidenum">
               <a:rPr lang="en-US" dirty="0"/>
-              <a:t>‹N°›</a:t>
+              <a:t>‹#›</a:t>
             </a:fld>
             <a:endParaRPr lang="en-US" dirty="0"/>
           </a:p>
@@ -7338,7 +7357,7 @@
           <a:p>
             <a:fld id="{4509A250-FF31-4206-8172-F9D3106AACB1}" type="datetimeFigureOut">
               <a:rPr lang="en-US" dirty="0"/>
-              <a:t>8/26/2015</a:t>
+              <a:t>12/06/16</a:t>
             </a:fld>
             <a:endParaRPr lang="en-US" dirty="0"/>
           </a:p>
@@ -7380,7 +7399,7 @@
           <a:p>
             <a:fld id="{D57F1E4F-1CFF-5643-939E-02111984F565}" type="slidenum">
               <a:rPr lang="en-US" dirty="0"/>
-              <a:t>‹N°›</a:t>
+              <a:t>‹#›</a:t>
             </a:fld>
             <a:endParaRPr lang="en-US" dirty="0"/>
           </a:p>
@@ -7762,7 +7781,7 @@
           <a:p>
             <a:fld id="{4AAD347D-5ACD-4C99-B74B-A9C85AD731AF}" type="datetimeFigureOut">
               <a:rPr lang="en-US" dirty="0"/>
-              <a:t>8/26/2015</a:t>
+              <a:t>12/06/16</a:t>
             </a:fld>
             <a:endParaRPr lang="en-US" dirty="0"/>
           </a:p>
@@ -7841,7 +7860,7 @@
           <a:p>
             <a:fld id="{D57F1E4F-1CFF-5643-939E-02111984F565}" type="slidenum">
               <a:rPr lang="en-US" dirty="0"/>
-              <a:t>‹N°›</a:t>
+              <a:t>‹#›</a:t>
             </a:fld>
             <a:endParaRPr lang="en-US" dirty="0"/>
           </a:p>
@@ -8303,9 +8322,13 @@
           <a:p>
             <a:r>
               <a:rPr lang="fr-FR" dirty="0" smtClean="0"/>
-              <a:t>Aviaco France</a:t>
-            </a:r>
-            <a:endParaRPr lang="fr-FR" dirty="0"/>
+              <a:t>Aicom </a:t>
+            </a:r>
+            <a:r>
+              <a:rPr lang="fr-FR" sz="2400" dirty="0" smtClean="0"/>
+              <a:t>web performance</a:t>
+            </a:r>
+            <a:endParaRPr lang="fr-FR" sz="2400" dirty="0"/>
           </a:p>
         </p:txBody>
       </p:sp>
@@ -8326,7 +8349,7 @@
           <a:p>
             <a:r>
               <a:rPr lang="fr-FR" dirty="0" smtClean="0"/>
-              <a:t>STAGE DE FIN DE FORMATION</a:t>
+              <a:t>Alternance en entreprise</a:t>
             </a:r>
             <a:endParaRPr lang="fr-FR" dirty="0"/>
           </a:p>
@@ -8341,7 +8364,7 @@
         <p:spPr>
           <a:xfrm>
             <a:off x="10431888" y="360608"/>
-            <a:ext cx="697627" cy="369332"/>
+            <a:ext cx="696375" cy="369332"/>
           </a:xfrm>
           <a:prstGeom prst="rect">
             <a:avLst/>
@@ -8356,7 +8379,7 @@
           <a:p>
             <a:r>
               <a:rPr lang="fr-FR" dirty="0" smtClean="0"/>
-              <a:t>2015</a:t>
+              <a:t>2016</a:t>
             </a:r>
             <a:endParaRPr lang="fr-FR" dirty="0"/>
           </a:p>
@@ -8401,7 +8424,7 @@
         <p:spPr>
           <a:xfrm>
             <a:off x="9044328" y="1711614"/>
-            <a:ext cx="2775119" cy="646331"/>
+            <a:ext cx="1281571" cy="646331"/>
           </a:xfrm>
           <a:prstGeom prst="rect">
             <a:avLst/>
@@ -8416,8 +8439,9 @@
           <a:p>
             <a:r>
               <a:rPr lang="fr-FR" dirty="0" smtClean="0"/>
-              <a:t>Licence Professionnelle</a:t>
-            </a:r>
+              <a:t>Institut G4</a:t>
+            </a:r>
+            <a:endParaRPr lang="fr-FR" dirty="0" smtClean="0"/>
           </a:p>
           <a:p>
             <a:r>
@@ -8426,7 +8450,7 @@
                   <a:srgbClr val="FF0000"/>
                 </a:solidFill>
               </a:rPr>
-              <a:t>SIL-NTI</a:t>
+              <a:t>4IM1</a:t>
             </a:r>
             <a:endParaRPr lang="fr-FR" dirty="0">
               <a:solidFill>
@@ -8469,7 +8493,7 @@
           </a:ln>
           <a:extLst>
             <a:ext uri="{FAA26D3D-D897-4be2-8F04-BA451C77F1D7}">
-              <ma14:placeholderFlag xmlns:wpc="http://schemas.microsoft.com/office/word/2010/wordprocessingCanvas" xmlns:mc="http://schemas.openxmlformats.org/markup-compatibility/2006" xmlns:m="http://schemas.openxmlformats.org/officeDocument/2006/math" xmlns:wp14="http://schemas.microsoft.com/office/word/2010/wordprocessingDrawing" xmlns:wp="http://schemas.openxmlformats.org/drawingml/2006/wordprocessingDrawing" xmlns:w14="http://schemas.microsoft.com/office/word/2010/wordml" xmlns:w15="http://schemas.microsoft.com/office/word/2012/wordml" xmlns:wpg="http://schemas.microsoft.com/office/word/2010/wordprocessingGroup" xmlns:wpi="http://schemas.microsoft.com/office/word/2010/wordprocessingInk" xmlns:wne="http://schemas.microsoft.com/office/word/2006/wordml" xmlns:wps="http://schemas.microsoft.com/office/word/2010/wordprocessingShape" xmlns:pic="http://schemas.openxmlformats.org/drawingml/2006/picture" xmlns:ma14="http://schemas.microsoft.com/office/mac/drawingml/2011/main" xmlns:w="http://schemas.openxmlformats.org/wordprocessingml/2006/main" xmlns:w10="urn:schemas-microsoft-com:office:word" xmlns:v="urn:schemas-microsoft-com:vml" xmlns:o="urn:schemas-microsoft-com:office:office" xmlns:mv="urn:schemas-microsoft-com:mac:vml" xmlns:mo="http://schemas.microsoft.com/office/mac/office/2008/main" xmlns="" xmlns:lc="http://schemas.openxmlformats.org/drawingml/2006/lockedCanvas"/>
+              <ma14:placeholderFlag xmlns:ma14="http://schemas.microsoft.com/office/mac/drawingml/2011/main"/>
             </a:ext>
           </a:extLst>
         </p:spPr>
@@ -8483,7 +8507,7 @@
         <p:spPr>
           <a:xfrm>
             <a:off x="1249251" y="5872766"/>
-            <a:ext cx="3733714" cy="369332"/>
+            <a:ext cx="4227277" cy="369332"/>
           </a:xfrm>
           <a:prstGeom prst="rect">
             <a:avLst/>
@@ -8504,7 +8528,17 @@
                   </a:schemeClr>
                 </a:solidFill>
               </a:rPr>
-              <a:t>Stagiaire : MOHAMD Ali Idjabou</a:t>
+              <a:t>Stagiaire : </a:t>
+            </a:r>
+            <a:r>
+              <a:rPr lang="fr-FR" dirty="0" smtClean="0">
+                <a:solidFill>
+                  <a:schemeClr val="tx1">
+                    <a:lumMod val="75000"/>
+                  </a:schemeClr>
+                </a:solidFill>
+              </a:rPr>
+              <a:t>Lionel TOCHAP NGASSAM</a:t>
             </a:r>
             <a:endParaRPr lang="fr-FR" dirty="0">
               <a:solidFill>
@@ -8525,7 +8559,7 @@
         <p:spPr>
           <a:xfrm>
             <a:off x="1249251" y="6123972"/>
-            <a:ext cx="3023585" cy="369332"/>
+            <a:ext cx="3061781" cy="369332"/>
           </a:xfrm>
           <a:prstGeom prst="rect">
             <a:avLst/>
@@ -8544,7 +8578,11 @@
             </a:r>
             <a:r>
               <a:rPr lang="fr-FR" sz="1600" dirty="0" smtClean="0"/>
-              <a:t>Tuteur : Denis Alessandra</a:t>
+              <a:t>Tuteur : </a:t>
+            </a:r>
+            <a:r>
+              <a:rPr lang="fr-FR" sz="1600" dirty="0" smtClean="0"/>
+              <a:t>Guillaume COZIC</a:t>
             </a:r>
             <a:endParaRPr lang="fr-FR" sz="1600" dirty="0"/>
           </a:p>
@@ -8559,7 +8597,7 @@
         <p:spPr>
           <a:xfrm>
             <a:off x="10627839" y="642956"/>
-            <a:ext cx="490840" cy="230832"/>
+            <a:ext cx="492443" cy="230832"/>
           </a:xfrm>
           <a:prstGeom prst="rect">
             <a:avLst/>
@@ -8574,7 +8612,11 @@
           <a:p>
             <a:r>
               <a:rPr lang="fr-FR" sz="900" dirty="0" smtClean="0"/>
-              <a:t>31/08</a:t>
+              <a:t>16</a:t>
+            </a:r>
+            <a:r>
+              <a:rPr lang="fr-FR" sz="900" dirty="0" smtClean="0"/>
+              <a:t>/06</a:t>
             </a:r>
             <a:endParaRPr lang="fr-FR" sz="900" dirty="0"/>
           </a:p>
@@ -8593,7 +8635,7 @@
   <p:timing>
     <p:tnLst>
       <p:par>
-        <p:cTn id="1" dur="indefinite" restart="never" nodeType="tmRoot"/>
+        <p:cTn xmlns:p14="http://schemas.microsoft.com/office/powerpoint/2010/main" id="1" dur="indefinite" restart="never" nodeType="tmRoot"/>
       </p:par>
     </p:tnLst>
   </p:timing>
@@ -9209,7 +9251,7 @@
   <p:timing>
     <p:tnLst>
       <p:par>
-        <p:cTn id="1" dur="indefinite" restart="never" nodeType="tmRoot">
+        <p:cTn xmlns:p14="http://schemas.microsoft.com/office/powerpoint/2010/main" id="1" dur="indefinite" restart="never" nodeType="tmRoot">
           <p:childTnLst>
             <p:seq concurrent="1" nextAc="seek">
               <p:cTn id="2" dur="indefinite" nodeType="mainSeq">
@@ -9904,7 +9946,7 @@
   <p:timing>
     <p:tnLst>
       <p:par>
-        <p:cTn id="1" dur="indefinite" restart="never" nodeType="tmRoot">
+        <p:cTn xmlns:p14="http://schemas.microsoft.com/office/powerpoint/2010/main" id="1" dur="indefinite" restart="never" nodeType="tmRoot">
           <p:childTnLst>
             <p:seq concurrent="1" nextAc="seek">
               <p:cTn id="2" dur="indefinite" nodeType="mainSeq">
@@ -10599,7 +10641,7 @@
   <p:timing>
     <p:tnLst>
       <p:par>
-        <p:cTn id="1" dur="indefinite" restart="never" nodeType="tmRoot">
+        <p:cTn xmlns:p14="http://schemas.microsoft.com/office/powerpoint/2010/main" id="1" dur="indefinite" restart="never" nodeType="tmRoot">
           <p:childTnLst>
             <p:seq concurrent="1" nextAc="seek">
               <p:cTn id="2" dur="indefinite" nodeType="mainSeq">
@@ -11294,7 +11336,7 @@
   <p:timing>
     <p:tnLst>
       <p:par>
-        <p:cTn id="1" dur="indefinite" restart="never" nodeType="tmRoot">
+        <p:cTn xmlns:p14="http://schemas.microsoft.com/office/powerpoint/2010/main" id="1" dur="indefinite" restart="never" nodeType="tmRoot">
           <p:childTnLst>
             <p:seq concurrent="1" nextAc="seek">
               <p:cTn id="2" dur="indefinite" nodeType="mainSeq">
@@ -11989,7 +12031,7 @@
   <p:timing>
     <p:tnLst>
       <p:par>
-        <p:cTn id="1" dur="indefinite" restart="never" nodeType="tmRoot">
+        <p:cTn xmlns:p14="http://schemas.microsoft.com/office/powerpoint/2010/main" id="1" dur="indefinite" restart="never" nodeType="tmRoot">
           <p:childTnLst>
             <p:seq concurrent="1" nextAc="seek">
               <p:cTn id="2" dur="indefinite" nodeType="mainSeq">
@@ -12800,7 +12842,7 @@
   <p:timing>
     <p:tnLst>
       <p:par>
-        <p:cTn id="1" dur="indefinite" restart="never" nodeType="tmRoot">
+        <p:cTn xmlns:p14="http://schemas.microsoft.com/office/powerpoint/2010/main" id="1" dur="indefinite" restart="never" nodeType="tmRoot">
           <p:childTnLst>
             <p:seq concurrent="1" nextAc="seek">
               <p:cTn id="2" dur="indefinite" nodeType="mainSeq">
@@ -13664,7 +13706,7 @@
   <p:timing>
     <p:tnLst>
       <p:par>
-        <p:cTn id="1" dur="indefinite" restart="never" nodeType="tmRoot">
+        <p:cTn xmlns:p14="http://schemas.microsoft.com/office/powerpoint/2010/main" id="1" dur="indefinite" restart="never" nodeType="tmRoot">
           <p:childTnLst>
             <p:seq concurrent="1" nextAc="seek">
               <p:cTn id="2" dur="indefinite" nodeType="mainSeq">
@@ -14496,7 +14538,7 @@
   <p:timing>
     <p:tnLst>
       <p:par>
-        <p:cTn id="1" dur="indefinite" restart="never" nodeType="tmRoot">
+        <p:cTn xmlns:p14="http://schemas.microsoft.com/office/powerpoint/2010/main" id="1" dur="indefinite" restart="never" nodeType="tmRoot">
           <p:childTnLst>
             <p:seq concurrent="1" nextAc="seek">
               <p:cTn id="2" dur="indefinite" nodeType="mainSeq">
@@ -15679,7 +15721,7 @@
   <p:timing>
     <p:tnLst>
       <p:par>
-        <p:cTn id="1" dur="indefinite" restart="never" nodeType="tmRoot">
+        <p:cTn xmlns:p14="http://schemas.microsoft.com/office/powerpoint/2010/main" id="1" dur="indefinite" restart="never" nodeType="tmRoot">
           <p:childTnLst>
             <p:seq concurrent="1" nextAc="seek">
               <p:cTn id="2" dur="indefinite" nodeType="mainSeq">
@@ -16435,7 +16477,7 @@
   <p:timing>
     <p:tnLst>
       <p:par>
-        <p:cTn id="1" dur="indefinite" restart="never" nodeType="tmRoot">
+        <p:cTn xmlns:p14="http://schemas.microsoft.com/office/powerpoint/2010/main" id="1" dur="indefinite" restart="never" nodeType="tmRoot">
           <p:childTnLst>
             <p:seq concurrent="1" nextAc="seek">
               <p:cTn id="2" dur="indefinite" nodeType="mainSeq">
@@ -16969,7 +17011,7 @@
   <p:timing>
     <p:tnLst>
       <p:par>
-        <p:cTn id="1" dur="indefinite" restart="never" nodeType="tmRoot">
+        <p:cTn xmlns:p14="http://schemas.microsoft.com/office/powerpoint/2010/main" id="1" dur="indefinite" restart="never" nodeType="tmRoot">
           <p:childTnLst>
             <p:seq concurrent="1" nextAc="seek">
               <p:cTn id="2" dur="indefinite" nodeType="mainSeq">
@@ -17795,7 +17837,7 @@
           <p:nvPr>
             <p:extLst>
               <p:ext uri="{D42A27DB-BD31-4B8C-83A1-F6EECF244321}">
-                <p14:modId xmlns:p14="http://schemas.microsoft.com/office/powerpoint/2010/main" val="3446404853"/>
+                <p14:modId xmlns:p14="http://schemas.microsoft.com/office/powerpoint/2010/main" val="2419305228"/>
               </p:ext>
             </p:extLst>
           </p:nvPr>
@@ -17823,7 +17865,7 @@
   <p:timing>
     <p:tnLst>
       <p:par>
-        <p:cTn id="1" dur="indefinite" restart="never" nodeType="tmRoot">
+        <p:cTn xmlns:p14="http://schemas.microsoft.com/office/powerpoint/2010/main" id="1" dur="indefinite" restart="never" nodeType="tmRoot">
           <p:childTnLst>
             <p:seq concurrent="1" nextAc="seek">
               <p:cTn id="2" dur="indefinite" nodeType="mainSeq">
@@ -18575,7 +18617,7 @@
   <p:timing>
     <p:tnLst>
       <p:par>
-        <p:cTn id="1" dur="indefinite" restart="never" nodeType="tmRoot">
+        <p:cTn xmlns:p14="http://schemas.microsoft.com/office/powerpoint/2010/main" id="1" dur="indefinite" restart="never" nodeType="tmRoot">
           <p:childTnLst>
             <p:seq concurrent="1" nextAc="seek">
               <p:cTn id="2" dur="indefinite" nodeType="mainSeq">
@@ -19285,7 +19327,7 @@
   <p:timing>
     <p:tnLst>
       <p:par>
-        <p:cTn id="1" dur="indefinite" restart="never" nodeType="tmRoot"/>
+        <p:cTn xmlns:p14="http://schemas.microsoft.com/office/powerpoint/2010/main" id="1" dur="indefinite" restart="never" nodeType="tmRoot"/>
       </p:par>
     </p:tnLst>
   </p:timing>
@@ -19360,7 +19402,7 @@
   <p:timing>
     <p:tnLst>
       <p:par>
-        <p:cTn id="1" dur="indefinite" restart="never" nodeType="tmRoot"/>
+        <p:cTn xmlns:p14="http://schemas.microsoft.com/office/powerpoint/2010/main" id="1" dur="indefinite" restart="never" nodeType="tmRoot"/>
       </p:par>
     </p:tnLst>
   </p:timing>
@@ -19665,8 +19707,13 @@
           <a:p>
             <a:r>
               <a:rPr lang="fr-FR" dirty="0" smtClean="0"/>
-              <a:t>Création : 08 Décembre 2014</a:t>
-            </a:r>
+              <a:t>Création : 08 Décembre </a:t>
+            </a:r>
+            <a:r>
+              <a:rPr lang="fr-FR" dirty="0" smtClean="0"/>
+              <a:t>1993</a:t>
+            </a:r>
+            <a:endParaRPr lang="fr-FR" dirty="0" smtClean="0"/>
           </a:p>
           <a:p>
             <a:r>
@@ -20138,7 +20185,7 @@
         <p:spPr>
           <a:xfrm>
             <a:off x="-12515" y="1483507"/>
-            <a:ext cx="2320286" cy="1187122"/>
+            <a:ext cx="2162652" cy="1187122"/>
           </a:xfrm>
           <a:prstGeom prst="rect">
             <a:avLst/>
@@ -20176,7 +20223,7 @@
             <a:pPr algn="ctr"/>
             <a:r>
               <a:rPr lang="fr-FR" dirty="0" smtClean="0"/>
-              <a:t>AVIACO FRANCE</a:t>
+              <a:t>AICOM</a:t>
             </a:r>
             <a:endParaRPr lang="fr-FR" dirty="0"/>
           </a:p>
@@ -20195,7 +20242,7 @@
   <p:timing>
     <p:tnLst>
       <p:par>
-        <p:cTn id="1" dur="indefinite" restart="never" nodeType="tmRoot">
+        <p:cTn xmlns:p14="http://schemas.microsoft.com/office/powerpoint/2010/main" id="1" dur="indefinite" restart="never" nodeType="tmRoot">
           <p:childTnLst>
             <p:seq concurrent="1" nextAc="seek">
               <p:cTn id="2" dur="indefinite" nodeType="mainSeq">
@@ -20343,6 +20390,1633 @@
           <a:xfrm>
             <a:off x="4251747" y="2716529"/>
             <a:ext cx="4789014" cy="867560"/>
+          </a:xfrm>
+          <a:prstGeom prst="rect">
+            <a:avLst/>
+          </a:prstGeom>
+        </p:spPr>
+        <p:txBody>
+          <a:bodyPr vert="horz" lIns="91440" tIns="45720" rIns="91440" bIns="45720" rtlCol="0">
+            <a:normAutofit fontScale="70000" lnSpcReduction="20000"/>
+          </a:bodyPr>
+          <a:lstStyle>
+            <a:lvl1pPr marL="342900" indent="-342900" algn="l" defTabSz="457200" rtl="0" eaLnBrk="1" latinLnBrk="0" hangingPunct="1">
+              <a:spcBef>
+                <a:spcPts val="1000"/>
+              </a:spcBef>
+              <a:spcAft>
+                <a:spcPts val="0"/>
+              </a:spcAft>
+              <a:buClr>
+                <a:schemeClr val="bg2">
+                  <a:lumMod val="40000"/>
+                  <a:lumOff val="60000"/>
+                </a:schemeClr>
+              </a:buClr>
+              <a:buSzPct val="80000"/>
+              <a:buFont typeface="Wingdings 3" charset="2"/>
+              <a:buChar char=""/>
+              <a:defRPr sz="2000" b="0" i="0" kern="1200">
+                <a:solidFill>
+                  <a:schemeClr val="tx1"/>
+                </a:solidFill>
+                <a:latin typeface="+mj-lt"/>
+                <a:ea typeface="+mj-ea"/>
+                <a:cs typeface="+mj-cs"/>
+              </a:defRPr>
+            </a:lvl1pPr>
+            <a:lvl2pPr marL="742950" indent="-285750" algn="l" defTabSz="457200" rtl="0" eaLnBrk="1" latinLnBrk="0" hangingPunct="1">
+              <a:spcBef>
+                <a:spcPts val="1000"/>
+              </a:spcBef>
+              <a:spcAft>
+                <a:spcPts val="0"/>
+              </a:spcAft>
+              <a:buClr>
+                <a:schemeClr val="bg2">
+                  <a:lumMod val="40000"/>
+                  <a:lumOff val="60000"/>
+                </a:schemeClr>
+              </a:buClr>
+              <a:buSzPct val="80000"/>
+              <a:buFont typeface="Wingdings 3" charset="2"/>
+              <a:buChar char=""/>
+              <a:defRPr sz="1800" b="0" i="0" kern="1200">
+                <a:solidFill>
+                  <a:schemeClr val="tx1"/>
+                </a:solidFill>
+                <a:latin typeface="+mj-lt"/>
+                <a:ea typeface="+mj-ea"/>
+                <a:cs typeface="+mj-cs"/>
+              </a:defRPr>
+            </a:lvl2pPr>
+            <a:lvl3pPr marL="1143000" indent="-228600" algn="l" defTabSz="457200" rtl="0" eaLnBrk="1" latinLnBrk="0" hangingPunct="1">
+              <a:spcBef>
+                <a:spcPts val="1000"/>
+              </a:spcBef>
+              <a:spcAft>
+                <a:spcPts val="0"/>
+              </a:spcAft>
+              <a:buClr>
+                <a:schemeClr val="bg2">
+                  <a:lumMod val="40000"/>
+                  <a:lumOff val="60000"/>
+                </a:schemeClr>
+              </a:buClr>
+              <a:buSzPct val="80000"/>
+              <a:buFont typeface="Wingdings 3" charset="2"/>
+              <a:buChar char=""/>
+              <a:defRPr sz="1600" b="0" i="0" kern="1200">
+                <a:solidFill>
+                  <a:schemeClr val="tx1"/>
+                </a:solidFill>
+                <a:latin typeface="+mj-lt"/>
+                <a:ea typeface="+mj-ea"/>
+                <a:cs typeface="+mj-cs"/>
+              </a:defRPr>
+            </a:lvl3pPr>
+            <a:lvl4pPr marL="1600200" indent="-228600" algn="l" defTabSz="457200" rtl="0" eaLnBrk="1" latinLnBrk="0" hangingPunct="1">
+              <a:spcBef>
+                <a:spcPts val="1000"/>
+              </a:spcBef>
+              <a:spcAft>
+                <a:spcPts val="0"/>
+              </a:spcAft>
+              <a:buClr>
+                <a:schemeClr val="bg2">
+                  <a:lumMod val="40000"/>
+                  <a:lumOff val="60000"/>
+                </a:schemeClr>
+              </a:buClr>
+              <a:buSzPct val="80000"/>
+              <a:buFont typeface="Wingdings 3" charset="2"/>
+              <a:buChar char=""/>
+              <a:defRPr sz="1400" b="0" i="0" kern="1200">
+                <a:solidFill>
+                  <a:schemeClr val="tx1"/>
+                </a:solidFill>
+                <a:latin typeface="+mj-lt"/>
+                <a:ea typeface="+mj-ea"/>
+                <a:cs typeface="+mj-cs"/>
+              </a:defRPr>
+            </a:lvl4pPr>
+            <a:lvl5pPr marL="2057400" indent="-228600" algn="l" defTabSz="457200" rtl="0" eaLnBrk="1" latinLnBrk="0" hangingPunct="1">
+              <a:spcBef>
+                <a:spcPts val="1000"/>
+              </a:spcBef>
+              <a:spcAft>
+                <a:spcPts val="0"/>
+              </a:spcAft>
+              <a:buClr>
+                <a:schemeClr val="bg2">
+                  <a:lumMod val="40000"/>
+                  <a:lumOff val="60000"/>
+                </a:schemeClr>
+              </a:buClr>
+              <a:buSzPct val="80000"/>
+              <a:buFont typeface="Wingdings 3" charset="2"/>
+              <a:buChar char=""/>
+              <a:defRPr sz="1400" b="0" i="0" kern="1200">
+                <a:solidFill>
+                  <a:schemeClr val="tx1"/>
+                </a:solidFill>
+                <a:latin typeface="+mj-lt"/>
+                <a:ea typeface="+mj-ea"/>
+                <a:cs typeface="+mj-cs"/>
+              </a:defRPr>
+            </a:lvl5pPr>
+            <a:lvl6pPr marL="2506000" indent="-228600" algn="l" defTabSz="457200" rtl="0" eaLnBrk="1" latinLnBrk="0" hangingPunct="1">
+              <a:spcBef>
+                <a:spcPts val="1000"/>
+              </a:spcBef>
+              <a:spcAft>
+                <a:spcPts val="0"/>
+              </a:spcAft>
+              <a:buClr>
+                <a:schemeClr val="bg2">
+                  <a:lumMod val="40000"/>
+                  <a:lumOff val="60000"/>
+                </a:schemeClr>
+              </a:buClr>
+              <a:buSzPct val="80000"/>
+              <a:buFont typeface="Wingdings 3" charset="2"/>
+              <a:buChar char=""/>
+              <a:defRPr sz="1400" b="0" i="0" kern="1200">
+                <a:solidFill>
+                  <a:schemeClr val="tx1"/>
+                </a:solidFill>
+                <a:latin typeface="+mj-lt"/>
+                <a:ea typeface="+mj-ea"/>
+                <a:cs typeface="+mj-cs"/>
+              </a:defRPr>
+            </a:lvl6pPr>
+            <a:lvl7pPr marL="2971800" indent="-228600" algn="l" defTabSz="457200" rtl="0" eaLnBrk="1" latinLnBrk="0" hangingPunct="1">
+              <a:spcBef>
+                <a:spcPts val="1000"/>
+              </a:spcBef>
+              <a:spcAft>
+                <a:spcPts val="0"/>
+              </a:spcAft>
+              <a:buClr>
+                <a:schemeClr val="bg2">
+                  <a:lumMod val="40000"/>
+                  <a:lumOff val="60000"/>
+                </a:schemeClr>
+              </a:buClr>
+              <a:buSzPct val="80000"/>
+              <a:buFont typeface="Wingdings 3" charset="2"/>
+              <a:buChar char=""/>
+              <a:defRPr sz="1400" b="0" i="0" kern="1200">
+                <a:solidFill>
+                  <a:schemeClr val="tx1"/>
+                </a:solidFill>
+                <a:latin typeface="+mj-lt"/>
+                <a:ea typeface="+mj-ea"/>
+                <a:cs typeface="+mj-cs"/>
+              </a:defRPr>
+            </a:lvl7pPr>
+            <a:lvl8pPr marL="3429000" indent="-228600" algn="l" defTabSz="457200" rtl="0" eaLnBrk="1" latinLnBrk="0" hangingPunct="1">
+              <a:spcBef>
+                <a:spcPts val="1000"/>
+              </a:spcBef>
+              <a:spcAft>
+                <a:spcPts val="0"/>
+              </a:spcAft>
+              <a:buClr>
+                <a:schemeClr val="bg2">
+                  <a:lumMod val="40000"/>
+                  <a:lumOff val="60000"/>
+                </a:schemeClr>
+              </a:buClr>
+              <a:buSzPct val="80000"/>
+              <a:buFont typeface="Wingdings 3" charset="2"/>
+              <a:buChar char=""/>
+              <a:defRPr sz="1400" b="0" i="0" kern="1200">
+                <a:solidFill>
+                  <a:schemeClr val="tx1"/>
+                </a:solidFill>
+                <a:latin typeface="+mj-lt"/>
+                <a:ea typeface="+mj-ea"/>
+                <a:cs typeface="+mj-cs"/>
+              </a:defRPr>
+            </a:lvl8pPr>
+            <a:lvl9pPr marL="3886200" indent="-228600" algn="l" defTabSz="457200" rtl="0" eaLnBrk="1" latinLnBrk="0" hangingPunct="1">
+              <a:spcBef>
+                <a:spcPts val="1000"/>
+              </a:spcBef>
+              <a:spcAft>
+                <a:spcPts val="0"/>
+              </a:spcAft>
+              <a:buClr>
+                <a:schemeClr val="bg2">
+                  <a:lumMod val="40000"/>
+                  <a:lumOff val="60000"/>
+                </a:schemeClr>
+              </a:buClr>
+              <a:buSzPct val="80000"/>
+              <a:buFont typeface="Wingdings 3" charset="2"/>
+              <a:buChar char=""/>
+              <a:defRPr sz="1400" b="0" i="0" kern="1200">
+                <a:solidFill>
+                  <a:schemeClr val="tx1"/>
+                </a:solidFill>
+                <a:latin typeface="+mj-lt"/>
+                <a:ea typeface="+mj-ea"/>
+                <a:cs typeface="+mj-cs"/>
+              </a:defRPr>
+            </a:lvl9pPr>
+          </a:lstStyle>
+          <a:p>
+            <a:r>
+              <a:rPr lang="fr-FR" dirty="0" smtClean="0"/>
+              <a:t>Sites Web immobiliers</a:t>
+            </a:r>
+          </a:p>
+          <a:p>
+            <a:r>
+              <a:rPr lang="fr-FR" dirty="0" smtClean="0"/>
+              <a:t>Moteurs de recherches</a:t>
+            </a:r>
+          </a:p>
+          <a:p>
+            <a:r>
+              <a:rPr lang="fr-FR" dirty="0" smtClean="0"/>
+              <a:t>Campagnes d’e-mailing</a:t>
+            </a:r>
+            <a:endParaRPr lang="fr-FR" dirty="0" smtClean="0"/>
+          </a:p>
+          <a:p>
+            <a:endParaRPr lang="fr-FR" dirty="0" smtClean="0"/>
+          </a:p>
+        </p:txBody>
+      </p:sp>
+      <p:sp>
+        <p:nvSpPr>
+          <p:cNvPr id="9" name="Rectangle 8"/>
+          <p:cNvSpPr/>
+          <p:nvPr/>
+        </p:nvSpPr>
+        <p:spPr>
+          <a:xfrm>
+            <a:off x="-14503" y="0"/>
+            <a:ext cx="2177143" cy="6858000"/>
+          </a:xfrm>
+          <a:prstGeom prst="rect">
+            <a:avLst/>
+          </a:prstGeom>
+          <a:ln>
+            <a:noFill/>
+          </a:ln>
+        </p:spPr>
+        <p:style>
+          <a:lnRef idx="2">
+            <a:schemeClr val="accent1">
+              <a:shade val="50000"/>
+            </a:schemeClr>
+          </a:lnRef>
+          <a:fillRef idx="1">
+            <a:schemeClr val="accent1"/>
+          </a:fillRef>
+          <a:effectRef idx="0">
+            <a:schemeClr val="accent1"/>
+          </a:effectRef>
+          <a:fontRef idx="minor">
+            <a:schemeClr val="lt1"/>
+          </a:fontRef>
+        </p:style>
+        <p:txBody>
+          <a:bodyPr rtlCol="0" anchor="ctr"/>
+          <a:lstStyle/>
+          <a:p>
+            <a:pPr algn="ctr"/>
+            <a:endParaRPr lang="fr-FR"/>
+          </a:p>
+        </p:txBody>
+      </p:sp>
+      <p:sp>
+        <p:nvSpPr>
+          <p:cNvPr id="10" name="Rectangle 9"/>
+          <p:cNvSpPr/>
+          <p:nvPr/>
+        </p:nvSpPr>
+        <p:spPr>
+          <a:xfrm>
+            <a:off x="-10509" y="-14513"/>
+            <a:ext cx="2318280" cy="1483506"/>
+          </a:xfrm>
+          <a:prstGeom prst="rect">
+            <a:avLst/>
+          </a:prstGeom>
+          <a:noFill/>
+          <a:ln>
+            <a:noFill/>
+          </a:ln>
+        </p:spPr>
+        <p:style>
+          <a:lnRef idx="2">
+            <a:schemeClr val="accent1">
+              <a:shade val="50000"/>
+            </a:schemeClr>
+          </a:lnRef>
+          <a:fillRef idx="1">
+            <a:schemeClr val="accent1"/>
+          </a:fillRef>
+          <a:effectRef idx="0">
+            <a:schemeClr val="accent1"/>
+          </a:effectRef>
+          <a:fontRef idx="minor">
+            <a:schemeClr val="lt1"/>
+          </a:fontRef>
+        </p:style>
+        <p:txBody>
+          <a:bodyPr rtlCol="0" anchor="ctr"/>
+          <a:lstStyle/>
+          <a:p>
+            <a:pPr algn="ctr"/>
+            <a:r>
+              <a:rPr lang="fr-FR" dirty="0" smtClean="0"/>
+              <a:t>INTRODUCTION</a:t>
+            </a:r>
+            <a:endParaRPr lang="fr-FR" dirty="0"/>
+          </a:p>
+        </p:txBody>
+      </p:sp>
+      <p:sp>
+        <p:nvSpPr>
+          <p:cNvPr id="2" name="Rectangle 1"/>
+          <p:cNvSpPr/>
+          <p:nvPr/>
+        </p:nvSpPr>
+        <p:spPr>
+          <a:xfrm>
+            <a:off x="-14510" y="2688198"/>
+            <a:ext cx="2510967" cy="1041978"/>
+          </a:xfrm>
+          <a:prstGeom prst="rect">
+            <a:avLst/>
+          </a:prstGeom>
+          <a:noFill/>
+          <a:ln>
+            <a:noFill/>
+          </a:ln>
+        </p:spPr>
+        <p:style>
+          <a:lnRef idx="2">
+            <a:schemeClr val="accent1">
+              <a:shade val="50000"/>
+            </a:schemeClr>
+          </a:lnRef>
+          <a:fillRef idx="1">
+            <a:schemeClr val="accent1"/>
+          </a:fillRef>
+          <a:effectRef idx="0">
+            <a:schemeClr val="accent1"/>
+          </a:effectRef>
+          <a:fontRef idx="minor">
+            <a:schemeClr val="lt1"/>
+          </a:fontRef>
+        </p:style>
+        <p:txBody>
+          <a:bodyPr rtlCol="0" anchor="ctr"/>
+          <a:lstStyle/>
+          <a:p>
+            <a:pPr algn="ctr"/>
+            <a:r>
+              <a:rPr lang="fr-FR" dirty="0" smtClean="0"/>
+              <a:t>SITE INTERNET</a:t>
+            </a:r>
+            <a:endParaRPr lang="fr-FR" dirty="0"/>
+          </a:p>
+        </p:txBody>
+      </p:sp>
+      <p:sp>
+        <p:nvSpPr>
+          <p:cNvPr id="5" name="Rectangle 4"/>
+          <p:cNvSpPr/>
+          <p:nvPr/>
+        </p:nvSpPr>
+        <p:spPr>
+          <a:xfrm>
+            <a:off x="-18425" y="3749233"/>
+            <a:ext cx="2552981" cy="967920"/>
+          </a:xfrm>
+          <a:prstGeom prst="rect">
+            <a:avLst/>
+          </a:prstGeom>
+          <a:noFill/>
+          <a:ln>
+            <a:noFill/>
+          </a:ln>
+        </p:spPr>
+        <p:style>
+          <a:lnRef idx="2">
+            <a:schemeClr val="accent1">
+              <a:shade val="50000"/>
+            </a:schemeClr>
+          </a:lnRef>
+          <a:fillRef idx="1">
+            <a:schemeClr val="accent1"/>
+          </a:fillRef>
+          <a:effectRef idx="0">
+            <a:schemeClr val="accent1"/>
+          </a:effectRef>
+          <a:fontRef idx="minor">
+            <a:schemeClr val="lt1"/>
+          </a:fontRef>
+        </p:style>
+        <p:txBody>
+          <a:bodyPr rtlCol="0" anchor="ctr"/>
+          <a:lstStyle/>
+          <a:p>
+            <a:pPr algn="ctr"/>
+            <a:r>
+              <a:rPr lang="fr-FR" dirty="0" smtClean="0"/>
+              <a:t>APPLICATION</a:t>
+            </a:r>
+            <a:endParaRPr lang="fr-FR" dirty="0"/>
+          </a:p>
+        </p:txBody>
+      </p:sp>
+      <p:sp>
+        <p:nvSpPr>
+          <p:cNvPr id="7" name="Rectangle 6"/>
+          <p:cNvSpPr/>
+          <p:nvPr/>
+        </p:nvSpPr>
+        <p:spPr>
+          <a:xfrm>
+            <a:off x="2191" y="5748669"/>
+            <a:ext cx="2532365" cy="1109331"/>
+          </a:xfrm>
+          <a:prstGeom prst="rect">
+            <a:avLst/>
+          </a:prstGeom>
+          <a:noFill/>
+          <a:ln>
+            <a:noFill/>
+          </a:ln>
+        </p:spPr>
+        <p:style>
+          <a:lnRef idx="2">
+            <a:schemeClr val="accent1">
+              <a:shade val="50000"/>
+            </a:schemeClr>
+          </a:lnRef>
+          <a:fillRef idx="1">
+            <a:schemeClr val="accent1"/>
+          </a:fillRef>
+          <a:effectRef idx="0">
+            <a:schemeClr val="accent1"/>
+          </a:effectRef>
+          <a:fontRef idx="minor">
+            <a:schemeClr val="lt1"/>
+          </a:fontRef>
+        </p:style>
+        <p:txBody>
+          <a:bodyPr rtlCol="0" anchor="ctr"/>
+          <a:lstStyle/>
+          <a:p>
+            <a:pPr algn="ctr"/>
+            <a:r>
+              <a:rPr lang="fr-FR" dirty="0" smtClean="0"/>
+              <a:t>CONCLUSION</a:t>
+            </a:r>
+            <a:endParaRPr lang="fr-FR" dirty="0"/>
+          </a:p>
+        </p:txBody>
+      </p:sp>
+      <p:sp>
+        <p:nvSpPr>
+          <p:cNvPr id="8" name="Rectangle 7"/>
+          <p:cNvSpPr/>
+          <p:nvPr/>
+        </p:nvSpPr>
+        <p:spPr>
+          <a:xfrm>
+            <a:off x="-9752" y="4733436"/>
+            <a:ext cx="2544308" cy="1001486"/>
+          </a:xfrm>
+          <a:prstGeom prst="rect">
+            <a:avLst/>
+          </a:prstGeom>
+          <a:noFill/>
+          <a:ln>
+            <a:noFill/>
+          </a:ln>
+        </p:spPr>
+        <p:style>
+          <a:lnRef idx="2">
+            <a:schemeClr val="accent1">
+              <a:shade val="50000"/>
+            </a:schemeClr>
+          </a:lnRef>
+          <a:fillRef idx="1">
+            <a:schemeClr val="accent1"/>
+          </a:fillRef>
+          <a:effectRef idx="0">
+            <a:schemeClr val="accent1"/>
+          </a:effectRef>
+          <a:fontRef idx="minor">
+            <a:schemeClr val="lt1"/>
+          </a:fontRef>
+        </p:style>
+        <p:txBody>
+          <a:bodyPr rtlCol="0" anchor="ctr"/>
+          <a:lstStyle/>
+          <a:p>
+            <a:pPr algn="ctr"/>
+            <a:r>
+              <a:rPr lang="fr-FR" dirty="0" smtClean="0"/>
+              <a:t>LE STAGIAIRE</a:t>
+            </a:r>
+            <a:endParaRPr lang="fr-FR" dirty="0"/>
+          </a:p>
+        </p:txBody>
+      </p:sp>
+      <p:sp>
+        <p:nvSpPr>
+          <p:cNvPr id="11" name="Rectangle 10"/>
+          <p:cNvSpPr/>
+          <p:nvPr/>
+        </p:nvSpPr>
+        <p:spPr>
+          <a:xfrm>
+            <a:off x="3291882" y="506014"/>
+            <a:ext cx="1619331" cy="442452"/>
+          </a:xfrm>
+          <a:prstGeom prst="rect">
+            <a:avLst/>
+          </a:prstGeom>
+          <a:solidFill>
+            <a:schemeClr val="bg2">
+              <a:lumMod val="60000"/>
+              <a:lumOff val="40000"/>
+            </a:schemeClr>
+          </a:solidFill>
+          <a:ln>
+            <a:noFill/>
+          </a:ln>
+        </p:spPr>
+        <p:style>
+          <a:lnRef idx="2">
+            <a:schemeClr val="accent1">
+              <a:shade val="50000"/>
+            </a:schemeClr>
+          </a:lnRef>
+          <a:fillRef idx="1">
+            <a:schemeClr val="accent1"/>
+          </a:fillRef>
+          <a:effectRef idx="0">
+            <a:schemeClr val="accent1"/>
+          </a:effectRef>
+          <a:fontRef idx="minor">
+            <a:schemeClr val="lt1"/>
+          </a:fontRef>
+        </p:style>
+        <p:txBody>
+          <a:bodyPr rtlCol="0" anchor="ctr"/>
+          <a:lstStyle/>
+          <a:p>
+            <a:pPr algn="ctr"/>
+            <a:r>
+              <a:rPr lang="fr-FR" dirty="0" smtClean="0">
+                <a:solidFill>
+                  <a:srgbClr val="C00000"/>
+                </a:solidFill>
+              </a:rPr>
+              <a:t>Historique</a:t>
+            </a:r>
+            <a:endParaRPr lang="fr-FR" dirty="0">
+              <a:solidFill>
+                <a:srgbClr val="C00000"/>
+              </a:solidFill>
+            </a:endParaRPr>
+          </a:p>
+        </p:txBody>
+      </p:sp>
+      <p:sp>
+        <p:nvSpPr>
+          <p:cNvPr id="14" name="Rectangle 13"/>
+          <p:cNvSpPr/>
+          <p:nvPr/>
+        </p:nvSpPr>
+        <p:spPr>
+          <a:xfrm>
+            <a:off x="4911213" y="506014"/>
+            <a:ext cx="1619331" cy="442452"/>
+          </a:xfrm>
+          <a:prstGeom prst="rect">
+            <a:avLst/>
+          </a:prstGeom>
+          <a:solidFill>
+            <a:schemeClr val="bg2">
+              <a:lumMod val="60000"/>
+              <a:lumOff val="40000"/>
+            </a:schemeClr>
+          </a:solidFill>
+          <a:ln>
+            <a:noFill/>
+          </a:ln>
+        </p:spPr>
+        <p:style>
+          <a:lnRef idx="2">
+            <a:schemeClr val="accent1">
+              <a:shade val="50000"/>
+            </a:schemeClr>
+          </a:lnRef>
+          <a:fillRef idx="1">
+            <a:schemeClr val="accent1"/>
+          </a:fillRef>
+          <a:effectRef idx="0">
+            <a:schemeClr val="accent1"/>
+          </a:effectRef>
+          <a:fontRef idx="minor">
+            <a:schemeClr val="lt1"/>
+          </a:fontRef>
+        </p:style>
+        <p:txBody>
+          <a:bodyPr rtlCol="0" anchor="ctr"/>
+          <a:lstStyle/>
+          <a:p>
+            <a:pPr algn="ctr"/>
+            <a:r>
+              <a:rPr lang="fr-FR" dirty="0" smtClean="0">
+                <a:solidFill>
+                  <a:srgbClr val="C00000"/>
+                </a:solidFill>
+              </a:rPr>
+              <a:t>Activités</a:t>
+            </a:r>
+            <a:endParaRPr lang="fr-FR" dirty="0">
+              <a:solidFill>
+                <a:srgbClr val="C00000"/>
+              </a:solidFill>
+            </a:endParaRPr>
+          </a:p>
+        </p:txBody>
+      </p:sp>
+      <p:sp>
+        <p:nvSpPr>
+          <p:cNvPr id="16" name="Rectangle 15"/>
+          <p:cNvSpPr/>
+          <p:nvPr/>
+        </p:nvSpPr>
+        <p:spPr>
+          <a:xfrm>
+            <a:off x="-12515" y="1483507"/>
+            <a:ext cx="2320286" cy="1187122"/>
+          </a:xfrm>
+          <a:prstGeom prst="rect">
+            <a:avLst/>
+          </a:prstGeom>
+          <a:blipFill>
+            <a:blip r:embed="rId2"/>
+            <a:stretch>
+              <a:fillRect/>
+            </a:stretch>
+          </a:blipFill>
+          <a:ln>
+            <a:noFill/>
+          </a:ln>
+        </p:spPr>
+        <p:style>
+          <a:lnRef idx="2">
+            <a:schemeClr val="accent1">
+              <a:shade val="50000"/>
+            </a:schemeClr>
+          </a:lnRef>
+          <a:fillRef idx="1">
+            <a:schemeClr val="accent1"/>
+          </a:fillRef>
+          <a:effectRef idx="0">
+            <a:schemeClr val="accent1"/>
+          </a:effectRef>
+          <a:fontRef idx="minor">
+            <a:schemeClr val="lt1"/>
+          </a:fontRef>
+        </p:style>
+        <p:txBody>
+          <a:bodyPr rtlCol="0" anchor="ctr"/>
+          <a:lstStyle/>
+          <a:p>
+            <a:pPr algn="ctr"/>
+            <a:r>
+              <a:rPr lang="fr-FR" dirty="0" smtClean="0"/>
+              <a:t>AVIACO FRANCE</a:t>
+            </a:r>
+            <a:endParaRPr lang="fr-FR" dirty="0"/>
+          </a:p>
+        </p:txBody>
+      </p:sp>
+      <p:sp>
+        <p:nvSpPr>
+          <p:cNvPr id="17" name="Rectangle 16"/>
+          <p:cNvSpPr/>
+          <p:nvPr/>
+        </p:nvSpPr>
+        <p:spPr>
+          <a:xfrm>
+            <a:off x="6458936" y="506014"/>
+            <a:ext cx="3522191" cy="442452"/>
+          </a:xfrm>
+          <a:prstGeom prst="rect">
+            <a:avLst/>
+          </a:prstGeom>
+          <a:solidFill>
+            <a:schemeClr val="bg2">
+              <a:lumMod val="60000"/>
+              <a:lumOff val="40000"/>
+            </a:schemeClr>
+          </a:solidFill>
+          <a:ln>
+            <a:noFill/>
+          </a:ln>
+        </p:spPr>
+        <p:style>
+          <a:lnRef idx="2">
+            <a:schemeClr val="accent1">
+              <a:shade val="50000"/>
+            </a:schemeClr>
+          </a:lnRef>
+          <a:fillRef idx="1">
+            <a:schemeClr val="accent1"/>
+          </a:fillRef>
+          <a:effectRef idx="0">
+            <a:schemeClr val="accent1"/>
+          </a:effectRef>
+          <a:fontRef idx="minor">
+            <a:schemeClr val="lt1"/>
+          </a:fontRef>
+        </p:style>
+        <p:txBody>
+          <a:bodyPr rtlCol="0" anchor="ctr"/>
+          <a:lstStyle/>
+          <a:p>
+            <a:pPr algn="ctr"/>
+            <a:r>
+              <a:rPr lang="fr-FR" dirty="0" smtClean="0"/>
+              <a:t>Organigramme de la société</a:t>
+            </a:r>
+            <a:endParaRPr lang="fr-FR" dirty="0"/>
+          </a:p>
+        </p:txBody>
+      </p:sp>
+    </p:spTree>
+    <p:extLst>
+      <p:ext uri="{BB962C8B-B14F-4D97-AF65-F5344CB8AC3E}">
+        <p14:creationId xmlns:p14="http://schemas.microsoft.com/office/powerpoint/2010/main" val="2352365999"/>
+      </p:ext>
+    </p:extLst>
+  </p:cSld>
+  <p:clrMapOvr>
+    <a:masterClrMapping/>
+  </p:clrMapOvr>
+  <p:timing>
+    <p:tnLst>
+      <p:par>
+        <p:cTn xmlns:p14="http://schemas.microsoft.com/office/powerpoint/2010/main" id="1" dur="indefinite" restart="never" nodeType="tmRoot">
+          <p:childTnLst>
+            <p:seq concurrent="1" nextAc="seek">
+              <p:cTn id="2" dur="indefinite" nodeType="mainSeq">
+                <p:childTnLst>
+                  <p:par>
+                    <p:cTn id="3" fill="hold">
+                      <p:stCondLst>
+                        <p:cond delay="indefinite"/>
+                        <p:cond evt="onBegin" delay="0">
+                          <p:tn val="2"/>
+                        </p:cond>
+                      </p:stCondLst>
+                      <p:childTnLst>
+                        <p:par>
+                          <p:cTn id="4" fill="hold">
+                            <p:stCondLst>
+                              <p:cond delay="0"/>
+                            </p:stCondLst>
+                            <p:childTnLst>
+                              <p:par>
+                                <p:cTn id="5" presetID="22" presetClass="entr" presetSubtype="8" fill="hold" grpId="0" nodeType="withEffect">
+                                  <p:stCondLst>
+                                    <p:cond delay="0"/>
+                                  </p:stCondLst>
+                                  <p:childTnLst>
+                                    <p:set>
+                                      <p:cBhvr>
+                                        <p:cTn id="6" dur="1" fill="hold">
+                                          <p:stCondLst>
+                                            <p:cond delay="0"/>
+                                          </p:stCondLst>
+                                        </p:cTn>
+                                        <p:tgtEl>
+                                          <p:spTgt spid="6"/>
+                                        </p:tgtEl>
+                                        <p:attrNameLst>
+                                          <p:attrName>style.visibility</p:attrName>
+                                        </p:attrNameLst>
+                                      </p:cBhvr>
+                                      <p:to>
+                                        <p:strVal val="visible"/>
+                                      </p:to>
+                                    </p:set>
+                                    <p:animEffect transition="in" filter="wipe(left)">
+                                      <p:cBhvr>
+                                        <p:cTn id="7" dur="1000"/>
+                                        <p:tgtEl>
+                                          <p:spTgt spid="6"/>
+                                        </p:tgtEl>
+                                      </p:cBhvr>
+                                    </p:animEffect>
+                                  </p:childTnLst>
+                                </p:cTn>
+                              </p:par>
+                            </p:childTnLst>
+                          </p:cTn>
+                        </p:par>
+                      </p:childTnLst>
+                    </p:cTn>
+                  </p:par>
+                </p:childTnLst>
+              </p:cTn>
+              <p:prevCondLst>
+                <p:cond evt="onPrev" delay="0">
+                  <p:tgtEl>
+                    <p:sldTgt/>
+                  </p:tgtEl>
+                </p:cond>
+              </p:prevCondLst>
+              <p:nextCondLst>
+                <p:cond evt="onNext" delay="0">
+                  <p:tgtEl>
+                    <p:sldTgt/>
+                  </p:tgtEl>
+                </p:cond>
+              </p:nextCondLst>
+            </p:seq>
+          </p:childTnLst>
+        </p:cTn>
+      </p:par>
+    </p:tnLst>
+    <p:bldLst>
+      <p:bldP spid="6" grpId="0"/>
+    </p:bldLst>
+  </p:timing>
+</p:sld>
+</file>
+
+<file path=ppt/slides/slide5.xml><?xml version="1.0" encoding="utf-8"?>
+<p:sld xmlns:a="http://schemas.openxmlformats.org/drawingml/2006/main" xmlns:r="http://schemas.openxmlformats.org/officeDocument/2006/relationships" xmlns:p="http://schemas.openxmlformats.org/presentationml/2006/main">
+  <p:cSld>
+    <p:spTree>
+      <p:nvGrpSpPr>
+        <p:cNvPr id="1" name=""/>
+        <p:cNvGrpSpPr/>
+        <p:nvPr/>
+      </p:nvGrpSpPr>
+      <p:grpSpPr>
+        <a:xfrm>
+          <a:off x="0" y="0"/>
+          <a:ext cx="0" cy="0"/>
+          <a:chOff x="0" y="0"/>
+          <a:chExt cx="0" cy="0"/>
+        </a:xfrm>
+      </p:grpSpPr>
+      <p:sp>
+        <p:nvSpPr>
+          <p:cNvPr id="4" name="ZoneTexte 3"/>
+          <p:cNvSpPr txBox="1"/>
+          <p:nvPr/>
+        </p:nvSpPr>
+        <p:spPr>
+          <a:xfrm>
+            <a:off x="10573555" y="371083"/>
+            <a:ext cx="441146" cy="369332"/>
+          </a:xfrm>
+          <a:prstGeom prst="rect">
+            <a:avLst/>
+          </a:prstGeom>
+          <a:noFill/>
+        </p:spPr>
+        <p:txBody>
+          <a:bodyPr wrap="none" rtlCol="0">
+            <a:spAutoFit/>
+          </a:bodyPr>
+          <a:lstStyle/>
+          <a:p>
+            <a:r>
+              <a:rPr lang="fr-FR" dirty="0" smtClean="0"/>
+              <a:t>02</a:t>
+            </a:r>
+            <a:endParaRPr lang="fr-FR" dirty="0"/>
+          </a:p>
+        </p:txBody>
+      </p:sp>
+      <p:sp>
+        <p:nvSpPr>
+          <p:cNvPr id="9" name="Rectangle 8"/>
+          <p:cNvSpPr/>
+          <p:nvPr/>
+        </p:nvSpPr>
+        <p:spPr>
+          <a:xfrm>
+            <a:off x="-14503" y="0"/>
+            <a:ext cx="2177143" cy="6858000"/>
+          </a:xfrm>
+          <a:prstGeom prst="rect">
+            <a:avLst/>
+          </a:prstGeom>
+          <a:ln>
+            <a:noFill/>
+          </a:ln>
+        </p:spPr>
+        <p:style>
+          <a:lnRef idx="2">
+            <a:schemeClr val="accent1">
+              <a:shade val="50000"/>
+            </a:schemeClr>
+          </a:lnRef>
+          <a:fillRef idx="1">
+            <a:schemeClr val="accent1"/>
+          </a:fillRef>
+          <a:effectRef idx="0">
+            <a:schemeClr val="accent1"/>
+          </a:effectRef>
+          <a:fontRef idx="minor">
+            <a:schemeClr val="lt1"/>
+          </a:fontRef>
+        </p:style>
+        <p:txBody>
+          <a:bodyPr rtlCol="0" anchor="ctr"/>
+          <a:lstStyle/>
+          <a:p>
+            <a:pPr algn="ctr"/>
+            <a:endParaRPr lang="fr-FR"/>
+          </a:p>
+        </p:txBody>
+      </p:sp>
+      <p:sp>
+        <p:nvSpPr>
+          <p:cNvPr id="10" name="Rectangle 9"/>
+          <p:cNvSpPr/>
+          <p:nvPr/>
+        </p:nvSpPr>
+        <p:spPr>
+          <a:xfrm>
+            <a:off x="-10509" y="-14513"/>
+            <a:ext cx="2318280" cy="1483506"/>
+          </a:xfrm>
+          <a:prstGeom prst="rect">
+            <a:avLst/>
+          </a:prstGeom>
+          <a:noFill/>
+          <a:ln>
+            <a:noFill/>
+          </a:ln>
+        </p:spPr>
+        <p:style>
+          <a:lnRef idx="2">
+            <a:schemeClr val="accent1">
+              <a:shade val="50000"/>
+            </a:schemeClr>
+          </a:lnRef>
+          <a:fillRef idx="1">
+            <a:schemeClr val="accent1"/>
+          </a:fillRef>
+          <a:effectRef idx="0">
+            <a:schemeClr val="accent1"/>
+          </a:effectRef>
+          <a:fontRef idx="minor">
+            <a:schemeClr val="lt1"/>
+          </a:fontRef>
+        </p:style>
+        <p:txBody>
+          <a:bodyPr rtlCol="0" anchor="ctr"/>
+          <a:lstStyle/>
+          <a:p>
+            <a:pPr algn="ctr"/>
+            <a:r>
+              <a:rPr lang="fr-FR" dirty="0" smtClean="0"/>
+              <a:t>INTRODUCTION</a:t>
+            </a:r>
+            <a:endParaRPr lang="fr-FR" dirty="0"/>
+          </a:p>
+        </p:txBody>
+      </p:sp>
+      <p:sp>
+        <p:nvSpPr>
+          <p:cNvPr id="2" name="Rectangle 1"/>
+          <p:cNvSpPr/>
+          <p:nvPr/>
+        </p:nvSpPr>
+        <p:spPr>
+          <a:xfrm>
+            <a:off x="-14510" y="2688198"/>
+            <a:ext cx="2510967" cy="1041978"/>
+          </a:xfrm>
+          <a:prstGeom prst="rect">
+            <a:avLst/>
+          </a:prstGeom>
+          <a:noFill/>
+          <a:ln>
+            <a:noFill/>
+          </a:ln>
+        </p:spPr>
+        <p:style>
+          <a:lnRef idx="2">
+            <a:schemeClr val="accent1">
+              <a:shade val="50000"/>
+            </a:schemeClr>
+          </a:lnRef>
+          <a:fillRef idx="1">
+            <a:schemeClr val="accent1"/>
+          </a:fillRef>
+          <a:effectRef idx="0">
+            <a:schemeClr val="accent1"/>
+          </a:effectRef>
+          <a:fontRef idx="minor">
+            <a:schemeClr val="lt1"/>
+          </a:fontRef>
+        </p:style>
+        <p:txBody>
+          <a:bodyPr rtlCol="0" anchor="ctr"/>
+          <a:lstStyle/>
+          <a:p>
+            <a:pPr algn="ctr"/>
+            <a:r>
+              <a:rPr lang="fr-FR" dirty="0" smtClean="0"/>
+              <a:t>SITE INTERNET</a:t>
+            </a:r>
+            <a:endParaRPr lang="fr-FR" dirty="0"/>
+          </a:p>
+        </p:txBody>
+      </p:sp>
+      <p:sp>
+        <p:nvSpPr>
+          <p:cNvPr id="5" name="Rectangle 4"/>
+          <p:cNvSpPr/>
+          <p:nvPr/>
+        </p:nvSpPr>
+        <p:spPr>
+          <a:xfrm>
+            <a:off x="-18425" y="3749233"/>
+            <a:ext cx="2552981" cy="967920"/>
+          </a:xfrm>
+          <a:prstGeom prst="rect">
+            <a:avLst/>
+          </a:prstGeom>
+          <a:noFill/>
+          <a:ln>
+            <a:noFill/>
+          </a:ln>
+        </p:spPr>
+        <p:style>
+          <a:lnRef idx="2">
+            <a:schemeClr val="accent1">
+              <a:shade val="50000"/>
+            </a:schemeClr>
+          </a:lnRef>
+          <a:fillRef idx="1">
+            <a:schemeClr val="accent1"/>
+          </a:fillRef>
+          <a:effectRef idx="0">
+            <a:schemeClr val="accent1"/>
+          </a:effectRef>
+          <a:fontRef idx="minor">
+            <a:schemeClr val="lt1"/>
+          </a:fontRef>
+        </p:style>
+        <p:txBody>
+          <a:bodyPr rtlCol="0" anchor="ctr"/>
+          <a:lstStyle/>
+          <a:p>
+            <a:pPr algn="ctr"/>
+            <a:r>
+              <a:rPr lang="fr-FR" dirty="0" smtClean="0"/>
+              <a:t>APPLICATION</a:t>
+            </a:r>
+            <a:endParaRPr lang="fr-FR" dirty="0"/>
+          </a:p>
+        </p:txBody>
+      </p:sp>
+      <p:sp>
+        <p:nvSpPr>
+          <p:cNvPr id="7" name="Rectangle 6"/>
+          <p:cNvSpPr/>
+          <p:nvPr/>
+        </p:nvSpPr>
+        <p:spPr>
+          <a:xfrm>
+            <a:off x="2191" y="5748669"/>
+            <a:ext cx="2532365" cy="1109331"/>
+          </a:xfrm>
+          <a:prstGeom prst="rect">
+            <a:avLst/>
+          </a:prstGeom>
+          <a:noFill/>
+          <a:ln>
+            <a:noFill/>
+          </a:ln>
+        </p:spPr>
+        <p:style>
+          <a:lnRef idx="2">
+            <a:schemeClr val="accent1">
+              <a:shade val="50000"/>
+            </a:schemeClr>
+          </a:lnRef>
+          <a:fillRef idx="1">
+            <a:schemeClr val="accent1"/>
+          </a:fillRef>
+          <a:effectRef idx="0">
+            <a:schemeClr val="accent1"/>
+          </a:effectRef>
+          <a:fontRef idx="minor">
+            <a:schemeClr val="lt1"/>
+          </a:fontRef>
+        </p:style>
+        <p:txBody>
+          <a:bodyPr rtlCol="0" anchor="ctr"/>
+          <a:lstStyle/>
+          <a:p>
+            <a:pPr algn="ctr"/>
+            <a:r>
+              <a:rPr lang="fr-FR" dirty="0" smtClean="0"/>
+              <a:t>CONCLUSION</a:t>
+            </a:r>
+            <a:endParaRPr lang="fr-FR" dirty="0"/>
+          </a:p>
+        </p:txBody>
+      </p:sp>
+      <p:sp>
+        <p:nvSpPr>
+          <p:cNvPr id="8" name="Rectangle 7"/>
+          <p:cNvSpPr/>
+          <p:nvPr/>
+        </p:nvSpPr>
+        <p:spPr>
+          <a:xfrm>
+            <a:off x="-9752" y="4733436"/>
+            <a:ext cx="2544308" cy="1001486"/>
+          </a:xfrm>
+          <a:prstGeom prst="rect">
+            <a:avLst/>
+          </a:prstGeom>
+          <a:noFill/>
+          <a:ln>
+            <a:noFill/>
+          </a:ln>
+        </p:spPr>
+        <p:style>
+          <a:lnRef idx="2">
+            <a:schemeClr val="accent1">
+              <a:shade val="50000"/>
+            </a:schemeClr>
+          </a:lnRef>
+          <a:fillRef idx="1">
+            <a:schemeClr val="accent1"/>
+          </a:fillRef>
+          <a:effectRef idx="0">
+            <a:schemeClr val="accent1"/>
+          </a:effectRef>
+          <a:fontRef idx="minor">
+            <a:schemeClr val="lt1"/>
+          </a:fontRef>
+        </p:style>
+        <p:txBody>
+          <a:bodyPr rtlCol="0" anchor="ctr"/>
+          <a:lstStyle/>
+          <a:p>
+            <a:pPr algn="ctr"/>
+            <a:r>
+              <a:rPr lang="fr-FR" dirty="0" smtClean="0"/>
+              <a:t>LE STAGIAIRE</a:t>
+            </a:r>
+            <a:endParaRPr lang="fr-FR" dirty="0"/>
+          </a:p>
+        </p:txBody>
+      </p:sp>
+      <p:sp>
+        <p:nvSpPr>
+          <p:cNvPr id="11" name="Rectangle 10"/>
+          <p:cNvSpPr/>
+          <p:nvPr/>
+        </p:nvSpPr>
+        <p:spPr>
+          <a:xfrm>
+            <a:off x="3291882" y="506014"/>
+            <a:ext cx="1619331" cy="442452"/>
+          </a:xfrm>
+          <a:prstGeom prst="rect">
+            <a:avLst/>
+          </a:prstGeom>
+          <a:solidFill>
+            <a:schemeClr val="bg2">
+              <a:lumMod val="60000"/>
+              <a:lumOff val="40000"/>
+            </a:schemeClr>
+          </a:solidFill>
+          <a:ln>
+            <a:noFill/>
+          </a:ln>
+        </p:spPr>
+        <p:style>
+          <a:lnRef idx="2">
+            <a:schemeClr val="accent1">
+              <a:shade val="50000"/>
+            </a:schemeClr>
+          </a:lnRef>
+          <a:fillRef idx="1">
+            <a:schemeClr val="accent1"/>
+          </a:fillRef>
+          <a:effectRef idx="0">
+            <a:schemeClr val="accent1"/>
+          </a:effectRef>
+          <a:fontRef idx="minor">
+            <a:schemeClr val="lt1"/>
+          </a:fontRef>
+        </p:style>
+        <p:txBody>
+          <a:bodyPr rtlCol="0" anchor="ctr"/>
+          <a:lstStyle/>
+          <a:p>
+            <a:pPr algn="ctr"/>
+            <a:r>
+              <a:rPr lang="fr-FR" dirty="0" smtClean="0">
+                <a:solidFill>
+                  <a:srgbClr val="C00000"/>
+                </a:solidFill>
+              </a:rPr>
+              <a:t>Historique</a:t>
+            </a:r>
+            <a:endParaRPr lang="fr-FR" dirty="0">
+              <a:solidFill>
+                <a:srgbClr val="C00000"/>
+              </a:solidFill>
+            </a:endParaRPr>
+          </a:p>
+        </p:txBody>
+      </p:sp>
+      <p:sp>
+        <p:nvSpPr>
+          <p:cNvPr id="14" name="Rectangle 13"/>
+          <p:cNvSpPr/>
+          <p:nvPr/>
+        </p:nvSpPr>
+        <p:spPr>
+          <a:xfrm>
+            <a:off x="4911213" y="506014"/>
+            <a:ext cx="1619331" cy="442452"/>
+          </a:xfrm>
+          <a:prstGeom prst="rect">
+            <a:avLst/>
+          </a:prstGeom>
+          <a:solidFill>
+            <a:schemeClr val="bg2">
+              <a:lumMod val="60000"/>
+              <a:lumOff val="40000"/>
+            </a:schemeClr>
+          </a:solidFill>
+          <a:ln>
+            <a:noFill/>
+          </a:ln>
+        </p:spPr>
+        <p:style>
+          <a:lnRef idx="2">
+            <a:schemeClr val="accent1">
+              <a:shade val="50000"/>
+            </a:schemeClr>
+          </a:lnRef>
+          <a:fillRef idx="1">
+            <a:schemeClr val="accent1"/>
+          </a:fillRef>
+          <a:effectRef idx="0">
+            <a:schemeClr val="accent1"/>
+          </a:effectRef>
+          <a:fontRef idx="minor">
+            <a:schemeClr val="lt1"/>
+          </a:fontRef>
+        </p:style>
+        <p:txBody>
+          <a:bodyPr rtlCol="0" anchor="ctr"/>
+          <a:lstStyle/>
+          <a:p>
+            <a:pPr algn="ctr"/>
+            <a:r>
+              <a:rPr lang="fr-FR" dirty="0" smtClean="0">
+                <a:solidFill>
+                  <a:srgbClr val="C00000"/>
+                </a:solidFill>
+              </a:rPr>
+              <a:t>Activités</a:t>
+            </a:r>
+            <a:endParaRPr lang="fr-FR" dirty="0">
+              <a:solidFill>
+                <a:srgbClr val="C00000"/>
+              </a:solidFill>
+            </a:endParaRPr>
+          </a:p>
+        </p:txBody>
+      </p:sp>
+      <p:pic>
+        <p:nvPicPr>
+          <p:cNvPr id="3" name="Image 2"/>
+          <p:cNvPicPr>
+            <a:picLocks noChangeAspect="1"/>
+          </p:cNvPicPr>
+          <p:nvPr/>
+        </p:nvPicPr>
+        <p:blipFill>
+          <a:blip r:embed="rId2">
+            <a:extLst>
+              <a:ext uri="{28A0092B-C50C-407E-A947-70E740481C1C}">
+                <a14:useLocalDpi xmlns:a14="http://schemas.microsoft.com/office/drawing/2010/main" val="0"/>
+              </a:ext>
+            </a:extLst>
+          </a:blip>
+          <a:stretch>
+            <a:fillRect/>
+          </a:stretch>
+        </p:blipFill>
+        <p:spPr>
+          <a:xfrm>
+            <a:off x="3291882" y="1483507"/>
+            <a:ext cx="7805805" cy="4651822"/>
+          </a:xfrm>
+          <a:prstGeom prst="rect">
+            <a:avLst/>
+          </a:prstGeom>
+        </p:spPr>
+      </p:pic>
+      <p:sp>
+        <p:nvSpPr>
+          <p:cNvPr id="16" name="Rectangle 15"/>
+          <p:cNvSpPr/>
+          <p:nvPr/>
+        </p:nvSpPr>
+        <p:spPr>
+          <a:xfrm>
+            <a:off x="-12515" y="1483507"/>
+            <a:ext cx="2320286" cy="1187122"/>
+          </a:xfrm>
+          <a:prstGeom prst="rect">
+            <a:avLst/>
+          </a:prstGeom>
+          <a:blipFill>
+            <a:blip r:embed="rId3"/>
+            <a:stretch>
+              <a:fillRect/>
+            </a:stretch>
+          </a:blipFill>
+          <a:ln>
+            <a:noFill/>
+          </a:ln>
+        </p:spPr>
+        <p:style>
+          <a:lnRef idx="2">
+            <a:schemeClr val="accent1">
+              <a:shade val="50000"/>
+            </a:schemeClr>
+          </a:lnRef>
+          <a:fillRef idx="1">
+            <a:schemeClr val="accent1"/>
+          </a:fillRef>
+          <a:effectRef idx="0">
+            <a:schemeClr val="accent1"/>
+          </a:effectRef>
+          <a:fontRef idx="minor">
+            <a:schemeClr val="lt1"/>
+          </a:fontRef>
+        </p:style>
+        <p:txBody>
+          <a:bodyPr rtlCol="0" anchor="ctr"/>
+          <a:lstStyle/>
+          <a:p>
+            <a:pPr algn="ctr"/>
+            <a:r>
+              <a:rPr lang="fr-FR" dirty="0" smtClean="0"/>
+              <a:t>AICOM</a:t>
+            </a:r>
+            <a:endParaRPr lang="fr-FR" dirty="0"/>
+          </a:p>
+        </p:txBody>
+      </p:sp>
+      <p:sp>
+        <p:nvSpPr>
+          <p:cNvPr id="17" name="Rectangle 16"/>
+          <p:cNvSpPr/>
+          <p:nvPr/>
+        </p:nvSpPr>
+        <p:spPr>
+          <a:xfrm>
+            <a:off x="6458936" y="506014"/>
+            <a:ext cx="3522191" cy="442452"/>
+          </a:xfrm>
+          <a:prstGeom prst="rect">
+            <a:avLst/>
+          </a:prstGeom>
+          <a:solidFill>
+            <a:schemeClr val="bg2">
+              <a:lumMod val="60000"/>
+              <a:lumOff val="40000"/>
+            </a:schemeClr>
+          </a:solidFill>
+          <a:ln>
+            <a:noFill/>
+          </a:ln>
+        </p:spPr>
+        <p:style>
+          <a:lnRef idx="2">
+            <a:schemeClr val="accent1">
+              <a:shade val="50000"/>
+            </a:schemeClr>
+          </a:lnRef>
+          <a:fillRef idx="1">
+            <a:schemeClr val="accent1"/>
+          </a:fillRef>
+          <a:effectRef idx="0">
+            <a:schemeClr val="accent1"/>
+          </a:effectRef>
+          <a:fontRef idx="minor">
+            <a:schemeClr val="lt1"/>
+          </a:fontRef>
+        </p:style>
+        <p:txBody>
+          <a:bodyPr rtlCol="0" anchor="ctr"/>
+          <a:lstStyle/>
+          <a:p>
+            <a:pPr algn="ctr"/>
+            <a:r>
+              <a:rPr lang="fr-FR" dirty="0" smtClean="0">
+                <a:solidFill>
+                  <a:srgbClr val="C00000"/>
+                </a:solidFill>
+              </a:rPr>
+              <a:t>Organigramme de la société</a:t>
+            </a:r>
+            <a:endParaRPr lang="fr-FR" dirty="0">
+              <a:solidFill>
+                <a:srgbClr val="C00000"/>
+              </a:solidFill>
+            </a:endParaRPr>
+          </a:p>
+        </p:txBody>
+      </p:sp>
+    </p:spTree>
+    <p:extLst>
+      <p:ext uri="{BB962C8B-B14F-4D97-AF65-F5344CB8AC3E}">
+        <p14:creationId xmlns:p14="http://schemas.microsoft.com/office/powerpoint/2010/main" val="2390753106"/>
+      </p:ext>
+    </p:extLst>
+  </p:cSld>
+  <p:clrMapOvr>
+    <a:masterClrMapping/>
+  </p:clrMapOvr>
+  <p:timing>
+    <p:tnLst>
+      <p:par>
+        <p:cTn xmlns:p14="http://schemas.microsoft.com/office/powerpoint/2010/main" id="1" dur="indefinite" restart="never" nodeType="tmRoot">
+          <p:childTnLst>
+            <p:seq concurrent="1" nextAc="seek">
+              <p:cTn id="2" dur="indefinite" nodeType="mainSeq">
+                <p:childTnLst>
+                  <p:par>
+                    <p:cTn id="3" fill="hold">
+                      <p:stCondLst>
+                        <p:cond delay="indefinite"/>
+                        <p:cond evt="onBegin" delay="0">
+                          <p:tn val="2"/>
+                        </p:cond>
+                      </p:stCondLst>
+                      <p:childTnLst>
+                        <p:par>
+                          <p:cTn id="4" fill="hold">
+                            <p:stCondLst>
+                              <p:cond delay="0"/>
+                            </p:stCondLst>
+                            <p:childTnLst>
+                              <p:par>
+                                <p:cTn id="5" presetID="22" presetClass="entr" presetSubtype="8" fill="hold" nodeType="afterEffect">
+                                  <p:stCondLst>
+                                    <p:cond delay="0"/>
+                                  </p:stCondLst>
+                                  <p:childTnLst>
+                                    <p:set>
+                                      <p:cBhvr>
+                                        <p:cTn id="6" dur="1" fill="hold">
+                                          <p:stCondLst>
+                                            <p:cond delay="0"/>
+                                          </p:stCondLst>
+                                        </p:cTn>
+                                        <p:tgtEl>
+                                          <p:spTgt spid="3"/>
+                                        </p:tgtEl>
+                                        <p:attrNameLst>
+                                          <p:attrName>style.visibility</p:attrName>
+                                        </p:attrNameLst>
+                                      </p:cBhvr>
+                                      <p:to>
+                                        <p:strVal val="visible"/>
+                                      </p:to>
+                                    </p:set>
+                                    <p:animEffect transition="in" filter="wipe(left)">
+                                      <p:cBhvr>
+                                        <p:cTn id="7" dur="1000"/>
+                                        <p:tgtEl>
+                                          <p:spTgt spid="3"/>
+                                        </p:tgtEl>
+                                      </p:cBhvr>
+                                    </p:animEffect>
+                                  </p:childTnLst>
+                                </p:cTn>
+                              </p:par>
+                            </p:childTnLst>
+                          </p:cTn>
+                        </p:par>
+                      </p:childTnLst>
+                    </p:cTn>
+                  </p:par>
+                </p:childTnLst>
+              </p:cTn>
+              <p:prevCondLst>
+                <p:cond evt="onPrev" delay="0">
+                  <p:tgtEl>
+                    <p:sldTgt/>
+                  </p:tgtEl>
+                </p:cond>
+              </p:prevCondLst>
+              <p:nextCondLst>
+                <p:cond evt="onNext" delay="0">
+                  <p:tgtEl>
+                    <p:sldTgt/>
+                  </p:tgtEl>
+                </p:cond>
+              </p:nextCondLst>
+            </p:seq>
+          </p:childTnLst>
+        </p:cTn>
+      </p:par>
+    </p:tnLst>
+  </p:timing>
+</p:sld>
+</file>
+
+<file path=ppt/slides/slide6.xml><?xml version="1.0" encoding="utf-8"?>
+<p:sld xmlns:a="http://schemas.openxmlformats.org/drawingml/2006/main" xmlns:r="http://schemas.openxmlformats.org/officeDocument/2006/relationships" xmlns:p="http://schemas.openxmlformats.org/presentationml/2006/main">
+  <p:cSld>
+    <p:spTree>
+      <p:nvGrpSpPr>
+        <p:cNvPr id="1" name=""/>
+        <p:cNvGrpSpPr/>
+        <p:nvPr/>
+      </p:nvGrpSpPr>
+      <p:grpSpPr>
+        <a:xfrm>
+          <a:off x="0" y="0"/>
+          <a:ext cx="0" cy="0"/>
+          <a:chOff x="0" y="0"/>
+          <a:chExt cx="0" cy="0"/>
+        </a:xfrm>
+      </p:grpSpPr>
+      <p:sp>
+        <p:nvSpPr>
+          <p:cNvPr id="4" name="ZoneTexte 3"/>
+          <p:cNvSpPr txBox="1"/>
+          <p:nvPr/>
+        </p:nvSpPr>
+        <p:spPr>
+          <a:xfrm>
+            <a:off x="10558807" y="371083"/>
+            <a:ext cx="441146" cy="369332"/>
+          </a:xfrm>
+          <a:prstGeom prst="rect">
+            <a:avLst/>
+          </a:prstGeom>
+          <a:noFill/>
+        </p:spPr>
+        <p:txBody>
+          <a:bodyPr wrap="none" rtlCol="0">
+            <a:spAutoFit/>
+          </a:bodyPr>
+          <a:lstStyle/>
+          <a:p>
+            <a:r>
+              <a:rPr lang="fr-FR" dirty="0" smtClean="0"/>
+              <a:t>03</a:t>
+            </a:r>
+            <a:endParaRPr lang="fr-FR" dirty="0"/>
+          </a:p>
+        </p:txBody>
+      </p:sp>
+      <p:sp>
+        <p:nvSpPr>
+          <p:cNvPr id="6" name="Espace réservé du contenu 2"/>
+          <p:cNvSpPr txBox="1">
+            <a:spLocks/>
+          </p:cNvSpPr>
+          <p:nvPr/>
+        </p:nvSpPr>
+        <p:spPr>
+          <a:xfrm>
+            <a:off x="4277033" y="2500001"/>
+            <a:ext cx="4803058" cy="1418371"/>
           </a:xfrm>
           <a:prstGeom prst="rect">
             <a:avLst/>
@@ -20582,11 +22256,20 @@
           <a:p>
             <a:r>
               <a:rPr lang="fr-FR" dirty="0" smtClean="0"/>
-              <a:t>Achat et vente de pièces aéronautiques</a:t>
-            </a:r>
-          </a:p>
-          <a:p>
-            <a:endParaRPr lang="fr-FR" dirty="0" smtClean="0"/>
+              <a:t>Site d’informations</a:t>
+            </a:r>
+          </a:p>
+          <a:p>
+            <a:r>
+              <a:rPr lang="fr-FR" dirty="0" smtClean="0"/>
+              <a:t>Support de communication</a:t>
+            </a:r>
+          </a:p>
+          <a:p>
+            <a:r>
+              <a:rPr lang="fr-FR" dirty="0" smtClean="0"/>
+              <a:t>Améliorer l’image de la société</a:t>
+            </a:r>
           </a:p>
         </p:txBody>
       </p:sp>
@@ -20683,14 +22366,14 @@
       </p:sp>
       <p:sp>
         <p:nvSpPr>
-          <p:cNvPr id="2" name="Rectangle 1"/>
+          <p:cNvPr id="12" name="Rectangle 11"/>
           <p:cNvSpPr/>
           <p:nvPr/>
         </p:nvSpPr>
         <p:spPr>
           <a:xfrm>
-            <a:off x="-14510" y="2688198"/>
-            <a:ext cx="2510967" cy="1041978"/>
+            <a:off x="-12515" y="1483507"/>
+            <a:ext cx="2196074" cy="1011830"/>
           </a:xfrm>
           <a:prstGeom prst="rect">
             <a:avLst/>
@@ -20723,7 +22406,7 @@
             <a:pPr algn="ctr"/>
             <a:r>
               <a:rPr lang="fr-FR" dirty="0" smtClean="0"/>
-              <a:t>SITE INTERNET</a:t>
+              <a:t>AVIACO FRANCE</a:t>
             </a:r>
             <a:endParaRPr lang="fr-FR" dirty="0"/>
           </a:p>
@@ -20731,280 +22414,14 @@
       </p:sp>
       <p:sp>
         <p:nvSpPr>
-          <p:cNvPr id="5" name="Rectangle 4"/>
+          <p:cNvPr id="2" name="Rectangle 1"/>
           <p:cNvSpPr/>
           <p:nvPr/>
         </p:nvSpPr>
         <p:spPr>
           <a:xfrm>
-            <a:off x="-18425" y="3749233"/>
-            <a:ext cx="2552981" cy="967920"/>
-          </a:xfrm>
-          <a:prstGeom prst="rect">
-            <a:avLst/>
-          </a:prstGeom>
-          <a:noFill/>
-          <a:ln>
-            <a:noFill/>
-          </a:ln>
-        </p:spPr>
-        <p:style>
-          <a:lnRef idx="2">
-            <a:schemeClr val="accent1">
-              <a:shade val="50000"/>
-            </a:schemeClr>
-          </a:lnRef>
-          <a:fillRef idx="1">
-            <a:schemeClr val="accent1"/>
-          </a:fillRef>
-          <a:effectRef idx="0">
-            <a:schemeClr val="accent1"/>
-          </a:effectRef>
-          <a:fontRef idx="minor">
-            <a:schemeClr val="lt1"/>
-          </a:fontRef>
-        </p:style>
-        <p:txBody>
-          <a:bodyPr rtlCol="0" anchor="ctr"/>
-          <a:lstStyle/>
-          <a:p>
-            <a:pPr algn="ctr"/>
-            <a:r>
-              <a:rPr lang="fr-FR" dirty="0" smtClean="0"/>
-              <a:t>APPLICATION</a:t>
-            </a:r>
-            <a:endParaRPr lang="fr-FR" dirty="0"/>
-          </a:p>
-        </p:txBody>
-      </p:sp>
-      <p:sp>
-        <p:nvSpPr>
-          <p:cNvPr id="7" name="Rectangle 6"/>
-          <p:cNvSpPr/>
-          <p:nvPr/>
-        </p:nvSpPr>
-        <p:spPr>
-          <a:xfrm>
-            <a:off x="2191" y="5748669"/>
-            <a:ext cx="2532365" cy="1109331"/>
-          </a:xfrm>
-          <a:prstGeom prst="rect">
-            <a:avLst/>
-          </a:prstGeom>
-          <a:noFill/>
-          <a:ln>
-            <a:noFill/>
-          </a:ln>
-        </p:spPr>
-        <p:style>
-          <a:lnRef idx="2">
-            <a:schemeClr val="accent1">
-              <a:shade val="50000"/>
-            </a:schemeClr>
-          </a:lnRef>
-          <a:fillRef idx="1">
-            <a:schemeClr val="accent1"/>
-          </a:fillRef>
-          <a:effectRef idx="0">
-            <a:schemeClr val="accent1"/>
-          </a:effectRef>
-          <a:fontRef idx="minor">
-            <a:schemeClr val="lt1"/>
-          </a:fontRef>
-        </p:style>
-        <p:txBody>
-          <a:bodyPr rtlCol="0" anchor="ctr"/>
-          <a:lstStyle/>
-          <a:p>
-            <a:pPr algn="ctr"/>
-            <a:r>
-              <a:rPr lang="fr-FR" dirty="0" smtClean="0"/>
-              <a:t>CONCLUSION</a:t>
-            </a:r>
-            <a:endParaRPr lang="fr-FR" dirty="0"/>
-          </a:p>
-        </p:txBody>
-      </p:sp>
-      <p:sp>
-        <p:nvSpPr>
-          <p:cNvPr id="8" name="Rectangle 7"/>
-          <p:cNvSpPr/>
-          <p:nvPr/>
-        </p:nvSpPr>
-        <p:spPr>
-          <a:xfrm>
-            <a:off x="-9752" y="4733436"/>
-            <a:ext cx="2544308" cy="1001486"/>
-          </a:xfrm>
-          <a:prstGeom prst="rect">
-            <a:avLst/>
-          </a:prstGeom>
-          <a:noFill/>
-          <a:ln>
-            <a:noFill/>
-          </a:ln>
-        </p:spPr>
-        <p:style>
-          <a:lnRef idx="2">
-            <a:schemeClr val="accent1">
-              <a:shade val="50000"/>
-            </a:schemeClr>
-          </a:lnRef>
-          <a:fillRef idx="1">
-            <a:schemeClr val="accent1"/>
-          </a:fillRef>
-          <a:effectRef idx="0">
-            <a:schemeClr val="accent1"/>
-          </a:effectRef>
-          <a:fontRef idx="minor">
-            <a:schemeClr val="lt1"/>
-          </a:fontRef>
-        </p:style>
-        <p:txBody>
-          <a:bodyPr rtlCol="0" anchor="ctr"/>
-          <a:lstStyle/>
-          <a:p>
-            <a:pPr algn="ctr"/>
-            <a:r>
-              <a:rPr lang="fr-FR" dirty="0" smtClean="0"/>
-              <a:t>LE STAGIAIRE</a:t>
-            </a:r>
-            <a:endParaRPr lang="fr-FR" dirty="0"/>
-          </a:p>
-        </p:txBody>
-      </p:sp>
-      <p:sp>
-        <p:nvSpPr>
-          <p:cNvPr id="11" name="Rectangle 10"/>
-          <p:cNvSpPr/>
-          <p:nvPr/>
-        </p:nvSpPr>
-        <p:spPr>
-          <a:xfrm>
-            <a:off x="3291882" y="506014"/>
-            <a:ext cx="1619331" cy="442452"/>
-          </a:xfrm>
-          <a:prstGeom prst="rect">
-            <a:avLst/>
-          </a:prstGeom>
-          <a:solidFill>
-            <a:schemeClr val="bg2">
-              <a:lumMod val="60000"/>
-              <a:lumOff val="40000"/>
-            </a:schemeClr>
-          </a:solidFill>
-          <a:ln>
-            <a:noFill/>
-          </a:ln>
-        </p:spPr>
-        <p:style>
-          <a:lnRef idx="2">
-            <a:schemeClr val="accent1">
-              <a:shade val="50000"/>
-            </a:schemeClr>
-          </a:lnRef>
-          <a:fillRef idx="1">
-            <a:schemeClr val="accent1"/>
-          </a:fillRef>
-          <a:effectRef idx="0">
-            <a:schemeClr val="accent1"/>
-          </a:effectRef>
-          <a:fontRef idx="minor">
-            <a:schemeClr val="lt1"/>
-          </a:fontRef>
-        </p:style>
-        <p:txBody>
-          <a:bodyPr rtlCol="0" anchor="ctr"/>
-          <a:lstStyle/>
-          <a:p>
-            <a:pPr algn="ctr"/>
-            <a:r>
-              <a:rPr lang="fr-FR" dirty="0" smtClean="0">
-                <a:solidFill>
-                  <a:srgbClr val="C00000"/>
-                </a:solidFill>
-              </a:rPr>
-              <a:t>Historique</a:t>
-            </a:r>
-            <a:endParaRPr lang="fr-FR" dirty="0">
-              <a:solidFill>
-                <a:srgbClr val="C00000"/>
-              </a:solidFill>
-            </a:endParaRPr>
-          </a:p>
-        </p:txBody>
-      </p:sp>
-      <p:sp>
-        <p:nvSpPr>
-          <p:cNvPr id="14" name="Rectangle 13"/>
-          <p:cNvSpPr/>
-          <p:nvPr/>
-        </p:nvSpPr>
-        <p:spPr>
-          <a:xfrm>
-            <a:off x="4911213" y="506014"/>
-            <a:ext cx="1619331" cy="442452"/>
-          </a:xfrm>
-          <a:prstGeom prst="rect">
-            <a:avLst/>
-          </a:prstGeom>
-          <a:solidFill>
-            <a:schemeClr val="bg2">
-              <a:lumMod val="60000"/>
-              <a:lumOff val="40000"/>
-            </a:schemeClr>
-          </a:solidFill>
-          <a:ln>
-            <a:noFill/>
-          </a:ln>
-        </p:spPr>
-        <p:style>
-          <a:lnRef idx="2">
-            <a:schemeClr val="accent1">
-              <a:shade val="50000"/>
-            </a:schemeClr>
-          </a:lnRef>
-          <a:fillRef idx="1">
-            <a:schemeClr val="accent1"/>
-          </a:fillRef>
-          <a:effectRef idx="0">
-            <a:schemeClr val="accent1"/>
-          </a:effectRef>
-          <a:fontRef idx="minor">
-            <a:schemeClr val="lt1"/>
-          </a:fontRef>
-        </p:style>
-        <p:txBody>
-          <a:bodyPr rtlCol="0" anchor="ctr"/>
-          <a:lstStyle/>
-          <a:p>
-            <a:pPr algn="ctr"/>
-            <a:r>
-              <a:rPr lang="fr-FR" dirty="0" smtClean="0">
-                <a:solidFill>
-                  <a:srgbClr val="C00000"/>
-                </a:solidFill>
-              </a:rPr>
-              <a:t>Activités</a:t>
-            </a:r>
-            <a:endParaRPr lang="fr-FR" dirty="0">
-              <a:solidFill>
-                <a:srgbClr val="C00000"/>
-              </a:solidFill>
-            </a:endParaRPr>
-          </a:p>
-        </p:txBody>
-      </p:sp>
-      <p:sp>
-        <p:nvSpPr>
-          <p:cNvPr id="16" name="Rectangle 15"/>
-          <p:cNvSpPr/>
-          <p:nvPr/>
-        </p:nvSpPr>
-        <p:spPr>
-          <a:xfrm>
-            <a:off x="-12515" y="1483507"/>
-            <a:ext cx="2320286" cy="1187122"/>
+            <a:off x="-14510" y="2688198"/>
+            <a:ext cx="2175787" cy="1041978"/>
           </a:xfrm>
           <a:prstGeom prst="rect">
             <a:avLst/>
@@ -21042,7 +22459,7 @@
             <a:pPr algn="ctr"/>
             <a:r>
               <a:rPr lang="fr-FR" dirty="0" smtClean="0"/>
-              <a:t>AVIACO FRANCE</a:t>
+              <a:t>PROJETS</a:t>
             </a:r>
             <a:endParaRPr lang="fr-FR" dirty="0"/>
           </a:p>
@@ -21050,24 +22467,19 @@
       </p:sp>
       <p:sp>
         <p:nvSpPr>
-          <p:cNvPr id="17" name="Rectangle 16"/>
+          <p:cNvPr id="5" name="Rectangle 4"/>
           <p:cNvSpPr/>
           <p:nvPr/>
         </p:nvSpPr>
         <p:spPr>
           <a:xfrm>
-            <a:off x="6458936" y="506014"/>
-            <a:ext cx="3522191" cy="442452"/>
-          </a:xfrm>
-          <a:prstGeom prst="rect">
-            <a:avLst/>
-          </a:prstGeom>
-          <a:solidFill>
-            <a:schemeClr val="bg2">
-              <a:lumMod val="60000"/>
-              <a:lumOff val="40000"/>
-            </a:schemeClr>
-          </a:solidFill>
+            <a:off x="-18425" y="3749233"/>
+            <a:ext cx="2552981" cy="967920"/>
+          </a:xfrm>
+          <a:prstGeom prst="rect">
+            <a:avLst/>
+          </a:prstGeom>
+          <a:noFill/>
           <a:ln>
             <a:noFill/>
           </a:ln>
@@ -21095,16 +22507,295 @@
             <a:pPr algn="ctr"/>
             <a:r>
               <a:rPr lang="fr-FR" dirty="0" smtClean="0"/>
-              <a:t>Organigramme de la société</a:t>
+              <a:t>APPLICATION</a:t>
             </a:r>
             <a:endParaRPr lang="fr-FR" dirty="0"/>
+          </a:p>
+        </p:txBody>
+      </p:sp>
+      <p:sp>
+        <p:nvSpPr>
+          <p:cNvPr id="7" name="Rectangle 6"/>
+          <p:cNvSpPr/>
+          <p:nvPr/>
+        </p:nvSpPr>
+        <p:spPr>
+          <a:xfrm>
+            <a:off x="2191" y="5748669"/>
+            <a:ext cx="2532365" cy="1109331"/>
+          </a:xfrm>
+          <a:prstGeom prst="rect">
+            <a:avLst/>
+          </a:prstGeom>
+          <a:noFill/>
+          <a:ln>
+            <a:noFill/>
+          </a:ln>
+        </p:spPr>
+        <p:style>
+          <a:lnRef idx="2">
+            <a:schemeClr val="accent1">
+              <a:shade val="50000"/>
+            </a:schemeClr>
+          </a:lnRef>
+          <a:fillRef idx="1">
+            <a:schemeClr val="accent1"/>
+          </a:fillRef>
+          <a:effectRef idx="0">
+            <a:schemeClr val="accent1"/>
+          </a:effectRef>
+          <a:fontRef idx="minor">
+            <a:schemeClr val="lt1"/>
+          </a:fontRef>
+        </p:style>
+        <p:txBody>
+          <a:bodyPr rtlCol="0" anchor="ctr"/>
+          <a:lstStyle/>
+          <a:p>
+            <a:pPr algn="ctr"/>
+            <a:r>
+              <a:rPr lang="fr-FR" dirty="0" smtClean="0"/>
+              <a:t>CONCLUSION</a:t>
+            </a:r>
+            <a:endParaRPr lang="fr-FR" dirty="0"/>
+          </a:p>
+        </p:txBody>
+      </p:sp>
+      <p:sp>
+        <p:nvSpPr>
+          <p:cNvPr id="8" name="Rectangle 7"/>
+          <p:cNvSpPr/>
+          <p:nvPr/>
+        </p:nvSpPr>
+        <p:spPr>
+          <a:xfrm>
+            <a:off x="-9752" y="4733436"/>
+            <a:ext cx="2544308" cy="1001486"/>
+          </a:xfrm>
+          <a:prstGeom prst="rect">
+            <a:avLst/>
+          </a:prstGeom>
+          <a:noFill/>
+          <a:ln>
+            <a:noFill/>
+          </a:ln>
+        </p:spPr>
+        <p:style>
+          <a:lnRef idx="2">
+            <a:schemeClr val="accent1">
+              <a:shade val="50000"/>
+            </a:schemeClr>
+          </a:lnRef>
+          <a:fillRef idx="1">
+            <a:schemeClr val="accent1"/>
+          </a:fillRef>
+          <a:effectRef idx="0">
+            <a:schemeClr val="accent1"/>
+          </a:effectRef>
+          <a:fontRef idx="minor">
+            <a:schemeClr val="lt1"/>
+          </a:fontRef>
+        </p:style>
+        <p:txBody>
+          <a:bodyPr rtlCol="0" anchor="ctr"/>
+          <a:lstStyle/>
+          <a:p>
+            <a:pPr algn="ctr"/>
+            <a:r>
+              <a:rPr lang="fr-FR" dirty="0" smtClean="0"/>
+              <a:t>LE STAGIAIRE</a:t>
+            </a:r>
+            <a:endParaRPr lang="fr-FR" dirty="0"/>
+          </a:p>
+        </p:txBody>
+      </p:sp>
+      <p:sp>
+        <p:nvSpPr>
+          <p:cNvPr id="13" name="Rectangle 12"/>
+          <p:cNvSpPr/>
+          <p:nvPr/>
+        </p:nvSpPr>
+        <p:spPr>
+          <a:xfrm>
+            <a:off x="3291882" y="506014"/>
+            <a:ext cx="1619331" cy="442452"/>
+          </a:xfrm>
+          <a:prstGeom prst="rect">
+            <a:avLst/>
+          </a:prstGeom>
+          <a:solidFill>
+            <a:schemeClr val="bg2">
+              <a:lumMod val="60000"/>
+              <a:lumOff val="40000"/>
+            </a:schemeClr>
+          </a:solidFill>
+          <a:ln>
+            <a:noFill/>
+          </a:ln>
+        </p:spPr>
+        <p:style>
+          <a:lnRef idx="2">
+            <a:schemeClr val="accent1">
+              <a:shade val="50000"/>
+            </a:schemeClr>
+          </a:lnRef>
+          <a:fillRef idx="1">
+            <a:schemeClr val="accent1"/>
+          </a:fillRef>
+          <a:effectRef idx="0">
+            <a:schemeClr val="accent1"/>
+          </a:effectRef>
+          <a:fontRef idx="minor">
+            <a:schemeClr val="lt1"/>
+          </a:fontRef>
+        </p:style>
+        <p:txBody>
+          <a:bodyPr rtlCol="0" anchor="ctr"/>
+          <a:lstStyle/>
+          <a:p>
+            <a:pPr algn="ctr"/>
+            <a:r>
+              <a:rPr lang="fr-FR" dirty="0" smtClean="0">
+                <a:solidFill>
+                  <a:srgbClr val="C00000"/>
+                </a:solidFill>
+              </a:rPr>
+              <a:t>Objectifs</a:t>
+            </a:r>
+            <a:endParaRPr lang="fr-FR" dirty="0">
+              <a:solidFill>
+                <a:srgbClr val="C00000"/>
+              </a:solidFill>
+            </a:endParaRPr>
+          </a:p>
+        </p:txBody>
+      </p:sp>
+      <p:sp>
+        <p:nvSpPr>
+          <p:cNvPr id="14" name="Rectangle 13"/>
+          <p:cNvSpPr/>
+          <p:nvPr/>
+        </p:nvSpPr>
+        <p:spPr>
+          <a:xfrm>
+            <a:off x="4911213" y="506014"/>
+            <a:ext cx="1619331" cy="442452"/>
+          </a:xfrm>
+          <a:prstGeom prst="rect">
+            <a:avLst/>
+          </a:prstGeom>
+          <a:solidFill>
+            <a:schemeClr val="bg2">
+              <a:lumMod val="60000"/>
+              <a:lumOff val="40000"/>
+            </a:schemeClr>
+          </a:solidFill>
+          <a:ln>
+            <a:noFill/>
+          </a:ln>
+        </p:spPr>
+        <p:style>
+          <a:lnRef idx="2">
+            <a:schemeClr val="accent1">
+              <a:shade val="50000"/>
+            </a:schemeClr>
+          </a:lnRef>
+          <a:fillRef idx="1">
+            <a:schemeClr val="accent1"/>
+          </a:fillRef>
+          <a:effectRef idx="0">
+            <a:schemeClr val="accent1"/>
+          </a:effectRef>
+          <a:fontRef idx="minor">
+            <a:schemeClr val="lt1"/>
+          </a:fontRef>
+        </p:style>
+        <p:txBody>
+          <a:bodyPr rtlCol="0" anchor="ctr"/>
+          <a:lstStyle/>
+          <a:p>
+            <a:pPr algn="ctr"/>
+            <a:r>
+              <a:rPr lang="fr-FR" dirty="0" smtClean="0">
+                <a:solidFill>
+                  <a:schemeClr val="tx1"/>
+                </a:solidFill>
+              </a:rPr>
+              <a:t>MCD</a:t>
+            </a:r>
+            <a:endParaRPr lang="fr-FR" dirty="0">
+              <a:solidFill>
+                <a:schemeClr val="tx1"/>
+              </a:solidFill>
+            </a:endParaRPr>
+          </a:p>
+        </p:txBody>
+      </p:sp>
+      <p:sp>
+        <p:nvSpPr>
+          <p:cNvPr id="15" name="Rectangle 14"/>
+          <p:cNvSpPr/>
+          <p:nvPr/>
+        </p:nvSpPr>
+        <p:spPr>
+          <a:xfrm>
+            <a:off x="6458937" y="506014"/>
+            <a:ext cx="1844406" cy="442452"/>
+          </a:xfrm>
+          <a:prstGeom prst="rect">
+            <a:avLst/>
+          </a:prstGeom>
+          <a:solidFill>
+            <a:schemeClr val="bg2">
+              <a:lumMod val="60000"/>
+              <a:lumOff val="40000"/>
+            </a:schemeClr>
+          </a:solidFill>
+          <a:ln>
+            <a:noFill/>
+          </a:ln>
+        </p:spPr>
+        <p:style>
+          <a:lnRef idx="2">
+            <a:schemeClr val="accent1">
+              <a:shade val="50000"/>
+            </a:schemeClr>
+          </a:lnRef>
+          <a:fillRef idx="1">
+            <a:schemeClr val="accent1"/>
+          </a:fillRef>
+          <a:effectRef idx="0">
+            <a:schemeClr val="accent1"/>
+          </a:effectRef>
+          <a:fontRef idx="minor">
+            <a:schemeClr val="lt1"/>
+          </a:fontRef>
+        </p:style>
+        <p:txBody>
+          <a:bodyPr rtlCol="0" anchor="ctr"/>
+          <a:lstStyle/>
+          <a:p>
+            <a:pPr algn="ctr"/>
+            <a:r>
+              <a:rPr lang="fr-FR" dirty="0" smtClean="0">
+                <a:solidFill>
+                  <a:schemeClr val="tx1"/>
+                </a:solidFill>
+              </a:rPr>
+              <a:t>Composition</a:t>
+            </a:r>
+            <a:endParaRPr lang="fr-FR" dirty="0">
+              <a:solidFill>
+                <a:schemeClr val="tx1"/>
+              </a:solidFill>
+            </a:endParaRPr>
           </a:p>
         </p:txBody>
       </p:sp>
     </p:spTree>
     <p:extLst>
       <p:ext uri="{BB962C8B-B14F-4D97-AF65-F5344CB8AC3E}">
-        <p14:creationId xmlns:p14="http://schemas.microsoft.com/office/powerpoint/2010/main" val="2352365999"/>
+        <p14:creationId xmlns:p14="http://schemas.microsoft.com/office/powerpoint/2010/main" val="3728370395"/>
       </p:ext>
     </p:extLst>
   </p:cSld>
@@ -21114,7 +22805,7 @@
   <p:timing>
     <p:tnLst>
       <p:par>
-        <p:cTn id="1" dur="indefinite" restart="never" nodeType="tmRoot">
+        <p:cTn xmlns:p14="http://schemas.microsoft.com/office/powerpoint/2010/main" id="1" dur="indefinite" restart="never" nodeType="tmRoot">
           <p:childTnLst>
             <p:seq concurrent="1" nextAc="seek">
               <p:cTn id="2" dur="indefinite" nodeType="mainSeq">
@@ -21135,7 +22826,7 @@
                             </p:stCondLst>
                             <p:childTnLst>
                               <p:par>
-                                <p:cTn id="5" presetID="22" presetClass="entr" presetSubtype="8" fill="hold" grpId="0" nodeType="withEffect">
+                                <p:cTn id="5" presetID="22" presetClass="entr" presetSubtype="8" fill="hold" grpId="0" nodeType="afterEffect">
                                   <p:stCondLst>
                                     <p:cond delay="0"/>
                                   </p:stCondLst>
@@ -21203,7 +22894,7 @@
 </p:sld>
 </file>
 
-<file path=ppt/slides/slide5.xml><?xml version="1.0" encoding="utf-8"?>
+<file path=ppt/slides/slide7.xml><?xml version="1.0" encoding="utf-8"?>
 <p:sld xmlns:a="http://schemas.openxmlformats.org/drawingml/2006/main" xmlns:r="http://schemas.openxmlformats.org/officeDocument/2006/relationships" xmlns:p="http://schemas.openxmlformats.org/presentationml/2006/main">
   <p:cSld>
     <p:spTree>
@@ -21228,7 +22919,7 @@
         </p:nvSpPr>
         <p:spPr>
           <a:xfrm>
-            <a:off x="10573555" y="371083"/>
+            <a:off x="10558807" y="371083"/>
             <a:ext cx="441146" cy="369332"/>
           </a:xfrm>
           <a:prstGeom prst="rect">
@@ -21244,7 +22935,7 @@
           <a:p>
             <a:r>
               <a:rPr lang="fr-FR" dirty="0" smtClean="0"/>
-              <a:t>02</a:t>
+              <a:t>03</a:t>
             </a:r>
             <a:endParaRPr lang="fr-FR" dirty="0"/>
           </a:p>
@@ -21343,14 +23034,14 @@
       </p:sp>
       <p:sp>
         <p:nvSpPr>
-          <p:cNvPr id="2" name="Rectangle 1"/>
+          <p:cNvPr id="12" name="Rectangle 11"/>
           <p:cNvSpPr/>
           <p:nvPr/>
         </p:nvSpPr>
         <p:spPr>
           <a:xfrm>
-            <a:off x="-14510" y="2688198"/>
-            <a:ext cx="2510967" cy="1041978"/>
+            <a:off x="-12515" y="1483507"/>
+            <a:ext cx="2320286" cy="1187122"/>
           </a:xfrm>
           <a:prstGeom prst="rect">
             <a:avLst/>
@@ -21383,7 +23074,7 @@
             <a:pPr algn="ctr"/>
             <a:r>
               <a:rPr lang="fr-FR" dirty="0" smtClean="0"/>
-              <a:t>SITE INTERNET</a:t>
+              <a:t>AVIACO FRANCE</a:t>
             </a:r>
             <a:endParaRPr lang="fr-FR" dirty="0"/>
           </a:p>
@@ -21391,19 +23082,24 @@
       </p:sp>
       <p:sp>
         <p:nvSpPr>
-          <p:cNvPr id="5" name="Rectangle 4"/>
+          <p:cNvPr id="2" name="Rectangle 1"/>
           <p:cNvSpPr/>
           <p:nvPr/>
         </p:nvSpPr>
         <p:spPr>
           <a:xfrm>
-            <a:off x="-18425" y="3749233"/>
-            <a:ext cx="2552981" cy="967920"/>
-          </a:xfrm>
-          <a:prstGeom prst="rect">
-            <a:avLst/>
-          </a:prstGeom>
-          <a:noFill/>
+            <a:off x="-14510" y="2688198"/>
+            <a:ext cx="2510967" cy="1041978"/>
+          </a:xfrm>
+          <a:prstGeom prst="rect">
+            <a:avLst/>
+          </a:prstGeom>
+          <a:blipFill>
+            <a:blip r:embed="rId2"/>
+            <a:stretch>
+              <a:fillRect/>
+            </a:stretch>
+          </a:blipFill>
           <a:ln>
             <a:noFill/>
           </a:ln>
@@ -21431,7 +23127,7 @@
             <a:pPr algn="ctr"/>
             <a:r>
               <a:rPr lang="fr-FR" dirty="0" smtClean="0"/>
-              <a:t>APPLICATION</a:t>
+              <a:t>SITE INTERNET</a:t>
             </a:r>
             <a:endParaRPr lang="fr-FR" dirty="0"/>
           </a:p>
@@ -21439,14 +23135,14 @@
       </p:sp>
       <p:sp>
         <p:nvSpPr>
-          <p:cNvPr id="7" name="Rectangle 6"/>
+          <p:cNvPr id="5" name="Rectangle 4"/>
           <p:cNvSpPr/>
           <p:nvPr/>
         </p:nvSpPr>
         <p:spPr>
           <a:xfrm>
-            <a:off x="2191" y="5748669"/>
-            <a:ext cx="2532365" cy="1109331"/>
+            <a:off x="-18425" y="3749233"/>
+            <a:ext cx="2552981" cy="967920"/>
           </a:xfrm>
           <a:prstGeom prst="rect">
             <a:avLst/>
@@ -21479,7 +23175,7 @@
             <a:pPr algn="ctr"/>
             <a:r>
               <a:rPr lang="fr-FR" dirty="0" smtClean="0"/>
-              <a:t>CONCLUSION</a:t>
+              <a:t>APPLICATION</a:t>
             </a:r>
             <a:endParaRPr lang="fr-FR" dirty="0"/>
           </a:p>
@@ -21487,14 +23183,14 @@
       </p:sp>
       <p:sp>
         <p:nvSpPr>
-          <p:cNvPr id="8" name="Rectangle 7"/>
+          <p:cNvPr id="7" name="Rectangle 6"/>
           <p:cNvSpPr/>
           <p:nvPr/>
         </p:nvSpPr>
         <p:spPr>
           <a:xfrm>
-            <a:off x="-9752" y="4733436"/>
-            <a:ext cx="2544308" cy="1001486"/>
+            <a:off x="2191" y="5748669"/>
+            <a:ext cx="2532365" cy="1109331"/>
           </a:xfrm>
           <a:prstGeom prst="rect">
             <a:avLst/>
@@ -21527,7 +23223,7 @@
             <a:pPr algn="ctr"/>
             <a:r>
               <a:rPr lang="fr-FR" dirty="0" smtClean="0"/>
-              <a:t>LE STAGIAIRE</a:t>
+              <a:t>CONCLUSION</a:t>
             </a:r>
             <a:endParaRPr lang="fr-FR" dirty="0"/>
           </a:p>
@@ -21535,24 +23231,19 @@
       </p:sp>
       <p:sp>
         <p:nvSpPr>
-          <p:cNvPr id="11" name="Rectangle 10"/>
+          <p:cNvPr id="8" name="Rectangle 7"/>
           <p:cNvSpPr/>
           <p:nvPr/>
         </p:nvSpPr>
         <p:spPr>
           <a:xfrm>
-            <a:off x="3291882" y="506014"/>
-            <a:ext cx="1619331" cy="442452"/>
-          </a:xfrm>
-          <a:prstGeom prst="rect">
-            <a:avLst/>
-          </a:prstGeom>
-          <a:solidFill>
-            <a:schemeClr val="bg2">
-              <a:lumMod val="60000"/>
-              <a:lumOff val="40000"/>
-            </a:schemeClr>
-          </a:solidFill>
+            <a:off x="-9752" y="4733436"/>
+            <a:ext cx="2544308" cy="1001486"/>
+          </a:xfrm>
+          <a:prstGeom prst="rect">
+            <a:avLst/>
+          </a:prstGeom>
+          <a:noFill/>
           <a:ln>
             <a:noFill/>
           </a:ln>
@@ -21579,12 +23270,65 @@
           <a:p>
             <a:pPr algn="ctr"/>
             <a:r>
+              <a:rPr lang="fr-FR" dirty="0" smtClean="0"/>
+              <a:t>LE STAGIAIRE</a:t>
+            </a:r>
+            <a:endParaRPr lang="fr-FR" dirty="0"/>
+          </a:p>
+        </p:txBody>
+      </p:sp>
+      <p:sp>
+        <p:nvSpPr>
+          <p:cNvPr id="13" name="Rectangle 12"/>
+          <p:cNvSpPr/>
+          <p:nvPr/>
+        </p:nvSpPr>
+        <p:spPr>
+          <a:xfrm>
+            <a:off x="3291882" y="506014"/>
+            <a:ext cx="1619331" cy="442452"/>
+          </a:xfrm>
+          <a:prstGeom prst="rect">
+            <a:avLst/>
+          </a:prstGeom>
+          <a:solidFill>
+            <a:schemeClr val="bg2">
+              <a:lumMod val="60000"/>
+              <a:lumOff val="40000"/>
+            </a:schemeClr>
+          </a:solidFill>
+          <a:ln>
+            <a:noFill/>
+          </a:ln>
+        </p:spPr>
+        <p:style>
+          <a:lnRef idx="2">
+            <a:schemeClr val="accent1">
+              <a:shade val="50000"/>
+            </a:schemeClr>
+          </a:lnRef>
+          <a:fillRef idx="1">
+            <a:schemeClr val="accent1"/>
+          </a:fillRef>
+          <a:effectRef idx="0">
+            <a:schemeClr val="accent1"/>
+          </a:effectRef>
+          <a:fontRef idx="minor">
+            <a:schemeClr val="lt1"/>
+          </a:fontRef>
+        </p:style>
+        <p:txBody>
+          <a:bodyPr rtlCol="0" anchor="ctr"/>
+          <a:lstStyle/>
+          <a:p>
+            <a:pPr algn="ctr"/>
+            <a:r>
               <a:rPr lang="fr-FR" dirty="0" smtClean="0">
                 <a:solidFill>
                   <a:srgbClr val="C00000"/>
                 </a:solidFill>
               </a:rPr>
-              <a:t>Historique</a:t>
+              <a:t>Objectifs</a:t>
             </a:r>
             <a:endParaRPr lang="fr-FR" dirty="0">
               <a:solidFill>
@@ -21645,7 +23389,7 @@
                   <a:srgbClr val="C00000"/>
                 </a:solidFill>
               </a:rPr>
-              <a:t>Activités</a:t>
+              <a:t>MCD</a:t>
             </a:r>
             <a:endParaRPr lang="fr-FR" dirty="0">
               <a:solidFill>
@@ -21655,16 +23399,77 @@
           </a:p>
         </p:txBody>
       </p:sp>
+      <p:sp>
+        <p:nvSpPr>
+          <p:cNvPr id="15" name="Rectangle 14"/>
+          <p:cNvSpPr/>
+          <p:nvPr/>
+        </p:nvSpPr>
+        <p:spPr>
+          <a:xfrm>
+            <a:off x="6458937" y="506014"/>
+            <a:ext cx="1844406" cy="442452"/>
+          </a:xfrm>
+          <a:prstGeom prst="rect">
+            <a:avLst/>
+          </a:prstGeom>
+          <a:solidFill>
+            <a:schemeClr val="bg2">
+              <a:lumMod val="60000"/>
+              <a:lumOff val="40000"/>
+            </a:schemeClr>
+          </a:solidFill>
+          <a:ln>
+            <a:noFill/>
+          </a:ln>
+        </p:spPr>
+        <p:style>
+          <a:lnRef idx="2">
+            <a:schemeClr val="accent1">
+              <a:shade val="50000"/>
+            </a:schemeClr>
+          </a:lnRef>
+          <a:fillRef idx="1">
+            <a:schemeClr val="accent1"/>
+          </a:fillRef>
+          <a:effectRef idx="0">
+            <a:schemeClr val="accent1"/>
+          </a:effectRef>
+          <a:fontRef idx="minor">
+            <a:schemeClr val="lt1"/>
+          </a:fontRef>
+        </p:style>
+        <p:txBody>
+          <a:bodyPr rtlCol="0" anchor="ctr"/>
+          <a:lstStyle/>
+          <a:p>
+            <a:pPr algn="ctr"/>
+            <a:r>
+              <a:rPr lang="fr-FR" dirty="0" smtClean="0">
+                <a:solidFill>
+                  <a:schemeClr val="tx1"/>
+                </a:solidFill>
+              </a:rPr>
+              <a:t>Composition</a:t>
+            </a:r>
+            <a:endParaRPr lang="fr-FR" dirty="0">
+              <a:solidFill>
+                <a:schemeClr val="tx1"/>
+              </a:solidFill>
+            </a:endParaRPr>
+          </a:p>
+        </p:txBody>
+      </p:sp>
       <p:pic>
         <p:nvPicPr>
-          <p:cNvPr id="3" name="Image 2"/>
+          <p:cNvPr id="11" name="Image 10"/>
           <p:cNvPicPr>
             <a:picLocks noChangeAspect="1"/>
           </p:cNvPicPr>
           <p:nvPr/>
         </p:nvPicPr>
         <p:blipFill>
-          <a:blip r:embed="rId2">
+          <a:blip r:embed="rId3">
             <a:extLst>
               <a:ext uri="{28A0092B-C50C-407E-A947-70E740481C1C}">
                 <a14:useLocalDpi xmlns:a14="http://schemas.microsoft.com/office/drawing/2010/main" val="0"/>
@@ -21677,132 +23482,18 @@
         </p:blipFill>
         <p:spPr>
           <a:xfrm>
-            <a:off x="3291882" y="1483507"/>
-            <a:ext cx="7805805" cy="4651822"/>
+            <a:off x="3291881" y="1312606"/>
+            <a:ext cx="7813653" cy="5161936"/>
           </a:xfrm>
           <a:prstGeom prst="rect">
             <a:avLst/>
           </a:prstGeom>
         </p:spPr>
       </p:pic>
-      <p:sp>
-        <p:nvSpPr>
-          <p:cNvPr id="16" name="Rectangle 15"/>
-          <p:cNvSpPr/>
-          <p:nvPr/>
-        </p:nvSpPr>
-        <p:spPr>
-          <a:xfrm>
-            <a:off x="-12515" y="1483507"/>
-            <a:ext cx="2320286" cy="1187122"/>
-          </a:xfrm>
-          <a:prstGeom prst="rect">
-            <a:avLst/>
-          </a:prstGeom>
-          <a:blipFill>
-            <a:blip r:embed="rId3"/>
-            <a:stretch>
-              <a:fillRect/>
-            </a:stretch>
-          </a:blipFill>
-          <a:ln>
-            <a:noFill/>
-          </a:ln>
-        </p:spPr>
-        <p:style>
-          <a:lnRef idx="2">
-            <a:schemeClr val="accent1">
-              <a:shade val="50000"/>
-            </a:schemeClr>
-          </a:lnRef>
-          <a:fillRef idx="1">
-            <a:schemeClr val="accent1"/>
-          </a:fillRef>
-          <a:effectRef idx="0">
-            <a:schemeClr val="accent1"/>
-          </a:effectRef>
-          <a:fontRef idx="minor">
-            <a:schemeClr val="lt1"/>
-          </a:fontRef>
-        </p:style>
-        <p:txBody>
-          <a:bodyPr rtlCol="0" anchor="ctr"/>
-          <a:lstStyle/>
-          <a:p>
-            <a:pPr algn="ctr"/>
-            <a:r>
-              <a:rPr lang="fr-FR" dirty="0" smtClean="0"/>
-              <a:t>AVIACO FRANCE</a:t>
-            </a:r>
-            <a:endParaRPr lang="fr-FR" dirty="0"/>
-          </a:p>
-        </p:txBody>
-      </p:sp>
-      <p:sp>
-        <p:nvSpPr>
-          <p:cNvPr id="17" name="Rectangle 16"/>
-          <p:cNvSpPr/>
-          <p:nvPr/>
-        </p:nvSpPr>
-        <p:spPr>
-          <a:xfrm>
-            <a:off x="6458936" y="506014"/>
-            <a:ext cx="3522191" cy="442452"/>
-          </a:xfrm>
-          <a:prstGeom prst="rect">
-            <a:avLst/>
-          </a:prstGeom>
-          <a:solidFill>
-            <a:schemeClr val="bg2">
-              <a:lumMod val="60000"/>
-              <a:lumOff val="40000"/>
-            </a:schemeClr>
-          </a:solidFill>
-          <a:ln>
-            <a:noFill/>
-          </a:ln>
-        </p:spPr>
-        <p:style>
-          <a:lnRef idx="2">
-            <a:schemeClr val="accent1">
-              <a:shade val="50000"/>
-            </a:schemeClr>
-          </a:lnRef>
-          <a:fillRef idx="1">
-            <a:schemeClr val="accent1"/>
-          </a:fillRef>
-          <a:effectRef idx="0">
-            <a:schemeClr val="accent1"/>
-          </a:effectRef>
-          <a:fontRef idx="minor">
-            <a:schemeClr val="lt1"/>
-          </a:fontRef>
-        </p:style>
-        <p:txBody>
-          <a:bodyPr rtlCol="0" anchor="ctr"/>
-          <a:lstStyle/>
-          <a:p>
-            <a:pPr algn="ctr"/>
-            <a:r>
-              <a:rPr lang="fr-FR" dirty="0" smtClean="0">
-                <a:solidFill>
-                  <a:srgbClr val="C00000"/>
-                </a:solidFill>
-              </a:rPr>
-              <a:t>Organigramme de la société</a:t>
-            </a:r>
-            <a:endParaRPr lang="fr-FR" dirty="0">
-              <a:solidFill>
-                <a:srgbClr val="C00000"/>
-              </a:solidFill>
-            </a:endParaRPr>
-          </a:p>
-        </p:txBody>
-      </p:sp>
     </p:spTree>
     <p:extLst>
       <p:ext uri="{BB962C8B-B14F-4D97-AF65-F5344CB8AC3E}">
-        <p14:creationId xmlns:p14="http://schemas.microsoft.com/office/powerpoint/2010/main" val="2390753106"/>
+        <p14:creationId xmlns:p14="http://schemas.microsoft.com/office/powerpoint/2010/main" val="3399534904"/>
       </p:ext>
     </p:extLst>
   </p:cSld>
@@ -21812,7 +23503,7 @@
   <p:timing>
     <p:tnLst>
       <p:par>
-        <p:cTn id="1" dur="indefinite" restart="never" nodeType="tmRoot">
+        <p:cTn xmlns:p14="http://schemas.microsoft.com/office/powerpoint/2010/main" id="1" dur="indefinite" restart="never" nodeType="tmRoot">
           <p:childTnLst>
             <p:seq concurrent="1" nextAc="seek">
               <p:cTn id="2" dur="indefinite" nodeType="mainSeq">
@@ -21846,7 +23537,7 @@
                                           </p:stCondLst>
                                         </p:cTn>
                                         <p:tgtEl>
-                                          <p:spTgt spid="3"/>
+                                          <p:spTgt spid="11"/>
                                         </p:tgtEl>
                                         <p:attrNameLst>
                                           <p:attrName>style.visibility</p:attrName>
@@ -21860,7 +23551,7 @@
                                       <p:cBhvr>
                                         <p:cTn id="7" dur="1000"/>
                                         <p:tgtEl>
-                                          <p:spTgt spid="3"/>
+                                          <p:spTgt spid="11"/>
                                         </p:tgtEl>
                                       </p:cBhvr>
                                     </p:animEffect>
@@ -21898,7 +23589,7 @@
 </p:sld>
 </file>
 
-<file path=ppt/slides/slide6.xml><?xml version="1.0" encoding="utf-8"?>
+<file path=ppt/slides/slide8.xml><?xml version="1.0" encoding="utf-8"?>
 <p:sld xmlns:a="http://schemas.openxmlformats.org/drawingml/2006/main" xmlns:r="http://schemas.openxmlformats.org/officeDocument/2006/relationships" xmlns:p="http://schemas.openxmlformats.org/presentationml/2006/main">
   <p:cSld>
     <p:spTree>
@@ -21955,8 +23646,8 @@
         </p:nvSpPr>
         <p:spPr>
           <a:xfrm>
-            <a:off x="4277033" y="2500001"/>
-            <a:ext cx="4803058" cy="1418371"/>
+            <a:off x="4277033" y="2500002"/>
+            <a:ext cx="4803058" cy="877380"/>
           </a:xfrm>
           <a:prstGeom prst="rect">
             <a:avLst/>
@@ -22196,20 +23887,28 @@
           <a:p>
             <a:r>
               <a:rPr lang="fr-FR" dirty="0" smtClean="0"/>
-              <a:t>Site d’informations</a:t>
-            </a:r>
+              <a:t>Front-End </a:t>
+            </a:r>
+            <a:r>
+              <a:rPr lang="fr-FR" dirty="0" smtClean="0">
+                <a:hlinkClick r:id="rId2"/>
+              </a:rPr>
+              <a:t>voir le site</a:t>
+            </a:r>
+            <a:endParaRPr lang="fr-FR" dirty="0" smtClean="0"/>
           </a:p>
           <a:p>
             <a:r>
               <a:rPr lang="fr-FR" dirty="0" smtClean="0"/>
-              <a:t>Support de communication</a:t>
-            </a:r>
-          </a:p>
-          <a:p>
-            <a:r>
-              <a:rPr lang="fr-FR" dirty="0" smtClean="0"/>
-              <a:t>Améliorer l’image de la société</a:t>
-            </a:r>
+              <a:t>Back-End </a:t>
+            </a:r>
+            <a:r>
+              <a:rPr lang="fr-FR" dirty="0" smtClean="0">
+                <a:hlinkClick r:id="rId3"/>
+              </a:rPr>
+              <a:t>voir admin</a:t>
+            </a:r>
+            <a:endParaRPr lang="fr-FR" dirty="0" smtClean="0"/>
           </a:p>
         </p:txBody>
       </p:sp>
@@ -22367,7 +24066,7 @@
             <a:avLst/>
           </a:prstGeom>
           <a:blipFill>
-            <a:blip r:embed="rId2"/>
+            <a:blip r:embed="rId4"/>
             <a:stretch>
               <a:fillRect/>
             </a:stretch>
@@ -22658,14 +24357,14 @@
             <a:r>
               <a:rPr lang="fr-FR" dirty="0" smtClean="0">
                 <a:solidFill>
-                  <a:schemeClr val="tx1"/>
+                  <a:srgbClr val="C00000"/>
                 </a:solidFill>
               </a:rPr>
               <a:t>MCD</a:t>
             </a:r>
             <a:endParaRPr lang="fr-FR" dirty="0">
               <a:solidFill>
-                <a:schemeClr val="tx1"/>
+                <a:srgbClr val="C00000"/>
               </a:solidFill>
             </a:endParaRPr>
           </a:p>
@@ -22719,14 +24418,14 @@
             <a:r>
               <a:rPr lang="fr-FR" dirty="0" smtClean="0">
                 <a:solidFill>
-                  <a:schemeClr val="tx1"/>
+                  <a:srgbClr val="C00000"/>
                 </a:solidFill>
               </a:rPr>
               <a:t>Composition</a:t>
             </a:r>
             <a:endParaRPr lang="fr-FR" dirty="0">
               <a:solidFill>
-                <a:schemeClr val="tx1"/>
+                <a:srgbClr val="C00000"/>
               </a:solidFill>
             </a:endParaRPr>
           </a:p>
@@ -22735,7 +24434,7 @@
     </p:spTree>
     <p:extLst>
       <p:ext uri="{BB962C8B-B14F-4D97-AF65-F5344CB8AC3E}">
-        <p14:creationId xmlns:p14="http://schemas.microsoft.com/office/powerpoint/2010/main" val="3728370395"/>
+        <p14:creationId xmlns:p14="http://schemas.microsoft.com/office/powerpoint/2010/main" val="2356147316"/>
       </p:ext>
     </p:extLst>
   </p:cSld>
@@ -22745,7 +24444,7 @@
   <p:timing>
     <p:tnLst>
       <p:par>
-        <p:cTn id="1" dur="indefinite" restart="never" nodeType="tmRoot">
+        <p:cTn xmlns:p14="http://schemas.microsoft.com/office/powerpoint/2010/main" id="1" dur="indefinite" restart="never" nodeType="tmRoot">
           <p:childTnLst>
             <p:seq concurrent="1" nextAc="seek">
               <p:cTn id="2" dur="indefinite" nodeType="mainSeq">
@@ -22834,7 +24533,7 @@
 </p:sld>
 </file>
 
-<file path=ppt/slides/slide7.xml><?xml version="1.0" encoding="utf-8"?>
+<file path=ppt/slides/slide9.xml><?xml version="1.0" encoding="utf-8"?>
 <p:sld xmlns:a="http://schemas.openxmlformats.org/drawingml/2006/main" xmlns:r="http://schemas.openxmlformats.org/officeDocument/2006/relationships" xmlns:p="http://schemas.openxmlformats.org/presentationml/2006/main">
   <p:cSld>
     <p:spTree>
@@ -22859,7 +24558,7 @@
         </p:nvSpPr>
         <p:spPr>
           <a:xfrm>
-            <a:off x="10558807" y="371083"/>
+            <a:off x="10573555" y="371083"/>
             <a:ext cx="441146" cy="369332"/>
           </a:xfrm>
           <a:prstGeom prst="rect">
@@ -22875,702 +24574,7 @@
           <a:p>
             <a:r>
               <a:rPr lang="fr-FR" dirty="0" smtClean="0"/>
-              <a:t>03</a:t>
-            </a:r>
-            <a:endParaRPr lang="fr-FR" dirty="0"/>
-          </a:p>
-        </p:txBody>
-      </p:sp>
-      <p:sp>
-        <p:nvSpPr>
-          <p:cNvPr id="9" name="Rectangle 8"/>
-          <p:cNvSpPr/>
-          <p:nvPr/>
-        </p:nvSpPr>
-        <p:spPr>
-          <a:xfrm>
-            <a:off x="-14503" y="0"/>
-            <a:ext cx="2177143" cy="6858000"/>
-          </a:xfrm>
-          <a:prstGeom prst="rect">
-            <a:avLst/>
-          </a:prstGeom>
-          <a:ln>
-            <a:noFill/>
-          </a:ln>
-        </p:spPr>
-        <p:style>
-          <a:lnRef idx="2">
-            <a:schemeClr val="accent1">
-              <a:shade val="50000"/>
-            </a:schemeClr>
-          </a:lnRef>
-          <a:fillRef idx="1">
-            <a:schemeClr val="accent1"/>
-          </a:fillRef>
-          <a:effectRef idx="0">
-            <a:schemeClr val="accent1"/>
-          </a:effectRef>
-          <a:fontRef idx="minor">
-            <a:schemeClr val="lt1"/>
-          </a:fontRef>
-        </p:style>
-        <p:txBody>
-          <a:bodyPr rtlCol="0" anchor="ctr"/>
-          <a:lstStyle/>
-          <a:p>
-            <a:pPr algn="ctr"/>
-            <a:endParaRPr lang="fr-FR"/>
-          </a:p>
-        </p:txBody>
-      </p:sp>
-      <p:sp>
-        <p:nvSpPr>
-          <p:cNvPr id="10" name="Rectangle 9"/>
-          <p:cNvSpPr/>
-          <p:nvPr/>
-        </p:nvSpPr>
-        <p:spPr>
-          <a:xfrm>
-            <a:off x="-10509" y="-14513"/>
-            <a:ext cx="2318280" cy="1483506"/>
-          </a:xfrm>
-          <a:prstGeom prst="rect">
-            <a:avLst/>
-          </a:prstGeom>
-          <a:noFill/>
-          <a:ln>
-            <a:noFill/>
-          </a:ln>
-        </p:spPr>
-        <p:style>
-          <a:lnRef idx="2">
-            <a:schemeClr val="accent1">
-              <a:shade val="50000"/>
-            </a:schemeClr>
-          </a:lnRef>
-          <a:fillRef idx="1">
-            <a:schemeClr val="accent1"/>
-          </a:fillRef>
-          <a:effectRef idx="0">
-            <a:schemeClr val="accent1"/>
-          </a:effectRef>
-          <a:fontRef idx="minor">
-            <a:schemeClr val="lt1"/>
-          </a:fontRef>
-        </p:style>
-        <p:txBody>
-          <a:bodyPr rtlCol="0" anchor="ctr"/>
-          <a:lstStyle/>
-          <a:p>
-            <a:pPr algn="ctr"/>
-            <a:r>
-              <a:rPr lang="fr-FR" dirty="0" smtClean="0"/>
-              <a:t>INTRODUCTION</a:t>
-            </a:r>
-            <a:endParaRPr lang="fr-FR" dirty="0"/>
-          </a:p>
-        </p:txBody>
-      </p:sp>
-      <p:sp>
-        <p:nvSpPr>
-          <p:cNvPr id="12" name="Rectangle 11"/>
-          <p:cNvSpPr/>
-          <p:nvPr/>
-        </p:nvSpPr>
-        <p:spPr>
-          <a:xfrm>
-            <a:off x="-12515" y="1483507"/>
-            <a:ext cx="2320286" cy="1187122"/>
-          </a:xfrm>
-          <a:prstGeom prst="rect">
-            <a:avLst/>
-          </a:prstGeom>
-          <a:noFill/>
-          <a:ln>
-            <a:noFill/>
-          </a:ln>
-        </p:spPr>
-        <p:style>
-          <a:lnRef idx="2">
-            <a:schemeClr val="accent1">
-              <a:shade val="50000"/>
-            </a:schemeClr>
-          </a:lnRef>
-          <a:fillRef idx="1">
-            <a:schemeClr val="accent1"/>
-          </a:fillRef>
-          <a:effectRef idx="0">
-            <a:schemeClr val="accent1"/>
-          </a:effectRef>
-          <a:fontRef idx="minor">
-            <a:schemeClr val="lt1"/>
-          </a:fontRef>
-        </p:style>
-        <p:txBody>
-          <a:bodyPr rtlCol="0" anchor="ctr"/>
-          <a:lstStyle/>
-          <a:p>
-            <a:pPr algn="ctr"/>
-            <a:r>
-              <a:rPr lang="fr-FR" dirty="0" smtClean="0"/>
-              <a:t>AVIACO FRANCE</a:t>
-            </a:r>
-            <a:endParaRPr lang="fr-FR" dirty="0"/>
-          </a:p>
-        </p:txBody>
-      </p:sp>
-      <p:sp>
-        <p:nvSpPr>
-          <p:cNvPr id="2" name="Rectangle 1"/>
-          <p:cNvSpPr/>
-          <p:nvPr/>
-        </p:nvSpPr>
-        <p:spPr>
-          <a:xfrm>
-            <a:off x="-14510" y="2688198"/>
-            <a:ext cx="2510967" cy="1041978"/>
-          </a:xfrm>
-          <a:prstGeom prst="rect">
-            <a:avLst/>
-          </a:prstGeom>
-          <a:blipFill>
-            <a:blip r:embed="rId2"/>
-            <a:stretch>
-              <a:fillRect/>
-            </a:stretch>
-          </a:blipFill>
-          <a:ln>
-            <a:noFill/>
-          </a:ln>
-        </p:spPr>
-        <p:style>
-          <a:lnRef idx="2">
-            <a:schemeClr val="accent1">
-              <a:shade val="50000"/>
-            </a:schemeClr>
-          </a:lnRef>
-          <a:fillRef idx="1">
-            <a:schemeClr val="accent1"/>
-          </a:fillRef>
-          <a:effectRef idx="0">
-            <a:schemeClr val="accent1"/>
-          </a:effectRef>
-          <a:fontRef idx="minor">
-            <a:schemeClr val="lt1"/>
-          </a:fontRef>
-        </p:style>
-        <p:txBody>
-          <a:bodyPr rtlCol="0" anchor="ctr"/>
-          <a:lstStyle/>
-          <a:p>
-            <a:pPr algn="ctr"/>
-            <a:r>
-              <a:rPr lang="fr-FR" dirty="0" smtClean="0"/>
-              <a:t>SITE INTERNET</a:t>
-            </a:r>
-            <a:endParaRPr lang="fr-FR" dirty="0"/>
-          </a:p>
-        </p:txBody>
-      </p:sp>
-      <p:sp>
-        <p:nvSpPr>
-          <p:cNvPr id="5" name="Rectangle 4"/>
-          <p:cNvSpPr/>
-          <p:nvPr/>
-        </p:nvSpPr>
-        <p:spPr>
-          <a:xfrm>
-            <a:off x="-18425" y="3749233"/>
-            <a:ext cx="2552981" cy="967920"/>
-          </a:xfrm>
-          <a:prstGeom prst="rect">
-            <a:avLst/>
-          </a:prstGeom>
-          <a:noFill/>
-          <a:ln>
-            <a:noFill/>
-          </a:ln>
-        </p:spPr>
-        <p:style>
-          <a:lnRef idx="2">
-            <a:schemeClr val="accent1">
-              <a:shade val="50000"/>
-            </a:schemeClr>
-          </a:lnRef>
-          <a:fillRef idx="1">
-            <a:schemeClr val="accent1"/>
-          </a:fillRef>
-          <a:effectRef idx="0">
-            <a:schemeClr val="accent1"/>
-          </a:effectRef>
-          <a:fontRef idx="minor">
-            <a:schemeClr val="lt1"/>
-          </a:fontRef>
-        </p:style>
-        <p:txBody>
-          <a:bodyPr rtlCol="0" anchor="ctr"/>
-          <a:lstStyle/>
-          <a:p>
-            <a:pPr algn="ctr"/>
-            <a:r>
-              <a:rPr lang="fr-FR" dirty="0" smtClean="0"/>
-              <a:t>APPLICATION</a:t>
-            </a:r>
-            <a:endParaRPr lang="fr-FR" dirty="0"/>
-          </a:p>
-        </p:txBody>
-      </p:sp>
-      <p:sp>
-        <p:nvSpPr>
-          <p:cNvPr id="7" name="Rectangle 6"/>
-          <p:cNvSpPr/>
-          <p:nvPr/>
-        </p:nvSpPr>
-        <p:spPr>
-          <a:xfrm>
-            <a:off x="2191" y="5748669"/>
-            <a:ext cx="2532365" cy="1109331"/>
-          </a:xfrm>
-          <a:prstGeom prst="rect">
-            <a:avLst/>
-          </a:prstGeom>
-          <a:noFill/>
-          <a:ln>
-            <a:noFill/>
-          </a:ln>
-        </p:spPr>
-        <p:style>
-          <a:lnRef idx="2">
-            <a:schemeClr val="accent1">
-              <a:shade val="50000"/>
-            </a:schemeClr>
-          </a:lnRef>
-          <a:fillRef idx="1">
-            <a:schemeClr val="accent1"/>
-          </a:fillRef>
-          <a:effectRef idx="0">
-            <a:schemeClr val="accent1"/>
-          </a:effectRef>
-          <a:fontRef idx="minor">
-            <a:schemeClr val="lt1"/>
-          </a:fontRef>
-        </p:style>
-        <p:txBody>
-          <a:bodyPr rtlCol="0" anchor="ctr"/>
-          <a:lstStyle/>
-          <a:p>
-            <a:pPr algn="ctr"/>
-            <a:r>
-              <a:rPr lang="fr-FR" dirty="0" smtClean="0"/>
-              <a:t>CONCLUSION</a:t>
-            </a:r>
-            <a:endParaRPr lang="fr-FR" dirty="0"/>
-          </a:p>
-        </p:txBody>
-      </p:sp>
-      <p:sp>
-        <p:nvSpPr>
-          <p:cNvPr id="8" name="Rectangle 7"/>
-          <p:cNvSpPr/>
-          <p:nvPr/>
-        </p:nvSpPr>
-        <p:spPr>
-          <a:xfrm>
-            <a:off x="-9752" y="4733436"/>
-            <a:ext cx="2544308" cy="1001486"/>
-          </a:xfrm>
-          <a:prstGeom prst="rect">
-            <a:avLst/>
-          </a:prstGeom>
-          <a:noFill/>
-          <a:ln>
-            <a:noFill/>
-          </a:ln>
-        </p:spPr>
-        <p:style>
-          <a:lnRef idx="2">
-            <a:schemeClr val="accent1">
-              <a:shade val="50000"/>
-            </a:schemeClr>
-          </a:lnRef>
-          <a:fillRef idx="1">
-            <a:schemeClr val="accent1"/>
-          </a:fillRef>
-          <a:effectRef idx="0">
-            <a:schemeClr val="accent1"/>
-          </a:effectRef>
-          <a:fontRef idx="minor">
-            <a:schemeClr val="lt1"/>
-          </a:fontRef>
-        </p:style>
-        <p:txBody>
-          <a:bodyPr rtlCol="0" anchor="ctr"/>
-          <a:lstStyle/>
-          <a:p>
-            <a:pPr algn="ctr"/>
-            <a:r>
-              <a:rPr lang="fr-FR" dirty="0" smtClean="0"/>
-              <a:t>LE STAGIAIRE</a:t>
-            </a:r>
-            <a:endParaRPr lang="fr-FR" dirty="0"/>
-          </a:p>
-        </p:txBody>
-      </p:sp>
-      <p:sp>
-        <p:nvSpPr>
-          <p:cNvPr id="13" name="Rectangle 12"/>
-          <p:cNvSpPr/>
-          <p:nvPr/>
-        </p:nvSpPr>
-        <p:spPr>
-          <a:xfrm>
-            <a:off x="3291882" y="506014"/>
-            <a:ext cx="1619331" cy="442452"/>
-          </a:xfrm>
-          <a:prstGeom prst="rect">
-            <a:avLst/>
-          </a:prstGeom>
-          <a:solidFill>
-            <a:schemeClr val="bg2">
-              <a:lumMod val="60000"/>
-              <a:lumOff val="40000"/>
-            </a:schemeClr>
-          </a:solidFill>
-          <a:ln>
-            <a:noFill/>
-          </a:ln>
-        </p:spPr>
-        <p:style>
-          <a:lnRef idx="2">
-            <a:schemeClr val="accent1">
-              <a:shade val="50000"/>
-            </a:schemeClr>
-          </a:lnRef>
-          <a:fillRef idx="1">
-            <a:schemeClr val="accent1"/>
-          </a:fillRef>
-          <a:effectRef idx="0">
-            <a:schemeClr val="accent1"/>
-          </a:effectRef>
-          <a:fontRef idx="minor">
-            <a:schemeClr val="lt1"/>
-          </a:fontRef>
-        </p:style>
-        <p:txBody>
-          <a:bodyPr rtlCol="0" anchor="ctr"/>
-          <a:lstStyle/>
-          <a:p>
-            <a:pPr algn="ctr"/>
-            <a:r>
-              <a:rPr lang="fr-FR" dirty="0" smtClean="0">
-                <a:solidFill>
-                  <a:srgbClr val="C00000"/>
-                </a:solidFill>
-              </a:rPr>
-              <a:t>Objectifs</a:t>
-            </a:r>
-            <a:endParaRPr lang="fr-FR" dirty="0">
-              <a:solidFill>
-                <a:srgbClr val="C00000"/>
-              </a:solidFill>
-            </a:endParaRPr>
-          </a:p>
-        </p:txBody>
-      </p:sp>
-      <p:sp>
-        <p:nvSpPr>
-          <p:cNvPr id="14" name="Rectangle 13"/>
-          <p:cNvSpPr/>
-          <p:nvPr/>
-        </p:nvSpPr>
-        <p:spPr>
-          <a:xfrm>
-            <a:off x="4911213" y="506014"/>
-            <a:ext cx="1619331" cy="442452"/>
-          </a:xfrm>
-          <a:prstGeom prst="rect">
-            <a:avLst/>
-          </a:prstGeom>
-          <a:solidFill>
-            <a:schemeClr val="bg2">
-              <a:lumMod val="60000"/>
-              <a:lumOff val="40000"/>
-            </a:schemeClr>
-          </a:solidFill>
-          <a:ln>
-            <a:noFill/>
-          </a:ln>
-        </p:spPr>
-        <p:style>
-          <a:lnRef idx="2">
-            <a:schemeClr val="accent1">
-              <a:shade val="50000"/>
-            </a:schemeClr>
-          </a:lnRef>
-          <a:fillRef idx="1">
-            <a:schemeClr val="accent1"/>
-          </a:fillRef>
-          <a:effectRef idx="0">
-            <a:schemeClr val="accent1"/>
-          </a:effectRef>
-          <a:fontRef idx="minor">
-            <a:schemeClr val="lt1"/>
-          </a:fontRef>
-        </p:style>
-        <p:txBody>
-          <a:bodyPr rtlCol="0" anchor="ctr"/>
-          <a:lstStyle/>
-          <a:p>
-            <a:pPr algn="ctr"/>
-            <a:r>
-              <a:rPr lang="fr-FR" dirty="0" smtClean="0">
-                <a:solidFill>
-                  <a:srgbClr val="C00000"/>
-                </a:solidFill>
-              </a:rPr>
-              <a:t>MCD</a:t>
-            </a:r>
-            <a:endParaRPr lang="fr-FR" dirty="0">
-              <a:solidFill>
-                <a:srgbClr val="C00000"/>
-              </a:solidFill>
-            </a:endParaRPr>
-          </a:p>
-        </p:txBody>
-      </p:sp>
-      <p:sp>
-        <p:nvSpPr>
-          <p:cNvPr id="15" name="Rectangle 14"/>
-          <p:cNvSpPr/>
-          <p:nvPr/>
-        </p:nvSpPr>
-        <p:spPr>
-          <a:xfrm>
-            <a:off x="6458937" y="506014"/>
-            <a:ext cx="1844406" cy="442452"/>
-          </a:xfrm>
-          <a:prstGeom prst="rect">
-            <a:avLst/>
-          </a:prstGeom>
-          <a:solidFill>
-            <a:schemeClr val="bg2">
-              <a:lumMod val="60000"/>
-              <a:lumOff val="40000"/>
-            </a:schemeClr>
-          </a:solidFill>
-          <a:ln>
-            <a:noFill/>
-          </a:ln>
-        </p:spPr>
-        <p:style>
-          <a:lnRef idx="2">
-            <a:schemeClr val="accent1">
-              <a:shade val="50000"/>
-            </a:schemeClr>
-          </a:lnRef>
-          <a:fillRef idx="1">
-            <a:schemeClr val="accent1"/>
-          </a:fillRef>
-          <a:effectRef idx="0">
-            <a:schemeClr val="accent1"/>
-          </a:effectRef>
-          <a:fontRef idx="minor">
-            <a:schemeClr val="lt1"/>
-          </a:fontRef>
-        </p:style>
-        <p:txBody>
-          <a:bodyPr rtlCol="0" anchor="ctr"/>
-          <a:lstStyle/>
-          <a:p>
-            <a:pPr algn="ctr"/>
-            <a:r>
-              <a:rPr lang="fr-FR" dirty="0" smtClean="0">
-                <a:solidFill>
-                  <a:schemeClr val="tx1"/>
-                </a:solidFill>
-              </a:rPr>
-              <a:t>Composition</a:t>
-            </a:r>
-            <a:endParaRPr lang="fr-FR" dirty="0">
-              <a:solidFill>
-                <a:schemeClr val="tx1"/>
-              </a:solidFill>
-            </a:endParaRPr>
-          </a:p>
-        </p:txBody>
-      </p:sp>
-      <p:pic>
-        <p:nvPicPr>
-          <p:cNvPr id="11" name="Image 10"/>
-          <p:cNvPicPr>
-            <a:picLocks noChangeAspect="1"/>
-          </p:cNvPicPr>
-          <p:nvPr/>
-        </p:nvPicPr>
-        <p:blipFill>
-          <a:blip r:embed="rId3">
-            <a:extLst>
-              <a:ext uri="{28A0092B-C50C-407E-A947-70E740481C1C}">
-                <a14:useLocalDpi xmlns:a14="http://schemas.microsoft.com/office/drawing/2010/main" val="0"/>
-              </a:ext>
-            </a:extLst>
-          </a:blip>
-          <a:stretch>
-            <a:fillRect/>
-          </a:stretch>
-        </p:blipFill>
-        <p:spPr>
-          <a:xfrm>
-            <a:off x="3291881" y="1312606"/>
-            <a:ext cx="7813653" cy="5161936"/>
-          </a:xfrm>
-          <a:prstGeom prst="rect">
-            <a:avLst/>
-          </a:prstGeom>
-        </p:spPr>
-      </p:pic>
-    </p:spTree>
-    <p:extLst>
-      <p:ext uri="{BB962C8B-B14F-4D97-AF65-F5344CB8AC3E}">
-        <p14:creationId xmlns:p14="http://schemas.microsoft.com/office/powerpoint/2010/main" val="3399534904"/>
-      </p:ext>
-    </p:extLst>
-  </p:cSld>
-  <p:clrMapOvr>
-    <a:masterClrMapping/>
-  </p:clrMapOvr>
-  <p:timing>
-    <p:tnLst>
-      <p:par>
-        <p:cTn id="1" dur="indefinite" restart="never" nodeType="tmRoot">
-          <p:childTnLst>
-            <p:seq concurrent="1" nextAc="seek">
-              <p:cTn id="2" dur="indefinite" nodeType="mainSeq">
-                <p:childTnLst>
-                  <p:par>
-                    <p:cTn id="3" fill="hold">
-                      <p:stCondLst>
-                        <p:cond delay="indefinite"/>
-                        <p:cond evt="onBegin" delay="0">
-                          <p:tn val="2"/>
-                        </p:cond>
-                      </p:stCondLst>
-                      <p:childTnLst>
-                        <p:par>
-                          <p:cTn id="4" fill="hold">
-                            <p:stCondLst>
-                              <p:cond delay="0"/>
-                            </p:stCondLst>
-                            <p:childTnLst>
-                              <p:par>
-                                <p:cTn id="5" presetID="22" presetClass="entr" presetSubtype="8" fill="hold" nodeType="afterEffect">
-                                  <p:stCondLst>
-                                    <p:cond delay="0"/>
-                                  </p:stCondLst>
-                                  <p:childTnLst>
-                                    <p:set>
-                                      <p:cBhvr>
-                                        <p:cTn id="6" dur="1" fill="hold">
-                                          <p:stCondLst>
-                                            <p:cond delay="0"/>
-                                          </p:stCondLst>
-                                        </p:cTn>
-                                        <p:tgtEl>
-                                          <p:spTgt spid="11"/>
-                                        </p:tgtEl>
-                                        <p:attrNameLst>
-                                          <p:attrName>style.visibility</p:attrName>
-                                        </p:attrNameLst>
-                                      </p:cBhvr>
-                                      <p:to>
-                                        <p:strVal val="visible"/>
-                                      </p:to>
-                                    </p:set>
-                                    <p:animEffect transition="in" filter="wipe(left)">
-                                      <p:cBhvr>
-                                        <p:cTn id="7" dur="1000"/>
-                                        <p:tgtEl>
-                                          <p:spTgt spid="11"/>
-                                        </p:tgtEl>
-                                      </p:cBhvr>
-                                    </p:animEffect>
-                                  </p:childTnLst>
-                                </p:cTn>
-                              </p:par>
-                            </p:childTnLst>
-                          </p:cTn>
-                        </p:par>
-                      </p:childTnLst>
-                    </p:cTn>
-                  </p:par>
-                </p:childTnLst>
-              </p:cTn>
-              <p:prevCondLst>
-                <p:cond evt="onPrev" delay="0">
-                  <p:tgtEl>
-                    <p:sldTgt/>
-                  </p:tgtEl>
-                </p:cond>
-              </p:prevCondLst>
-              <p:nextCondLst>
-                <p:cond evt="onNext" delay="0">
-                  <p:tgtEl>
-                    <p:sldTgt/>
-                  </p:tgtEl>
-                </p:cond>
-              </p:nextCondLst>
-            </p:seq>
-          </p:childTnLst>
-        </p:cTn>
-      </p:par>
-    </p:tnLst>
-  </p:timing>
-</p:sld>
-</file>
-
-<file path=ppt/slides/slide8.xml><?xml version="1.0" encoding="utf-8"?>
-<p:sld xmlns:a="http://schemas.openxmlformats.org/drawingml/2006/main" xmlns:r="http://schemas.openxmlformats.org/officeDocument/2006/relationships" xmlns:p="http://schemas.openxmlformats.org/presentationml/2006/main">
-  <p:cSld>
-    <p:spTree>
-      <p:nvGrpSpPr>
-        <p:cNvPr id="1" name=""/>
-        <p:cNvGrpSpPr/>
-        <p:nvPr/>
-      </p:nvGrpSpPr>
-      <p:grpSpPr>
-        <a:xfrm>
-          <a:off x="0" y="0"/>
-          <a:ext cx="0" cy="0"/>
-          <a:chOff x="0" y="0"/>
-          <a:chExt cx="0" cy="0"/>
-        </a:xfrm>
-      </p:grpSpPr>
-      <p:sp>
-        <p:nvSpPr>
-          <p:cNvPr id="4" name="ZoneTexte 3"/>
-          <p:cNvSpPr txBox="1"/>
-          <p:nvPr/>
-        </p:nvSpPr>
-        <p:spPr>
-          <a:xfrm>
-            <a:off x="10558807" y="371083"/>
-            <a:ext cx="441146" cy="369332"/>
-          </a:xfrm>
-          <a:prstGeom prst="rect">
-            <a:avLst/>
-          </a:prstGeom>
-          <a:noFill/>
-        </p:spPr>
-        <p:txBody>
-          <a:bodyPr wrap="none" rtlCol="0">
-            <a:spAutoFit/>
-          </a:bodyPr>
-          <a:lstStyle/>
-          <a:p>
-            <a:r>
-              <a:rPr lang="fr-FR" dirty="0" smtClean="0"/>
-              <a:t>03</a:t>
+              <a:t>04</a:t>
             </a:r>
             <a:endParaRPr lang="fr-FR" dirty="0"/>
           </a:p>
@@ -23586,8 +24590,8 @@
         </p:nvSpPr>
         <p:spPr>
           <a:xfrm>
-            <a:off x="4277033" y="2500002"/>
-            <a:ext cx="4803058" cy="877380"/>
+            <a:off x="3180414" y="2024739"/>
+            <a:ext cx="8401451" cy="2808522"/>
           </a:xfrm>
           <a:prstGeom prst="rect">
             <a:avLst/>
@@ -23827,950 +24831,6 @@
           <a:p>
             <a:r>
               <a:rPr lang="fr-FR" dirty="0" smtClean="0"/>
-              <a:t>Front-End </a:t>
-            </a:r>
-            <a:r>
-              <a:rPr lang="fr-FR" dirty="0" smtClean="0">
-                <a:hlinkClick r:id="rId2"/>
-              </a:rPr>
-              <a:t>voir le site</a:t>
-            </a:r>
-            <a:endParaRPr lang="fr-FR" dirty="0" smtClean="0"/>
-          </a:p>
-          <a:p>
-            <a:r>
-              <a:rPr lang="fr-FR" dirty="0" smtClean="0"/>
-              <a:t>Back-End </a:t>
-            </a:r>
-            <a:r>
-              <a:rPr lang="fr-FR" dirty="0" smtClean="0">
-                <a:hlinkClick r:id="rId3"/>
-              </a:rPr>
-              <a:t>voir admin</a:t>
-            </a:r>
-            <a:endParaRPr lang="fr-FR" dirty="0" smtClean="0"/>
-          </a:p>
-        </p:txBody>
-      </p:sp>
-      <p:sp>
-        <p:nvSpPr>
-          <p:cNvPr id="9" name="Rectangle 8"/>
-          <p:cNvSpPr/>
-          <p:nvPr/>
-        </p:nvSpPr>
-        <p:spPr>
-          <a:xfrm>
-            <a:off x="-14503" y="0"/>
-            <a:ext cx="2177143" cy="6858000"/>
-          </a:xfrm>
-          <a:prstGeom prst="rect">
-            <a:avLst/>
-          </a:prstGeom>
-          <a:ln>
-            <a:noFill/>
-          </a:ln>
-        </p:spPr>
-        <p:style>
-          <a:lnRef idx="2">
-            <a:schemeClr val="accent1">
-              <a:shade val="50000"/>
-            </a:schemeClr>
-          </a:lnRef>
-          <a:fillRef idx="1">
-            <a:schemeClr val="accent1"/>
-          </a:fillRef>
-          <a:effectRef idx="0">
-            <a:schemeClr val="accent1"/>
-          </a:effectRef>
-          <a:fontRef idx="minor">
-            <a:schemeClr val="lt1"/>
-          </a:fontRef>
-        </p:style>
-        <p:txBody>
-          <a:bodyPr rtlCol="0" anchor="ctr"/>
-          <a:lstStyle/>
-          <a:p>
-            <a:pPr algn="ctr"/>
-            <a:endParaRPr lang="fr-FR"/>
-          </a:p>
-        </p:txBody>
-      </p:sp>
-      <p:sp>
-        <p:nvSpPr>
-          <p:cNvPr id="10" name="Rectangle 9"/>
-          <p:cNvSpPr/>
-          <p:nvPr/>
-        </p:nvSpPr>
-        <p:spPr>
-          <a:xfrm>
-            <a:off x="-10509" y="-14513"/>
-            <a:ext cx="2318280" cy="1483506"/>
-          </a:xfrm>
-          <a:prstGeom prst="rect">
-            <a:avLst/>
-          </a:prstGeom>
-          <a:noFill/>
-          <a:ln>
-            <a:noFill/>
-          </a:ln>
-        </p:spPr>
-        <p:style>
-          <a:lnRef idx="2">
-            <a:schemeClr val="accent1">
-              <a:shade val="50000"/>
-            </a:schemeClr>
-          </a:lnRef>
-          <a:fillRef idx="1">
-            <a:schemeClr val="accent1"/>
-          </a:fillRef>
-          <a:effectRef idx="0">
-            <a:schemeClr val="accent1"/>
-          </a:effectRef>
-          <a:fontRef idx="minor">
-            <a:schemeClr val="lt1"/>
-          </a:fontRef>
-        </p:style>
-        <p:txBody>
-          <a:bodyPr rtlCol="0" anchor="ctr"/>
-          <a:lstStyle/>
-          <a:p>
-            <a:pPr algn="ctr"/>
-            <a:r>
-              <a:rPr lang="fr-FR" dirty="0" smtClean="0"/>
-              <a:t>INTRODUCTION</a:t>
-            </a:r>
-            <a:endParaRPr lang="fr-FR" dirty="0"/>
-          </a:p>
-        </p:txBody>
-      </p:sp>
-      <p:sp>
-        <p:nvSpPr>
-          <p:cNvPr id="12" name="Rectangle 11"/>
-          <p:cNvSpPr/>
-          <p:nvPr/>
-        </p:nvSpPr>
-        <p:spPr>
-          <a:xfrm>
-            <a:off x="-12515" y="1483507"/>
-            <a:ext cx="2320286" cy="1187122"/>
-          </a:xfrm>
-          <a:prstGeom prst="rect">
-            <a:avLst/>
-          </a:prstGeom>
-          <a:noFill/>
-          <a:ln>
-            <a:noFill/>
-          </a:ln>
-        </p:spPr>
-        <p:style>
-          <a:lnRef idx="2">
-            <a:schemeClr val="accent1">
-              <a:shade val="50000"/>
-            </a:schemeClr>
-          </a:lnRef>
-          <a:fillRef idx="1">
-            <a:schemeClr val="accent1"/>
-          </a:fillRef>
-          <a:effectRef idx="0">
-            <a:schemeClr val="accent1"/>
-          </a:effectRef>
-          <a:fontRef idx="minor">
-            <a:schemeClr val="lt1"/>
-          </a:fontRef>
-        </p:style>
-        <p:txBody>
-          <a:bodyPr rtlCol="0" anchor="ctr"/>
-          <a:lstStyle/>
-          <a:p>
-            <a:pPr algn="ctr"/>
-            <a:r>
-              <a:rPr lang="fr-FR" dirty="0" smtClean="0"/>
-              <a:t>AVIACO FRANCE</a:t>
-            </a:r>
-            <a:endParaRPr lang="fr-FR" dirty="0"/>
-          </a:p>
-        </p:txBody>
-      </p:sp>
-      <p:sp>
-        <p:nvSpPr>
-          <p:cNvPr id="2" name="Rectangle 1"/>
-          <p:cNvSpPr/>
-          <p:nvPr/>
-        </p:nvSpPr>
-        <p:spPr>
-          <a:xfrm>
-            <a:off x="-14510" y="2688198"/>
-            <a:ext cx="2510967" cy="1041978"/>
-          </a:xfrm>
-          <a:prstGeom prst="rect">
-            <a:avLst/>
-          </a:prstGeom>
-          <a:blipFill>
-            <a:blip r:embed="rId4"/>
-            <a:stretch>
-              <a:fillRect/>
-            </a:stretch>
-          </a:blipFill>
-          <a:ln>
-            <a:noFill/>
-          </a:ln>
-        </p:spPr>
-        <p:style>
-          <a:lnRef idx="2">
-            <a:schemeClr val="accent1">
-              <a:shade val="50000"/>
-            </a:schemeClr>
-          </a:lnRef>
-          <a:fillRef idx="1">
-            <a:schemeClr val="accent1"/>
-          </a:fillRef>
-          <a:effectRef idx="0">
-            <a:schemeClr val="accent1"/>
-          </a:effectRef>
-          <a:fontRef idx="minor">
-            <a:schemeClr val="lt1"/>
-          </a:fontRef>
-        </p:style>
-        <p:txBody>
-          <a:bodyPr rtlCol="0" anchor="ctr"/>
-          <a:lstStyle/>
-          <a:p>
-            <a:pPr algn="ctr"/>
-            <a:r>
-              <a:rPr lang="fr-FR" dirty="0" smtClean="0"/>
-              <a:t>SITE INTERNET</a:t>
-            </a:r>
-            <a:endParaRPr lang="fr-FR" dirty="0"/>
-          </a:p>
-        </p:txBody>
-      </p:sp>
-      <p:sp>
-        <p:nvSpPr>
-          <p:cNvPr id="5" name="Rectangle 4"/>
-          <p:cNvSpPr/>
-          <p:nvPr/>
-        </p:nvSpPr>
-        <p:spPr>
-          <a:xfrm>
-            <a:off x="-18425" y="3749233"/>
-            <a:ext cx="2552981" cy="967920"/>
-          </a:xfrm>
-          <a:prstGeom prst="rect">
-            <a:avLst/>
-          </a:prstGeom>
-          <a:noFill/>
-          <a:ln>
-            <a:noFill/>
-          </a:ln>
-        </p:spPr>
-        <p:style>
-          <a:lnRef idx="2">
-            <a:schemeClr val="accent1">
-              <a:shade val="50000"/>
-            </a:schemeClr>
-          </a:lnRef>
-          <a:fillRef idx="1">
-            <a:schemeClr val="accent1"/>
-          </a:fillRef>
-          <a:effectRef idx="0">
-            <a:schemeClr val="accent1"/>
-          </a:effectRef>
-          <a:fontRef idx="minor">
-            <a:schemeClr val="lt1"/>
-          </a:fontRef>
-        </p:style>
-        <p:txBody>
-          <a:bodyPr rtlCol="0" anchor="ctr"/>
-          <a:lstStyle/>
-          <a:p>
-            <a:pPr algn="ctr"/>
-            <a:r>
-              <a:rPr lang="fr-FR" dirty="0" smtClean="0"/>
-              <a:t>APPLICATION</a:t>
-            </a:r>
-            <a:endParaRPr lang="fr-FR" dirty="0"/>
-          </a:p>
-        </p:txBody>
-      </p:sp>
-      <p:sp>
-        <p:nvSpPr>
-          <p:cNvPr id="7" name="Rectangle 6"/>
-          <p:cNvSpPr/>
-          <p:nvPr/>
-        </p:nvSpPr>
-        <p:spPr>
-          <a:xfrm>
-            <a:off x="2191" y="5748669"/>
-            <a:ext cx="2532365" cy="1109331"/>
-          </a:xfrm>
-          <a:prstGeom prst="rect">
-            <a:avLst/>
-          </a:prstGeom>
-          <a:noFill/>
-          <a:ln>
-            <a:noFill/>
-          </a:ln>
-        </p:spPr>
-        <p:style>
-          <a:lnRef idx="2">
-            <a:schemeClr val="accent1">
-              <a:shade val="50000"/>
-            </a:schemeClr>
-          </a:lnRef>
-          <a:fillRef idx="1">
-            <a:schemeClr val="accent1"/>
-          </a:fillRef>
-          <a:effectRef idx="0">
-            <a:schemeClr val="accent1"/>
-          </a:effectRef>
-          <a:fontRef idx="minor">
-            <a:schemeClr val="lt1"/>
-          </a:fontRef>
-        </p:style>
-        <p:txBody>
-          <a:bodyPr rtlCol="0" anchor="ctr"/>
-          <a:lstStyle/>
-          <a:p>
-            <a:pPr algn="ctr"/>
-            <a:r>
-              <a:rPr lang="fr-FR" dirty="0" smtClean="0"/>
-              <a:t>CONCLUSION</a:t>
-            </a:r>
-            <a:endParaRPr lang="fr-FR" dirty="0"/>
-          </a:p>
-        </p:txBody>
-      </p:sp>
-      <p:sp>
-        <p:nvSpPr>
-          <p:cNvPr id="8" name="Rectangle 7"/>
-          <p:cNvSpPr/>
-          <p:nvPr/>
-        </p:nvSpPr>
-        <p:spPr>
-          <a:xfrm>
-            <a:off x="-9752" y="4733436"/>
-            <a:ext cx="2544308" cy="1001486"/>
-          </a:xfrm>
-          <a:prstGeom prst="rect">
-            <a:avLst/>
-          </a:prstGeom>
-          <a:noFill/>
-          <a:ln>
-            <a:noFill/>
-          </a:ln>
-        </p:spPr>
-        <p:style>
-          <a:lnRef idx="2">
-            <a:schemeClr val="accent1">
-              <a:shade val="50000"/>
-            </a:schemeClr>
-          </a:lnRef>
-          <a:fillRef idx="1">
-            <a:schemeClr val="accent1"/>
-          </a:fillRef>
-          <a:effectRef idx="0">
-            <a:schemeClr val="accent1"/>
-          </a:effectRef>
-          <a:fontRef idx="minor">
-            <a:schemeClr val="lt1"/>
-          </a:fontRef>
-        </p:style>
-        <p:txBody>
-          <a:bodyPr rtlCol="0" anchor="ctr"/>
-          <a:lstStyle/>
-          <a:p>
-            <a:pPr algn="ctr"/>
-            <a:r>
-              <a:rPr lang="fr-FR" dirty="0" smtClean="0"/>
-              <a:t>LE STAGIAIRE</a:t>
-            </a:r>
-            <a:endParaRPr lang="fr-FR" dirty="0"/>
-          </a:p>
-        </p:txBody>
-      </p:sp>
-      <p:sp>
-        <p:nvSpPr>
-          <p:cNvPr id="13" name="Rectangle 12"/>
-          <p:cNvSpPr/>
-          <p:nvPr/>
-        </p:nvSpPr>
-        <p:spPr>
-          <a:xfrm>
-            <a:off x="3291882" y="506014"/>
-            <a:ext cx="1619331" cy="442452"/>
-          </a:xfrm>
-          <a:prstGeom prst="rect">
-            <a:avLst/>
-          </a:prstGeom>
-          <a:solidFill>
-            <a:schemeClr val="bg2">
-              <a:lumMod val="60000"/>
-              <a:lumOff val="40000"/>
-            </a:schemeClr>
-          </a:solidFill>
-          <a:ln>
-            <a:noFill/>
-          </a:ln>
-        </p:spPr>
-        <p:style>
-          <a:lnRef idx="2">
-            <a:schemeClr val="accent1">
-              <a:shade val="50000"/>
-            </a:schemeClr>
-          </a:lnRef>
-          <a:fillRef idx="1">
-            <a:schemeClr val="accent1"/>
-          </a:fillRef>
-          <a:effectRef idx="0">
-            <a:schemeClr val="accent1"/>
-          </a:effectRef>
-          <a:fontRef idx="minor">
-            <a:schemeClr val="lt1"/>
-          </a:fontRef>
-        </p:style>
-        <p:txBody>
-          <a:bodyPr rtlCol="0" anchor="ctr"/>
-          <a:lstStyle/>
-          <a:p>
-            <a:pPr algn="ctr"/>
-            <a:r>
-              <a:rPr lang="fr-FR" dirty="0" smtClean="0">
-                <a:solidFill>
-                  <a:srgbClr val="C00000"/>
-                </a:solidFill>
-              </a:rPr>
-              <a:t>Objectifs</a:t>
-            </a:r>
-            <a:endParaRPr lang="fr-FR" dirty="0">
-              <a:solidFill>
-                <a:srgbClr val="C00000"/>
-              </a:solidFill>
-            </a:endParaRPr>
-          </a:p>
-        </p:txBody>
-      </p:sp>
-      <p:sp>
-        <p:nvSpPr>
-          <p:cNvPr id="14" name="Rectangle 13"/>
-          <p:cNvSpPr/>
-          <p:nvPr/>
-        </p:nvSpPr>
-        <p:spPr>
-          <a:xfrm>
-            <a:off x="4911213" y="506014"/>
-            <a:ext cx="1619331" cy="442452"/>
-          </a:xfrm>
-          <a:prstGeom prst="rect">
-            <a:avLst/>
-          </a:prstGeom>
-          <a:solidFill>
-            <a:schemeClr val="bg2">
-              <a:lumMod val="60000"/>
-              <a:lumOff val="40000"/>
-            </a:schemeClr>
-          </a:solidFill>
-          <a:ln>
-            <a:noFill/>
-          </a:ln>
-        </p:spPr>
-        <p:style>
-          <a:lnRef idx="2">
-            <a:schemeClr val="accent1">
-              <a:shade val="50000"/>
-            </a:schemeClr>
-          </a:lnRef>
-          <a:fillRef idx="1">
-            <a:schemeClr val="accent1"/>
-          </a:fillRef>
-          <a:effectRef idx="0">
-            <a:schemeClr val="accent1"/>
-          </a:effectRef>
-          <a:fontRef idx="minor">
-            <a:schemeClr val="lt1"/>
-          </a:fontRef>
-        </p:style>
-        <p:txBody>
-          <a:bodyPr rtlCol="0" anchor="ctr"/>
-          <a:lstStyle/>
-          <a:p>
-            <a:pPr algn="ctr"/>
-            <a:r>
-              <a:rPr lang="fr-FR" dirty="0" smtClean="0">
-                <a:solidFill>
-                  <a:srgbClr val="C00000"/>
-                </a:solidFill>
-              </a:rPr>
-              <a:t>MCD</a:t>
-            </a:r>
-            <a:endParaRPr lang="fr-FR" dirty="0">
-              <a:solidFill>
-                <a:srgbClr val="C00000"/>
-              </a:solidFill>
-            </a:endParaRPr>
-          </a:p>
-        </p:txBody>
-      </p:sp>
-      <p:sp>
-        <p:nvSpPr>
-          <p:cNvPr id="15" name="Rectangle 14"/>
-          <p:cNvSpPr/>
-          <p:nvPr/>
-        </p:nvSpPr>
-        <p:spPr>
-          <a:xfrm>
-            <a:off x="6458937" y="506014"/>
-            <a:ext cx="1844406" cy="442452"/>
-          </a:xfrm>
-          <a:prstGeom prst="rect">
-            <a:avLst/>
-          </a:prstGeom>
-          <a:solidFill>
-            <a:schemeClr val="bg2">
-              <a:lumMod val="60000"/>
-              <a:lumOff val="40000"/>
-            </a:schemeClr>
-          </a:solidFill>
-          <a:ln>
-            <a:noFill/>
-          </a:ln>
-        </p:spPr>
-        <p:style>
-          <a:lnRef idx="2">
-            <a:schemeClr val="accent1">
-              <a:shade val="50000"/>
-            </a:schemeClr>
-          </a:lnRef>
-          <a:fillRef idx="1">
-            <a:schemeClr val="accent1"/>
-          </a:fillRef>
-          <a:effectRef idx="0">
-            <a:schemeClr val="accent1"/>
-          </a:effectRef>
-          <a:fontRef idx="minor">
-            <a:schemeClr val="lt1"/>
-          </a:fontRef>
-        </p:style>
-        <p:txBody>
-          <a:bodyPr rtlCol="0" anchor="ctr"/>
-          <a:lstStyle/>
-          <a:p>
-            <a:pPr algn="ctr"/>
-            <a:r>
-              <a:rPr lang="fr-FR" dirty="0" smtClean="0">
-                <a:solidFill>
-                  <a:srgbClr val="C00000"/>
-                </a:solidFill>
-              </a:rPr>
-              <a:t>Composition</a:t>
-            </a:r>
-            <a:endParaRPr lang="fr-FR" dirty="0">
-              <a:solidFill>
-                <a:srgbClr val="C00000"/>
-              </a:solidFill>
-            </a:endParaRPr>
-          </a:p>
-        </p:txBody>
-      </p:sp>
-    </p:spTree>
-    <p:extLst>
-      <p:ext uri="{BB962C8B-B14F-4D97-AF65-F5344CB8AC3E}">
-        <p14:creationId xmlns:p14="http://schemas.microsoft.com/office/powerpoint/2010/main" val="2356147316"/>
-      </p:ext>
-    </p:extLst>
-  </p:cSld>
-  <p:clrMapOvr>
-    <a:masterClrMapping/>
-  </p:clrMapOvr>
-  <p:timing>
-    <p:tnLst>
-      <p:par>
-        <p:cTn id="1" dur="indefinite" restart="never" nodeType="tmRoot">
-          <p:childTnLst>
-            <p:seq concurrent="1" nextAc="seek">
-              <p:cTn id="2" dur="indefinite" nodeType="mainSeq">
-                <p:childTnLst>
-                  <p:par>
-                    <p:cTn id="3" fill="hold">
-                      <p:stCondLst>
-                        <p:cond delay="indefinite"/>
-                        <p:cond evt="onBegin" delay="0">
-                          <p:tn val="2"/>
-                        </p:cond>
-                      </p:stCondLst>
-                      <p:childTnLst>
-                        <p:par>
-                          <p:cTn id="4" fill="hold">
-                            <p:stCondLst>
-                              <p:cond delay="0"/>
-                            </p:stCondLst>
-                            <p:childTnLst>
-                              <p:par>
-                                <p:cTn id="5" presetID="22" presetClass="entr" presetSubtype="8" fill="hold" grpId="0" nodeType="afterEffect">
-                                  <p:stCondLst>
-                                    <p:cond delay="0"/>
-                                  </p:stCondLst>
-                                  <p:childTnLst>
-                                    <p:set>
-                                      <p:cBhvr>
-                                        <p:cTn id="6" dur="1" fill="hold">
-                                          <p:stCondLst>
-                                            <p:cond delay="0"/>
-                                          </p:stCondLst>
-                                        </p:cTn>
-                                        <p:tgtEl>
-                                          <p:spTgt spid="6"/>
-                                        </p:tgtEl>
-                                        <p:attrNameLst>
-                                          <p:attrName>style.visibility</p:attrName>
-                                        </p:attrNameLst>
-                                      </p:cBhvr>
-                                      <p:to>
-                                        <p:strVal val="visible"/>
-                                      </p:to>
-                                    </p:set>
-                                    <p:animEffect transition="in" filter="wipe(left)">
-                                      <p:cBhvr>
-                                        <p:cTn id="7" dur="1000"/>
-                                        <p:tgtEl>
-                                          <p:spTgt spid="6"/>
-                                        </p:tgtEl>
-                                      </p:cBhvr>
-                                    </p:animEffect>
-                                  </p:childTnLst>
-                                </p:cTn>
-                              </p:par>
-                            </p:childTnLst>
-                          </p:cTn>
-                        </p:par>
-                      </p:childTnLst>
-                    </p:cTn>
-                  </p:par>
-                </p:childTnLst>
-              </p:cTn>
-              <p:prevCondLst>
-                <p:cond evt="onPrev" delay="0">
-                  <p:tgtEl>
-                    <p:sldTgt/>
-                  </p:tgtEl>
-                </p:cond>
-              </p:prevCondLst>
-              <p:nextCondLst>
-                <p:cond evt="onNext" delay="0">
-                  <p:tgtEl>
-                    <p:sldTgt/>
-                  </p:tgtEl>
-                </p:cond>
-              </p:nextCondLst>
-            </p:seq>
-          </p:childTnLst>
-        </p:cTn>
-      </p:par>
-    </p:tnLst>
-    <p:bldLst>
-      <p:bldP spid="6" grpId="0"/>
-    </p:bldLst>
-  </p:timing>
-</p:sld>
-</file>
-
-<file path=ppt/slides/slide9.xml><?xml version="1.0" encoding="utf-8"?>
-<p:sld xmlns:a="http://schemas.openxmlformats.org/drawingml/2006/main" xmlns:r="http://schemas.openxmlformats.org/officeDocument/2006/relationships" xmlns:p="http://schemas.openxmlformats.org/presentationml/2006/main">
-  <p:cSld>
-    <p:spTree>
-      <p:nvGrpSpPr>
-        <p:cNvPr id="1" name=""/>
-        <p:cNvGrpSpPr/>
-        <p:nvPr/>
-      </p:nvGrpSpPr>
-      <p:grpSpPr>
-        <a:xfrm>
-          <a:off x="0" y="0"/>
-          <a:ext cx="0" cy="0"/>
-          <a:chOff x="0" y="0"/>
-          <a:chExt cx="0" cy="0"/>
-        </a:xfrm>
-      </p:grpSpPr>
-      <p:sp>
-        <p:nvSpPr>
-          <p:cNvPr id="4" name="ZoneTexte 3"/>
-          <p:cNvSpPr txBox="1"/>
-          <p:nvPr/>
-        </p:nvSpPr>
-        <p:spPr>
-          <a:xfrm>
-            <a:off x="10573555" y="371083"/>
-            <a:ext cx="441146" cy="369332"/>
-          </a:xfrm>
-          <a:prstGeom prst="rect">
-            <a:avLst/>
-          </a:prstGeom>
-          <a:noFill/>
-        </p:spPr>
-        <p:txBody>
-          <a:bodyPr wrap="none" rtlCol="0">
-            <a:spAutoFit/>
-          </a:bodyPr>
-          <a:lstStyle/>
-          <a:p>
-            <a:r>
-              <a:rPr lang="fr-FR" dirty="0" smtClean="0"/>
-              <a:t>04</a:t>
-            </a:r>
-            <a:endParaRPr lang="fr-FR" dirty="0"/>
-          </a:p>
-        </p:txBody>
-      </p:sp>
-      <p:sp>
-        <p:nvSpPr>
-          <p:cNvPr id="6" name="Espace réservé du contenu 2"/>
-          <p:cNvSpPr txBox="1">
-            <a:spLocks/>
-          </p:cNvSpPr>
-          <p:nvPr/>
-        </p:nvSpPr>
-        <p:spPr>
-          <a:xfrm>
-            <a:off x="3180414" y="2024739"/>
-            <a:ext cx="8401451" cy="2808522"/>
-          </a:xfrm>
-          <a:prstGeom prst="rect">
-            <a:avLst/>
-          </a:prstGeom>
-        </p:spPr>
-        <p:txBody>
-          <a:bodyPr vert="horz" lIns="91440" tIns="45720" rIns="91440" bIns="45720" rtlCol="0">
-            <a:normAutofit/>
-          </a:bodyPr>
-          <a:lstStyle>
-            <a:lvl1pPr marL="342900" indent="-342900" algn="l" defTabSz="457200" rtl="0" eaLnBrk="1" latinLnBrk="0" hangingPunct="1">
-              <a:spcBef>
-                <a:spcPts val="1000"/>
-              </a:spcBef>
-              <a:spcAft>
-                <a:spcPts val="0"/>
-              </a:spcAft>
-              <a:buClr>
-                <a:schemeClr val="bg2">
-                  <a:lumMod val="40000"/>
-                  <a:lumOff val="60000"/>
-                </a:schemeClr>
-              </a:buClr>
-              <a:buSzPct val="80000"/>
-              <a:buFont typeface="Wingdings 3" charset="2"/>
-              <a:buChar char=""/>
-              <a:defRPr sz="2000" b="0" i="0" kern="1200">
-                <a:solidFill>
-                  <a:schemeClr val="tx1"/>
-                </a:solidFill>
-                <a:latin typeface="+mj-lt"/>
-                <a:ea typeface="+mj-ea"/>
-                <a:cs typeface="+mj-cs"/>
-              </a:defRPr>
-            </a:lvl1pPr>
-            <a:lvl2pPr marL="742950" indent="-285750" algn="l" defTabSz="457200" rtl="0" eaLnBrk="1" latinLnBrk="0" hangingPunct="1">
-              <a:spcBef>
-                <a:spcPts val="1000"/>
-              </a:spcBef>
-              <a:spcAft>
-                <a:spcPts val="0"/>
-              </a:spcAft>
-              <a:buClr>
-                <a:schemeClr val="bg2">
-                  <a:lumMod val="40000"/>
-                  <a:lumOff val="60000"/>
-                </a:schemeClr>
-              </a:buClr>
-              <a:buSzPct val="80000"/>
-              <a:buFont typeface="Wingdings 3" charset="2"/>
-              <a:buChar char=""/>
-              <a:defRPr sz="1800" b="0" i="0" kern="1200">
-                <a:solidFill>
-                  <a:schemeClr val="tx1"/>
-                </a:solidFill>
-                <a:latin typeface="+mj-lt"/>
-                <a:ea typeface="+mj-ea"/>
-                <a:cs typeface="+mj-cs"/>
-              </a:defRPr>
-            </a:lvl2pPr>
-            <a:lvl3pPr marL="1143000" indent="-228600" algn="l" defTabSz="457200" rtl="0" eaLnBrk="1" latinLnBrk="0" hangingPunct="1">
-              <a:spcBef>
-                <a:spcPts val="1000"/>
-              </a:spcBef>
-              <a:spcAft>
-                <a:spcPts val="0"/>
-              </a:spcAft>
-              <a:buClr>
-                <a:schemeClr val="bg2">
-                  <a:lumMod val="40000"/>
-                  <a:lumOff val="60000"/>
-                </a:schemeClr>
-              </a:buClr>
-              <a:buSzPct val="80000"/>
-              <a:buFont typeface="Wingdings 3" charset="2"/>
-              <a:buChar char=""/>
-              <a:defRPr sz="1600" b="0" i="0" kern="1200">
-                <a:solidFill>
-                  <a:schemeClr val="tx1"/>
-                </a:solidFill>
-                <a:latin typeface="+mj-lt"/>
-                <a:ea typeface="+mj-ea"/>
-                <a:cs typeface="+mj-cs"/>
-              </a:defRPr>
-            </a:lvl3pPr>
-            <a:lvl4pPr marL="1600200" indent="-228600" algn="l" defTabSz="457200" rtl="0" eaLnBrk="1" latinLnBrk="0" hangingPunct="1">
-              <a:spcBef>
-                <a:spcPts val="1000"/>
-              </a:spcBef>
-              <a:spcAft>
-                <a:spcPts val="0"/>
-              </a:spcAft>
-              <a:buClr>
-                <a:schemeClr val="bg2">
-                  <a:lumMod val="40000"/>
-                  <a:lumOff val="60000"/>
-                </a:schemeClr>
-              </a:buClr>
-              <a:buSzPct val="80000"/>
-              <a:buFont typeface="Wingdings 3" charset="2"/>
-              <a:buChar char=""/>
-              <a:defRPr sz="1400" b="0" i="0" kern="1200">
-                <a:solidFill>
-                  <a:schemeClr val="tx1"/>
-                </a:solidFill>
-                <a:latin typeface="+mj-lt"/>
-                <a:ea typeface="+mj-ea"/>
-                <a:cs typeface="+mj-cs"/>
-              </a:defRPr>
-            </a:lvl4pPr>
-            <a:lvl5pPr marL="2057400" indent="-228600" algn="l" defTabSz="457200" rtl="0" eaLnBrk="1" latinLnBrk="0" hangingPunct="1">
-              <a:spcBef>
-                <a:spcPts val="1000"/>
-              </a:spcBef>
-              <a:spcAft>
-                <a:spcPts val="0"/>
-              </a:spcAft>
-              <a:buClr>
-                <a:schemeClr val="bg2">
-                  <a:lumMod val="40000"/>
-                  <a:lumOff val="60000"/>
-                </a:schemeClr>
-              </a:buClr>
-              <a:buSzPct val="80000"/>
-              <a:buFont typeface="Wingdings 3" charset="2"/>
-              <a:buChar char=""/>
-              <a:defRPr sz="1400" b="0" i="0" kern="1200">
-                <a:solidFill>
-                  <a:schemeClr val="tx1"/>
-                </a:solidFill>
-                <a:latin typeface="+mj-lt"/>
-                <a:ea typeface="+mj-ea"/>
-                <a:cs typeface="+mj-cs"/>
-              </a:defRPr>
-            </a:lvl5pPr>
-            <a:lvl6pPr marL="2506000" indent="-228600" algn="l" defTabSz="457200" rtl="0" eaLnBrk="1" latinLnBrk="0" hangingPunct="1">
-              <a:spcBef>
-                <a:spcPts val="1000"/>
-              </a:spcBef>
-              <a:spcAft>
-                <a:spcPts val="0"/>
-              </a:spcAft>
-              <a:buClr>
-                <a:schemeClr val="bg2">
-                  <a:lumMod val="40000"/>
-                  <a:lumOff val="60000"/>
-                </a:schemeClr>
-              </a:buClr>
-              <a:buSzPct val="80000"/>
-              <a:buFont typeface="Wingdings 3" charset="2"/>
-              <a:buChar char=""/>
-              <a:defRPr sz="1400" b="0" i="0" kern="1200">
-                <a:solidFill>
-                  <a:schemeClr val="tx1"/>
-                </a:solidFill>
-                <a:latin typeface="+mj-lt"/>
-                <a:ea typeface="+mj-ea"/>
-                <a:cs typeface="+mj-cs"/>
-              </a:defRPr>
-            </a:lvl6pPr>
-            <a:lvl7pPr marL="2971800" indent="-228600" algn="l" defTabSz="457200" rtl="0" eaLnBrk="1" latinLnBrk="0" hangingPunct="1">
-              <a:spcBef>
-                <a:spcPts val="1000"/>
-              </a:spcBef>
-              <a:spcAft>
-                <a:spcPts val="0"/>
-              </a:spcAft>
-              <a:buClr>
-                <a:schemeClr val="bg2">
-                  <a:lumMod val="40000"/>
-                  <a:lumOff val="60000"/>
-                </a:schemeClr>
-              </a:buClr>
-              <a:buSzPct val="80000"/>
-              <a:buFont typeface="Wingdings 3" charset="2"/>
-              <a:buChar char=""/>
-              <a:defRPr sz="1400" b="0" i="0" kern="1200">
-                <a:solidFill>
-                  <a:schemeClr val="tx1"/>
-                </a:solidFill>
-                <a:latin typeface="+mj-lt"/>
-                <a:ea typeface="+mj-ea"/>
-                <a:cs typeface="+mj-cs"/>
-              </a:defRPr>
-            </a:lvl7pPr>
-            <a:lvl8pPr marL="3429000" indent="-228600" algn="l" defTabSz="457200" rtl="0" eaLnBrk="1" latinLnBrk="0" hangingPunct="1">
-              <a:spcBef>
-                <a:spcPts val="1000"/>
-              </a:spcBef>
-              <a:spcAft>
-                <a:spcPts val="0"/>
-              </a:spcAft>
-              <a:buClr>
-                <a:schemeClr val="bg2">
-                  <a:lumMod val="40000"/>
-                  <a:lumOff val="60000"/>
-                </a:schemeClr>
-              </a:buClr>
-              <a:buSzPct val="80000"/>
-              <a:buFont typeface="Wingdings 3" charset="2"/>
-              <a:buChar char=""/>
-              <a:defRPr sz="1400" b="0" i="0" kern="1200">
-                <a:solidFill>
-                  <a:schemeClr val="tx1"/>
-                </a:solidFill>
-                <a:latin typeface="+mj-lt"/>
-                <a:ea typeface="+mj-ea"/>
-                <a:cs typeface="+mj-cs"/>
-              </a:defRPr>
-            </a:lvl8pPr>
-            <a:lvl9pPr marL="3886200" indent="-228600" algn="l" defTabSz="457200" rtl="0" eaLnBrk="1" latinLnBrk="0" hangingPunct="1">
-              <a:spcBef>
-                <a:spcPts val="1000"/>
-              </a:spcBef>
-              <a:spcAft>
-                <a:spcPts val="0"/>
-              </a:spcAft>
-              <a:buClr>
-                <a:schemeClr val="bg2">
-                  <a:lumMod val="40000"/>
-                  <a:lumOff val="60000"/>
-                </a:schemeClr>
-              </a:buClr>
-              <a:buSzPct val="80000"/>
-              <a:buFont typeface="Wingdings 3" charset="2"/>
-              <a:buChar char=""/>
-              <a:defRPr sz="1400" b="0" i="0" kern="1200">
-                <a:solidFill>
-                  <a:schemeClr val="tx1"/>
-                </a:solidFill>
-                <a:latin typeface="+mj-lt"/>
-                <a:ea typeface="+mj-ea"/>
-                <a:cs typeface="+mj-cs"/>
-              </a:defRPr>
-            </a:lvl9pPr>
-          </a:lstStyle>
-          <a:p>
-            <a:r>
-              <a:rPr lang="fr-FR" dirty="0" smtClean="0"/>
               <a:t>Avoir une plate-forme d’informations sur les partenaires</a:t>
             </a:r>
             <a:endParaRPr lang="fr-FR" dirty="0"/>
@@ -25333,7 +25393,7 @@
   <p:timing>
     <p:tnLst>
       <p:par>
-        <p:cTn id="1" dur="indefinite" restart="never" nodeType="tmRoot">
+        <p:cTn xmlns:p14="http://schemas.microsoft.com/office/powerpoint/2010/main" id="1" dur="indefinite" restart="never" nodeType="tmRoot">
           <p:childTnLst>
             <p:seq concurrent="1" nextAc="seek">
               <p:cTn id="2" dur="indefinite" nodeType="mainSeq">
@@ -25465,7 +25525,7 @@
     </a:clrScheme>
     <a:fontScheme name="Ion">
       <a:majorFont>
-        <a:latin typeface="Century Gothic" panose="020B0502020202020204"/>
+        <a:latin typeface="Century Gothic"/>
         <a:ea typeface=""/>
         <a:cs typeface=""/>
         <a:font script="Jpan" typeface="メイリオ"/>
@@ -25500,7 +25560,7 @@
         <a:font script="Geor" typeface="Sylfaen"/>
       </a:majorFont>
       <a:minorFont>
-        <a:latin typeface="Century Gothic" panose="020B0502020202020204"/>
+        <a:latin typeface="Century Gothic"/>
         <a:ea typeface=""/>
         <a:cs typeface=""/>
         <a:font script="Jpan" typeface="メイリオ"/>
@@ -25682,7 +25742,7 @@
   <a:extraClrSchemeLst/>
   <a:extLst>
     <a:ext uri="{05A4C25C-085E-4340-85A3-A5531E510DB2}">
-      <thm15:themeFamily xmlns:thm15="http://schemas.microsoft.com/office/thememl/2012/main" name="Ion" id="{B8441ADB-2E43-4AF7-B97A-BD870242C6A8}" vid="{292E63A9-BB86-4E3D-B92A-7223C6510D2E}"/>
+      <thm15:themeFamily xmlns:thm15="http://schemas.microsoft.com/office/thememl/2012/main" xmlns="" name="Ion" id="{B8441ADB-2E43-4AF7-B97A-BD870242C6A8}" vid="{292E63A9-BB86-4E3D-B92A-7223C6510D2E}"/>
     </a:ext>
   </a:extLst>
 </a:theme>

--- a/Aviaco france.pptx
+++ b/Aviaco france.pptx
@@ -8741,7 +8741,7 @@
         <p:spPr>
           <a:xfrm>
             <a:off x="-10509" y="-14513"/>
-            <a:ext cx="2318280" cy="1483506"/>
+            <a:ext cx="2171786" cy="1483506"/>
           </a:xfrm>
           <a:prstGeom prst="rect">
             <a:avLst/>
@@ -8789,7 +8789,7 @@
         <p:spPr>
           <a:xfrm>
             <a:off x="-12515" y="1483507"/>
-            <a:ext cx="2320286" cy="1187122"/>
+            <a:ext cx="2173792" cy="1187122"/>
           </a:xfrm>
           <a:prstGeom prst="rect">
             <a:avLst/>
@@ -8822,7 +8822,7 @@
             <a:pPr algn="ctr"/>
             <a:r>
               <a:rPr lang="fr-FR" dirty="0" smtClean="0"/>
-              <a:t>AVIACO FRANCE</a:t>
+              <a:t>AICOM</a:t>
             </a:r>
             <a:endParaRPr lang="fr-FR" dirty="0"/>
           </a:p>
@@ -8837,7 +8837,7 @@
         <p:spPr>
           <a:xfrm>
             <a:off x="-14510" y="2688198"/>
-            <a:ext cx="2510967" cy="1041978"/>
+            <a:ext cx="2175787" cy="1041978"/>
           </a:xfrm>
           <a:prstGeom prst="rect">
             <a:avLst/>
@@ -8870,7 +8870,7 @@
             <a:pPr algn="ctr"/>
             <a:r>
               <a:rPr lang="fr-FR" dirty="0" smtClean="0"/>
-              <a:t>SITE INTERNET</a:t>
+              <a:t>PROJETS</a:t>
             </a:r>
             <a:endParaRPr lang="fr-FR" dirty="0"/>
           </a:p>
@@ -8884,8 +8884,8 @@
         </p:nvSpPr>
         <p:spPr>
           <a:xfrm>
-            <a:off x="-18425" y="3749233"/>
-            <a:ext cx="2552981" cy="967920"/>
+            <a:off x="-18424" y="3749233"/>
+            <a:ext cx="2179702" cy="967920"/>
           </a:xfrm>
           <a:prstGeom prst="rect">
             <a:avLst/>
@@ -8986,7 +8986,7 @@
         <p:spPr>
           <a:xfrm>
             <a:off x="-9752" y="4733436"/>
-            <a:ext cx="2544308" cy="1001486"/>
+            <a:ext cx="2171029" cy="1001486"/>
           </a:xfrm>
           <a:prstGeom prst="rect">
             <a:avLst/>
@@ -16714,8 +16714,8 @@
         </p:nvSpPr>
         <p:spPr>
           <a:xfrm>
-            <a:off x="-12515" y="1483507"/>
-            <a:ext cx="2320286" cy="1187122"/>
+            <a:off x="-12515" y="1648705"/>
+            <a:ext cx="2320286" cy="1021924"/>
           </a:xfrm>
           <a:prstGeom prst="rect">
             <a:avLst/>
@@ -16748,7 +16748,7 @@
             <a:pPr algn="ctr"/>
             <a:r>
               <a:rPr lang="fr-FR" dirty="0" smtClean="0"/>
-              <a:t>AVIACO FRANCE</a:t>
+              <a:t>AICOM</a:t>
             </a:r>
             <a:endParaRPr lang="fr-FR" dirty="0"/>
           </a:p>
@@ -17444,7 +17444,7 @@
             <a:pPr algn="ctr"/>
             <a:r>
               <a:rPr lang="fr-FR" dirty="0" smtClean="0"/>
-              <a:t>AVIACO FRANCE</a:t>
+              <a:t>AICOM</a:t>
             </a:r>
             <a:endParaRPr lang="fr-FR" dirty="0"/>
           </a:p>
@@ -18589,14 +18589,14 @@
           <p:nvPr>
             <p:extLst>
               <p:ext uri="{D42A27DB-BD31-4B8C-83A1-F6EECF244321}">
-                <p14:modId xmlns:p14="http://schemas.microsoft.com/office/powerpoint/2010/main" val="422364341"/>
+                <p14:modId xmlns:p14="http://schemas.microsoft.com/office/powerpoint/2010/main" val="2971099837"/>
               </p:ext>
             </p:extLst>
           </p:nvPr>
         </p:nvGraphicFramePr>
         <p:xfrm>
-          <a:off x="3382034" y="2222171"/>
-          <a:ext cx="6618235" cy="4114235"/>
+          <a:off x="3382034" y="2361658"/>
+          <a:ext cx="6618235" cy="3974748"/>
         </p:xfrm>
         <a:graphic>
           <a:graphicData uri="http://schemas.openxmlformats.org/drawingml/2006/chart">
@@ -19826,7 +19826,7 @@
         <p:spPr>
           <a:xfrm>
             <a:off x="-14510" y="2688198"/>
-            <a:ext cx="2510967" cy="1041978"/>
+            <a:ext cx="2164647" cy="1041978"/>
           </a:xfrm>
           <a:prstGeom prst="rect">
             <a:avLst/>
@@ -20185,7 +20185,7 @@
         <p:spPr>
           <a:xfrm>
             <a:off x="-12515" y="1483507"/>
-            <a:ext cx="2162652" cy="1187122"/>
+            <a:ext cx="2218356" cy="1187122"/>
           </a:xfrm>
           <a:prstGeom prst="rect">
             <a:avLst/>
@@ -22406,7 +22406,7 @@
             <a:pPr algn="ctr"/>
             <a:r>
               <a:rPr lang="fr-FR" dirty="0" smtClean="0"/>
-              <a:t>AVIACO FRANCE</a:t>
+              <a:t>AICOM</a:t>
             </a:r>
             <a:endParaRPr lang="fr-FR" dirty="0"/>
           </a:p>
@@ -23074,7 +23074,7 @@
             <a:pPr algn="ctr"/>
             <a:r>
               <a:rPr lang="fr-FR" dirty="0" smtClean="0"/>
-              <a:t>AVIACO FRANCE</a:t>
+              <a:t>AICOM</a:t>
             </a:r>
             <a:endParaRPr lang="fr-FR" dirty="0"/>
           </a:p>
@@ -24045,7 +24045,7 @@
             <a:pPr algn="ctr"/>
             <a:r>
               <a:rPr lang="fr-FR" dirty="0" smtClean="0"/>
-              <a:t>AVIACO FRANCE</a:t>
+              <a:t>AICOM</a:t>
             </a:r>
             <a:endParaRPr lang="fr-FR" dirty="0"/>
           </a:p>

--- a/Aviaco france.pptx
+++ b/Aviaco france.pptx
@@ -2717,7 +2717,7 @@
           <a:p>
             <a:fld id="{4AAD347D-5ACD-4C99-B74B-A9C85AD731AF}" type="datetimeFigureOut">
               <a:rPr lang="en-US" dirty="0"/>
-              <a:t>6/13/2016</a:t>
+              <a:t>6/14/2016</a:t>
             </a:fld>
             <a:endParaRPr lang="en-US" dirty="0"/>
           </a:p>
@@ -2987,7 +2987,7 @@
           <a:p>
             <a:fld id="{4509A250-FF31-4206-8172-F9D3106AACB1}" type="datetimeFigureOut">
               <a:rPr lang="en-US" dirty="0"/>
-              <a:t>6/13/2016</a:t>
+              <a:t>6/14/2016</a:t>
             </a:fld>
             <a:endParaRPr lang="en-US" dirty="0"/>
           </a:p>
@@ -3176,7 +3176,7 @@
           <a:p>
             <a:fld id="{4509A250-FF31-4206-8172-F9D3106AACB1}" type="datetimeFigureOut">
               <a:rPr lang="en-US" dirty="0"/>
-              <a:t>6/13/2016</a:t>
+              <a:t>6/14/2016</a:t>
             </a:fld>
             <a:endParaRPr lang="en-US" dirty="0"/>
           </a:p>
@@ -3444,7 +3444,7 @@
           <a:p>
             <a:fld id="{4509A250-FF31-4206-8172-F9D3106AACB1}" type="datetimeFigureOut">
               <a:rPr lang="en-US" dirty="0"/>
-              <a:t>6/13/2016</a:t>
+              <a:t>6/14/2016</a:t>
             </a:fld>
             <a:endParaRPr lang="en-US" dirty="0"/>
           </a:p>
@@ -3780,7 +3780,7 @@
           <a:p>
             <a:fld id="{4509A250-FF31-4206-8172-F9D3106AACB1}" type="datetimeFigureOut">
               <a:rPr lang="en-US" dirty="0"/>
-              <a:t>6/13/2016</a:t>
+              <a:t>6/14/2016</a:t>
             </a:fld>
             <a:endParaRPr lang="en-US" dirty="0"/>
           </a:p>
@@ -4398,7 +4398,7 @@
           <a:p>
             <a:fld id="{4509A250-FF31-4206-8172-F9D3106AACB1}" type="datetimeFigureOut">
               <a:rPr lang="en-US" dirty="0"/>
-              <a:t>6/13/2016</a:t>
+              <a:t>6/14/2016</a:t>
             </a:fld>
             <a:endParaRPr lang="en-US" dirty="0"/>
           </a:p>
@@ -5253,7 +5253,7 @@
           <a:p>
             <a:fld id="{4509A250-FF31-4206-8172-F9D3106AACB1}" type="datetimeFigureOut">
               <a:rPr lang="en-US" dirty="0"/>
-              <a:t>6/13/2016</a:t>
+              <a:t>6/14/2016</a:t>
             </a:fld>
             <a:endParaRPr lang="en-US" dirty="0"/>
           </a:p>
@@ -5418,7 +5418,7 @@
           <a:p>
             <a:fld id="{4509A250-FF31-4206-8172-F9D3106AACB1}" type="datetimeFigureOut">
               <a:rPr lang="en-US" dirty="0"/>
-              <a:t>6/13/2016</a:t>
+              <a:t>6/14/2016</a:t>
             </a:fld>
             <a:endParaRPr lang="en-US" dirty="0"/>
           </a:p>
@@ -5593,7 +5593,7 @@
           <a:p>
             <a:fld id="{4509A250-FF31-4206-8172-F9D3106AACB1}" type="datetimeFigureOut">
               <a:rPr lang="en-US" dirty="0"/>
-              <a:t>6/13/2016</a:t>
+              <a:t>6/14/2016</a:t>
             </a:fld>
             <a:endParaRPr lang="en-US" dirty="0"/>
           </a:p>
@@ -5758,7 +5758,7 @@
           <a:p>
             <a:fld id="{4509A250-FF31-4206-8172-F9D3106AACB1}" type="datetimeFigureOut">
               <a:rPr lang="en-US" dirty="0"/>
-              <a:t>6/13/2016</a:t>
+              <a:t>6/14/2016</a:t>
             </a:fld>
             <a:endParaRPr lang="en-US" dirty="0"/>
           </a:p>
@@ -6000,7 +6000,7 @@
           <a:p>
             <a:fld id="{9796027F-7875-4030-9381-8BD8C4F21935}" type="datetimeFigureOut">
               <a:rPr lang="en-US" dirty="0"/>
-              <a:t>6/13/2016</a:t>
+              <a:t>6/14/2016</a:t>
             </a:fld>
             <a:endParaRPr lang="en-US" dirty="0"/>
           </a:p>
@@ -6287,7 +6287,7 @@
           <a:p>
             <a:fld id="{9796027F-7875-4030-9381-8BD8C4F21935}" type="datetimeFigureOut">
               <a:rPr lang="en-US" dirty="0"/>
-              <a:t>6/13/2016</a:t>
+              <a:t>6/14/2016</a:t>
             </a:fld>
             <a:endParaRPr lang="en-US" dirty="0"/>
           </a:p>
@@ -6726,7 +6726,7 @@
           <a:p>
             <a:fld id="{9796027F-7875-4030-9381-8BD8C4F21935}" type="datetimeFigureOut">
               <a:rPr lang="en-US" dirty="0"/>
-              <a:t>6/13/2016</a:t>
+              <a:t>6/14/2016</a:t>
             </a:fld>
             <a:endParaRPr lang="en-US" dirty="0"/>
           </a:p>
@@ -6839,7 +6839,7 @@
           <a:p>
             <a:fld id="{4509A250-FF31-4206-8172-F9D3106AACB1}" type="datetimeFigureOut">
               <a:rPr lang="en-US" dirty="0"/>
-              <a:t>6/13/2016</a:t>
+              <a:t>6/14/2016</a:t>
             </a:fld>
             <a:endParaRPr lang="en-US" dirty="0"/>
           </a:p>
@@ -6929,7 +6929,7 @@
           <a:p>
             <a:fld id="{4509A250-FF31-4206-8172-F9D3106AACB1}" type="datetimeFigureOut">
               <a:rPr lang="en-US" dirty="0"/>
-              <a:t>6/13/2016</a:t>
+              <a:t>6/14/2016</a:t>
             </a:fld>
             <a:endParaRPr lang="en-US" dirty="0"/>
           </a:p>
@@ -7203,7 +7203,7 @@
           <a:p>
             <a:fld id="{4509A250-FF31-4206-8172-F9D3106AACB1}" type="datetimeFigureOut">
               <a:rPr lang="en-US" dirty="0"/>
-              <a:t>6/13/2016</a:t>
+              <a:t>6/14/2016</a:t>
             </a:fld>
             <a:endParaRPr lang="en-US" dirty="0"/>
           </a:p>
@@ -7473,7 +7473,7 @@
           <a:p>
             <a:fld id="{4509A250-FF31-4206-8172-F9D3106AACB1}" type="datetimeFigureOut">
               <a:rPr lang="en-US" dirty="0"/>
-              <a:t>6/13/2016</a:t>
+              <a:t>6/14/2016</a:t>
             </a:fld>
             <a:endParaRPr lang="en-US" dirty="0"/>
           </a:p>
@@ -7897,7 +7897,7 @@
           <a:p>
             <a:fld id="{4AAD347D-5ACD-4C99-B74B-A9C85AD731AF}" type="datetimeFigureOut">
               <a:rPr lang="en-US" dirty="0"/>
-              <a:t>6/13/2016</a:t>
+              <a:t>6/14/2016</a:t>
             </a:fld>
             <a:endParaRPr lang="en-US" dirty="0"/>
           </a:p>
@@ -16442,7 +16442,7 @@
         </p:nvSpPr>
         <p:spPr>
           <a:xfrm>
-            <a:off x="-14503" y="0"/>
+            <a:off x="-18425" y="-14513"/>
             <a:ext cx="2177143" cy="6858000"/>
           </a:xfrm>
           <a:prstGeom prst="rect">
@@ -16486,7 +16486,7 @@
         <p:spPr>
           <a:xfrm>
             <a:off x="-10509" y="-14513"/>
-            <a:ext cx="2318280" cy="1483506"/>
+            <a:ext cx="2192816" cy="1483506"/>
           </a:xfrm>
           <a:prstGeom prst="rect">
             <a:avLst/>
@@ -16538,7 +16538,7 @@
         <p:spPr>
           <a:xfrm>
             <a:off x="-12515" y="1648705"/>
-            <a:ext cx="2320286" cy="1021924"/>
+            <a:ext cx="2320286" cy="593454"/>
           </a:xfrm>
           <a:prstGeom prst="rect">
             <a:avLst/>
@@ -16584,8 +16584,8 @@
         </p:nvSpPr>
         <p:spPr>
           <a:xfrm>
-            <a:off x="-14510" y="2688198"/>
-            <a:ext cx="2510967" cy="1041978"/>
+            <a:off x="0" y="2292326"/>
+            <a:ext cx="2510967" cy="683741"/>
           </a:xfrm>
           <a:prstGeom prst="rect">
             <a:avLst/>
@@ -16618,7 +16618,7 @@
             <a:pPr algn="ctr"/>
             <a:r>
               <a:rPr lang="fr-FR" dirty="0"/>
-              <a:t>SITE INTERNET</a:t>
+              <a:t>Site immobilier</a:t>
             </a:r>
           </a:p>
         </p:txBody>
@@ -16631,8 +16631,8 @@
         </p:nvSpPr>
         <p:spPr>
           <a:xfrm>
-            <a:off x="-18425" y="3749233"/>
-            <a:ext cx="2552981" cy="967920"/>
+            <a:off x="-42014" y="3026234"/>
+            <a:ext cx="2552981" cy="773166"/>
           </a:xfrm>
           <a:prstGeom prst="rect">
             <a:avLst/>
@@ -16665,7 +16665,7 @@
             <a:pPr algn="ctr"/>
             <a:r>
               <a:rPr lang="fr-FR" dirty="0"/>
-              <a:t>APPLICATION</a:t>
+              <a:t>Moteur de recherche</a:t>
             </a:r>
           </a:p>
         </p:txBody>
@@ -16712,7 +16712,7 @@
             <a:pPr algn="ctr"/>
             <a:r>
               <a:rPr lang="fr-FR" dirty="0"/>
-              <a:t>CONCLUSION</a:t>
+              <a:t>Conclusion</a:t>
             </a:r>
           </a:p>
         </p:txBody>
@@ -16726,7 +16726,7 @@
         <p:spPr>
           <a:xfrm>
             <a:off x="-9752" y="4733436"/>
-            <a:ext cx="2544308" cy="1001486"/>
+            <a:ext cx="2168470" cy="1001486"/>
           </a:xfrm>
           <a:prstGeom prst="rect">
             <a:avLst/>
@@ -16759,7 +16759,7 @@
             <a:pPr algn="ctr"/>
             <a:r>
               <a:rPr lang="fr-FR" dirty="0"/>
-              <a:t>LE STAGIAIRE</a:t>
+              <a:t>L’entreprise et moi</a:t>
             </a:r>
           </a:p>
         </p:txBody>
@@ -16800,13 +16800,66 @@
           <a:p>
             <a:r>
               <a:rPr lang="fr-FR" dirty="0"/>
-              <a:t>Présentation des projets</a:t>
+              <a:t>Présentation de mes projets</a:t>
             </a:r>
           </a:p>
           <a:p>
             <a:r>
               <a:rPr lang="fr-FR" dirty="0"/>
-              <a:t>Présentation et réalisation de</a:t>
+              <a:t>Mon organisation</a:t>
+            </a:r>
+          </a:p>
+          <a:p>
+            <a:r>
+              <a:rPr lang="fr-FR" dirty="0"/>
+              <a:t>L’entreprise et moi</a:t>
+            </a:r>
+          </a:p>
+        </p:txBody>
+      </p:sp>
+      <p:sp>
+        <p:nvSpPr>
+          <p:cNvPr id="13" name="Rectangle 12"/>
+          <p:cNvSpPr/>
+          <p:nvPr/>
+        </p:nvSpPr>
+        <p:spPr>
+          <a:xfrm>
+            <a:off x="-42014" y="3928567"/>
+            <a:ext cx="2544308" cy="804869"/>
+          </a:xfrm>
+          <a:prstGeom prst="rect">
+            <a:avLst/>
+          </a:prstGeom>
+          <a:noFill/>
+          <a:ln>
+            <a:noFill/>
+          </a:ln>
+        </p:spPr>
+        <p:style>
+          <a:lnRef idx="2">
+            <a:schemeClr val="accent1">
+              <a:shade val="50000"/>
+            </a:schemeClr>
+          </a:lnRef>
+          <a:fillRef idx="1">
+            <a:schemeClr val="accent1"/>
+          </a:fillRef>
+          <a:effectRef idx="0">
+            <a:schemeClr val="accent1"/>
+          </a:effectRef>
+          <a:fontRef idx="minor">
+            <a:schemeClr val="lt1"/>
+          </a:fontRef>
+        </p:style>
+        <p:txBody>
+          <a:bodyPr rtlCol="0" anchor="ctr"/>
+          <a:lstStyle/>
+          <a:p>
+            <a:pPr algn="ctr"/>
+            <a:r>
+              <a:rPr lang="fr-FR" dirty="0"/>
+              <a:t>Organisation</a:t>
             </a:r>
           </a:p>
         </p:txBody>
@@ -16845,7 +16898,7 @@
                             </p:stCondLst>
                             <p:childTnLst>
                               <p:par>
-                                <p:cTn id="5" presetID="22" presetClass="entr" presetSubtype="8" fill="hold" grpId="0" nodeType="afterEffect">
+                                <p:cTn id="5" presetID="22" presetClass="entr" presetSubtype="8" fill="hold" grpId="0" nodeType="withEffect">
                                   <p:stCondLst>
                                     <p:cond delay="0"/>
                                   </p:stCondLst>
@@ -16887,24 +16940,15 @@
                                   </p:childTnLst>
                                 </p:cTn>
                               </p:par>
-                            </p:childTnLst>
-                          </p:cTn>
-                        </p:par>
-                        <p:par>
-                          <p:cTn id="8" fill="hold">
-                            <p:stCondLst>
-                              <p:cond delay="1000"/>
-                            </p:stCondLst>
-                            <p:childTnLst>
                               <p:par>
-                                <p:cTn id="9" presetID="22" presetClass="entr" presetSubtype="8" fill="hold" grpId="0" nodeType="afterEffect">
+                                <p:cTn id="8" presetID="22" presetClass="entr" presetSubtype="8" fill="hold" grpId="0" nodeType="withEffect">
                                   <p:stCondLst>
                                     <p:cond delay="0"/>
                                   </p:stCondLst>
                                   <p:childTnLst>
                                     <p:set>
                                       <p:cBhvr>
-                                        <p:cTn id="10" dur="1" fill="hold">
+                                        <p:cTn id="9" dur="1" fill="hold">
                                           <p:stCondLst>
                                             <p:cond delay="0"/>
                                           </p:stCondLst>
@@ -16926,7 +16970,7 @@
                                     </p:set>
                                     <p:animEffect transition="in" filter="wipe(left)">
                                       <p:cBhvr>
-                                        <p:cTn id="11" dur="1000"/>
+                                        <p:cTn id="10" dur="1000"/>
                                         <p:tgtEl>
                                           <p:spTgt spid="11">
                                             <p:txEl>
@@ -16939,24 +16983,15 @@
                                   </p:childTnLst>
                                 </p:cTn>
                               </p:par>
-                            </p:childTnLst>
-                          </p:cTn>
-                        </p:par>
-                        <p:par>
-                          <p:cTn id="12" fill="hold">
-                            <p:stCondLst>
-                              <p:cond delay="2000"/>
-                            </p:stCondLst>
-                            <p:childTnLst>
                               <p:par>
-                                <p:cTn id="13" presetID="22" presetClass="entr" presetSubtype="8" fill="hold" grpId="0" nodeType="afterEffect">
+                                <p:cTn id="11" presetID="22" presetClass="entr" presetSubtype="8" fill="hold" grpId="0" nodeType="withEffect">
                                   <p:stCondLst>
                                     <p:cond delay="0"/>
                                   </p:stCondLst>
                                   <p:childTnLst>
                                     <p:set>
                                       <p:cBhvr>
-                                        <p:cTn id="14" dur="1" fill="hold">
+                                        <p:cTn id="12" dur="1" fill="hold">
                                           <p:stCondLst>
                                             <p:cond delay="0"/>
                                           </p:stCondLst>
@@ -16978,7 +17013,7 @@
                                     </p:set>
                                     <p:animEffect transition="in" filter="wipe(left)">
                                       <p:cBhvr>
-                                        <p:cTn id="15" dur="1000"/>
+                                        <p:cTn id="13" dur="1000"/>
                                         <p:tgtEl>
                                           <p:spTgt spid="11">
                                             <p:txEl>
@@ -16991,24 +17026,15 @@
                                   </p:childTnLst>
                                 </p:cTn>
                               </p:par>
-                            </p:childTnLst>
-                          </p:cTn>
-                        </p:par>
-                        <p:par>
-                          <p:cTn id="16" fill="hold">
-                            <p:stCondLst>
-                              <p:cond delay="3000"/>
-                            </p:stCondLst>
-                            <p:childTnLst>
                               <p:par>
-                                <p:cTn id="17" presetID="22" presetClass="entr" presetSubtype="8" fill="hold" grpId="0" nodeType="afterEffect">
+                                <p:cTn id="14" presetID="22" presetClass="entr" presetSubtype="8" fill="hold" grpId="0" nodeType="withEffect">
                                   <p:stCondLst>
                                     <p:cond delay="0"/>
                                   </p:stCondLst>
                                   <p:childTnLst>
                                     <p:set>
                                       <p:cBhvr>
-                                        <p:cTn id="18" dur="1" fill="hold">
+                                        <p:cTn id="15" dur="1" fill="hold">
                                           <p:stCondLst>
                                             <p:cond delay="0"/>
                                           </p:stCondLst>
@@ -17030,11 +17056,54 @@
                                     </p:set>
                                     <p:animEffect transition="in" filter="wipe(left)">
                                       <p:cBhvr>
+                                        <p:cTn id="16" dur="1000"/>
+                                        <p:tgtEl>
+                                          <p:spTgt spid="11">
+                                            <p:txEl>
+                                              <p:pRg st="3" end="3"/>
+                                            </p:txEl>
+                                          </p:spTgt>
+                                        </p:tgtEl>
+                                      </p:cBhvr>
+                                    </p:animEffect>
+                                  </p:childTnLst>
+                                </p:cTn>
+                              </p:par>
+                              <p:par>
+                                <p:cTn id="17" presetID="22" presetClass="entr" presetSubtype="8" fill="hold" grpId="0" nodeType="withEffect">
+                                  <p:stCondLst>
+                                    <p:cond delay="0"/>
+                                  </p:stCondLst>
+                                  <p:childTnLst>
+                                    <p:set>
+                                      <p:cBhvr>
+                                        <p:cTn id="18" dur="1" fill="hold">
+                                          <p:stCondLst>
+                                            <p:cond delay="0"/>
+                                          </p:stCondLst>
+                                        </p:cTn>
+                                        <p:tgtEl>
+                                          <p:spTgt spid="11">
+                                            <p:txEl>
+                                              <p:pRg st="4" end="4"/>
+                                            </p:txEl>
+                                          </p:spTgt>
+                                        </p:tgtEl>
+                                        <p:attrNameLst>
+                                          <p:attrName>style.visibility</p:attrName>
+                                        </p:attrNameLst>
+                                      </p:cBhvr>
+                                      <p:to>
+                                        <p:strVal val="visible"/>
+                                      </p:to>
+                                    </p:set>
+                                    <p:animEffect transition="in" filter="wipe(left)">
+                                      <p:cBhvr>
                                         <p:cTn id="19" dur="1000"/>
                                         <p:tgtEl>
                                           <p:spTgt spid="11">
                                             <p:txEl>
-                                              <p:pRg st="3" end="3"/>
+                                              <p:pRg st="4" end="4"/>
                                             </p:txEl>
                                           </p:spTgt>
                                         </p:tgtEl>
@@ -19317,7 +19386,7 @@
             <a:pPr algn="ctr"/>
             <a:r>
               <a:rPr lang="fr-FR" dirty="0"/>
-              <a:t>SITE INTERNET</a:t>
+              <a:t>Site immobilier</a:t>
             </a:r>
           </a:p>
         </p:txBody>
@@ -19364,7 +19433,7 @@
             <a:pPr algn="ctr"/>
             <a:r>
               <a:rPr lang="fr-FR" dirty="0"/>
-              <a:t>APPLICATION</a:t>
+              <a:t>Moteur de recherche</a:t>
             </a:r>
           </a:p>
         </p:txBody>
@@ -19411,7 +19480,7 @@
             <a:pPr algn="ctr"/>
             <a:r>
               <a:rPr lang="fr-FR" dirty="0"/>
-              <a:t>CONCLUSION</a:t>
+              <a:t>Conclusion</a:t>
             </a:r>
           </a:p>
         </p:txBody>
@@ -19425,7 +19494,7 @@
         <p:spPr>
           <a:xfrm>
             <a:off x="-9752" y="4733436"/>
-            <a:ext cx="2544308" cy="1001486"/>
+            <a:ext cx="2172392" cy="1001486"/>
           </a:xfrm>
           <a:prstGeom prst="rect">
             <a:avLst/>
@@ -19458,7 +19527,7 @@
             <a:pPr algn="ctr"/>
             <a:r>
               <a:rPr lang="fr-FR" dirty="0"/>
-              <a:t>LE STAGIAIRE</a:t>
+              <a:t>L’entreprise et moi</a:t>
             </a:r>
           </a:p>
         </p:txBody>
@@ -20604,284 +20673,6 @@
       </p:sp>
       <p:sp>
         <p:nvSpPr>
-          <p:cNvPr id="9" name="Rectangle 8"/>
-          <p:cNvSpPr/>
-          <p:nvPr/>
-        </p:nvSpPr>
-        <p:spPr>
-          <a:xfrm>
-            <a:off x="-14503" y="0"/>
-            <a:ext cx="2177143" cy="6858000"/>
-          </a:xfrm>
-          <a:prstGeom prst="rect">
-            <a:avLst/>
-          </a:prstGeom>
-          <a:ln>
-            <a:noFill/>
-          </a:ln>
-        </p:spPr>
-        <p:style>
-          <a:lnRef idx="2">
-            <a:schemeClr val="accent1">
-              <a:shade val="50000"/>
-            </a:schemeClr>
-          </a:lnRef>
-          <a:fillRef idx="1">
-            <a:schemeClr val="accent1"/>
-          </a:fillRef>
-          <a:effectRef idx="0">
-            <a:schemeClr val="accent1"/>
-          </a:effectRef>
-          <a:fontRef idx="minor">
-            <a:schemeClr val="lt1"/>
-          </a:fontRef>
-        </p:style>
-        <p:txBody>
-          <a:bodyPr rtlCol="0" anchor="ctr"/>
-          <a:lstStyle/>
-          <a:p>
-            <a:pPr algn="ctr"/>
-            <a:endParaRPr lang="fr-FR"/>
-          </a:p>
-        </p:txBody>
-      </p:sp>
-      <p:sp>
-        <p:nvSpPr>
-          <p:cNvPr id="10" name="Rectangle 9"/>
-          <p:cNvSpPr/>
-          <p:nvPr/>
-        </p:nvSpPr>
-        <p:spPr>
-          <a:xfrm>
-            <a:off x="-10509" y="-14513"/>
-            <a:ext cx="2318280" cy="1483506"/>
-          </a:xfrm>
-          <a:prstGeom prst="rect">
-            <a:avLst/>
-          </a:prstGeom>
-          <a:noFill/>
-          <a:ln>
-            <a:noFill/>
-          </a:ln>
-        </p:spPr>
-        <p:style>
-          <a:lnRef idx="2">
-            <a:schemeClr val="accent1">
-              <a:shade val="50000"/>
-            </a:schemeClr>
-          </a:lnRef>
-          <a:fillRef idx="1">
-            <a:schemeClr val="accent1"/>
-          </a:fillRef>
-          <a:effectRef idx="0">
-            <a:schemeClr val="accent1"/>
-          </a:effectRef>
-          <a:fontRef idx="minor">
-            <a:schemeClr val="lt1"/>
-          </a:fontRef>
-        </p:style>
-        <p:txBody>
-          <a:bodyPr rtlCol="0" anchor="ctr"/>
-          <a:lstStyle/>
-          <a:p>
-            <a:pPr algn="ctr"/>
-            <a:r>
-              <a:rPr lang="fr-FR" dirty="0"/>
-              <a:t>INTRODUCTION</a:t>
-            </a:r>
-          </a:p>
-        </p:txBody>
-      </p:sp>
-      <p:sp>
-        <p:nvSpPr>
-          <p:cNvPr id="2" name="Rectangle 1"/>
-          <p:cNvSpPr/>
-          <p:nvPr/>
-        </p:nvSpPr>
-        <p:spPr>
-          <a:xfrm>
-            <a:off x="-14510" y="2688198"/>
-            <a:ext cx="2510967" cy="1041978"/>
-          </a:xfrm>
-          <a:prstGeom prst="rect">
-            <a:avLst/>
-          </a:prstGeom>
-          <a:noFill/>
-          <a:ln>
-            <a:noFill/>
-          </a:ln>
-        </p:spPr>
-        <p:style>
-          <a:lnRef idx="2">
-            <a:schemeClr val="accent1">
-              <a:shade val="50000"/>
-            </a:schemeClr>
-          </a:lnRef>
-          <a:fillRef idx="1">
-            <a:schemeClr val="accent1"/>
-          </a:fillRef>
-          <a:effectRef idx="0">
-            <a:schemeClr val="accent1"/>
-          </a:effectRef>
-          <a:fontRef idx="minor">
-            <a:schemeClr val="lt1"/>
-          </a:fontRef>
-        </p:style>
-        <p:txBody>
-          <a:bodyPr rtlCol="0" anchor="ctr"/>
-          <a:lstStyle/>
-          <a:p>
-            <a:pPr algn="ctr"/>
-            <a:r>
-              <a:rPr lang="fr-FR" dirty="0"/>
-              <a:t>SITE INTERNET</a:t>
-            </a:r>
-          </a:p>
-        </p:txBody>
-      </p:sp>
-      <p:sp>
-        <p:nvSpPr>
-          <p:cNvPr id="5" name="Rectangle 4"/>
-          <p:cNvSpPr/>
-          <p:nvPr/>
-        </p:nvSpPr>
-        <p:spPr>
-          <a:xfrm>
-            <a:off x="-18425" y="3749233"/>
-            <a:ext cx="2552981" cy="967920"/>
-          </a:xfrm>
-          <a:prstGeom prst="rect">
-            <a:avLst/>
-          </a:prstGeom>
-          <a:noFill/>
-          <a:ln>
-            <a:noFill/>
-          </a:ln>
-        </p:spPr>
-        <p:style>
-          <a:lnRef idx="2">
-            <a:schemeClr val="accent1">
-              <a:shade val="50000"/>
-            </a:schemeClr>
-          </a:lnRef>
-          <a:fillRef idx="1">
-            <a:schemeClr val="accent1"/>
-          </a:fillRef>
-          <a:effectRef idx="0">
-            <a:schemeClr val="accent1"/>
-          </a:effectRef>
-          <a:fontRef idx="minor">
-            <a:schemeClr val="lt1"/>
-          </a:fontRef>
-        </p:style>
-        <p:txBody>
-          <a:bodyPr rtlCol="0" anchor="ctr"/>
-          <a:lstStyle/>
-          <a:p>
-            <a:pPr algn="ctr"/>
-            <a:r>
-              <a:rPr lang="fr-FR" dirty="0"/>
-              <a:t>APPLICATION</a:t>
-            </a:r>
-          </a:p>
-        </p:txBody>
-      </p:sp>
-      <p:sp>
-        <p:nvSpPr>
-          <p:cNvPr id="7" name="Rectangle 6"/>
-          <p:cNvSpPr/>
-          <p:nvPr/>
-        </p:nvSpPr>
-        <p:spPr>
-          <a:xfrm>
-            <a:off x="2191" y="5748669"/>
-            <a:ext cx="2532365" cy="1109331"/>
-          </a:xfrm>
-          <a:prstGeom prst="rect">
-            <a:avLst/>
-          </a:prstGeom>
-          <a:noFill/>
-          <a:ln>
-            <a:noFill/>
-          </a:ln>
-        </p:spPr>
-        <p:style>
-          <a:lnRef idx="2">
-            <a:schemeClr val="accent1">
-              <a:shade val="50000"/>
-            </a:schemeClr>
-          </a:lnRef>
-          <a:fillRef idx="1">
-            <a:schemeClr val="accent1"/>
-          </a:fillRef>
-          <a:effectRef idx="0">
-            <a:schemeClr val="accent1"/>
-          </a:effectRef>
-          <a:fontRef idx="minor">
-            <a:schemeClr val="lt1"/>
-          </a:fontRef>
-        </p:style>
-        <p:txBody>
-          <a:bodyPr rtlCol="0" anchor="ctr"/>
-          <a:lstStyle/>
-          <a:p>
-            <a:pPr algn="ctr"/>
-            <a:r>
-              <a:rPr lang="fr-FR" dirty="0"/>
-              <a:t>CONCLUSION</a:t>
-            </a:r>
-          </a:p>
-        </p:txBody>
-      </p:sp>
-      <p:sp>
-        <p:nvSpPr>
-          <p:cNvPr id="8" name="Rectangle 7"/>
-          <p:cNvSpPr/>
-          <p:nvPr/>
-        </p:nvSpPr>
-        <p:spPr>
-          <a:xfrm>
-            <a:off x="-9752" y="4733436"/>
-            <a:ext cx="2544308" cy="1001486"/>
-          </a:xfrm>
-          <a:prstGeom prst="rect">
-            <a:avLst/>
-          </a:prstGeom>
-          <a:noFill/>
-          <a:ln>
-            <a:noFill/>
-          </a:ln>
-        </p:spPr>
-        <p:style>
-          <a:lnRef idx="2">
-            <a:schemeClr val="accent1">
-              <a:shade val="50000"/>
-            </a:schemeClr>
-          </a:lnRef>
-          <a:fillRef idx="1">
-            <a:schemeClr val="accent1"/>
-          </a:fillRef>
-          <a:effectRef idx="0">
-            <a:schemeClr val="accent1"/>
-          </a:effectRef>
-          <a:fontRef idx="minor">
-            <a:schemeClr val="lt1"/>
-          </a:fontRef>
-        </p:style>
-        <p:txBody>
-          <a:bodyPr rtlCol="0" anchor="ctr"/>
-          <a:lstStyle/>
-          <a:p>
-            <a:pPr algn="ctr"/>
-            <a:r>
-              <a:rPr lang="fr-FR" dirty="0"/>
-              <a:t>LE STAGIAIRE</a:t>
-            </a:r>
-          </a:p>
-        </p:txBody>
-      </p:sp>
-      <p:sp>
-        <p:nvSpPr>
           <p:cNvPr id="11" name="Rectangle 10"/>
           <p:cNvSpPr/>
           <p:nvPr/>
@@ -20994,14 +20785,344 @@
       </p:sp>
       <p:sp>
         <p:nvSpPr>
-          <p:cNvPr id="16" name="Rectangle 15"/>
+          <p:cNvPr id="17" name="Rectangle 16"/>
           <p:cNvSpPr/>
           <p:nvPr/>
         </p:nvSpPr>
         <p:spPr>
           <a:xfrm>
+            <a:off x="6458936" y="506014"/>
+            <a:ext cx="3522191" cy="442452"/>
+          </a:xfrm>
+          <a:prstGeom prst="rect">
+            <a:avLst/>
+          </a:prstGeom>
+          <a:solidFill>
+            <a:schemeClr val="bg2">
+              <a:lumMod val="60000"/>
+              <a:lumOff val="40000"/>
+            </a:schemeClr>
+          </a:solidFill>
+          <a:ln>
+            <a:noFill/>
+          </a:ln>
+        </p:spPr>
+        <p:style>
+          <a:lnRef idx="2">
+            <a:schemeClr val="accent1">
+              <a:shade val="50000"/>
+            </a:schemeClr>
+          </a:lnRef>
+          <a:fillRef idx="1">
+            <a:schemeClr val="accent1"/>
+          </a:fillRef>
+          <a:effectRef idx="0">
+            <a:schemeClr val="accent1"/>
+          </a:effectRef>
+          <a:fontRef idx="minor">
+            <a:schemeClr val="lt1"/>
+          </a:fontRef>
+        </p:style>
+        <p:txBody>
+          <a:bodyPr rtlCol="0" anchor="ctr"/>
+          <a:lstStyle/>
+          <a:p>
+            <a:pPr algn="ctr"/>
+            <a:r>
+              <a:rPr lang="fr-FR" dirty="0"/>
+              <a:t>Organigramme de la société</a:t>
+            </a:r>
+          </a:p>
+        </p:txBody>
+      </p:sp>
+      <p:sp>
+        <p:nvSpPr>
+          <p:cNvPr id="24" name="Rectangle 23"/>
+          <p:cNvSpPr/>
+          <p:nvPr/>
+        </p:nvSpPr>
+        <p:spPr>
+          <a:xfrm>
+            <a:off x="-14503" y="0"/>
+            <a:ext cx="2177143" cy="6858000"/>
+          </a:xfrm>
+          <a:prstGeom prst="rect">
+            <a:avLst/>
+          </a:prstGeom>
+          <a:ln>
+            <a:noFill/>
+          </a:ln>
+        </p:spPr>
+        <p:style>
+          <a:lnRef idx="2">
+            <a:schemeClr val="accent1">
+              <a:shade val="50000"/>
+            </a:schemeClr>
+          </a:lnRef>
+          <a:fillRef idx="1">
+            <a:schemeClr val="accent1"/>
+          </a:fillRef>
+          <a:effectRef idx="0">
+            <a:schemeClr val="accent1"/>
+          </a:effectRef>
+          <a:fontRef idx="minor">
+            <a:schemeClr val="lt1"/>
+          </a:fontRef>
+        </p:style>
+        <p:txBody>
+          <a:bodyPr rtlCol="0" anchor="ctr"/>
+          <a:lstStyle/>
+          <a:p>
+            <a:pPr algn="ctr"/>
+            <a:endParaRPr lang="fr-FR"/>
+          </a:p>
+        </p:txBody>
+      </p:sp>
+      <p:sp>
+        <p:nvSpPr>
+          <p:cNvPr id="25" name="Rectangle 24"/>
+          <p:cNvSpPr/>
+          <p:nvPr/>
+        </p:nvSpPr>
+        <p:spPr>
+          <a:xfrm>
+            <a:off x="-10509" y="-14513"/>
+            <a:ext cx="2160646" cy="1483506"/>
+          </a:xfrm>
+          <a:prstGeom prst="rect">
+            <a:avLst/>
+          </a:prstGeom>
+          <a:noFill/>
+          <a:ln>
+            <a:noFill/>
+          </a:ln>
+        </p:spPr>
+        <p:style>
+          <a:lnRef idx="2">
+            <a:schemeClr val="accent1">
+              <a:shade val="50000"/>
+            </a:schemeClr>
+          </a:lnRef>
+          <a:fillRef idx="1">
+            <a:schemeClr val="accent1"/>
+          </a:fillRef>
+          <a:effectRef idx="0">
+            <a:schemeClr val="accent1"/>
+          </a:effectRef>
+          <a:fontRef idx="minor">
+            <a:schemeClr val="lt1"/>
+          </a:fontRef>
+        </p:style>
+        <p:txBody>
+          <a:bodyPr rtlCol="0" anchor="ctr"/>
+          <a:lstStyle/>
+          <a:p>
+            <a:pPr algn="ctr"/>
+            <a:r>
+              <a:rPr lang="fr-FR" dirty="0"/>
+              <a:t>Introduction</a:t>
+            </a:r>
+          </a:p>
+        </p:txBody>
+      </p:sp>
+      <p:sp>
+        <p:nvSpPr>
+          <p:cNvPr id="26" name="Rectangle 25"/>
+          <p:cNvSpPr/>
+          <p:nvPr/>
+        </p:nvSpPr>
+        <p:spPr>
+          <a:xfrm>
+            <a:off x="-14510" y="2688198"/>
+            <a:ext cx="2164647" cy="1041978"/>
+          </a:xfrm>
+          <a:prstGeom prst="rect">
+            <a:avLst/>
+          </a:prstGeom>
+          <a:noFill/>
+          <a:ln>
+            <a:noFill/>
+          </a:ln>
+        </p:spPr>
+        <p:style>
+          <a:lnRef idx="2">
+            <a:schemeClr val="accent1">
+              <a:shade val="50000"/>
+            </a:schemeClr>
+          </a:lnRef>
+          <a:fillRef idx="1">
+            <a:schemeClr val="accent1"/>
+          </a:fillRef>
+          <a:effectRef idx="0">
+            <a:schemeClr val="accent1"/>
+          </a:effectRef>
+          <a:fontRef idx="minor">
+            <a:schemeClr val="lt1"/>
+          </a:fontRef>
+        </p:style>
+        <p:txBody>
+          <a:bodyPr rtlCol="0" anchor="ctr"/>
+          <a:lstStyle/>
+          <a:p>
+            <a:pPr algn="ctr"/>
+            <a:r>
+              <a:rPr lang="fr-FR" dirty="0"/>
+              <a:t>Site immobilier</a:t>
+            </a:r>
+          </a:p>
+        </p:txBody>
+      </p:sp>
+      <p:sp>
+        <p:nvSpPr>
+          <p:cNvPr id="27" name="Rectangle 26"/>
+          <p:cNvSpPr/>
+          <p:nvPr/>
+        </p:nvSpPr>
+        <p:spPr>
+          <a:xfrm>
+            <a:off x="-18425" y="3749233"/>
+            <a:ext cx="2181065" cy="967920"/>
+          </a:xfrm>
+          <a:prstGeom prst="rect">
+            <a:avLst/>
+          </a:prstGeom>
+          <a:noFill/>
+          <a:ln>
+            <a:noFill/>
+          </a:ln>
+        </p:spPr>
+        <p:style>
+          <a:lnRef idx="2">
+            <a:schemeClr val="accent1">
+              <a:shade val="50000"/>
+            </a:schemeClr>
+          </a:lnRef>
+          <a:fillRef idx="1">
+            <a:schemeClr val="accent1"/>
+          </a:fillRef>
+          <a:effectRef idx="0">
+            <a:schemeClr val="accent1"/>
+          </a:effectRef>
+          <a:fontRef idx="minor">
+            <a:schemeClr val="lt1"/>
+          </a:fontRef>
+        </p:style>
+        <p:txBody>
+          <a:bodyPr rtlCol="0" anchor="ctr"/>
+          <a:lstStyle/>
+          <a:p>
+            <a:pPr algn="ctr"/>
+            <a:r>
+              <a:rPr lang="fr-FR" dirty="0"/>
+              <a:t>Moteur de recherche</a:t>
+            </a:r>
+          </a:p>
+        </p:txBody>
+      </p:sp>
+      <p:sp>
+        <p:nvSpPr>
+          <p:cNvPr id="28" name="Rectangle 27"/>
+          <p:cNvSpPr/>
+          <p:nvPr/>
+        </p:nvSpPr>
+        <p:spPr>
+          <a:xfrm>
+            <a:off x="2191" y="5748669"/>
+            <a:ext cx="2160449" cy="1109331"/>
+          </a:xfrm>
+          <a:prstGeom prst="rect">
+            <a:avLst/>
+          </a:prstGeom>
+          <a:noFill/>
+          <a:ln>
+            <a:noFill/>
+          </a:ln>
+        </p:spPr>
+        <p:style>
+          <a:lnRef idx="2">
+            <a:schemeClr val="accent1">
+              <a:shade val="50000"/>
+            </a:schemeClr>
+          </a:lnRef>
+          <a:fillRef idx="1">
+            <a:schemeClr val="accent1"/>
+          </a:fillRef>
+          <a:effectRef idx="0">
+            <a:schemeClr val="accent1"/>
+          </a:effectRef>
+          <a:fontRef idx="minor">
+            <a:schemeClr val="lt1"/>
+          </a:fontRef>
+        </p:style>
+        <p:txBody>
+          <a:bodyPr rtlCol="0" anchor="ctr"/>
+          <a:lstStyle/>
+          <a:p>
+            <a:pPr algn="ctr"/>
+            <a:r>
+              <a:rPr lang="fr-FR" dirty="0"/>
+              <a:t>Conclusion</a:t>
+            </a:r>
+          </a:p>
+        </p:txBody>
+      </p:sp>
+      <p:sp>
+        <p:nvSpPr>
+          <p:cNvPr id="29" name="Rectangle 28"/>
+          <p:cNvSpPr/>
+          <p:nvPr/>
+        </p:nvSpPr>
+        <p:spPr>
+          <a:xfrm>
+            <a:off x="-9752" y="4733436"/>
+            <a:ext cx="2172392" cy="1001486"/>
+          </a:xfrm>
+          <a:prstGeom prst="rect">
+            <a:avLst/>
+          </a:prstGeom>
+          <a:noFill/>
+          <a:ln>
+            <a:noFill/>
+          </a:ln>
+        </p:spPr>
+        <p:style>
+          <a:lnRef idx="2">
+            <a:schemeClr val="accent1">
+              <a:shade val="50000"/>
+            </a:schemeClr>
+          </a:lnRef>
+          <a:fillRef idx="1">
+            <a:schemeClr val="accent1"/>
+          </a:fillRef>
+          <a:effectRef idx="0">
+            <a:schemeClr val="accent1"/>
+          </a:effectRef>
+          <a:fontRef idx="minor">
+            <a:schemeClr val="lt1"/>
+          </a:fontRef>
+        </p:style>
+        <p:txBody>
+          <a:bodyPr rtlCol="0" anchor="ctr"/>
+          <a:lstStyle/>
+          <a:p>
+            <a:pPr algn="ctr"/>
+            <a:r>
+              <a:rPr lang="fr-FR" dirty="0"/>
+              <a:t>L’entreprise et moi</a:t>
+            </a:r>
+          </a:p>
+        </p:txBody>
+      </p:sp>
+      <p:sp>
+        <p:nvSpPr>
+          <p:cNvPr id="30" name="Rectangle 29"/>
+          <p:cNvSpPr/>
+          <p:nvPr/>
+        </p:nvSpPr>
+        <p:spPr>
+          <a:xfrm>
             <a:off x="-12515" y="1483507"/>
-            <a:ext cx="2320286" cy="1187122"/>
+            <a:ext cx="2218356" cy="1187122"/>
           </a:xfrm>
           <a:prstGeom prst="rect">
             <a:avLst/>
@@ -21040,58 +21161,6 @@
             <a:r>
               <a:rPr lang="fr-FR" dirty="0"/>
               <a:t>AICOM</a:t>
-            </a:r>
-          </a:p>
-        </p:txBody>
-      </p:sp>
-      <p:sp>
-        <p:nvSpPr>
-          <p:cNvPr id="17" name="Rectangle 16"/>
-          <p:cNvSpPr/>
-          <p:nvPr/>
-        </p:nvSpPr>
-        <p:spPr>
-          <a:xfrm>
-            <a:off x="6458936" y="506014"/>
-            <a:ext cx="3522191" cy="442452"/>
-          </a:xfrm>
-          <a:prstGeom prst="rect">
-            <a:avLst/>
-          </a:prstGeom>
-          <a:solidFill>
-            <a:schemeClr val="bg2">
-              <a:lumMod val="60000"/>
-              <a:lumOff val="40000"/>
-            </a:schemeClr>
-          </a:solidFill>
-          <a:ln>
-            <a:noFill/>
-          </a:ln>
-        </p:spPr>
-        <p:style>
-          <a:lnRef idx="2">
-            <a:schemeClr val="accent1">
-              <a:shade val="50000"/>
-            </a:schemeClr>
-          </a:lnRef>
-          <a:fillRef idx="1">
-            <a:schemeClr val="accent1"/>
-          </a:fillRef>
-          <a:effectRef idx="0">
-            <a:schemeClr val="accent1"/>
-          </a:effectRef>
-          <a:fontRef idx="minor">
-            <a:schemeClr val="lt1"/>
-          </a:fontRef>
-        </p:style>
-        <p:txBody>
-          <a:bodyPr rtlCol="0" anchor="ctr"/>
-          <a:lstStyle/>
-          <a:p>
-            <a:pPr algn="ctr"/>
-            <a:r>
-              <a:rPr lang="fr-FR" dirty="0"/>
-              <a:t>Organigramme de la société</a:t>
             </a:r>
           </a:p>
         </p:txBody>
@@ -21246,291 +21315,13 @@
       </p:sp>
       <p:sp>
         <p:nvSpPr>
-          <p:cNvPr id="9" name="Rectangle 8"/>
-          <p:cNvSpPr/>
-          <p:nvPr/>
-        </p:nvSpPr>
-        <p:spPr>
-          <a:xfrm>
-            <a:off x="-14503" y="0"/>
-            <a:ext cx="2177143" cy="6858000"/>
-          </a:xfrm>
-          <a:prstGeom prst="rect">
-            <a:avLst/>
-          </a:prstGeom>
-          <a:ln>
-            <a:noFill/>
-          </a:ln>
-        </p:spPr>
-        <p:style>
-          <a:lnRef idx="2">
-            <a:schemeClr val="accent1">
-              <a:shade val="50000"/>
-            </a:schemeClr>
-          </a:lnRef>
-          <a:fillRef idx="1">
-            <a:schemeClr val="accent1"/>
-          </a:fillRef>
-          <a:effectRef idx="0">
-            <a:schemeClr val="accent1"/>
-          </a:effectRef>
-          <a:fontRef idx="minor">
-            <a:schemeClr val="lt1"/>
-          </a:fontRef>
-        </p:style>
-        <p:txBody>
-          <a:bodyPr rtlCol="0" anchor="ctr"/>
-          <a:lstStyle/>
-          <a:p>
-            <a:pPr algn="ctr"/>
-            <a:endParaRPr lang="fr-FR"/>
-          </a:p>
-        </p:txBody>
-      </p:sp>
-      <p:sp>
-        <p:nvSpPr>
-          <p:cNvPr id="10" name="Rectangle 9"/>
-          <p:cNvSpPr/>
-          <p:nvPr/>
-        </p:nvSpPr>
-        <p:spPr>
-          <a:xfrm>
-            <a:off x="-10509" y="-14513"/>
-            <a:ext cx="2318280" cy="1483506"/>
-          </a:xfrm>
-          <a:prstGeom prst="rect">
-            <a:avLst/>
-          </a:prstGeom>
-          <a:noFill/>
-          <a:ln>
-            <a:noFill/>
-          </a:ln>
-        </p:spPr>
-        <p:style>
-          <a:lnRef idx="2">
-            <a:schemeClr val="accent1">
-              <a:shade val="50000"/>
-            </a:schemeClr>
-          </a:lnRef>
-          <a:fillRef idx="1">
-            <a:schemeClr val="accent1"/>
-          </a:fillRef>
-          <a:effectRef idx="0">
-            <a:schemeClr val="accent1"/>
-          </a:effectRef>
-          <a:fontRef idx="minor">
-            <a:schemeClr val="lt1"/>
-          </a:fontRef>
-        </p:style>
-        <p:txBody>
-          <a:bodyPr rtlCol="0" anchor="ctr"/>
-          <a:lstStyle/>
-          <a:p>
-            <a:pPr algn="ctr"/>
-            <a:r>
-              <a:rPr lang="fr-FR" dirty="0"/>
-              <a:t>INTRODUCTION</a:t>
-            </a:r>
-          </a:p>
-        </p:txBody>
-      </p:sp>
-      <p:sp>
-        <p:nvSpPr>
-          <p:cNvPr id="2" name="Rectangle 1"/>
-          <p:cNvSpPr/>
-          <p:nvPr/>
-        </p:nvSpPr>
-        <p:spPr>
-          <a:xfrm>
-            <a:off x="-14510" y="2688198"/>
-            <a:ext cx="2510967" cy="1041978"/>
-          </a:xfrm>
-          <a:prstGeom prst="rect">
-            <a:avLst/>
-          </a:prstGeom>
-          <a:noFill/>
-          <a:ln>
-            <a:noFill/>
-          </a:ln>
-        </p:spPr>
-        <p:style>
-          <a:lnRef idx="2">
-            <a:schemeClr val="accent1">
-              <a:shade val="50000"/>
-            </a:schemeClr>
-          </a:lnRef>
-          <a:fillRef idx="1">
-            <a:schemeClr val="accent1"/>
-          </a:fillRef>
-          <a:effectRef idx="0">
-            <a:schemeClr val="accent1"/>
-          </a:effectRef>
-          <a:fontRef idx="minor">
-            <a:schemeClr val="lt1"/>
-          </a:fontRef>
-        </p:style>
-        <p:txBody>
-          <a:bodyPr rtlCol="0" anchor="ctr"/>
-          <a:lstStyle/>
-          <a:p>
-            <a:pPr algn="ctr"/>
-            <a:r>
-              <a:rPr lang="fr-FR" dirty="0"/>
-              <a:t>SITE INTERNET</a:t>
-            </a:r>
-          </a:p>
-        </p:txBody>
-      </p:sp>
-      <p:sp>
-        <p:nvSpPr>
-          <p:cNvPr id="5" name="Rectangle 4"/>
-          <p:cNvSpPr/>
-          <p:nvPr/>
-        </p:nvSpPr>
-        <p:spPr>
-          <a:xfrm>
-            <a:off x="-18425" y="3749233"/>
-            <a:ext cx="2552981" cy="967920"/>
-          </a:xfrm>
-          <a:prstGeom prst="rect">
-            <a:avLst/>
-          </a:prstGeom>
-          <a:noFill/>
-          <a:ln>
-            <a:noFill/>
-          </a:ln>
-        </p:spPr>
-        <p:style>
-          <a:lnRef idx="2">
-            <a:schemeClr val="accent1">
-              <a:shade val="50000"/>
-            </a:schemeClr>
-          </a:lnRef>
-          <a:fillRef idx="1">
-            <a:schemeClr val="accent1"/>
-          </a:fillRef>
-          <a:effectRef idx="0">
-            <a:schemeClr val="accent1"/>
-          </a:effectRef>
-          <a:fontRef idx="minor">
-            <a:schemeClr val="lt1"/>
-          </a:fontRef>
-        </p:style>
-        <p:txBody>
-          <a:bodyPr rtlCol="0" anchor="ctr"/>
-          <a:lstStyle/>
-          <a:p>
-            <a:pPr algn="ctr"/>
-            <a:r>
-              <a:rPr lang="fr-FR" dirty="0"/>
-              <a:t>APPLICATION</a:t>
-            </a:r>
-          </a:p>
-        </p:txBody>
-      </p:sp>
-      <p:sp>
-        <p:nvSpPr>
-          <p:cNvPr id="7" name="Rectangle 6"/>
-          <p:cNvSpPr/>
-          <p:nvPr/>
-        </p:nvSpPr>
-        <p:spPr>
-          <a:xfrm>
-            <a:off x="2191" y="5748669"/>
-            <a:ext cx="2532365" cy="1109331"/>
-          </a:xfrm>
-          <a:prstGeom prst="rect">
-            <a:avLst/>
-          </a:prstGeom>
-          <a:noFill/>
-          <a:ln>
-            <a:noFill/>
-          </a:ln>
-        </p:spPr>
-        <p:style>
-          <a:lnRef idx="2">
-            <a:schemeClr val="accent1">
-              <a:shade val="50000"/>
-            </a:schemeClr>
-          </a:lnRef>
-          <a:fillRef idx="1">
-            <a:schemeClr val="accent1"/>
-          </a:fillRef>
-          <a:effectRef idx="0">
-            <a:schemeClr val="accent1"/>
-          </a:effectRef>
-          <a:fontRef idx="minor">
-            <a:schemeClr val="lt1"/>
-          </a:fontRef>
-        </p:style>
-        <p:txBody>
-          <a:bodyPr rtlCol="0" anchor="ctr"/>
-          <a:lstStyle/>
-          <a:p>
-            <a:pPr algn="ctr"/>
-            <a:r>
-              <a:rPr lang="fr-FR" dirty="0"/>
-              <a:t>CONCLUSION</a:t>
-            </a:r>
-          </a:p>
-        </p:txBody>
-      </p:sp>
-      <p:sp>
-        <p:nvSpPr>
-          <p:cNvPr id="8" name="Rectangle 7"/>
-          <p:cNvSpPr/>
-          <p:nvPr/>
-        </p:nvSpPr>
-        <p:spPr>
-          <a:xfrm>
-            <a:off x="-9752" y="4733436"/>
-            <a:ext cx="2544308" cy="1001486"/>
-          </a:xfrm>
-          <a:prstGeom prst="rect">
-            <a:avLst/>
-          </a:prstGeom>
-          <a:noFill/>
-          <a:ln>
-            <a:noFill/>
-          </a:ln>
-        </p:spPr>
-        <p:style>
-          <a:lnRef idx="2">
-            <a:schemeClr val="accent1">
-              <a:shade val="50000"/>
-            </a:schemeClr>
-          </a:lnRef>
-          <a:fillRef idx="1">
-            <a:schemeClr val="accent1"/>
-          </a:fillRef>
-          <a:effectRef idx="0">
-            <a:schemeClr val="accent1"/>
-          </a:effectRef>
-          <a:fontRef idx="minor">
-            <a:schemeClr val="lt1"/>
-          </a:fontRef>
-        </p:style>
-        <p:txBody>
-          <a:bodyPr rtlCol="0" anchor="ctr"/>
-          <a:lstStyle/>
-          <a:p>
-            <a:pPr algn="ctr"/>
-            <a:r>
-              <a:rPr lang="fr-FR" dirty="0"/>
-              <a:t>LE STAGIAIRE</a:t>
-            </a:r>
-          </a:p>
-        </p:txBody>
-      </p:sp>
-      <p:sp>
-        <p:nvSpPr>
           <p:cNvPr id="11" name="Rectangle 10"/>
           <p:cNvSpPr/>
           <p:nvPr/>
         </p:nvSpPr>
         <p:spPr>
           <a:xfrm>
-            <a:off x="3291882" y="506014"/>
+            <a:off x="2900199" y="506014"/>
             <a:ext cx="1619331" cy="442452"/>
           </a:xfrm>
           <a:prstGeom prst="rect">
@@ -21586,7 +21377,7 @@
         </p:nvSpPr>
         <p:spPr>
           <a:xfrm>
-            <a:off x="4911213" y="506014"/>
+            <a:off x="4519530" y="506014"/>
             <a:ext cx="1619331" cy="442452"/>
           </a:xfrm>
           <a:prstGeom prst="rect">
@@ -21650,7 +21441,7 @@
         </p:blipFill>
         <p:spPr>
           <a:xfrm>
-            <a:off x="3291882" y="1887093"/>
+            <a:off x="2767750" y="2077068"/>
             <a:ext cx="7805805" cy="3844650"/>
           </a:xfrm>
           <a:prstGeom prst="rect">
@@ -21660,14 +21451,348 @@
       </p:pic>
       <p:sp>
         <p:nvSpPr>
-          <p:cNvPr id="16" name="Rectangle 15"/>
+          <p:cNvPr id="17" name="Rectangle 16"/>
           <p:cNvSpPr/>
           <p:nvPr/>
         </p:nvSpPr>
         <p:spPr>
           <a:xfrm>
+            <a:off x="6138861" y="506014"/>
+            <a:ext cx="3522191" cy="442452"/>
+          </a:xfrm>
+          <a:prstGeom prst="rect">
+            <a:avLst/>
+          </a:prstGeom>
+          <a:solidFill>
+            <a:schemeClr val="bg2">
+              <a:lumMod val="60000"/>
+              <a:lumOff val="40000"/>
+            </a:schemeClr>
+          </a:solidFill>
+          <a:ln>
+            <a:noFill/>
+          </a:ln>
+        </p:spPr>
+        <p:style>
+          <a:lnRef idx="2">
+            <a:schemeClr val="accent1">
+              <a:shade val="50000"/>
+            </a:schemeClr>
+          </a:lnRef>
+          <a:fillRef idx="1">
+            <a:schemeClr val="accent1"/>
+          </a:fillRef>
+          <a:effectRef idx="0">
+            <a:schemeClr val="accent1"/>
+          </a:effectRef>
+          <a:fontRef idx="minor">
+            <a:schemeClr val="lt1"/>
+          </a:fontRef>
+        </p:style>
+        <p:txBody>
+          <a:bodyPr rtlCol="0" anchor="ctr"/>
+          <a:lstStyle/>
+          <a:p>
+            <a:pPr algn="ctr"/>
+            <a:r>
+              <a:rPr lang="fr-FR" dirty="0">
+                <a:solidFill>
+                  <a:srgbClr val="C00000"/>
+                </a:solidFill>
+              </a:rPr>
+              <a:t>Organigramme de la société</a:t>
+            </a:r>
+          </a:p>
+        </p:txBody>
+      </p:sp>
+      <p:sp>
+        <p:nvSpPr>
+          <p:cNvPr id="15" name="Rectangle 14"/>
+          <p:cNvSpPr/>
+          <p:nvPr/>
+        </p:nvSpPr>
+        <p:spPr>
+          <a:xfrm>
+            <a:off x="-14503" y="0"/>
+            <a:ext cx="2184160" cy="6858000"/>
+          </a:xfrm>
+          <a:prstGeom prst="rect">
+            <a:avLst/>
+          </a:prstGeom>
+          <a:ln>
+            <a:noFill/>
+          </a:ln>
+        </p:spPr>
+        <p:style>
+          <a:lnRef idx="2">
+            <a:schemeClr val="accent1">
+              <a:shade val="50000"/>
+            </a:schemeClr>
+          </a:lnRef>
+          <a:fillRef idx="1">
+            <a:schemeClr val="accent1"/>
+          </a:fillRef>
+          <a:effectRef idx="0">
+            <a:schemeClr val="accent1"/>
+          </a:effectRef>
+          <a:fontRef idx="minor">
+            <a:schemeClr val="lt1"/>
+          </a:fontRef>
+        </p:style>
+        <p:txBody>
+          <a:bodyPr rtlCol="0" anchor="ctr"/>
+          <a:lstStyle/>
+          <a:p>
+            <a:pPr algn="ctr"/>
+            <a:endParaRPr lang="fr-FR"/>
+          </a:p>
+        </p:txBody>
+      </p:sp>
+      <p:sp>
+        <p:nvSpPr>
+          <p:cNvPr id="18" name="Rectangle 17"/>
+          <p:cNvSpPr/>
+          <p:nvPr/>
+        </p:nvSpPr>
+        <p:spPr>
+          <a:xfrm>
+            <a:off x="-10509" y="-14513"/>
+            <a:ext cx="2223500" cy="1483506"/>
+          </a:xfrm>
+          <a:prstGeom prst="rect">
+            <a:avLst/>
+          </a:prstGeom>
+          <a:noFill/>
+          <a:ln>
+            <a:noFill/>
+          </a:ln>
+        </p:spPr>
+        <p:style>
+          <a:lnRef idx="2">
+            <a:schemeClr val="accent1">
+              <a:shade val="50000"/>
+            </a:schemeClr>
+          </a:lnRef>
+          <a:fillRef idx="1">
+            <a:schemeClr val="accent1"/>
+          </a:fillRef>
+          <a:effectRef idx="0">
+            <a:schemeClr val="accent1"/>
+          </a:effectRef>
+          <a:fontRef idx="minor">
+            <a:schemeClr val="lt1"/>
+          </a:fontRef>
+        </p:style>
+        <p:txBody>
+          <a:bodyPr rtlCol="0" anchor="ctr"/>
+          <a:lstStyle/>
+          <a:p>
+            <a:pPr algn="ctr"/>
+            <a:r>
+              <a:rPr lang="fr-FR" dirty="0"/>
+              <a:t>INTRODUCTION</a:t>
+            </a:r>
+          </a:p>
+        </p:txBody>
+      </p:sp>
+      <p:sp>
+        <p:nvSpPr>
+          <p:cNvPr id="19" name="Rectangle 18"/>
+          <p:cNvSpPr/>
+          <p:nvPr/>
+        </p:nvSpPr>
+        <p:spPr>
+          <a:xfrm>
+            <a:off x="-14510" y="2688198"/>
+            <a:ext cx="2171623" cy="1041978"/>
+          </a:xfrm>
+          <a:prstGeom prst="rect">
+            <a:avLst/>
+          </a:prstGeom>
+          <a:noFill/>
+          <a:ln>
+            <a:noFill/>
+          </a:ln>
+        </p:spPr>
+        <p:style>
+          <a:lnRef idx="2">
+            <a:schemeClr val="accent1">
+              <a:shade val="50000"/>
+            </a:schemeClr>
+          </a:lnRef>
+          <a:fillRef idx="1">
+            <a:schemeClr val="accent1"/>
+          </a:fillRef>
+          <a:effectRef idx="0">
+            <a:schemeClr val="accent1"/>
+          </a:effectRef>
+          <a:fontRef idx="minor">
+            <a:schemeClr val="lt1"/>
+          </a:fontRef>
+        </p:style>
+        <p:txBody>
+          <a:bodyPr rtlCol="0" anchor="ctr"/>
+          <a:lstStyle/>
+          <a:p>
+            <a:pPr algn="ctr"/>
+            <a:r>
+              <a:rPr lang="fr-FR" dirty="0"/>
+              <a:t>Site immobilier</a:t>
+            </a:r>
+          </a:p>
+        </p:txBody>
+      </p:sp>
+      <p:sp>
+        <p:nvSpPr>
+          <p:cNvPr id="20" name="Rectangle 19"/>
+          <p:cNvSpPr/>
+          <p:nvPr/>
+        </p:nvSpPr>
+        <p:spPr>
+          <a:xfrm>
+            <a:off x="-18424" y="3749233"/>
+            <a:ext cx="2231416" cy="967920"/>
+          </a:xfrm>
+          <a:prstGeom prst="rect">
+            <a:avLst/>
+          </a:prstGeom>
+          <a:noFill/>
+          <a:ln>
+            <a:noFill/>
+          </a:ln>
+        </p:spPr>
+        <p:style>
+          <a:lnRef idx="2">
+            <a:schemeClr val="accent1">
+              <a:shade val="50000"/>
+            </a:schemeClr>
+          </a:lnRef>
+          <a:fillRef idx="1">
+            <a:schemeClr val="accent1"/>
+          </a:fillRef>
+          <a:effectRef idx="0">
+            <a:schemeClr val="accent1"/>
+          </a:effectRef>
+          <a:fontRef idx="minor">
+            <a:schemeClr val="lt1"/>
+          </a:fontRef>
+        </p:style>
+        <p:txBody>
+          <a:bodyPr rtlCol="0" anchor="ctr"/>
+          <a:lstStyle/>
+          <a:p>
+            <a:pPr algn="ctr"/>
+            <a:r>
+              <a:rPr lang="fr-FR" dirty="0"/>
+              <a:t>Moteur de recherche</a:t>
+            </a:r>
+          </a:p>
+        </p:txBody>
+      </p:sp>
+      <p:sp>
+        <p:nvSpPr>
+          <p:cNvPr id="21" name="Rectangle 20"/>
+          <p:cNvSpPr/>
+          <p:nvPr/>
+        </p:nvSpPr>
+        <p:spPr>
+          <a:xfrm>
+            <a:off x="2191" y="5748669"/>
+            <a:ext cx="2540527" cy="1109331"/>
+          </a:xfrm>
+          <a:prstGeom prst="rect">
+            <a:avLst/>
+          </a:prstGeom>
+          <a:noFill/>
+          <a:ln>
+            <a:noFill/>
+          </a:ln>
+        </p:spPr>
+        <p:style>
+          <a:lnRef idx="2">
+            <a:schemeClr val="accent1">
+              <a:shade val="50000"/>
+            </a:schemeClr>
+          </a:lnRef>
+          <a:fillRef idx="1">
+            <a:schemeClr val="accent1"/>
+          </a:fillRef>
+          <a:effectRef idx="0">
+            <a:schemeClr val="accent1"/>
+          </a:effectRef>
+          <a:fontRef idx="minor">
+            <a:schemeClr val="lt1"/>
+          </a:fontRef>
+        </p:style>
+        <p:txBody>
+          <a:bodyPr rtlCol="0" anchor="ctr"/>
+          <a:lstStyle/>
+          <a:p>
+            <a:pPr algn="ctr"/>
+            <a:r>
+              <a:rPr lang="fr-FR" dirty="0"/>
+              <a:t>Conclusion</a:t>
+            </a:r>
+          </a:p>
+        </p:txBody>
+      </p:sp>
+      <p:sp>
+        <p:nvSpPr>
+          <p:cNvPr id="22" name="Rectangle 21"/>
+          <p:cNvSpPr/>
+          <p:nvPr/>
+        </p:nvSpPr>
+        <p:spPr>
+          <a:xfrm>
+            <a:off x="-9753" y="4733436"/>
+            <a:ext cx="2179393" cy="1001486"/>
+          </a:xfrm>
+          <a:prstGeom prst="rect">
+            <a:avLst/>
+          </a:prstGeom>
+          <a:noFill/>
+          <a:ln>
+            <a:noFill/>
+          </a:ln>
+        </p:spPr>
+        <p:style>
+          <a:lnRef idx="2">
+            <a:schemeClr val="accent1">
+              <a:shade val="50000"/>
+            </a:schemeClr>
+          </a:lnRef>
+          <a:fillRef idx="1">
+            <a:schemeClr val="accent1"/>
+          </a:fillRef>
+          <a:effectRef idx="0">
+            <a:schemeClr val="accent1"/>
+          </a:effectRef>
+          <a:fontRef idx="minor">
+            <a:schemeClr val="lt1"/>
+          </a:fontRef>
+        </p:style>
+        <p:txBody>
+          <a:bodyPr rtlCol="0" anchor="ctr"/>
+          <a:lstStyle/>
+          <a:p>
+            <a:pPr algn="ctr"/>
+            <a:r>
+              <a:rPr lang="fr-FR" dirty="0"/>
+              <a:t>L’entreprise et moi</a:t>
+            </a:r>
+          </a:p>
+        </p:txBody>
+      </p:sp>
+      <p:sp>
+        <p:nvSpPr>
+          <p:cNvPr id="23" name="Rectangle 22"/>
+          <p:cNvSpPr/>
+          <p:nvPr/>
+        </p:nvSpPr>
+        <p:spPr>
+          <a:xfrm>
             <a:off x="-12515" y="1483507"/>
-            <a:ext cx="2320286" cy="1187122"/>
+            <a:ext cx="2225506" cy="1187122"/>
           </a:xfrm>
           <a:prstGeom prst="rect">
             <a:avLst/>
@@ -21706,62 +21831,6 @@
             <a:r>
               <a:rPr lang="fr-FR" dirty="0"/>
               <a:t>AICOM</a:t>
-            </a:r>
-          </a:p>
-        </p:txBody>
-      </p:sp>
-      <p:sp>
-        <p:nvSpPr>
-          <p:cNvPr id="17" name="Rectangle 16"/>
-          <p:cNvSpPr/>
-          <p:nvPr/>
-        </p:nvSpPr>
-        <p:spPr>
-          <a:xfrm>
-            <a:off x="6458936" y="506014"/>
-            <a:ext cx="3522191" cy="442452"/>
-          </a:xfrm>
-          <a:prstGeom prst="rect">
-            <a:avLst/>
-          </a:prstGeom>
-          <a:solidFill>
-            <a:schemeClr val="bg2">
-              <a:lumMod val="60000"/>
-              <a:lumOff val="40000"/>
-            </a:schemeClr>
-          </a:solidFill>
-          <a:ln>
-            <a:noFill/>
-          </a:ln>
-        </p:spPr>
-        <p:style>
-          <a:lnRef idx="2">
-            <a:schemeClr val="accent1">
-              <a:shade val="50000"/>
-            </a:schemeClr>
-          </a:lnRef>
-          <a:fillRef idx="1">
-            <a:schemeClr val="accent1"/>
-          </a:fillRef>
-          <a:effectRef idx="0">
-            <a:schemeClr val="accent1"/>
-          </a:effectRef>
-          <a:fontRef idx="minor">
-            <a:schemeClr val="lt1"/>
-          </a:fontRef>
-        </p:style>
-        <p:txBody>
-          <a:bodyPr rtlCol="0" anchor="ctr"/>
-          <a:lstStyle/>
-          <a:p>
-            <a:pPr algn="ctr"/>
-            <a:r>
-              <a:rPr lang="fr-FR" dirty="0">
-                <a:solidFill>
-                  <a:srgbClr val="C00000"/>
-                </a:solidFill>
-              </a:rPr>
-              <a:t>Organigramme de la société</a:t>
             </a:r>
           </a:p>
         </p:txBody>
@@ -21921,7 +21990,7 @@
         </p:nvSpPr>
         <p:spPr>
           <a:xfrm>
-            <a:off x="4277033" y="2500001"/>
+            <a:off x="3500285" y="2500001"/>
             <a:ext cx="4803058" cy="1418371"/>
           </a:xfrm>
           <a:prstGeom prst="rect">
@@ -22162,19 +22231,19 @@
           <a:p>
             <a:r>
               <a:rPr lang="fr-FR" dirty="0"/>
-              <a:t>Site d’informations</a:t>
+              <a:t>Nouvelle version d’un site existant</a:t>
             </a:r>
           </a:p>
           <a:p>
             <a:r>
               <a:rPr lang="fr-FR" dirty="0"/>
-              <a:t>Support de communication</a:t>
+              <a:t>Maintenance simplifié</a:t>
             </a:r>
           </a:p>
           <a:p>
             <a:r>
               <a:rPr lang="fr-FR" dirty="0"/>
-              <a:t>Améliorer l’image de la société</a:t>
+              <a:t>Evolution future prévue</a:t>
             </a:r>
           </a:p>
         </p:txBody>
@@ -22187,7 +22256,7 @@
         </p:nvSpPr>
         <p:spPr>
           <a:xfrm>
-            <a:off x="-14503" y="0"/>
+            <a:off x="-15189" y="0"/>
             <a:ext cx="2177143" cy="6858000"/>
           </a:xfrm>
           <a:prstGeom prst="rect">
@@ -22231,7 +22300,7 @@
         <p:spPr>
           <a:xfrm>
             <a:off x="-10509" y="-14513"/>
-            <a:ext cx="2318280" cy="1483506"/>
+            <a:ext cx="2194068" cy="1483506"/>
           </a:xfrm>
           <a:prstGeom prst="rect">
             <a:avLst/>
@@ -22264,7 +22333,7 @@
             <a:pPr algn="ctr"/>
             <a:r>
               <a:rPr lang="fr-FR" dirty="0"/>
-              <a:t>INTRODUCTION</a:t>
+              <a:t>Introduction</a:t>
             </a:r>
           </a:p>
         </p:txBody>
@@ -22363,7 +22432,7 @@
             <a:pPr algn="ctr"/>
             <a:r>
               <a:rPr lang="fr-FR" dirty="0"/>
-              <a:t>PROJETS</a:t>
+              <a:t>Site immobilier</a:t>
             </a:r>
           </a:p>
         </p:txBody>
@@ -22376,8 +22445,8 @@
         </p:nvSpPr>
         <p:spPr>
           <a:xfrm>
-            <a:off x="-18425" y="3749233"/>
-            <a:ext cx="2552981" cy="967920"/>
+            <a:off x="-18424" y="3749233"/>
+            <a:ext cx="2201984" cy="967920"/>
           </a:xfrm>
           <a:prstGeom prst="rect">
             <a:avLst/>
@@ -22410,7 +22479,7 @@
             <a:pPr algn="ctr"/>
             <a:r>
               <a:rPr lang="fr-FR" dirty="0"/>
-              <a:t>APPLICATION</a:t>
+              <a:t>Moteur de recherche</a:t>
             </a:r>
           </a:p>
         </p:txBody>
@@ -22423,8 +22492,8 @@
         </p:nvSpPr>
         <p:spPr>
           <a:xfrm>
-            <a:off x="2191" y="5748669"/>
-            <a:ext cx="2532365" cy="1109331"/>
+            <a:off x="2192" y="5748669"/>
+            <a:ext cx="2181368" cy="1109331"/>
           </a:xfrm>
           <a:prstGeom prst="rect">
             <a:avLst/>
@@ -22457,7 +22526,7 @@
             <a:pPr algn="ctr"/>
             <a:r>
               <a:rPr lang="fr-FR" dirty="0"/>
-              <a:t>CONCLUSION</a:t>
+              <a:t>Conclusion</a:t>
             </a:r>
           </a:p>
         </p:txBody>
@@ -22471,7 +22540,7 @@
         <p:spPr>
           <a:xfrm>
             <a:off x="-9752" y="4733436"/>
-            <a:ext cx="2544308" cy="1001486"/>
+            <a:ext cx="2171029" cy="1001486"/>
           </a:xfrm>
           <a:prstGeom prst="rect">
             <a:avLst/>
@@ -22504,7 +22573,7 @@
             <a:pPr algn="ctr"/>
             <a:r>
               <a:rPr lang="fr-FR" dirty="0"/>
-              <a:t>LE STAGIAIRE</a:t>
+              <a:t>L’entreprise et moi</a:t>
             </a:r>
           </a:p>
         </p:txBody>
@@ -22560,7 +22629,7 @@
                   <a:srgbClr val="C00000"/>
                 </a:solidFill>
               </a:rPr>
-              <a:t>Objectifs</a:t>
+              <a:t>Contexte</a:t>
             </a:r>
           </a:p>
         </p:txBody>
@@ -22616,7 +22685,7 @@
                   <a:schemeClr val="tx1"/>
                 </a:solidFill>
               </a:rPr>
-              <a:t>MCD</a:t>
+              <a:t>Réalisation</a:t>
             </a:r>
           </a:p>
         </p:txBody>

--- a/Aviaco france.pptx
+++ b/Aviaco france.pptx
@@ -12,22 +12,25 @@
     <p:sldId id="266" r:id="rId6"/>
     <p:sldId id="261" r:id="rId7"/>
     <p:sldId id="268" r:id="rId8"/>
-    <p:sldId id="269" r:id="rId9"/>
-    <p:sldId id="262" r:id="rId10"/>
-    <p:sldId id="270" r:id="rId11"/>
-    <p:sldId id="271" r:id="rId12"/>
-    <p:sldId id="280" r:id="rId13"/>
-    <p:sldId id="277" r:id="rId14"/>
-    <p:sldId id="278" r:id="rId15"/>
-    <p:sldId id="279" r:id="rId16"/>
-    <p:sldId id="263" r:id="rId17"/>
-    <p:sldId id="272" r:id="rId18"/>
-    <p:sldId id="273" r:id="rId19"/>
-    <p:sldId id="274" r:id="rId20"/>
-    <p:sldId id="264" r:id="rId21"/>
-    <p:sldId id="275" r:id="rId22"/>
-    <p:sldId id="276" r:id="rId23"/>
-    <p:sldId id="281" r:id="rId24"/>
+    <p:sldId id="282" r:id="rId9"/>
+    <p:sldId id="283" r:id="rId10"/>
+    <p:sldId id="284" r:id="rId11"/>
+    <p:sldId id="269" r:id="rId12"/>
+    <p:sldId id="262" r:id="rId13"/>
+    <p:sldId id="270" r:id="rId14"/>
+    <p:sldId id="271" r:id="rId15"/>
+    <p:sldId id="280" r:id="rId16"/>
+    <p:sldId id="277" r:id="rId17"/>
+    <p:sldId id="278" r:id="rId18"/>
+    <p:sldId id="279" r:id="rId19"/>
+    <p:sldId id="263" r:id="rId20"/>
+    <p:sldId id="272" r:id="rId21"/>
+    <p:sldId id="273" r:id="rId22"/>
+    <p:sldId id="274" r:id="rId23"/>
+    <p:sldId id="264" r:id="rId24"/>
+    <p:sldId id="275" r:id="rId25"/>
+    <p:sldId id="276" r:id="rId26"/>
+    <p:sldId id="281" r:id="rId27"/>
   </p:sldIdLst>
   <p:sldSz cx="12192000" cy="6858000"/>
   <p:notesSz cx="6858000" cy="9144000"/>
@@ -8744,7 +8747,7 @@
         </p:nvSpPr>
         <p:spPr>
           <a:xfrm>
-            <a:off x="10573555" y="371083"/>
+            <a:off x="10558807" y="371083"/>
             <a:ext cx="441146" cy="369332"/>
           </a:xfrm>
           <a:prstGeom prst="rect">
@@ -8760,25 +8763,31 @@
           <a:p>
             <a:r>
               <a:rPr lang="fr-FR" dirty="0"/>
-              <a:t>04</a:t>
-            </a:r>
-          </a:p>
-        </p:txBody>
-      </p:sp>
-      <p:sp>
-        <p:nvSpPr>
-          <p:cNvPr id="9" name="Rectangle 8"/>
+              <a:t>03</a:t>
+            </a:r>
+          </a:p>
+        </p:txBody>
+      </p:sp>
+      <p:sp>
+        <p:nvSpPr>
+          <p:cNvPr id="13" name="Rectangle 12"/>
           <p:cNvSpPr/>
           <p:nvPr/>
         </p:nvSpPr>
         <p:spPr>
           <a:xfrm>
-            <a:off x="-14503" y="0"/>
-            <a:ext cx="2177143" cy="6858000"/>
-          </a:xfrm>
-          <a:prstGeom prst="rect">
-            <a:avLst/>
-          </a:prstGeom>
+            <a:off x="3291882" y="506014"/>
+            <a:ext cx="1619331" cy="442452"/>
+          </a:xfrm>
+          <a:prstGeom prst="rect">
+            <a:avLst/>
+          </a:prstGeom>
+          <a:solidFill>
+            <a:schemeClr val="bg2">
+              <a:lumMod val="60000"/>
+              <a:lumOff val="40000"/>
+            </a:schemeClr>
+          </a:solidFill>
           <a:ln>
             <a:noFill/>
           </a:ln>
@@ -8804,25 +8813,37 @@
           <a:lstStyle/>
           <a:p>
             <a:pPr algn="ctr"/>
-            <a:endParaRPr lang="fr-FR"/>
-          </a:p>
-        </p:txBody>
-      </p:sp>
-      <p:sp>
-        <p:nvSpPr>
-          <p:cNvPr id="10" name="Rectangle 9"/>
+            <a:r>
+              <a:rPr lang="fr-FR" dirty="0">
+                <a:solidFill>
+                  <a:srgbClr val="C00000"/>
+                </a:solidFill>
+              </a:rPr>
+              <a:t>Objectifs</a:t>
+            </a:r>
+          </a:p>
+        </p:txBody>
+      </p:sp>
+      <p:sp>
+        <p:nvSpPr>
+          <p:cNvPr id="14" name="Rectangle 13"/>
           <p:cNvSpPr/>
           <p:nvPr/>
         </p:nvSpPr>
         <p:spPr>
           <a:xfrm>
-            <a:off x="-10509" y="-14513"/>
-            <a:ext cx="2171786" cy="1483506"/>
-          </a:xfrm>
-          <a:prstGeom prst="rect">
-            <a:avLst/>
-          </a:prstGeom>
-          <a:noFill/>
+            <a:off x="4911213" y="506014"/>
+            <a:ext cx="1619331" cy="442452"/>
+          </a:xfrm>
+          <a:prstGeom prst="rect">
+            <a:avLst/>
+          </a:prstGeom>
+          <a:solidFill>
+            <a:schemeClr val="bg2">
+              <a:lumMod val="60000"/>
+              <a:lumOff val="40000"/>
+            </a:schemeClr>
+          </a:solidFill>
           <a:ln>
             <a:noFill/>
           </a:ln>
@@ -8849,27 +8870,36 @@
           <a:p>
             <a:pPr algn="ctr"/>
             <a:r>
-              <a:rPr lang="fr-FR" dirty="0"/>
-              <a:t>INTRODUCTION</a:t>
-            </a:r>
-          </a:p>
-        </p:txBody>
-      </p:sp>
-      <p:sp>
-        <p:nvSpPr>
-          <p:cNvPr id="12" name="Rectangle 11"/>
+              <a:rPr lang="fr-FR" dirty="0">
+                <a:solidFill>
+                  <a:srgbClr val="C00000"/>
+                </a:solidFill>
+              </a:rPr>
+              <a:t>Réalisation</a:t>
+            </a:r>
+          </a:p>
+        </p:txBody>
+      </p:sp>
+      <p:sp>
+        <p:nvSpPr>
+          <p:cNvPr id="15" name="Rectangle 14"/>
           <p:cNvSpPr/>
           <p:nvPr/>
         </p:nvSpPr>
         <p:spPr>
           <a:xfrm>
-            <a:off x="-12515" y="1483507"/>
-            <a:ext cx="2173792" cy="1187122"/>
-          </a:xfrm>
-          <a:prstGeom prst="rect">
-            <a:avLst/>
-          </a:prstGeom>
-          <a:noFill/>
+            <a:off x="6458937" y="506014"/>
+            <a:ext cx="1844406" cy="442452"/>
+          </a:xfrm>
+          <a:prstGeom prst="rect">
+            <a:avLst/>
+          </a:prstGeom>
+          <a:solidFill>
+            <a:schemeClr val="bg2">
+              <a:lumMod val="60000"/>
+              <a:lumOff val="40000"/>
+            </a:schemeClr>
+          </a:solidFill>
           <a:ln>
             <a:noFill/>
           </a:ln>
@@ -8896,27 +8926,30 @@
           <a:p>
             <a:pPr algn="ctr"/>
             <a:r>
-              <a:rPr lang="fr-FR" dirty="0"/>
-              <a:t>AICOM</a:t>
-            </a:r>
-          </a:p>
-        </p:txBody>
-      </p:sp>
-      <p:sp>
-        <p:nvSpPr>
-          <p:cNvPr id="2" name="Rectangle 1"/>
+              <a:rPr lang="fr-FR" dirty="0">
+                <a:solidFill>
+                  <a:schemeClr val="tx1"/>
+                </a:solidFill>
+              </a:rPr>
+              <a:t>Aperçu</a:t>
+            </a:r>
+          </a:p>
+        </p:txBody>
+      </p:sp>
+      <p:sp>
+        <p:nvSpPr>
+          <p:cNvPr id="16" name="Rectangle 15"/>
           <p:cNvSpPr/>
           <p:nvPr/>
         </p:nvSpPr>
         <p:spPr>
           <a:xfrm>
-            <a:off x="-14510" y="2688198"/>
-            <a:ext cx="2175787" cy="1041978"/>
-          </a:xfrm>
-          <a:prstGeom prst="rect">
-            <a:avLst/>
-          </a:prstGeom>
-          <a:noFill/>
+            <a:off x="-15189" y="0"/>
+            <a:ext cx="2177143" cy="6858000"/>
+          </a:xfrm>
+          <a:prstGeom prst="rect">
+            <a:avLst/>
+          </a:prstGeom>
           <a:ln>
             <a:noFill/>
           </a:ln>
@@ -8942,23 +8975,114 @@
           <a:lstStyle/>
           <a:p>
             <a:pPr algn="ctr"/>
+            <a:endParaRPr lang="fr-FR"/>
+          </a:p>
+        </p:txBody>
+      </p:sp>
+      <p:sp>
+        <p:nvSpPr>
+          <p:cNvPr id="17" name="Rectangle 16"/>
+          <p:cNvSpPr/>
+          <p:nvPr/>
+        </p:nvSpPr>
+        <p:spPr>
+          <a:xfrm>
+            <a:off x="-10509" y="-14513"/>
+            <a:ext cx="2194068" cy="1483506"/>
+          </a:xfrm>
+          <a:prstGeom prst="rect">
+            <a:avLst/>
+          </a:prstGeom>
+          <a:noFill/>
+          <a:ln>
+            <a:noFill/>
+          </a:ln>
+        </p:spPr>
+        <p:style>
+          <a:lnRef idx="2">
+            <a:schemeClr val="accent1">
+              <a:shade val="50000"/>
+            </a:schemeClr>
+          </a:lnRef>
+          <a:fillRef idx="1">
+            <a:schemeClr val="accent1"/>
+          </a:fillRef>
+          <a:effectRef idx="0">
+            <a:schemeClr val="accent1"/>
+          </a:effectRef>
+          <a:fontRef idx="minor">
+            <a:schemeClr val="lt1"/>
+          </a:fontRef>
+        </p:style>
+        <p:txBody>
+          <a:bodyPr rtlCol="0" anchor="ctr"/>
+          <a:lstStyle/>
+          <a:p>
+            <a:pPr algn="ctr"/>
             <a:r>
               <a:rPr lang="fr-FR" dirty="0"/>
-              <a:t>PROJETS</a:t>
-            </a:r>
-          </a:p>
-        </p:txBody>
-      </p:sp>
-      <p:sp>
-        <p:nvSpPr>
-          <p:cNvPr id="5" name="Rectangle 4"/>
+              <a:t>Introduction</a:t>
+            </a:r>
+          </a:p>
+        </p:txBody>
+      </p:sp>
+      <p:sp>
+        <p:nvSpPr>
+          <p:cNvPr id="18" name="Rectangle 17"/>
           <p:cNvSpPr/>
           <p:nvPr/>
         </p:nvSpPr>
         <p:spPr>
           <a:xfrm>
-            <a:off x="-18424" y="3749233"/>
-            <a:ext cx="2179702" cy="967920"/>
+            <a:off x="-12515" y="1483507"/>
+            <a:ext cx="2196074" cy="1011830"/>
+          </a:xfrm>
+          <a:prstGeom prst="rect">
+            <a:avLst/>
+          </a:prstGeom>
+          <a:noFill/>
+          <a:ln>
+            <a:noFill/>
+          </a:ln>
+        </p:spPr>
+        <p:style>
+          <a:lnRef idx="2">
+            <a:schemeClr val="accent1">
+              <a:shade val="50000"/>
+            </a:schemeClr>
+          </a:lnRef>
+          <a:fillRef idx="1">
+            <a:schemeClr val="accent1"/>
+          </a:fillRef>
+          <a:effectRef idx="0">
+            <a:schemeClr val="accent1"/>
+          </a:effectRef>
+          <a:fontRef idx="minor">
+            <a:schemeClr val="lt1"/>
+          </a:fontRef>
+        </p:style>
+        <p:txBody>
+          <a:bodyPr rtlCol="0" anchor="ctr"/>
+          <a:lstStyle/>
+          <a:p>
+            <a:pPr algn="ctr"/>
+            <a:r>
+              <a:rPr lang="fr-FR" dirty="0"/>
+              <a:t>AICOM</a:t>
+            </a:r>
+          </a:p>
+        </p:txBody>
+      </p:sp>
+      <p:sp>
+        <p:nvSpPr>
+          <p:cNvPr id="19" name="Rectangle 18"/>
+          <p:cNvSpPr/>
+          <p:nvPr/>
+        </p:nvSpPr>
+        <p:spPr>
+          <a:xfrm>
+            <a:off x="-14510" y="2688198"/>
+            <a:ext cx="2175787" cy="1041978"/>
           </a:xfrm>
           <a:prstGeom prst="rect">
             <a:avLst/>
@@ -8996,21 +9120,21 @@
             <a:pPr algn="ctr"/>
             <a:r>
               <a:rPr lang="fr-FR" dirty="0"/>
-              <a:t>APPLICATION</a:t>
-            </a:r>
-          </a:p>
-        </p:txBody>
-      </p:sp>
-      <p:sp>
-        <p:nvSpPr>
-          <p:cNvPr id="7" name="Rectangle 6"/>
+              <a:t>Site immobilier</a:t>
+            </a:r>
+          </a:p>
+        </p:txBody>
+      </p:sp>
+      <p:sp>
+        <p:nvSpPr>
+          <p:cNvPr id="20" name="Rectangle 19"/>
           <p:cNvSpPr/>
           <p:nvPr/>
         </p:nvSpPr>
         <p:spPr>
           <a:xfrm>
-            <a:off x="2191" y="5748669"/>
-            <a:ext cx="2532365" cy="1109331"/>
+            <a:off x="-18424" y="3749233"/>
+            <a:ext cx="2201984" cy="967920"/>
           </a:xfrm>
           <a:prstGeom prst="rect">
             <a:avLst/>
@@ -9043,21 +9167,21 @@
             <a:pPr algn="ctr"/>
             <a:r>
               <a:rPr lang="fr-FR" dirty="0"/>
-              <a:t>CONCLUSION</a:t>
-            </a:r>
-          </a:p>
-        </p:txBody>
-      </p:sp>
-      <p:sp>
-        <p:nvSpPr>
-          <p:cNvPr id="8" name="Rectangle 7"/>
+              <a:t>Moteur de recherche</a:t>
+            </a:r>
+          </a:p>
+        </p:txBody>
+      </p:sp>
+      <p:sp>
+        <p:nvSpPr>
+          <p:cNvPr id="21" name="Rectangle 20"/>
           <p:cNvSpPr/>
           <p:nvPr/>
         </p:nvSpPr>
         <p:spPr>
           <a:xfrm>
-            <a:off x="-9752" y="4733436"/>
-            <a:ext cx="2171029" cy="1001486"/>
+            <a:off x="2192" y="5748669"/>
+            <a:ext cx="2181368" cy="1109331"/>
           </a:xfrm>
           <a:prstGeom prst="rect">
             <a:avLst/>
@@ -9090,6 +9214,718 @@
             <a:pPr algn="ctr"/>
             <a:r>
               <a:rPr lang="fr-FR" dirty="0"/>
+              <a:t>Conclusion</a:t>
+            </a:r>
+          </a:p>
+        </p:txBody>
+      </p:sp>
+      <p:sp>
+        <p:nvSpPr>
+          <p:cNvPr id="22" name="Rectangle 21"/>
+          <p:cNvSpPr/>
+          <p:nvPr/>
+        </p:nvSpPr>
+        <p:spPr>
+          <a:xfrm>
+            <a:off x="-9752" y="4733436"/>
+            <a:ext cx="2171029" cy="1001486"/>
+          </a:xfrm>
+          <a:prstGeom prst="rect">
+            <a:avLst/>
+          </a:prstGeom>
+          <a:noFill/>
+          <a:ln>
+            <a:noFill/>
+          </a:ln>
+        </p:spPr>
+        <p:style>
+          <a:lnRef idx="2">
+            <a:schemeClr val="accent1">
+              <a:shade val="50000"/>
+            </a:schemeClr>
+          </a:lnRef>
+          <a:fillRef idx="1">
+            <a:schemeClr val="accent1"/>
+          </a:fillRef>
+          <a:effectRef idx="0">
+            <a:schemeClr val="accent1"/>
+          </a:effectRef>
+          <a:fontRef idx="minor">
+            <a:schemeClr val="lt1"/>
+          </a:fontRef>
+        </p:style>
+        <p:txBody>
+          <a:bodyPr rtlCol="0" anchor="ctr"/>
+          <a:lstStyle/>
+          <a:p>
+            <a:pPr algn="ctr"/>
+            <a:r>
+              <a:rPr lang="fr-FR" dirty="0"/>
+              <a:t>L’entreprise et moi</a:t>
+            </a:r>
+          </a:p>
+        </p:txBody>
+      </p:sp>
+    </p:spTree>
+    <p:extLst>
+      <p:ext uri="{BB962C8B-B14F-4D97-AF65-F5344CB8AC3E}">
+        <p14:creationId xmlns:p14="http://schemas.microsoft.com/office/powerpoint/2010/main" val="1078126924"/>
+      </p:ext>
+    </p:extLst>
+  </p:cSld>
+  <p:clrMapOvr>
+    <a:masterClrMapping/>
+  </p:clrMapOvr>
+</p:sld>
+</file>
+
+<file path=ppt/slides/slide11.xml><?xml version="1.0" encoding="utf-8"?>
+<p:sld xmlns:a="http://schemas.openxmlformats.org/drawingml/2006/main" xmlns:r="http://schemas.openxmlformats.org/officeDocument/2006/relationships" xmlns:p="http://schemas.openxmlformats.org/presentationml/2006/main">
+  <p:cSld>
+    <p:spTree>
+      <p:nvGrpSpPr>
+        <p:cNvPr id="1" name=""/>
+        <p:cNvGrpSpPr/>
+        <p:nvPr/>
+      </p:nvGrpSpPr>
+      <p:grpSpPr>
+        <a:xfrm>
+          <a:off x="0" y="0"/>
+          <a:ext cx="0" cy="0"/>
+          <a:chOff x="0" y="0"/>
+          <a:chExt cx="0" cy="0"/>
+        </a:xfrm>
+      </p:grpSpPr>
+      <p:sp>
+        <p:nvSpPr>
+          <p:cNvPr id="4" name="ZoneTexte 3"/>
+          <p:cNvSpPr txBox="1"/>
+          <p:nvPr/>
+        </p:nvSpPr>
+        <p:spPr>
+          <a:xfrm>
+            <a:off x="10558807" y="371083"/>
+            <a:ext cx="441146" cy="369332"/>
+          </a:xfrm>
+          <a:prstGeom prst="rect">
+            <a:avLst/>
+          </a:prstGeom>
+          <a:noFill/>
+        </p:spPr>
+        <p:txBody>
+          <a:bodyPr wrap="none" rtlCol="0">
+            <a:spAutoFit/>
+          </a:bodyPr>
+          <a:lstStyle/>
+          <a:p>
+            <a:r>
+              <a:rPr lang="fr-FR" dirty="0"/>
+              <a:t>03</a:t>
+            </a:r>
+          </a:p>
+        </p:txBody>
+      </p:sp>
+      <p:sp>
+        <p:nvSpPr>
+          <p:cNvPr id="6" name="Espace réservé du contenu 2"/>
+          <p:cNvSpPr txBox="1">
+            <a:spLocks/>
+          </p:cNvSpPr>
+          <p:nvPr/>
+        </p:nvSpPr>
+        <p:spPr>
+          <a:xfrm>
+            <a:off x="4277033" y="2500002"/>
+            <a:ext cx="4803058" cy="877380"/>
+          </a:xfrm>
+          <a:prstGeom prst="rect">
+            <a:avLst/>
+          </a:prstGeom>
+        </p:spPr>
+        <p:txBody>
+          <a:bodyPr vert="horz" lIns="91440" tIns="45720" rIns="91440" bIns="45720" rtlCol="0">
+            <a:normAutofit/>
+          </a:bodyPr>
+          <a:lstStyle>
+            <a:lvl1pPr marL="342900" indent="-342900" algn="l" defTabSz="457200" rtl="0" eaLnBrk="1" latinLnBrk="0" hangingPunct="1">
+              <a:spcBef>
+                <a:spcPts val="1000"/>
+              </a:spcBef>
+              <a:spcAft>
+                <a:spcPts val="0"/>
+              </a:spcAft>
+              <a:buClr>
+                <a:schemeClr val="bg2">
+                  <a:lumMod val="40000"/>
+                  <a:lumOff val="60000"/>
+                </a:schemeClr>
+              </a:buClr>
+              <a:buSzPct val="80000"/>
+              <a:buFont typeface="Wingdings 3" charset="2"/>
+              <a:buChar char=""/>
+              <a:defRPr sz="2000" b="0" i="0" kern="1200">
+                <a:solidFill>
+                  <a:schemeClr val="tx1"/>
+                </a:solidFill>
+                <a:latin typeface="+mj-lt"/>
+                <a:ea typeface="+mj-ea"/>
+                <a:cs typeface="+mj-cs"/>
+              </a:defRPr>
+            </a:lvl1pPr>
+            <a:lvl2pPr marL="742950" indent="-285750" algn="l" defTabSz="457200" rtl="0" eaLnBrk="1" latinLnBrk="0" hangingPunct="1">
+              <a:spcBef>
+                <a:spcPts val="1000"/>
+              </a:spcBef>
+              <a:spcAft>
+                <a:spcPts val="0"/>
+              </a:spcAft>
+              <a:buClr>
+                <a:schemeClr val="bg2">
+                  <a:lumMod val="40000"/>
+                  <a:lumOff val="60000"/>
+                </a:schemeClr>
+              </a:buClr>
+              <a:buSzPct val="80000"/>
+              <a:buFont typeface="Wingdings 3" charset="2"/>
+              <a:buChar char=""/>
+              <a:defRPr sz="1800" b="0" i="0" kern="1200">
+                <a:solidFill>
+                  <a:schemeClr val="tx1"/>
+                </a:solidFill>
+                <a:latin typeface="+mj-lt"/>
+                <a:ea typeface="+mj-ea"/>
+                <a:cs typeface="+mj-cs"/>
+              </a:defRPr>
+            </a:lvl2pPr>
+            <a:lvl3pPr marL="1143000" indent="-228600" algn="l" defTabSz="457200" rtl="0" eaLnBrk="1" latinLnBrk="0" hangingPunct="1">
+              <a:spcBef>
+                <a:spcPts val="1000"/>
+              </a:spcBef>
+              <a:spcAft>
+                <a:spcPts val="0"/>
+              </a:spcAft>
+              <a:buClr>
+                <a:schemeClr val="bg2">
+                  <a:lumMod val="40000"/>
+                  <a:lumOff val="60000"/>
+                </a:schemeClr>
+              </a:buClr>
+              <a:buSzPct val="80000"/>
+              <a:buFont typeface="Wingdings 3" charset="2"/>
+              <a:buChar char=""/>
+              <a:defRPr sz="1600" b="0" i="0" kern="1200">
+                <a:solidFill>
+                  <a:schemeClr val="tx1"/>
+                </a:solidFill>
+                <a:latin typeface="+mj-lt"/>
+                <a:ea typeface="+mj-ea"/>
+                <a:cs typeface="+mj-cs"/>
+              </a:defRPr>
+            </a:lvl3pPr>
+            <a:lvl4pPr marL="1600200" indent="-228600" algn="l" defTabSz="457200" rtl="0" eaLnBrk="1" latinLnBrk="0" hangingPunct="1">
+              <a:spcBef>
+                <a:spcPts val="1000"/>
+              </a:spcBef>
+              <a:spcAft>
+                <a:spcPts val="0"/>
+              </a:spcAft>
+              <a:buClr>
+                <a:schemeClr val="bg2">
+                  <a:lumMod val="40000"/>
+                  <a:lumOff val="60000"/>
+                </a:schemeClr>
+              </a:buClr>
+              <a:buSzPct val="80000"/>
+              <a:buFont typeface="Wingdings 3" charset="2"/>
+              <a:buChar char=""/>
+              <a:defRPr sz="1400" b="0" i="0" kern="1200">
+                <a:solidFill>
+                  <a:schemeClr val="tx1"/>
+                </a:solidFill>
+                <a:latin typeface="+mj-lt"/>
+                <a:ea typeface="+mj-ea"/>
+                <a:cs typeface="+mj-cs"/>
+              </a:defRPr>
+            </a:lvl4pPr>
+            <a:lvl5pPr marL="2057400" indent="-228600" algn="l" defTabSz="457200" rtl="0" eaLnBrk="1" latinLnBrk="0" hangingPunct="1">
+              <a:spcBef>
+                <a:spcPts val="1000"/>
+              </a:spcBef>
+              <a:spcAft>
+                <a:spcPts val="0"/>
+              </a:spcAft>
+              <a:buClr>
+                <a:schemeClr val="bg2">
+                  <a:lumMod val="40000"/>
+                  <a:lumOff val="60000"/>
+                </a:schemeClr>
+              </a:buClr>
+              <a:buSzPct val="80000"/>
+              <a:buFont typeface="Wingdings 3" charset="2"/>
+              <a:buChar char=""/>
+              <a:defRPr sz="1400" b="0" i="0" kern="1200">
+                <a:solidFill>
+                  <a:schemeClr val="tx1"/>
+                </a:solidFill>
+                <a:latin typeface="+mj-lt"/>
+                <a:ea typeface="+mj-ea"/>
+                <a:cs typeface="+mj-cs"/>
+              </a:defRPr>
+            </a:lvl5pPr>
+            <a:lvl6pPr marL="2506000" indent="-228600" algn="l" defTabSz="457200" rtl="0" eaLnBrk="1" latinLnBrk="0" hangingPunct="1">
+              <a:spcBef>
+                <a:spcPts val="1000"/>
+              </a:spcBef>
+              <a:spcAft>
+                <a:spcPts val="0"/>
+              </a:spcAft>
+              <a:buClr>
+                <a:schemeClr val="bg2">
+                  <a:lumMod val="40000"/>
+                  <a:lumOff val="60000"/>
+                </a:schemeClr>
+              </a:buClr>
+              <a:buSzPct val="80000"/>
+              <a:buFont typeface="Wingdings 3" charset="2"/>
+              <a:buChar char=""/>
+              <a:defRPr sz="1400" b="0" i="0" kern="1200">
+                <a:solidFill>
+                  <a:schemeClr val="tx1"/>
+                </a:solidFill>
+                <a:latin typeface="+mj-lt"/>
+                <a:ea typeface="+mj-ea"/>
+                <a:cs typeface="+mj-cs"/>
+              </a:defRPr>
+            </a:lvl6pPr>
+            <a:lvl7pPr marL="2971800" indent="-228600" algn="l" defTabSz="457200" rtl="0" eaLnBrk="1" latinLnBrk="0" hangingPunct="1">
+              <a:spcBef>
+                <a:spcPts val="1000"/>
+              </a:spcBef>
+              <a:spcAft>
+                <a:spcPts val="0"/>
+              </a:spcAft>
+              <a:buClr>
+                <a:schemeClr val="bg2">
+                  <a:lumMod val="40000"/>
+                  <a:lumOff val="60000"/>
+                </a:schemeClr>
+              </a:buClr>
+              <a:buSzPct val="80000"/>
+              <a:buFont typeface="Wingdings 3" charset="2"/>
+              <a:buChar char=""/>
+              <a:defRPr sz="1400" b="0" i="0" kern="1200">
+                <a:solidFill>
+                  <a:schemeClr val="tx1"/>
+                </a:solidFill>
+                <a:latin typeface="+mj-lt"/>
+                <a:ea typeface="+mj-ea"/>
+                <a:cs typeface="+mj-cs"/>
+              </a:defRPr>
+            </a:lvl7pPr>
+            <a:lvl8pPr marL="3429000" indent="-228600" algn="l" defTabSz="457200" rtl="0" eaLnBrk="1" latinLnBrk="0" hangingPunct="1">
+              <a:spcBef>
+                <a:spcPts val="1000"/>
+              </a:spcBef>
+              <a:spcAft>
+                <a:spcPts val="0"/>
+              </a:spcAft>
+              <a:buClr>
+                <a:schemeClr val="bg2">
+                  <a:lumMod val="40000"/>
+                  <a:lumOff val="60000"/>
+                </a:schemeClr>
+              </a:buClr>
+              <a:buSzPct val="80000"/>
+              <a:buFont typeface="Wingdings 3" charset="2"/>
+              <a:buChar char=""/>
+              <a:defRPr sz="1400" b="0" i="0" kern="1200">
+                <a:solidFill>
+                  <a:schemeClr val="tx1"/>
+                </a:solidFill>
+                <a:latin typeface="+mj-lt"/>
+                <a:ea typeface="+mj-ea"/>
+                <a:cs typeface="+mj-cs"/>
+              </a:defRPr>
+            </a:lvl8pPr>
+            <a:lvl9pPr marL="3886200" indent="-228600" algn="l" defTabSz="457200" rtl="0" eaLnBrk="1" latinLnBrk="0" hangingPunct="1">
+              <a:spcBef>
+                <a:spcPts val="1000"/>
+              </a:spcBef>
+              <a:spcAft>
+                <a:spcPts val="0"/>
+              </a:spcAft>
+              <a:buClr>
+                <a:schemeClr val="bg2">
+                  <a:lumMod val="40000"/>
+                  <a:lumOff val="60000"/>
+                </a:schemeClr>
+              </a:buClr>
+              <a:buSzPct val="80000"/>
+              <a:buFont typeface="Wingdings 3" charset="2"/>
+              <a:buChar char=""/>
+              <a:defRPr sz="1400" b="0" i="0" kern="1200">
+                <a:solidFill>
+                  <a:schemeClr val="tx1"/>
+                </a:solidFill>
+                <a:latin typeface="+mj-lt"/>
+                <a:ea typeface="+mj-ea"/>
+                <a:cs typeface="+mj-cs"/>
+              </a:defRPr>
+            </a:lvl9pPr>
+          </a:lstStyle>
+          <a:p>
+            <a:r>
+              <a:rPr lang="fr-FR" dirty="0"/>
+              <a:t>Front-End </a:t>
+            </a:r>
+            <a:r>
+              <a:rPr lang="fr-FR" dirty="0">
+                <a:hlinkClick r:id="rId2"/>
+              </a:rPr>
+              <a:t>voir le site</a:t>
+            </a:r>
+            <a:endParaRPr lang="fr-FR" dirty="0"/>
+          </a:p>
+          <a:p>
+            <a:r>
+              <a:rPr lang="fr-FR" dirty="0"/>
+              <a:t>Back-End </a:t>
+            </a:r>
+            <a:r>
+              <a:rPr lang="fr-FR" dirty="0">
+                <a:hlinkClick r:id="rId3"/>
+              </a:rPr>
+              <a:t>voir admin</a:t>
+            </a:r>
+            <a:endParaRPr lang="fr-FR" dirty="0"/>
+          </a:p>
+        </p:txBody>
+      </p:sp>
+      <p:sp>
+        <p:nvSpPr>
+          <p:cNvPr id="9" name="Rectangle 8"/>
+          <p:cNvSpPr/>
+          <p:nvPr/>
+        </p:nvSpPr>
+        <p:spPr>
+          <a:xfrm>
+            <a:off x="-14503" y="0"/>
+            <a:ext cx="2177143" cy="6858000"/>
+          </a:xfrm>
+          <a:prstGeom prst="rect">
+            <a:avLst/>
+          </a:prstGeom>
+          <a:ln>
+            <a:noFill/>
+          </a:ln>
+        </p:spPr>
+        <p:style>
+          <a:lnRef idx="2">
+            <a:schemeClr val="accent1">
+              <a:shade val="50000"/>
+            </a:schemeClr>
+          </a:lnRef>
+          <a:fillRef idx="1">
+            <a:schemeClr val="accent1"/>
+          </a:fillRef>
+          <a:effectRef idx="0">
+            <a:schemeClr val="accent1"/>
+          </a:effectRef>
+          <a:fontRef idx="minor">
+            <a:schemeClr val="lt1"/>
+          </a:fontRef>
+        </p:style>
+        <p:txBody>
+          <a:bodyPr rtlCol="0" anchor="ctr"/>
+          <a:lstStyle/>
+          <a:p>
+            <a:pPr algn="ctr"/>
+            <a:endParaRPr lang="fr-FR"/>
+          </a:p>
+        </p:txBody>
+      </p:sp>
+      <p:sp>
+        <p:nvSpPr>
+          <p:cNvPr id="10" name="Rectangle 9"/>
+          <p:cNvSpPr/>
+          <p:nvPr/>
+        </p:nvSpPr>
+        <p:spPr>
+          <a:xfrm>
+            <a:off x="-10509" y="-14513"/>
+            <a:ext cx="2318280" cy="1483506"/>
+          </a:xfrm>
+          <a:prstGeom prst="rect">
+            <a:avLst/>
+          </a:prstGeom>
+          <a:noFill/>
+          <a:ln>
+            <a:noFill/>
+          </a:ln>
+        </p:spPr>
+        <p:style>
+          <a:lnRef idx="2">
+            <a:schemeClr val="accent1">
+              <a:shade val="50000"/>
+            </a:schemeClr>
+          </a:lnRef>
+          <a:fillRef idx="1">
+            <a:schemeClr val="accent1"/>
+          </a:fillRef>
+          <a:effectRef idx="0">
+            <a:schemeClr val="accent1"/>
+          </a:effectRef>
+          <a:fontRef idx="minor">
+            <a:schemeClr val="lt1"/>
+          </a:fontRef>
+        </p:style>
+        <p:txBody>
+          <a:bodyPr rtlCol="0" anchor="ctr"/>
+          <a:lstStyle/>
+          <a:p>
+            <a:pPr algn="ctr"/>
+            <a:r>
+              <a:rPr lang="fr-FR" dirty="0"/>
+              <a:t>INTRODUCTION</a:t>
+            </a:r>
+          </a:p>
+        </p:txBody>
+      </p:sp>
+      <p:sp>
+        <p:nvSpPr>
+          <p:cNvPr id="12" name="Rectangle 11"/>
+          <p:cNvSpPr/>
+          <p:nvPr/>
+        </p:nvSpPr>
+        <p:spPr>
+          <a:xfrm>
+            <a:off x="-12515" y="1483507"/>
+            <a:ext cx="2320286" cy="1187122"/>
+          </a:xfrm>
+          <a:prstGeom prst="rect">
+            <a:avLst/>
+          </a:prstGeom>
+          <a:noFill/>
+          <a:ln>
+            <a:noFill/>
+          </a:ln>
+        </p:spPr>
+        <p:style>
+          <a:lnRef idx="2">
+            <a:schemeClr val="accent1">
+              <a:shade val="50000"/>
+            </a:schemeClr>
+          </a:lnRef>
+          <a:fillRef idx="1">
+            <a:schemeClr val="accent1"/>
+          </a:fillRef>
+          <a:effectRef idx="0">
+            <a:schemeClr val="accent1"/>
+          </a:effectRef>
+          <a:fontRef idx="minor">
+            <a:schemeClr val="lt1"/>
+          </a:fontRef>
+        </p:style>
+        <p:txBody>
+          <a:bodyPr rtlCol="0" anchor="ctr"/>
+          <a:lstStyle/>
+          <a:p>
+            <a:pPr algn="ctr"/>
+            <a:r>
+              <a:rPr lang="fr-FR" dirty="0"/>
+              <a:t>AICOM</a:t>
+            </a:r>
+          </a:p>
+        </p:txBody>
+      </p:sp>
+      <p:sp>
+        <p:nvSpPr>
+          <p:cNvPr id="2" name="Rectangle 1"/>
+          <p:cNvSpPr/>
+          <p:nvPr/>
+        </p:nvSpPr>
+        <p:spPr>
+          <a:xfrm>
+            <a:off x="-14510" y="2688198"/>
+            <a:ext cx="2510967" cy="1041978"/>
+          </a:xfrm>
+          <a:prstGeom prst="rect">
+            <a:avLst/>
+          </a:prstGeom>
+          <a:blipFill>
+            <a:blip r:embed="rId4"/>
+            <a:stretch>
+              <a:fillRect/>
+            </a:stretch>
+          </a:blipFill>
+          <a:ln>
+            <a:noFill/>
+          </a:ln>
+        </p:spPr>
+        <p:style>
+          <a:lnRef idx="2">
+            <a:schemeClr val="accent1">
+              <a:shade val="50000"/>
+            </a:schemeClr>
+          </a:lnRef>
+          <a:fillRef idx="1">
+            <a:schemeClr val="accent1"/>
+          </a:fillRef>
+          <a:effectRef idx="0">
+            <a:schemeClr val="accent1"/>
+          </a:effectRef>
+          <a:fontRef idx="minor">
+            <a:schemeClr val="lt1"/>
+          </a:fontRef>
+        </p:style>
+        <p:txBody>
+          <a:bodyPr rtlCol="0" anchor="ctr"/>
+          <a:lstStyle/>
+          <a:p>
+            <a:pPr algn="ctr"/>
+            <a:r>
+              <a:rPr lang="fr-FR" dirty="0"/>
+              <a:t>SITE INTERNET</a:t>
+            </a:r>
+          </a:p>
+        </p:txBody>
+      </p:sp>
+      <p:sp>
+        <p:nvSpPr>
+          <p:cNvPr id="5" name="Rectangle 4"/>
+          <p:cNvSpPr/>
+          <p:nvPr/>
+        </p:nvSpPr>
+        <p:spPr>
+          <a:xfrm>
+            <a:off x="-18425" y="3749233"/>
+            <a:ext cx="2552981" cy="967920"/>
+          </a:xfrm>
+          <a:prstGeom prst="rect">
+            <a:avLst/>
+          </a:prstGeom>
+          <a:noFill/>
+          <a:ln>
+            <a:noFill/>
+          </a:ln>
+        </p:spPr>
+        <p:style>
+          <a:lnRef idx="2">
+            <a:schemeClr val="accent1">
+              <a:shade val="50000"/>
+            </a:schemeClr>
+          </a:lnRef>
+          <a:fillRef idx="1">
+            <a:schemeClr val="accent1"/>
+          </a:fillRef>
+          <a:effectRef idx="0">
+            <a:schemeClr val="accent1"/>
+          </a:effectRef>
+          <a:fontRef idx="minor">
+            <a:schemeClr val="lt1"/>
+          </a:fontRef>
+        </p:style>
+        <p:txBody>
+          <a:bodyPr rtlCol="0" anchor="ctr"/>
+          <a:lstStyle/>
+          <a:p>
+            <a:pPr algn="ctr"/>
+            <a:r>
+              <a:rPr lang="fr-FR" dirty="0"/>
+              <a:t>APPLICATION</a:t>
+            </a:r>
+          </a:p>
+        </p:txBody>
+      </p:sp>
+      <p:sp>
+        <p:nvSpPr>
+          <p:cNvPr id="7" name="Rectangle 6"/>
+          <p:cNvSpPr/>
+          <p:nvPr/>
+        </p:nvSpPr>
+        <p:spPr>
+          <a:xfrm>
+            <a:off x="2191" y="5748669"/>
+            <a:ext cx="2532365" cy="1109331"/>
+          </a:xfrm>
+          <a:prstGeom prst="rect">
+            <a:avLst/>
+          </a:prstGeom>
+          <a:noFill/>
+          <a:ln>
+            <a:noFill/>
+          </a:ln>
+        </p:spPr>
+        <p:style>
+          <a:lnRef idx="2">
+            <a:schemeClr val="accent1">
+              <a:shade val="50000"/>
+            </a:schemeClr>
+          </a:lnRef>
+          <a:fillRef idx="1">
+            <a:schemeClr val="accent1"/>
+          </a:fillRef>
+          <a:effectRef idx="0">
+            <a:schemeClr val="accent1"/>
+          </a:effectRef>
+          <a:fontRef idx="minor">
+            <a:schemeClr val="lt1"/>
+          </a:fontRef>
+        </p:style>
+        <p:txBody>
+          <a:bodyPr rtlCol="0" anchor="ctr"/>
+          <a:lstStyle/>
+          <a:p>
+            <a:pPr algn="ctr"/>
+            <a:r>
+              <a:rPr lang="fr-FR" dirty="0"/>
+              <a:t>CONCLUSION</a:t>
+            </a:r>
+          </a:p>
+        </p:txBody>
+      </p:sp>
+      <p:sp>
+        <p:nvSpPr>
+          <p:cNvPr id="8" name="Rectangle 7"/>
+          <p:cNvSpPr/>
+          <p:nvPr/>
+        </p:nvSpPr>
+        <p:spPr>
+          <a:xfrm>
+            <a:off x="-9752" y="4733436"/>
+            <a:ext cx="2544308" cy="1001486"/>
+          </a:xfrm>
+          <a:prstGeom prst="rect">
+            <a:avLst/>
+          </a:prstGeom>
+          <a:noFill/>
+          <a:ln>
+            <a:noFill/>
+          </a:ln>
+        </p:spPr>
+        <p:style>
+          <a:lnRef idx="2">
+            <a:schemeClr val="accent1">
+              <a:shade val="50000"/>
+            </a:schemeClr>
+          </a:lnRef>
+          <a:fillRef idx="1">
+            <a:schemeClr val="accent1"/>
+          </a:fillRef>
+          <a:effectRef idx="0">
+            <a:schemeClr val="accent1"/>
+          </a:effectRef>
+          <a:fontRef idx="minor">
+            <a:schemeClr val="lt1"/>
+          </a:fontRef>
+        </p:style>
+        <p:txBody>
+          <a:bodyPr rtlCol="0" anchor="ctr"/>
+          <a:lstStyle/>
+          <a:p>
+            <a:pPr algn="ctr"/>
+            <a:r>
+              <a:rPr lang="fr-FR" dirty="0"/>
               <a:t>LE STAGIAIRE</a:t>
             </a:r>
           </a:p>
@@ -9097,7 +9933,7 @@
       </p:sp>
       <p:sp>
         <p:nvSpPr>
-          <p:cNvPr id="19" name="Rectangle 18"/>
+          <p:cNvPr id="13" name="Rectangle 12"/>
           <p:cNvSpPr/>
           <p:nvPr/>
         </p:nvSpPr>
@@ -9153,7 +9989,7 @@
       </p:sp>
       <p:sp>
         <p:nvSpPr>
-          <p:cNvPr id="20" name="Rectangle 19"/>
+          <p:cNvPr id="14" name="Rectangle 13"/>
           <p:cNvSpPr/>
           <p:nvPr/>
         </p:nvSpPr>
@@ -9209,7 +10045,7 @@
       </p:sp>
       <p:sp>
         <p:nvSpPr>
-          <p:cNvPr id="21" name="Rectangle 20"/>
+          <p:cNvPr id="15" name="Rectangle 14"/>
           <p:cNvSpPr/>
           <p:nvPr/>
         </p:nvSpPr>
@@ -9255,7 +10091,7 @@
             <a:r>
               <a:rPr lang="fr-FR" dirty="0">
                 <a:solidFill>
-                  <a:schemeClr val="tx1"/>
+                  <a:srgbClr val="C00000"/>
                 </a:solidFill>
               </a:rPr>
               <a:t>Composition</a:t>
@@ -9263,40 +10099,10 @@
           </a:p>
         </p:txBody>
       </p:sp>
-      <p:pic>
-        <p:nvPicPr>
-          <p:cNvPr id="3" name="Image 2"/>
-          <p:cNvPicPr>
-            <a:picLocks noChangeAspect="1"/>
-          </p:cNvPicPr>
-          <p:nvPr/>
-        </p:nvPicPr>
-        <p:blipFill>
-          <a:blip r:embed="rId3">
-            <a:extLst>
-              <a:ext uri="{28A0092B-C50C-407E-A947-70E740481C1C}">
-                <a14:useLocalDpi xmlns:a14="http://schemas.microsoft.com/office/drawing/2010/main" val="0"/>
-              </a:ext>
-            </a:extLst>
-          </a:blip>
-          <a:stretch>
-            <a:fillRect/>
-          </a:stretch>
-        </p:blipFill>
-        <p:spPr>
-          <a:xfrm>
-            <a:off x="3291882" y="1236449"/>
-            <a:ext cx="7822586" cy="5385578"/>
-          </a:xfrm>
-          <a:prstGeom prst="rect">
-            <a:avLst/>
-          </a:prstGeom>
-        </p:spPr>
-      </p:pic>
     </p:spTree>
     <p:extLst>
       <p:ext uri="{BB962C8B-B14F-4D97-AF65-F5344CB8AC3E}">
-        <p14:creationId xmlns:p14="http://schemas.microsoft.com/office/powerpoint/2010/main" val="2389593961"/>
+        <p14:creationId xmlns:p14="http://schemas.microsoft.com/office/powerpoint/2010/main" val="2356147316"/>
       </p:ext>
     </p:extLst>
   </p:cSld>
@@ -9327,7 +10133,7 @@
                             </p:stCondLst>
                             <p:childTnLst>
                               <p:par>
-                                <p:cTn id="5" presetID="22" presetClass="entr" presetSubtype="8" fill="hold" nodeType="afterEffect">
+                                <p:cTn id="5" presetID="22" presetClass="entr" presetSubtype="8" fill="hold" grpId="0" nodeType="afterEffect">
                                   <p:stCondLst>
                                     <p:cond delay="0"/>
                                   </p:stCondLst>
@@ -9340,7 +10146,7 @@
                                           </p:stCondLst>
                                         </p:cTn>
                                         <p:tgtEl>
-                                          <p:spTgt spid="3"/>
+                                          <p:spTgt spid="6"/>
                                         </p:tgtEl>
                                         <p:attrNameLst>
                                           <p:attrName>style.visibility</p:attrName>
@@ -9354,7 +10160,7 @@
                                       <p:cBhvr>
                                         <p:cTn id="7" dur="1000"/>
                                         <p:tgtEl>
-                                          <p:spTgt spid="3"/>
+                                          <p:spTgt spid="6"/>
                                         </p:tgtEl>
                                       </p:cBhvr>
                                     </p:animEffect>
@@ -9388,11 +10194,14 @@
         </p:cTn>
       </p:par>
     </p:tnLst>
+    <p:bldLst>
+      <p:bldP spid="6" grpId="0"/>
+    </p:bldLst>
   </p:timing>
 </p:sld>
 </file>
 
-<file path=ppt/slides/slide11.xml><?xml version="1.0" encoding="utf-8"?>
+<file path=ppt/slides/slide12.xml><?xml version="1.0" encoding="utf-8"?>
 <p:sld xmlns:a="http://schemas.openxmlformats.org/drawingml/2006/main" xmlns:r="http://schemas.openxmlformats.org/officeDocument/2006/relationships" xmlns:p="http://schemas.openxmlformats.org/presentationml/2006/main">
   <p:cSld>
     <p:spTree>
@@ -9440,6 +10249,286 @@
       </p:sp>
       <p:sp>
         <p:nvSpPr>
+          <p:cNvPr id="6" name="Espace réservé du contenu 2"/>
+          <p:cNvSpPr txBox="1">
+            <a:spLocks/>
+          </p:cNvSpPr>
+          <p:nvPr/>
+        </p:nvSpPr>
+        <p:spPr>
+          <a:xfrm>
+            <a:off x="3180414" y="2024739"/>
+            <a:ext cx="8401451" cy="2808522"/>
+          </a:xfrm>
+          <a:prstGeom prst="rect">
+            <a:avLst/>
+          </a:prstGeom>
+        </p:spPr>
+        <p:txBody>
+          <a:bodyPr vert="horz" lIns="91440" tIns="45720" rIns="91440" bIns="45720" rtlCol="0">
+            <a:normAutofit/>
+          </a:bodyPr>
+          <a:lstStyle>
+            <a:lvl1pPr marL="342900" indent="-342900" algn="l" defTabSz="457200" rtl="0" eaLnBrk="1" latinLnBrk="0" hangingPunct="1">
+              <a:spcBef>
+                <a:spcPts val="1000"/>
+              </a:spcBef>
+              <a:spcAft>
+                <a:spcPts val="0"/>
+              </a:spcAft>
+              <a:buClr>
+                <a:schemeClr val="bg2">
+                  <a:lumMod val="40000"/>
+                  <a:lumOff val="60000"/>
+                </a:schemeClr>
+              </a:buClr>
+              <a:buSzPct val="80000"/>
+              <a:buFont typeface="Wingdings 3" charset="2"/>
+              <a:buChar char=""/>
+              <a:defRPr sz="2000" b="0" i="0" kern="1200">
+                <a:solidFill>
+                  <a:schemeClr val="tx1"/>
+                </a:solidFill>
+                <a:latin typeface="+mj-lt"/>
+                <a:ea typeface="+mj-ea"/>
+                <a:cs typeface="+mj-cs"/>
+              </a:defRPr>
+            </a:lvl1pPr>
+            <a:lvl2pPr marL="742950" indent="-285750" algn="l" defTabSz="457200" rtl="0" eaLnBrk="1" latinLnBrk="0" hangingPunct="1">
+              <a:spcBef>
+                <a:spcPts val="1000"/>
+              </a:spcBef>
+              <a:spcAft>
+                <a:spcPts val="0"/>
+              </a:spcAft>
+              <a:buClr>
+                <a:schemeClr val="bg2">
+                  <a:lumMod val="40000"/>
+                  <a:lumOff val="60000"/>
+                </a:schemeClr>
+              </a:buClr>
+              <a:buSzPct val="80000"/>
+              <a:buFont typeface="Wingdings 3" charset="2"/>
+              <a:buChar char=""/>
+              <a:defRPr sz="1800" b="0" i="0" kern="1200">
+                <a:solidFill>
+                  <a:schemeClr val="tx1"/>
+                </a:solidFill>
+                <a:latin typeface="+mj-lt"/>
+                <a:ea typeface="+mj-ea"/>
+                <a:cs typeface="+mj-cs"/>
+              </a:defRPr>
+            </a:lvl2pPr>
+            <a:lvl3pPr marL="1143000" indent="-228600" algn="l" defTabSz="457200" rtl="0" eaLnBrk="1" latinLnBrk="0" hangingPunct="1">
+              <a:spcBef>
+                <a:spcPts val="1000"/>
+              </a:spcBef>
+              <a:spcAft>
+                <a:spcPts val="0"/>
+              </a:spcAft>
+              <a:buClr>
+                <a:schemeClr val="bg2">
+                  <a:lumMod val="40000"/>
+                  <a:lumOff val="60000"/>
+                </a:schemeClr>
+              </a:buClr>
+              <a:buSzPct val="80000"/>
+              <a:buFont typeface="Wingdings 3" charset="2"/>
+              <a:buChar char=""/>
+              <a:defRPr sz="1600" b="0" i="0" kern="1200">
+                <a:solidFill>
+                  <a:schemeClr val="tx1"/>
+                </a:solidFill>
+                <a:latin typeface="+mj-lt"/>
+                <a:ea typeface="+mj-ea"/>
+                <a:cs typeface="+mj-cs"/>
+              </a:defRPr>
+            </a:lvl3pPr>
+            <a:lvl4pPr marL="1600200" indent="-228600" algn="l" defTabSz="457200" rtl="0" eaLnBrk="1" latinLnBrk="0" hangingPunct="1">
+              <a:spcBef>
+                <a:spcPts val="1000"/>
+              </a:spcBef>
+              <a:spcAft>
+                <a:spcPts val="0"/>
+              </a:spcAft>
+              <a:buClr>
+                <a:schemeClr val="bg2">
+                  <a:lumMod val="40000"/>
+                  <a:lumOff val="60000"/>
+                </a:schemeClr>
+              </a:buClr>
+              <a:buSzPct val="80000"/>
+              <a:buFont typeface="Wingdings 3" charset="2"/>
+              <a:buChar char=""/>
+              <a:defRPr sz="1400" b="0" i="0" kern="1200">
+                <a:solidFill>
+                  <a:schemeClr val="tx1"/>
+                </a:solidFill>
+                <a:latin typeface="+mj-lt"/>
+                <a:ea typeface="+mj-ea"/>
+                <a:cs typeface="+mj-cs"/>
+              </a:defRPr>
+            </a:lvl4pPr>
+            <a:lvl5pPr marL="2057400" indent="-228600" algn="l" defTabSz="457200" rtl="0" eaLnBrk="1" latinLnBrk="0" hangingPunct="1">
+              <a:spcBef>
+                <a:spcPts val="1000"/>
+              </a:spcBef>
+              <a:spcAft>
+                <a:spcPts val="0"/>
+              </a:spcAft>
+              <a:buClr>
+                <a:schemeClr val="bg2">
+                  <a:lumMod val="40000"/>
+                  <a:lumOff val="60000"/>
+                </a:schemeClr>
+              </a:buClr>
+              <a:buSzPct val="80000"/>
+              <a:buFont typeface="Wingdings 3" charset="2"/>
+              <a:buChar char=""/>
+              <a:defRPr sz="1400" b="0" i="0" kern="1200">
+                <a:solidFill>
+                  <a:schemeClr val="tx1"/>
+                </a:solidFill>
+                <a:latin typeface="+mj-lt"/>
+                <a:ea typeface="+mj-ea"/>
+                <a:cs typeface="+mj-cs"/>
+              </a:defRPr>
+            </a:lvl5pPr>
+            <a:lvl6pPr marL="2506000" indent="-228600" algn="l" defTabSz="457200" rtl="0" eaLnBrk="1" latinLnBrk="0" hangingPunct="1">
+              <a:spcBef>
+                <a:spcPts val="1000"/>
+              </a:spcBef>
+              <a:spcAft>
+                <a:spcPts val="0"/>
+              </a:spcAft>
+              <a:buClr>
+                <a:schemeClr val="bg2">
+                  <a:lumMod val="40000"/>
+                  <a:lumOff val="60000"/>
+                </a:schemeClr>
+              </a:buClr>
+              <a:buSzPct val="80000"/>
+              <a:buFont typeface="Wingdings 3" charset="2"/>
+              <a:buChar char=""/>
+              <a:defRPr sz="1400" b="0" i="0" kern="1200">
+                <a:solidFill>
+                  <a:schemeClr val="tx1"/>
+                </a:solidFill>
+                <a:latin typeface="+mj-lt"/>
+                <a:ea typeface="+mj-ea"/>
+                <a:cs typeface="+mj-cs"/>
+              </a:defRPr>
+            </a:lvl6pPr>
+            <a:lvl7pPr marL="2971800" indent="-228600" algn="l" defTabSz="457200" rtl="0" eaLnBrk="1" latinLnBrk="0" hangingPunct="1">
+              <a:spcBef>
+                <a:spcPts val="1000"/>
+              </a:spcBef>
+              <a:spcAft>
+                <a:spcPts val="0"/>
+              </a:spcAft>
+              <a:buClr>
+                <a:schemeClr val="bg2">
+                  <a:lumMod val="40000"/>
+                  <a:lumOff val="60000"/>
+                </a:schemeClr>
+              </a:buClr>
+              <a:buSzPct val="80000"/>
+              <a:buFont typeface="Wingdings 3" charset="2"/>
+              <a:buChar char=""/>
+              <a:defRPr sz="1400" b="0" i="0" kern="1200">
+                <a:solidFill>
+                  <a:schemeClr val="tx1"/>
+                </a:solidFill>
+                <a:latin typeface="+mj-lt"/>
+                <a:ea typeface="+mj-ea"/>
+                <a:cs typeface="+mj-cs"/>
+              </a:defRPr>
+            </a:lvl7pPr>
+            <a:lvl8pPr marL="3429000" indent="-228600" algn="l" defTabSz="457200" rtl="0" eaLnBrk="1" latinLnBrk="0" hangingPunct="1">
+              <a:spcBef>
+                <a:spcPts val="1000"/>
+              </a:spcBef>
+              <a:spcAft>
+                <a:spcPts val="0"/>
+              </a:spcAft>
+              <a:buClr>
+                <a:schemeClr val="bg2">
+                  <a:lumMod val="40000"/>
+                  <a:lumOff val="60000"/>
+                </a:schemeClr>
+              </a:buClr>
+              <a:buSzPct val="80000"/>
+              <a:buFont typeface="Wingdings 3" charset="2"/>
+              <a:buChar char=""/>
+              <a:defRPr sz="1400" b="0" i="0" kern="1200">
+                <a:solidFill>
+                  <a:schemeClr val="tx1"/>
+                </a:solidFill>
+                <a:latin typeface="+mj-lt"/>
+                <a:ea typeface="+mj-ea"/>
+                <a:cs typeface="+mj-cs"/>
+              </a:defRPr>
+            </a:lvl8pPr>
+            <a:lvl9pPr marL="3886200" indent="-228600" algn="l" defTabSz="457200" rtl="0" eaLnBrk="1" latinLnBrk="0" hangingPunct="1">
+              <a:spcBef>
+                <a:spcPts val="1000"/>
+              </a:spcBef>
+              <a:spcAft>
+                <a:spcPts val="0"/>
+              </a:spcAft>
+              <a:buClr>
+                <a:schemeClr val="bg2">
+                  <a:lumMod val="40000"/>
+                  <a:lumOff val="60000"/>
+                </a:schemeClr>
+              </a:buClr>
+              <a:buSzPct val="80000"/>
+              <a:buFont typeface="Wingdings 3" charset="2"/>
+              <a:buChar char=""/>
+              <a:defRPr sz="1400" b="0" i="0" kern="1200">
+                <a:solidFill>
+                  <a:schemeClr val="tx1"/>
+                </a:solidFill>
+                <a:latin typeface="+mj-lt"/>
+                <a:ea typeface="+mj-ea"/>
+                <a:cs typeface="+mj-cs"/>
+              </a:defRPr>
+            </a:lvl9pPr>
+          </a:lstStyle>
+          <a:p>
+            <a:r>
+              <a:rPr lang="fr-FR" dirty="0"/>
+              <a:t>Avoir une plate-forme d’informations sur les partenaires</a:t>
+            </a:r>
+          </a:p>
+          <a:p>
+            <a:r>
+              <a:rPr lang="fr-FR" dirty="0"/>
+              <a:t>Filtre des sociétés selon leurs pays, activités, fabricants, appareils exploités,…</a:t>
+            </a:r>
+          </a:p>
+          <a:p>
+            <a:r>
+              <a:rPr lang="fr-FR" dirty="0"/>
+              <a:t>Gérer la fourniture et la vente des pièces</a:t>
+            </a:r>
+          </a:p>
+          <a:p>
+            <a:r>
+              <a:rPr lang="fr-FR" dirty="0"/>
+              <a:t>Archivage des données</a:t>
+            </a:r>
+          </a:p>
+          <a:p>
+            <a:r>
+              <a:rPr lang="fr-FR" dirty="0"/>
+              <a:t>Faciliter l’accès à l’information sur l’ensemble des activités d’achat et de vente </a:t>
+            </a:r>
+          </a:p>
+        </p:txBody>
+      </p:sp>
+      <p:sp>
+        <p:nvSpPr>
           <p:cNvPr id="9" name="Rectangle 8"/>
           <p:cNvSpPr/>
           <p:nvPr/>
@@ -9523,7 +10612,7 @@
             <a:pPr algn="ctr"/>
             <a:r>
               <a:rPr lang="fr-FR" dirty="0"/>
-              <a:t>INTRODUCTION</a:t>
+              <a:t>Introduction</a:t>
             </a:r>
           </a:p>
         </p:txBody>
@@ -9570,7 +10659,7 @@
             <a:pPr algn="ctr"/>
             <a:r>
               <a:rPr lang="fr-FR" dirty="0"/>
-              <a:t>AVIACO FRANCE</a:t>
+              <a:t>AICOM</a:t>
             </a:r>
           </a:p>
         </p:txBody>
@@ -9583,8 +10672,8 @@
         </p:nvSpPr>
         <p:spPr>
           <a:xfrm>
-            <a:off x="-14510" y="2688198"/>
-            <a:ext cx="2510967" cy="1041978"/>
+            <a:off x="-14509" y="2688198"/>
+            <a:ext cx="2177150" cy="1041978"/>
           </a:xfrm>
           <a:prstGeom prst="rect">
             <a:avLst/>
@@ -9617,7 +10706,7 @@
             <a:pPr algn="ctr"/>
             <a:r>
               <a:rPr lang="fr-FR" dirty="0"/>
-              <a:t>SITE INTERNET</a:t>
+              <a:t>Site immobilier</a:t>
             </a:r>
           </a:p>
         </p:txBody>
@@ -9631,7 +10720,7 @@
         <p:spPr>
           <a:xfrm>
             <a:off x="-18425" y="3749233"/>
-            <a:ext cx="2552981" cy="967920"/>
+            <a:ext cx="2181065" cy="967920"/>
           </a:xfrm>
           <a:prstGeom prst="rect">
             <a:avLst/>
@@ -9669,7 +10758,7 @@
             <a:pPr algn="ctr"/>
             <a:r>
               <a:rPr lang="fr-FR" dirty="0"/>
-              <a:t>APPLICATION</a:t>
+              <a:t>Moteur de recherche</a:t>
             </a:r>
           </a:p>
         </p:txBody>
@@ -9683,7 +10772,7 @@
         <p:spPr>
           <a:xfrm>
             <a:off x="2191" y="5748669"/>
-            <a:ext cx="2532365" cy="1109331"/>
+            <a:ext cx="2160449" cy="1109331"/>
           </a:xfrm>
           <a:prstGeom prst="rect">
             <a:avLst/>
@@ -9716,7 +10805,7 @@
             <a:pPr algn="ctr"/>
             <a:r>
               <a:rPr lang="fr-FR" dirty="0"/>
-              <a:t>CONCLUSION</a:t>
+              <a:t>Conclusion</a:t>
             </a:r>
           </a:p>
         </p:txBody>
@@ -9730,7 +10819,7 @@
         <p:spPr>
           <a:xfrm>
             <a:off x="-9752" y="4733436"/>
-            <a:ext cx="2544308" cy="1001486"/>
+            <a:ext cx="2172392" cy="1001486"/>
           </a:xfrm>
           <a:prstGeom prst="rect">
             <a:avLst/>
@@ -9763,7 +10852,7 @@
             <a:pPr algn="ctr"/>
             <a:r>
               <a:rPr lang="fr-FR" dirty="0"/>
-              <a:t>LE STAGIAIRE</a:t>
+              <a:t>L’entreprise et moi</a:t>
             </a:r>
           </a:p>
         </p:txBody>
@@ -9819,7 +10908,7 @@
                   <a:srgbClr val="C00000"/>
                 </a:solidFill>
               </a:rPr>
-              <a:t>Objectifs</a:t>
+              <a:t>Contexte</a:t>
             </a:r>
           </a:p>
         </p:txBody>
@@ -9872,7 +10961,7 @@
             <a:r>
               <a:rPr lang="fr-FR" dirty="0">
                 <a:solidFill>
-                  <a:srgbClr val="C00000"/>
+                  <a:schemeClr val="tx1"/>
                 </a:solidFill>
               </a:rPr>
               <a:t>MCD</a:t>
@@ -9928,7 +11017,7 @@
             <a:r>
               <a:rPr lang="fr-FR" dirty="0">
                 <a:solidFill>
-                  <a:srgbClr val="C00000"/>
+                  <a:schemeClr val="tx1"/>
                 </a:solidFill>
               </a:rPr>
               <a:t>Composition</a:t>
@@ -9936,40 +11025,10 @@
           </a:p>
         </p:txBody>
       </p:sp>
-      <p:pic>
-        <p:nvPicPr>
-          <p:cNvPr id="3" name="Image 2"/>
-          <p:cNvPicPr>
-            <a:picLocks noChangeAspect="1"/>
-          </p:cNvPicPr>
-          <p:nvPr/>
-        </p:nvPicPr>
-        <p:blipFill>
-          <a:blip r:embed="rId3">
-            <a:extLst>
-              <a:ext uri="{28A0092B-C50C-407E-A947-70E740481C1C}">
-                <a14:useLocalDpi xmlns:a14="http://schemas.microsoft.com/office/drawing/2010/main" val="0"/>
-              </a:ext>
-            </a:extLst>
-          </a:blip>
-          <a:stretch>
-            <a:fillRect/>
-          </a:stretch>
-        </p:blipFill>
-        <p:spPr>
-          <a:xfrm>
-            <a:off x="3291882" y="1333500"/>
-            <a:ext cx="7820618" cy="5118100"/>
-          </a:xfrm>
-          <a:prstGeom prst="rect">
-            <a:avLst/>
-          </a:prstGeom>
-        </p:spPr>
-      </p:pic>
     </p:spTree>
     <p:extLst>
       <p:ext uri="{BB962C8B-B14F-4D97-AF65-F5344CB8AC3E}">
-        <p14:creationId xmlns:p14="http://schemas.microsoft.com/office/powerpoint/2010/main" val="2992446524"/>
+        <p14:creationId xmlns:p14="http://schemas.microsoft.com/office/powerpoint/2010/main" val="1869359849"/>
       </p:ext>
     </p:extLst>
   </p:cSld>
@@ -10000,7 +11059,7 @@
                             </p:stCondLst>
                             <p:childTnLst>
                               <p:par>
-                                <p:cTn id="5" presetID="22" presetClass="entr" presetSubtype="8" fill="hold" nodeType="afterEffect">
+                                <p:cTn id="5" presetID="22" presetClass="entr" presetSubtype="8" fill="hold" grpId="0" nodeType="afterEffect">
                                   <p:stCondLst>
                                     <p:cond delay="0"/>
                                   </p:stCondLst>
@@ -10013,7 +11072,7 @@
                                           </p:stCondLst>
                                         </p:cTn>
                                         <p:tgtEl>
-                                          <p:spTgt spid="3"/>
+                                          <p:spTgt spid="6"/>
                                         </p:tgtEl>
                                         <p:attrNameLst>
                                           <p:attrName>style.visibility</p:attrName>
@@ -10027,7 +11086,7 @@
                                       <p:cBhvr>
                                         <p:cTn id="7" dur="1000"/>
                                         <p:tgtEl>
-                                          <p:spTgt spid="3"/>
+                                          <p:spTgt spid="6"/>
                                         </p:tgtEl>
                                       </p:cBhvr>
                                     </p:animEffect>
@@ -10061,679 +11120,9 @@
         </p:cTn>
       </p:par>
     </p:tnLst>
-  </p:timing>
-</p:sld>
-</file>
-
-<file path=ppt/slides/slide12.xml><?xml version="1.0" encoding="utf-8"?>
-<p:sld xmlns:a="http://schemas.openxmlformats.org/drawingml/2006/main" xmlns:r="http://schemas.openxmlformats.org/officeDocument/2006/relationships" xmlns:p="http://schemas.openxmlformats.org/presentationml/2006/main">
-  <p:cSld>
-    <p:spTree>
-      <p:nvGrpSpPr>
-        <p:cNvPr id="1" name=""/>
-        <p:cNvGrpSpPr/>
-        <p:nvPr/>
-      </p:nvGrpSpPr>
-      <p:grpSpPr>
-        <a:xfrm>
-          <a:off x="0" y="0"/>
-          <a:ext cx="0" cy="0"/>
-          <a:chOff x="0" y="0"/>
-          <a:chExt cx="0" cy="0"/>
-        </a:xfrm>
-      </p:grpSpPr>
-      <p:sp>
-        <p:nvSpPr>
-          <p:cNvPr id="4" name="ZoneTexte 3"/>
-          <p:cNvSpPr txBox="1"/>
-          <p:nvPr/>
-        </p:nvSpPr>
-        <p:spPr>
-          <a:xfrm>
-            <a:off x="10573555" y="371083"/>
-            <a:ext cx="441146" cy="369332"/>
-          </a:xfrm>
-          <a:prstGeom prst="rect">
-            <a:avLst/>
-          </a:prstGeom>
-          <a:noFill/>
-        </p:spPr>
-        <p:txBody>
-          <a:bodyPr wrap="none" rtlCol="0">
-            <a:spAutoFit/>
-          </a:bodyPr>
-          <a:lstStyle/>
-          <a:p>
-            <a:r>
-              <a:rPr lang="fr-FR" dirty="0"/>
-              <a:t>04</a:t>
-            </a:r>
-          </a:p>
-        </p:txBody>
-      </p:sp>
-      <p:sp>
-        <p:nvSpPr>
-          <p:cNvPr id="9" name="Rectangle 8"/>
-          <p:cNvSpPr/>
-          <p:nvPr/>
-        </p:nvSpPr>
-        <p:spPr>
-          <a:xfrm>
-            <a:off x="-14503" y="0"/>
-            <a:ext cx="2177143" cy="6858000"/>
-          </a:xfrm>
-          <a:prstGeom prst="rect">
-            <a:avLst/>
-          </a:prstGeom>
-          <a:ln>
-            <a:noFill/>
-          </a:ln>
-        </p:spPr>
-        <p:style>
-          <a:lnRef idx="2">
-            <a:schemeClr val="accent1">
-              <a:shade val="50000"/>
-            </a:schemeClr>
-          </a:lnRef>
-          <a:fillRef idx="1">
-            <a:schemeClr val="accent1"/>
-          </a:fillRef>
-          <a:effectRef idx="0">
-            <a:schemeClr val="accent1"/>
-          </a:effectRef>
-          <a:fontRef idx="minor">
-            <a:schemeClr val="lt1"/>
-          </a:fontRef>
-        </p:style>
-        <p:txBody>
-          <a:bodyPr rtlCol="0" anchor="ctr"/>
-          <a:lstStyle/>
-          <a:p>
-            <a:pPr algn="ctr"/>
-            <a:endParaRPr lang="fr-FR"/>
-          </a:p>
-        </p:txBody>
-      </p:sp>
-      <p:sp>
-        <p:nvSpPr>
-          <p:cNvPr id="10" name="Rectangle 9"/>
-          <p:cNvSpPr/>
-          <p:nvPr/>
-        </p:nvSpPr>
-        <p:spPr>
-          <a:xfrm>
-            <a:off x="-10509" y="-14513"/>
-            <a:ext cx="2318280" cy="1483506"/>
-          </a:xfrm>
-          <a:prstGeom prst="rect">
-            <a:avLst/>
-          </a:prstGeom>
-          <a:noFill/>
-          <a:ln>
-            <a:noFill/>
-          </a:ln>
-        </p:spPr>
-        <p:style>
-          <a:lnRef idx="2">
-            <a:schemeClr val="accent1">
-              <a:shade val="50000"/>
-            </a:schemeClr>
-          </a:lnRef>
-          <a:fillRef idx="1">
-            <a:schemeClr val="accent1"/>
-          </a:fillRef>
-          <a:effectRef idx="0">
-            <a:schemeClr val="accent1"/>
-          </a:effectRef>
-          <a:fontRef idx="minor">
-            <a:schemeClr val="lt1"/>
-          </a:fontRef>
-        </p:style>
-        <p:txBody>
-          <a:bodyPr rtlCol="0" anchor="ctr"/>
-          <a:lstStyle/>
-          <a:p>
-            <a:pPr algn="ctr"/>
-            <a:r>
-              <a:rPr lang="fr-FR" dirty="0"/>
-              <a:t>INTRODUCTION</a:t>
-            </a:r>
-          </a:p>
-        </p:txBody>
-      </p:sp>
-      <p:sp>
-        <p:nvSpPr>
-          <p:cNvPr id="12" name="Rectangle 11"/>
-          <p:cNvSpPr/>
-          <p:nvPr/>
-        </p:nvSpPr>
-        <p:spPr>
-          <a:xfrm>
-            <a:off x="-12515" y="1483507"/>
-            <a:ext cx="2320286" cy="1187122"/>
-          </a:xfrm>
-          <a:prstGeom prst="rect">
-            <a:avLst/>
-          </a:prstGeom>
-          <a:noFill/>
-          <a:ln>
-            <a:noFill/>
-          </a:ln>
-        </p:spPr>
-        <p:style>
-          <a:lnRef idx="2">
-            <a:schemeClr val="accent1">
-              <a:shade val="50000"/>
-            </a:schemeClr>
-          </a:lnRef>
-          <a:fillRef idx="1">
-            <a:schemeClr val="accent1"/>
-          </a:fillRef>
-          <a:effectRef idx="0">
-            <a:schemeClr val="accent1"/>
-          </a:effectRef>
-          <a:fontRef idx="minor">
-            <a:schemeClr val="lt1"/>
-          </a:fontRef>
-        </p:style>
-        <p:txBody>
-          <a:bodyPr rtlCol="0" anchor="ctr"/>
-          <a:lstStyle/>
-          <a:p>
-            <a:pPr algn="ctr"/>
-            <a:r>
-              <a:rPr lang="fr-FR" dirty="0"/>
-              <a:t>AVIACO FRANCE</a:t>
-            </a:r>
-          </a:p>
-        </p:txBody>
-      </p:sp>
-      <p:sp>
-        <p:nvSpPr>
-          <p:cNvPr id="2" name="Rectangle 1"/>
-          <p:cNvSpPr/>
-          <p:nvPr/>
-        </p:nvSpPr>
-        <p:spPr>
-          <a:xfrm>
-            <a:off x="-14510" y="2688198"/>
-            <a:ext cx="2510967" cy="1041978"/>
-          </a:xfrm>
-          <a:prstGeom prst="rect">
-            <a:avLst/>
-          </a:prstGeom>
-          <a:noFill/>
-          <a:ln>
-            <a:noFill/>
-          </a:ln>
-        </p:spPr>
-        <p:style>
-          <a:lnRef idx="2">
-            <a:schemeClr val="accent1">
-              <a:shade val="50000"/>
-            </a:schemeClr>
-          </a:lnRef>
-          <a:fillRef idx="1">
-            <a:schemeClr val="accent1"/>
-          </a:fillRef>
-          <a:effectRef idx="0">
-            <a:schemeClr val="accent1"/>
-          </a:effectRef>
-          <a:fontRef idx="minor">
-            <a:schemeClr val="lt1"/>
-          </a:fontRef>
-        </p:style>
-        <p:txBody>
-          <a:bodyPr rtlCol="0" anchor="ctr"/>
-          <a:lstStyle/>
-          <a:p>
-            <a:pPr algn="ctr"/>
-            <a:r>
-              <a:rPr lang="fr-FR" dirty="0"/>
-              <a:t>SITE INTERNET</a:t>
-            </a:r>
-          </a:p>
-        </p:txBody>
-      </p:sp>
-      <p:sp>
-        <p:nvSpPr>
-          <p:cNvPr id="5" name="Rectangle 4"/>
-          <p:cNvSpPr/>
-          <p:nvPr/>
-        </p:nvSpPr>
-        <p:spPr>
-          <a:xfrm>
-            <a:off x="-18425" y="3749233"/>
-            <a:ext cx="2552981" cy="967920"/>
-          </a:xfrm>
-          <a:prstGeom prst="rect">
-            <a:avLst/>
-          </a:prstGeom>
-          <a:blipFill>
-            <a:blip r:embed="rId2"/>
-            <a:stretch>
-              <a:fillRect/>
-            </a:stretch>
-          </a:blipFill>
-          <a:ln>
-            <a:noFill/>
-          </a:ln>
-        </p:spPr>
-        <p:style>
-          <a:lnRef idx="2">
-            <a:schemeClr val="accent1">
-              <a:shade val="50000"/>
-            </a:schemeClr>
-          </a:lnRef>
-          <a:fillRef idx="1">
-            <a:schemeClr val="accent1"/>
-          </a:fillRef>
-          <a:effectRef idx="0">
-            <a:schemeClr val="accent1"/>
-          </a:effectRef>
-          <a:fontRef idx="minor">
-            <a:schemeClr val="lt1"/>
-          </a:fontRef>
-        </p:style>
-        <p:txBody>
-          <a:bodyPr rtlCol="0" anchor="ctr"/>
-          <a:lstStyle/>
-          <a:p>
-            <a:pPr algn="ctr"/>
-            <a:r>
-              <a:rPr lang="fr-FR" dirty="0"/>
-              <a:t>APPLICATION</a:t>
-            </a:r>
-          </a:p>
-        </p:txBody>
-      </p:sp>
-      <p:sp>
-        <p:nvSpPr>
-          <p:cNvPr id="7" name="Rectangle 6"/>
-          <p:cNvSpPr/>
-          <p:nvPr/>
-        </p:nvSpPr>
-        <p:spPr>
-          <a:xfrm>
-            <a:off x="2191" y="5748669"/>
-            <a:ext cx="2532365" cy="1109331"/>
-          </a:xfrm>
-          <a:prstGeom prst="rect">
-            <a:avLst/>
-          </a:prstGeom>
-          <a:noFill/>
-          <a:ln>
-            <a:noFill/>
-          </a:ln>
-        </p:spPr>
-        <p:style>
-          <a:lnRef idx="2">
-            <a:schemeClr val="accent1">
-              <a:shade val="50000"/>
-            </a:schemeClr>
-          </a:lnRef>
-          <a:fillRef idx="1">
-            <a:schemeClr val="accent1"/>
-          </a:fillRef>
-          <a:effectRef idx="0">
-            <a:schemeClr val="accent1"/>
-          </a:effectRef>
-          <a:fontRef idx="minor">
-            <a:schemeClr val="lt1"/>
-          </a:fontRef>
-        </p:style>
-        <p:txBody>
-          <a:bodyPr rtlCol="0" anchor="ctr"/>
-          <a:lstStyle/>
-          <a:p>
-            <a:pPr algn="ctr"/>
-            <a:r>
-              <a:rPr lang="fr-FR" dirty="0"/>
-              <a:t>CONCLUSION</a:t>
-            </a:r>
-          </a:p>
-        </p:txBody>
-      </p:sp>
-      <p:sp>
-        <p:nvSpPr>
-          <p:cNvPr id="8" name="Rectangle 7"/>
-          <p:cNvSpPr/>
-          <p:nvPr/>
-        </p:nvSpPr>
-        <p:spPr>
-          <a:xfrm>
-            <a:off x="-9752" y="4733436"/>
-            <a:ext cx="2544308" cy="1001486"/>
-          </a:xfrm>
-          <a:prstGeom prst="rect">
-            <a:avLst/>
-          </a:prstGeom>
-          <a:noFill/>
-          <a:ln>
-            <a:noFill/>
-          </a:ln>
-        </p:spPr>
-        <p:style>
-          <a:lnRef idx="2">
-            <a:schemeClr val="accent1">
-              <a:shade val="50000"/>
-            </a:schemeClr>
-          </a:lnRef>
-          <a:fillRef idx="1">
-            <a:schemeClr val="accent1"/>
-          </a:fillRef>
-          <a:effectRef idx="0">
-            <a:schemeClr val="accent1"/>
-          </a:effectRef>
-          <a:fontRef idx="minor">
-            <a:schemeClr val="lt1"/>
-          </a:fontRef>
-        </p:style>
-        <p:txBody>
-          <a:bodyPr rtlCol="0" anchor="ctr"/>
-          <a:lstStyle/>
-          <a:p>
-            <a:pPr algn="ctr"/>
-            <a:r>
-              <a:rPr lang="fr-FR" dirty="0"/>
-              <a:t>LE STAGIAIRE</a:t>
-            </a:r>
-          </a:p>
-        </p:txBody>
-      </p:sp>
-      <p:sp>
-        <p:nvSpPr>
-          <p:cNvPr id="19" name="Rectangle 18"/>
-          <p:cNvSpPr/>
-          <p:nvPr/>
-        </p:nvSpPr>
-        <p:spPr>
-          <a:xfrm>
-            <a:off x="3291882" y="506014"/>
-            <a:ext cx="1619331" cy="442452"/>
-          </a:xfrm>
-          <a:prstGeom prst="rect">
-            <a:avLst/>
-          </a:prstGeom>
-          <a:solidFill>
-            <a:schemeClr val="bg2">
-              <a:lumMod val="60000"/>
-              <a:lumOff val="40000"/>
-            </a:schemeClr>
-          </a:solidFill>
-          <a:ln>
-            <a:noFill/>
-          </a:ln>
-        </p:spPr>
-        <p:style>
-          <a:lnRef idx="2">
-            <a:schemeClr val="accent1">
-              <a:shade val="50000"/>
-            </a:schemeClr>
-          </a:lnRef>
-          <a:fillRef idx="1">
-            <a:schemeClr val="accent1"/>
-          </a:fillRef>
-          <a:effectRef idx="0">
-            <a:schemeClr val="accent1"/>
-          </a:effectRef>
-          <a:fontRef idx="minor">
-            <a:schemeClr val="lt1"/>
-          </a:fontRef>
-        </p:style>
-        <p:txBody>
-          <a:bodyPr rtlCol="0" anchor="ctr"/>
-          <a:lstStyle/>
-          <a:p>
-            <a:pPr algn="ctr"/>
-            <a:r>
-              <a:rPr lang="fr-FR" dirty="0">
-                <a:solidFill>
-                  <a:srgbClr val="C00000"/>
-                </a:solidFill>
-              </a:rPr>
-              <a:t>Objectifs</a:t>
-            </a:r>
-          </a:p>
-        </p:txBody>
-      </p:sp>
-      <p:sp>
-        <p:nvSpPr>
-          <p:cNvPr id="20" name="Rectangle 19"/>
-          <p:cNvSpPr/>
-          <p:nvPr/>
-        </p:nvSpPr>
-        <p:spPr>
-          <a:xfrm>
-            <a:off x="4911213" y="506014"/>
-            <a:ext cx="1619331" cy="442452"/>
-          </a:xfrm>
-          <a:prstGeom prst="rect">
-            <a:avLst/>
-          </a:prstGeom>
-          <a:solidFill>
-            <a:schemeClr val="bg2">
-              <a:lumMod val="60000"/>
-              <a:lumOff val="40000"/>
-            </a:schemeClr>
-          </a:solidFill>
-          <a:ln>
-            <a:noFill/>
-          </a:ln>
-        </p:spPr>
-        <p:style>
-          <a:lnRef idx="2">
-            <a:schemeClr val="accent1">
-              <a:shade val="50000"/>
-            </a:schemeClr>
-          </a:lnRef>
-          <a:fillRef idx="1">
-            <a:schemeClr val="accent1"/>
-          </a:fillRef>
-          <a:effectRef idx="0">
-            <a:schemeClr val="accent1"/>
-          </a:effectRef>
-          <a:fontRef idx="minor">
-            <a:schemeClr val="lt1"/>
-          </a:fontRef>
-        </p:style>
-        <p:txBody>
-          <a:bodyPr rtlCol="0" anchor="ctr"/>
-          <a:lstStyle/>
-          <a:p>
-            <a:pPr algn="ctr"/>
-            <a:r>
-              <a:rPr lang="fr-FR" dirty="0">
-                <a:solidFill>
-                  <a:srgbClr val="C00000"/>
-                </a:solidFill>
-              </a:rPr>
-              <a:t>MCD</a:t>
-            </a:r>
-          </a:p>
-        </p:txBody>
-      </p:sp>
-      <p:sp>
-        <p:nvSpPr>
-          <p:cNvPr id="21" name="Rectangle 20"/>
-          <p:cNvSpPr/>
-          <p:nvPr/>
-        </p:nvSpPr>
-        <p:spPr>
-          <a:xfrm>
-            <a:off x="6458937" y="506014"/>
-            <a:ext cx="1844406" cy="442452"/>
-          </a:xfrm>
-          <a:prstGeom prst="rect">
-            <a:avLst/>
-          </a:prstGeom>
-          <a:solidFill>
-            <a:schemeClr val="bg2">
-              <a:lumMod val="60000"/>
-              <a:lumOff val="40000"/>
-            </a:schemeClr>
-          </a:solidFill>
-          <a:ln>
-            <a:noFill/>
-          </a:ln>
-        </p:spPr>
-        <p:style>
-          <a:lnRef idx="2">
-            <a:schemeClr val="accent1">
-              <a:shade val="50000"/>
-            </a:schemeClr>
-          </a:lnRef>
-          <a:fillRef idx="1">
-            <a:schemeClr val="accent1"/>
-          </a:fillRef>
-          <a:effectRef idx="0">
-            <a:schemeClr val="accent1"/>
-          </a:effectRef>
-          <a:fontRef idx="minor">
-            <a:schemeClr val="lt1"/>
-          </a:fontRef>
-        </p:style>
-        <p:txBody>
-          <a:bodyPr rtlCol="0" anchor="ctr"/>
-          <a:lstStyle/>
-          <a:p>
-            <a:pPr algn="ctr"/>
-            <a:r>
-              <a:rPr lang="fr-FR" dirty="0">
-                <a:solidFill>
-                  <a:srgbClr val="C00000"/>
-                </a:solidFill>
-              </a:rPr>
-              <a:t>Composition</a:t>
-            </a:r>
-          </a:p>
-        </p:txBody>
-      </p:sp>
-      <p:pic>
-        <p:nvPicPr>
-          <p:cNvPr id="3" name="Image 2"/>
-          <p:cNvPicPr>
-            <a:picLocks noChangeAspect="1"/>
-          </p:cNvPicPr>
-          <p:nvPr/>
-        </p:nvPicPr>
-        <p:blipFill>
-          <a:blip r:embed="rId3">
-            <a:extLst>
-              <a:ext uri="{28A0092B-C50C-407E-A947-70E740481C1C}">
-                <a14:useLocalDpi xmlns:a14="http://schemas.microsoft.com/office/drawing/2010/main" val="0"/>
-              </a:ext>
-            </a:extLst>
-          </a:blip>
-          <a:stretch>
-            <a:fillRect/>
-          </a:stretch>
-        </p:blipFill>
-        <p:spPr>
-          <a:xfrm>
-            <a:off x="2413747" y="1313645"/>
-            <a:ext cx="8698753" cy="5215944"/>
-          </a:xfrm>
-          <a:prstGeom prst="rect">
-            <a:avLst/>
-          </a:prstGeom>
-        </p:spPr>
-      </p:pic>
-    </p:spTree>
-    <p:extLst>
-      <p:ext uri="{BB962C8B-B14F-4D97-AF65-F5344CB8AC3E}">
-        <p14:creationId xmlns:p14="http://schemas.microsoft.com/office/powerpoint/2010/main" val="1594490127"/>
-      </p:ext>
-    </p:extLst>
-  </p:cSld>
-  <p:clrMapOvr>
-    <a:masterClrMapping/>
-  </p:clrMapOvr>
-  <p:timing>
-    <p:tnLst>
-      <p:par>
-        <p:cTn id="1" dur="indefinite" restart="never" nodeType="tmRoot">
-          <p:childTnLst>
-            <p:seq concurrent="1" nextAc="seek">
-              <p:cTn id="2" dur="indefinite" nodeType="mainSeq">
-                <p:childTnLst>
-                  <p:par>
-                    <p:cTn id="3" fill="hold">
-                      <p:stCondLst>
-                        <p:cond delay="indefinite"/>
-                        <p:cond evt="onBegin" delay="0">
-                          <p:tn val="2"/>
-                        </p:cond>
-                      </p:stCondLst>
-                      <p:childTnLst>
-                        <p:par>
-                          <p:cTn id="4" fill="hold">
-                            <p:stCondLst>
-                              <p:cond delay="0"/>
-                            </p:stCondLst>
-                            <p:childTnLst>
-                              <p:par>
-                                <p:cTn id="5" presetID="22" presetClass="entr" presetSubtype="8" fill="hold" nodeType="afterEffect">
-                                  <p:stCondLst>
-                                    <p:cond delay="0"/>
-                                  </p:stCondLst>
-                                  <p:childTnLst>
-                                    <p:set>
-                                      <p:cBhvr>
-                                        <p:cTn id="6" dur="1" fill="hold">
-                                          <p:stCondLst>
-                                            <p:cond delay="0"/>
-                                          </p:stCondLst>
-                                        </p:cTn>
-                                        <p:tgtEl>
-                                          <p:spTgt spid="3"/>
-                                        </p:tgtEl>
-                                        <p:attrNameLst>
-                                          <p:attrName>style.visibility</p:attrName>
-                                        </p:attrNameLst>
-                                      </p:cBhvr>
-                                      <p:to>
-                                        <p:strVal val="visible"/>
-                                      </p:to>
-                                    </p:set>
-                                    <p:animEffect transition="in" filter="wipe(left)">
-                                      <p:cBhvr>
-                                        <p:cTn id="7" dur="1000"/>
-                                        <p:tgtEl>
-                                          <p:spTgt spid="3"/>
-                                        </p:tgtEl>
-                                      </p:cBhvr>
-                                    </p:animEffect>
-                                  </p:childTnLst>
-                                </p:cTn>
-                              </p:par>
-                            </p:childTnLst>
-                          </p:cTn>
-                        </p:par>
-                      </p:childTnLst>
-                    </p:cTn>
-                  </p:par>
-                </p:childTnLst>
-              </p:cTn>
-              <p:prevCondLst>
-                <p:cond evt="onPrev" delay="0">
-                  <p:tgtEl>
-                    <p:sldTgt/>
-                  </p:tgtEl>
-                </p:cond>
-              </p:prevCondLst>
-              <p:nextCondLst>
-                <p:cond evt="onNext" delay="0">
-                  <p:tgtEl>
-                    <p:sldTgt/>
-                  </p:tgtEl>
-                </p:cond>
-              </p:nextCondLst>
-            </p:seq>
-          </p:childTnLst>
-        </p:cTn>
-      </p:par>
-    </p:tnLst>
+    <p:bldLst>
+      <p:bldP spid="6" grpId="0"/>
+    </p:bldLst>
   </p:timing>
 </p:sld>
 </file>
@@ -10836,7 +11225,7 @@
         <p:spPr>
           <a:xfrm>
             <a:off x="-10509" y="-14513"/>
-            <a:ext cx="2318280" cy="1483506"/>
+            <a:ext cx="2171786" cy="1483506"/>
           </a:xfrm>
           <a:prstGeom prst="rect">
             <a:avLst/>
@@ -10883,7 +11272,7 @@
         <p:spPr>
           <a:xfrm>
             <a:off x="-12515" y="1483507"/>
-            <a:ext cx="2320286" cy="1187122"/>
+            <a:ext cx="2173792" cy="1187122"/>
           </a:xfrm>
           <a:prstGeom prst="rect">
             <a:avLst/>
@@ -10916,7 +11305,7 @@
             <a:pPr algn="ctr"/>
             <a:r>
               <a:rPr lang="fr-FR" dirty="0"/>
-              <a:t>AVIACO FRANCE</a:t>
+              <a:t>AICOM</a:t>
             </a:r>
           </a:p>
         </p:txBody>
@@ -10930,7 +11319,7 @@
         <p:spPr>
           <a:xfrm>
             <a:off x="-14510" y="2688198"/>
-            <a:ext cx="2510967" cy="1041978"/>
+            <a:ext cx="2175787" cy="1041978"/>
           </a:xfrm>
           <a:prstGeom prst="rect">
             <a:avLst/>
@@ -10963,7 +11352,7 @@
             <a:pPr algn="ctr"/>
             <a:r>
               <a:rPr lang="fr-FR" dirty="0"/>
-              <a:t>SITE INTERNET</a:t>
+              <a:t>PROJETS</a:t>
             </a:r>
           </a:p>
         </p:txBody>
@@ -10976,8 +11365,8 @@
         </p:nvSpPr>
         <p:spPr>
           <a:xfrm>
-            <a:off x="-18425" y="3749233"/>
-            <a:ext cx="2552981" cy="967920"/>
+            <a:off x="-18424" y="3749233"/>
+            <a:ext cx="2179702" cy="967920"/>
           </a:xfrm>
           <a:prstGeom prst="rect">
             <a:avLst/>
@@ -11076,7 +11465,7 @@
         <p:spPr>
           <a:xfrm>
             <a:off x="-9752" y="4733436"/>
-            <a:ext cx="2544308" cy="1001486"/>
+            <a:ext cx="2171029" cy="1001486"/>
           </a:xfrm>
           <a:prstGeom prst="rect">
             <a:avLst/>
@@ -11274,7 +11663,7 @@
             <a:r>
               <a:rPr lang="fr-FR" dirty="0">
                 <a:solidFill>
-                  <a:srgbClr val="C00000"/>
+                  <a:schemeClr val="tx1"/>
                 </a:solidFill>
               </a:rPr>
               <a:t>Composition</a:t>
@@ -11304,8 +11693,8 @@
         </p:blipFill>
         <p:spPr>
           <a:xfrm>
-            <a:off x="2534556" y="1550046"/>
-            <a:ext cx="9174844" cy="4850754"/>
+            <a:off x="3291882" y="1236449"/>
+            <a:ext cx="7822586" cy="5385578"/>
           </a:xfrm>
           <a:prstGeom prst="rect">
             <a:avLst/>
@@ -11315,7 +11704,7 @@
     </p:spTree>
     <p:extLst>
       <p:ext uri="{BB962C8B-B14F-4D97-AF65-F5344CB8AC3E}">
-        <p14:creationId xmlns:p14="http://schemas.microsoft.com/office/powerpoint/2010/main" val="4156491817"/>
+        <p14:creationId xmlns:p14="http://schemas.microsoft.com/office/powerpoint/2010/main" val="2389593961"/>
       </p:ext>
     </p:extLst>
   </p:cSld>
@@ -11977,6 +12366,2025 @@
         </p:blipFill>
         <p:spPr>
           <a:xfrm>
+            <a:off x="3291882" y="1333500"/>
+            <a:ext cx="7820618" cy="5118100"/>
+          </a:xfrm>
+          <a:prstGeom prst="rect">
+            <a:avLst/>
+          </a:prstGeom>
+        </p:spPr>
+      </p:pic>
+    </p:spTree>
+    <p:extLst>
+      <p:ext uri="{BB962C8B-B14F-4D97-AF65-F5344CB8AC3E}">
+        <p14:creationId xmlns:p14="http://schemas.microsoft.com/office/powerpoint/2010/main" val="2992446524"/>
+      </p:ext>
+    </p:extLst>
+  </p:cSld>
+  <p:clrMapOvr>
+    <a:masterClrMapping/>
+  </p:clrMapOvr>
+  <p:timing>
+    <p:tnLst>
+      <p:par>
+        <p:cTn id="1" dur="indefinite" restart="never" nodeType="tmRoot">
+          <p:childTnLst>
+            <p:seq concurrent="1" nextAc="seek">
+              <p:cTn id="2" dur="indefinite" nodeType="mainSeq">
+                <p:childTnLst>
+                  <p:par>
+                    <p:cTn id="3" fill="hold">
+                      <p:stCondLst>
+                        <p:cond delay="indefinite"/>
+                        <p:cond evt="onBegin" delay="0">
+                          <p:tn val="2"/>
+                        </p:cond>
+                      </p:stCondLst>
+                      <p:childTnLst>
+                        <p:par>
+                          <p:cTn id="4" fill="hold">
+                            <p:stCondLst>
+                              <p:cond delay="0"/>
+                            </p:stCondLst>
+                            <p:childTnLst>
+                              <p:par>
+                                <p:cTn id="5" presetID="22" presetClass="entr" presetSubtype="8" fill="hold" nodeType="afterEffect">
+                                  <p:stCondLst>
+                                    <p:cond delay="0"/>
+                                  </p:stCondLst>
+                                  <p:childTnLst>
+                                    <p:set>
+                                      <p:cBhvr>
+                                        <p:cTn id="6" dur="1" fill="hold">
+                                          <p:stCondLst>
+                                            <p:cond delay="0"/>
+                                          </p:stCondLst>
+                                        </p:cTn>
+                                        <p:tgtEl>
+                                          <p:spTgt spid="3"/>
+                                        </p:tgtEl>
+                                        <p:attrNameLst>
+                                          <p:attrName>style.visibility</p:attrName>
+                                        </p:attrNameLst>
+                                      </p:cBhvr>
+                                      <p:to>
+                                        <p:strVal val="visible"/>
+                                      </p:to>
+                                    </p:set>
+                                    <p:animEffect transition="in" filter="wipe(left)">
+                                      <p:cBhvr>
+                                        <p:cTn id="7" dur="1000"/>
+                                        <p:tgtEl>
+                                          <p:spTgt spid="3"/>
+                                        </p:tgtEl>
+                                      </p:cBhvr>
+                                    </p:animEffect>
+                                  </p:childTnLst>
+                                </p:cTn>
+                              </p:par>
+                            </p:childTnLst>
+                          </p:cTn>
+                        </p:par>
+                      </p:childTnLst>
+                    </p:cTn>
+                  </p:par>
+                </p:childTnLst>
+              </p:cTn>
+              <p:prevCondLst>
+                <p:cond evt="onPrev" delay="0">
+                  <p:tgtEl>
+                    <p:sldTgt/>
+                  </p:tgtEl>
+                </p:cond>
+              </p:prevCondLst>
+              <p:nextCondLst>
+                <p:cond evt="onNext" delay="0">
+                  <p:tgtEl>
+                    <p:sldTgt/>
+                  </p:tgtEl>
+                </p:cond>
+              </p:nextCondLst>
+            </p:seq>
+          </p:childTnLst>
+        </p:cTn>
+      </p:par>
+    </p:tnLst>
+  </p:timing>
+</p:sld>
+</file>
+
+<file path=ppt/slides/slide15.xml><?xml version="1.0" encoding="utf-8"?>
+<p:sld xmlns:a="http://schemas.openxmlformats.org/drawingml/2006/main" xmlns:r="http://schemas.openxmlformats.org/officeDocument/2006/relationships" xmlns:p="http://schemas.openxmlformats.org/presentationml/2006/main">
+  <p:cSld>
+    <p:spTree>
+      <p:nvGrpSpPr>
+        <p:cNvPr id="1" name=""/>
+        <p:cNvGrpSpPr/>
+        <p:nvPr/>
+      </p:nvGrpSpPr>
+      <p:grpSpPr>
+        <a:xfrm>
+          <a:off x="0" y="0"/>
+          <a:ext cx="0" cy="0"/>
+          <a:chOff x="0" y="0"/>
+          <a:chExt cx="0" cy="0"/>
+        </a:xfrm>
+      </p:grpSpPr>
+      <p:sp>
+        <p:nvSpPr>
+          <p:cNvPr id="4" name="ZoneTexte 3"/>
+          <p:cNvSpPr txBox="1"/>
+          <p:nvPr/>
+        </p:nvSpPr>
+        <p:spPr>
+          <a:xfrm>
+            <a:off x="10573555" y="371083"/>
+            <a:ext cx="441146" cy="369332"/>
+          </a:xfrm>
+          <a:prstGeom prst="rect">
+            <a:avLst/>
+          </a:prstGeom>
+          <a:noFill/>
+        </p:spPr>
+        <p:txBody>
+          <a:bodyPr wrap="none" rtlCol="0">
+            <a:spAutoFit/>
+          </a:bodyPr>
+          <a:lstStyle/>
+          <a:p>
+            <a:r>
+              <a:rPr lang="fr-FR" dirty="0"/>
+              <a:t>04</a:t>
+            </a:r>
+          </a:p>
+        </p:txBody>
+      </p:sp>
+      <p:sp>
+        <p:nvSpPr>
+          <p:cNvPr id="9" name="Rectangle 8"/>
+          <p:cNvSpPr/>
+          <p:nvPr/>
+        </p:nvSpPr>
+        <p:spPr>
+          <a:xfrm>
+            <a:off x="-14503" y="0"/>
+            <a:ext cx="2177143" cy="6858000"/>
+          </a:xfrm>
+          <a:prstGeom prst="rect">
+            <a:avLst/>
+          </a:prstGeom>
+          <a:ln>
+            <a:noFill/>
+          </a:ln>
+        </p:spPr>
+        <p:style>
+          <a:lnRef idx="2">
+            <a:schemeClr val="accent1">
+              <a:shade val="50000"/>
+            </a:schemeClr>
+          </a:lnRef>
+          <a:fillRef idx="1">
+            <a:schemeClr val="accent1"/>
+          </a:fillRef>
+          <a:effectRef idx="0">
+            <a:schemeClr val="accent1"/>
+          </a:effectRef>
+          <a:fontRef idx="minor">
+            <a:schemeClr val="lt1"/>
+          </a:fontRef>
+        </p:style>
+        <p:txBody>
+          <a:bodyPr rtlCol="0" anchor="ctr"/>
+          <a:lstStyle/>
+          <a:p>
+            <a:pPr algn="ctr"/>
+            <a:endParaRPr lang="fr-FR"/>
+          </a:p>
+        </p:txBody>
+      </p:sp>
+      <p:sp>
+        <p:nvSpPr>
+          <p:cNvPr id="10" name="Rectangle 9"/>
+          <p:cNvSpPr/>
+          <p:nvPr/>
+        </p:nvSpPr>
+        <p:spPr>
+          <a:xfrm>
+            <a:off x="-10509" y="-14513"/>
+            <a:ext cx="2318280" cy="1483506"/>
+          </a:xfrm>
+          <a:prstGeom prst="rect">
+            <a:avLst/>
+          </a:prstGeom>
+          <a:noFill/>
+          <a:ln>
+            <a:noFill/>
+          </a:ln>
+        </p:spPr>
+        <p:style>
+          <a:lnRef idx="2">
+            <a:schemeClr val="accent1">
+              <a:shade val="50000"/>
+            </a:schemeClr>
+          </a:lnRef>
+          <a:fillRef idx="1">
+            <a:schemeClr val="accent1"/>
+          </a:fillRef>
+          <a:effectRef idx="0">
+            <a:schemeClr val="accent1"/>
+          </a:effectRef>
+          <a:fontRef idx="minor">
+            <a:schemeClr val="lt1"/>
+          </a:fontRef>
+        </p:style>
+        <p:txBody>
+          <a:bodyPr rtlCol="0" anchor="ctr"/>
+          <a:lstStyle/>
+          <a:p>
+            <a:pPr algn="ctr"/>
+            <a:r>
+              <a:rPr lang="fr-FR" dirty="0"/>
+              <a:t>INTRODUCTION</a:t>
+            </a:r>
+          </a:p>
+        </p:txBody>
+      </p:sp>
+      <p:sp>
+        <p:nvSpPr>
+          <p:cNvPr id="12" name="Rectangle 11"/>
+          <p:cNvSpPr/>
+          <p:nvPr/>
+        </p:nvSpPr>
+        <p:spPr>
+          <a:xfrm>
+            <a:off x="-12515" y="1483507"/>
+            <a:ext cx="2320286" cy="1187122"/>
+          </a:xfrm>
+          <a:prstGeom prst="rect">
+            <a:avLst/>
+          </a:prstGeom>
+          <a:noFill/>
+          <a:ln>
+            <a:noFill/>
+          </a:ln>
+        </p:spPr>
+        <p:style>
+          <a:lnRef idx="2">
+            <a:schemeClr val="accent1">
+              <a:shade val="50000"/>
+            </a:schemeClr>
+          </a:lnRef>
+          <a:fillRef idx="1">
+            <a:schemeClr val="accent1"/>
+          </a:fillRef>
+          <a:effectRef idx="0">
+            <a:schemeClr val="accent1"/>
+          </a:effectRef>
+          <a:fontRef idx="minor">
+            <a:schemeClr val="lt1"/>
+          </a:fontRef>
+        </p:style>
+        <p:txBody>
+          <a:bodyPr rtlCol="0" anchor="ctr"/>
+          <a:lstStyle/>
+          <a:p>
+            <a:pPr algn="ctr"/>
+            <a:r>
+              <a:rPr lang="fr-FR" dirty="0"/>
+              <a:t>AVIACO FRANCE</a:t>
+            </a:r>
+          </a:p>
+        </p:txBody>
+      </p:sp>
+      <p:sp>
+        <p:nvSpPr>
+          <p:cNvPr id="2" name="Rectangle 1"/>
+          <p:cNvSpPr/>
+          <p:nvPr/>
+        </p:nvSpPr>
+        <p:spPr>
+          <a:xfrm>
+            <a:off x="-14510" y="2688198"/>
+            <a:ext cx="2510967" cy="1041978"/>
+          </a:xfrm>
+          <a:prstGeom prst="rect">
+            <a:avLst/>
+          </a:prstGeom>
+          <a:noFill/>
+          <a:ln>
+            <a:noFill/>
+          </a:ln>
+        </p:spPr>
+        <p:style>
+          <a:lnRef idx="2">
+            <a:schemeClr val="accent1">
+              <a:shade val="50000"/>
+            </a:schemeClr>
+          </a:lnRef>
+          <a:fillRef idx="1">
+            <a:schemeClr val="accent1"/>
+          </a:fillRef>
+          <a:effectRef idx="0">
+            <a:schemeClr val="accent1"/>
+          </a:effectRef>
+          <a:fontRef idx="minor">
+            <a:schemeClr val="lt1"/>
+          </a:fontRef>
+        </p:style>
+        <p:txBody>
+          <a:bodyPr rtlCol="0" anchor="ctr"/>
+          <a:lstStyle/>
+          <a:p>
+            <a:pPr algn="ctr"/>
+            <a:r>
+              <a:rPr lang="fr-FR" dirty="0"/>
+              <a:t>SITE INTERNET</a:t>
+            </a:r>
+          </a:p>
+        </p:txBody>
+      </p:sp>
+      <p:sp>
+        <p:nvSpPr>
+          <p:cNvPr id="5" name="Rectangle 4"/>
+          <p:cNvSpPr/>
+          <p:nvPr/>
+        </p:nvSpPr>
+        <p:spPr>
+          <a:xfrm>
+            <a:off x="-18425" y="3749233"/>
+            <a:ext cx="2552981" cy="967920"/>
+          </a:xfrm>
+          <a:prstGeom prst="rect">
+            <a:avLst/>
+          </a:prstGeom>
+          <a:blipFill>
+            <a:blip r:embed="rId2"/>
+            <a:stretch>
+              <a:fillRect/>
+            </a:stretch>
+          </a:blipFill>
+          <a:ln>
+            <a:noFill/>
+          </a:ln>
+        </p:spPr>
+        <p:style>
+          <a:lnRef idx="2">
+            <a:schemeClr val="accent1">
+              <a:shade val="50000"/>
+            </a:schemeClr>
+          </a:lnRef>
+          <a:fillRef idx="1">
+            <a:schemeClr val="accent1"/>
+          </a:fillRef>
+          <a:effectRef idx="0">
+            <a:schemeClr val="accent1"/>
+          </a:effectRef>
+          <a:fontRef idx="minor">
+            <a:schemeClr val="lt1"/>
+          </a:fontRef>
+        </p:style>
+        <p:txBody>
+          <a:bodyPr rtlCol="0" anchor="ctr"/>
+          <a:lstStyle/>
+          <a:p>
+            <a:pPr algn="ctr"/>
+            <a:r>
+              <a:rPr lang="fr-FR" dirty="0"/>
+              <a:t>APPLICATION</a:t>
+            </a:r>
+          </a:p>
+        </p:txBody>
+      </p:sp>
+      <p:sp>
+        <p:nvSpPr>
+          <p:cNvPr id="7" name="Rectangle 6"/>
+          <p:cNvSpPr/>
+          <p:nvPr/>
+        </p:nvSpPr>
+        <p:spPr>
+          <a:xfrm>
+            <a:off x="2191" y="5748669"/>
+            <a:ext cx="2532365" cy="1109331"/>
+          </a:xfrm>
+          <a:prstGeom prst="rect">
+            <a:avLst/>
+          </a:prstGeom>
+          <a:noFill/>
+          <a:ln>
+            <a:noFill/>
+          </a:ln>
+        </p:spPr>
+        <p:style>
+          <a:lnRef idx="2">
+            <a:schemeClr val="accent1">
+              <a:shade val="50000"/>
+            </a:schemeClr>
+          </a:lnRef>
+          <a:fillRef idx="1">
+            <a:schemeClr val="accent1"/>
+          </a:fillRef>
+          <a:effectRef idx="0">
+            <a:schemeClr val="accent1"/>
+          </a:effectRef>
+          <a:fontRef idx="minor">
+            <a:schemeClr val="lt1"/>
+          </a:fontRef>
+        </p:style>
+        <p:txBody>
+          <a:bodyPr rtlCol="0" anchor="ctr"/>
+          <a:lstStyle/>
+          <a:p>
+            <a:pPr algn="ctr"/>
+            <a:r>
+              <a:rPr lang="fr-FR" dirty="0"/>
+              <a:t>CONCLUSION</a:t>
+            </a:r>
+          </a:p>
+        </p:txBody>
+      </p:sp>
+      <p:sp>
+        <p:nvSpPr>
+          <p:cNvPr id="8" name="Rectangle 7"/>
+          <p:cNvSpPr/>
+          <p:nvPr/>
+        </p:nvSpPr>
+        <p:spPr>
+          <a:xfrm>
+            <a:off x="-9752" y="4733436"/>
+            <a:ext cx="2544308" cy="1001486"/>
+          </a:xfrm>
+          <a:prstGeom prst="rect">
+            <a:avLst/>
+          </a:prstGeom>
+          <a:noFill/>
+          <a:ln>
+            <a:noFill/>
+          </a:ln>
+        </p:spPr>
+        <p:style>
+          <a:lnRef idx="2">
+            <a:schemeClr val="accent1">
+              <a:shade val="50000"/>
+            </a:schemeClr>
+          </a:lnRef>
+          <a:fillRef idx="1">
+            <a:schemeClr val="accent1"/>
+          </a:fillRef>
+          <a:effectRef idx="0">
+            <a:schemeClr val="accent1"/>
+          </a:effectRef>
+          <a:fontRef idx="minor">
+            <a:schemeClr val="lt1"/>
+          </a:fontRef>
+        </p:style>
+        <p:txBody>
+          <a:bodyPr rtlCol="0" anchor="ctr"/>
+          <a:lstStyle/>
+          <a:p>
+            <a:pPr algn="ctr"/>
+            <a:r>
+              <a:rPr lang="fr-FR" dirty="0"/>
+              <a:t>LE STAGIAIRE</a:t>
+            </a:r>
+          </a:p>
+        </p:txBody>
+      </p:sp>
+      <p:sp>
+        <p:nvSpPr>
+          <p:cNvPr id="19" name="Rectangle 18"/>
+          <p:cNvSpPr/>
+          <p:nvPr/>
+        </p:nvSpPr>
+        <p:spPr>
+          <a:xfrm>
+            <a:off x="3291882" y="506014"/>
+            <a:ext cx="1619331" cy="442452"/>
+          </a:xfrm>
+          <a:prstGeom prst="rect">
+            <a:avLst/>
+          </a:prstGeom>
+          <a:solidFill>
+            <a:schemeClr val="bg2">
+              <a:lumMod val="60000"/>
+              <a:lumOff val="40000"/>
+            </a:schemeClr>
+          </a:solidFill>
+          <a:ln>
+            <a:noFill/>
+          </a:ln>
+        </p:spPr>
+        <p:style>
+          <a:lnRef idx="2">
+            <a:schemeClr val="accent1">
+              <a:shade val="50000"/>
+            </a:schemeClr>
+          </a:lnRef>
+          <a:fillRef idx="1">
+            <a:schemeClr val="accent1"/>
+          </a:fillRef>
+          <a:effectRef idx="0">
+            <a:schemeClr val="accent1"/>
+          </a:effectRef>
+          <a:fontRef idx="minor">
+            <a:schemeClr val="lt1"/>
+          </a:fontRef>
+        </p:style>
+        <p:txBody>
+          <a:bodyPr rtlCol="0" anchor="ctr"/>
+          <a:lstStyle/>
+          <a:p>
+            <a:pPr algn="ctr"/>
+            <a:r>
+              <a:rPr lang="fr-FR" dirty="0">
+                <a:solidFill>
+                  <a:srgbClr val="C00000"/>
+                </a:solidFill>
+              </a:rPr>
+              <a:t>Objectifs</a:t>
+            </a:r>
+          </a:p>
+        </p:txBody>
+      </p:sp>
+      <p:sp>
+        <p:nvSpPr>
+          <p:cNvPr id="20" name="Rectangle 19"/>
+          <p:cNvSpPr/>
+          <p:nvPr/>
+        </p:nvSpPr>
+        <p:spPr>
+          <a:xfrm>
+            <a:off x="4911213" y="506014"/>
+            <a:ext cx="1619331" cy="442452"/>
+          </a:xfrm>
+          <a:prstGeom prst="rect">
+            <a:avLst/>
+          </a:prstGeom>
+          <a:solidFill>
+            <a:schemeClr val="bg2">
+              <a:lumMod val="60000"/>
+              <a:lumOff val="40000"/>
+            </a:schemeClr>
+          </a:solidFill>
+          <a:ln>
+            <a:noFill/>
+          </a:ln>
+        </p:spPr>
+        <p:style>
+          <a:lnRef idx="2">
+            <a:schemeClr val="accent1">
+              <a:shade val="50000"/>
+            </a:schemeClr>
+          </a:lnRef>
+          <a:fillRef idx="1">
+            <a:schemeClr val="accent1"/>
+          </a:fillRef>
+          <a:effectRef idx="0">
+            <a:schemeClr val="accent1"/>
+          </a:effectRef>
+          <a:fontRef idx="minor">
+            <a:schemeClr val="lt1"/>
+          </a:fontRef>
+        </p:style>
+        <p:txBody>
+          <a:bodyPr rtlCol="0" anchor="ctr"/>
+          <a:lstStyle/>
+          <a:p>
+            <a:pPr algn="ctr"/>
+            <a:r>
+              <a:rPr lang="fr-FR" dirty="0">
+                <a:solidFill>
+                  <a:srgbClr val="C00000"/>
+                </a:solidFill>
+              </a:rPr>
+              <a:t>MCD</a:t>
+            </a:r>
+          </a:p>
+        </p:txBody>
+      </p:sp>
+      <p:sp>
+        <p:nvSpPr>
+          <p:cNvPr id="21" name="Rectangle 20"/>
+          <p:cNvSpPr/>
+          <p:nvPr/>
+        </p:nvSpPr>
+        <p:spPr>
+          <a:xfrm>
+            <a:off x="6458937" y="506014"/>
+            <a:ext cx="1844406" cy="442452"/>
+          </a:xfrm>
+          <a:prstGeom prst="rect">
+            <a:avLst/>
+          </a:prstGeom>
+          <a:solidFill>
+            <a:schemeClr val="bg2">
+              <a:lumMod val="60000"/>
+              <a:lumOff val="40000"/>
+            </a:schemeClr>
+          </a:solidFill>
+          <a:ln>
+            <a:noFill/>
+          </a:ln>
+        </p:spPr>
+        <p:style>
+          <a:lnRef idx="2">
+            <a:schemeClr val="accent1">
+              <a:shade val="50000"/>
+            </a:schemeClr>
+          </a:lnRef>
+          <a:fillRef idx="1">
+            <a:schemeClr val="accent1"/>
+          </a:fillRef>
+          <a:effectRef idx="0">
+            <a:schemeClr val="accent1"/>
+          </a:effectRef>
+          <a:fontRef idx="minor">
+            <a:schemeClr val="lt1"/>
+          </a:fontRef>
+        </p:style>
+        <p:txBody>
+          <a:bodyPr rtlCol="0" anchor="ctr"/>
+          <a:lstStyle/>
+          <a:p>
+            <a:pPr algn="ctr"/>
+            <a:r>
+              <a:rPr lang="fr-FR" dirty="0">
+                <a:solidFill>
+                  <a:srgbClr val="C00000"/>
+                </a:solidFill>
+              </a:rPr>
+              <a:t>Composition</a:t>
+            </a:r>
+          </a:p>
+        </p:txBody>
+      </p:sp>
+      <p:pic>
+        <p:nvPicPr>
+          <p:cNvPr id="3" name="Image 2"/>
+          <p:cNvPicPr>
+            <a:picLocks noChangeAspect="1"/>
+          </p:cNvPicPr>
+          <p:nvPr/>
+        </p:nvPicPr>
+        <p:blipFill>
+          <a:blip r:embed="rId3">
+            <a:extLst>
+              <a:ext uri="{28A0092B-C50C-407E-A947-70E740481C1C}">
+                <a14:useLocalDpi xmlns:a14="http://schemas.microsoft.com/office/drawing/2010/main" val="0"/>
+              </a:ext>
+            </a:extLst>
+          </a:blip>
+          <a:stretch>
+            <a:fillRect/>
+          </a:stretch>
+        </p:blipFill>
+        <p:spPr>
+          <a:xfrm>
+            <a:off x="2413747" y="1313645"/>
+            <a:ext cx="8698753" cy="5215944"/>
+          </a:xfrm>
+          <a:prstGeom prst="rect">
+            <a:avLst/>
+          </a:prstGeom>
+        </p:spPr>
+      </p:pic>
+    </p:spTree>
+    <p:extLst>
+      <p:ext uri="{BB962C8B-B14F-4D97-AF65-F5344CB8AC3E}">
+        <p14:creationId xmlns:p14="http://schemas.microsoft.com/office/powerpoint/2010/main" val="1594490127"/>
+      </p:ext>
+    </p:extLst>
+  </p:cSld>
+  <p:clrMapOvr>
+    <a:masterClrMapping/>
+  </p:clrMapOvr>
+  <p:timing>
+    <p:tnLst>
+      <p:par>
+        <p:cTn id="1" dur="indefinite" restart="never" nodeType="tmRoot">
+          <p:childTnLst>
+            <p:seq concurrent="1" nextAc="seek">
+              <p:cTn id="2" dur="indefinite" nodeType="mainSeq">
+                <p:childTnLst>
+                  <p:par>
+                    <p:cTn id="3" fill="hold">
+                      <p:stCondLst>
+                        <p:cond delay="indefinite"/>
+                        <p:cond evt="onBegin" delay="0">
+                          <p:tn val="2"/>
+                        </p:cond>
+                      </p:stCondLst>
+                      <p:childTnLst>
+                        <p:par>
+                          <p:cTn id="4" fill="hold">
+                            <p:stCondLst>
+                              <p:cond delay="0"/>
+                            </p:stCondLst>
+                            <p:childTnLst>
+                              <p:par>
+                                <p:cTn id="5" presetID="22" presetClass="entr" presetSubtype="8" fill="hold" nodeType="afterEffect">
+                                  <p:stCondLst>
+                                    <p:cond delay="0"/>
+                                  </p:stCondLst>
+                                  <p:childTnLst>
+                                    <p:set>
+                                      <p:cBhvr>
+                                        <p:cTn id="6" dur="1" fill="hold">
+                                          <p:stCondLst>
+                                            <p:cond delay="0"/>
+                                          </p:stCondLst>
+                                        </p:cTn>
+                                        <p:tgtEl>
+                                          <p:spTgt spid="3"/>
+                                        </p:tgtEl>
+                                        <p:attrNameLst>
+                                          <p:attrName>style.visibility</p:attrName>
+                                        </p:attrNameLst>
+                                      </p:cBhvr>
+                                      <p:to>
+                                        <p:strVal val="visible"/>
+                                      </p:to>
+                                    </p:set>
+                                    <p:animEffect transition="in" filter="wipe(left)">
+                                      <p:cBhvr>
+                                        <p:cTn id="7" dur="1000"/>
+                                        <p:tgtEl>
+                                          <p:spTgt spid="3"/>
+                                        </p:tgtEl>
+                                      </p:cBhvr>
+                                    </p:animEffect>
+                                  </p:childTnLst>
+                                </p:cTn>
+                              </p:par>
+                            </p:childTnLst>
+                          </p:cTn>
+                        </p:par>
+                      </p:childTnLst>
+                    </p:cTn>
+                  </p:par>
+                </p:childTnLst>
+              </p:cTn>
+              <p:prevCondLst>
+                <p:cond evt="onPrev" delay="0">
+                  <p:tgtEl>
+                    <p:sldTgt/>
+                  </p:tgtEl>
+                </p:cond>
+              </p:prevCondLst>
+              <p:nextCondLst>
+                <p:cond evt="onNext" delay="0">
+                  <p:tgtEl>
+                    <p:sldTgt/>
+                  </p:tgtEl>
+                </p:cond>
+              </p:nextCondLst>
+            </p:seq>
+          </p:childTnLst>
+        </p:cTn>
+      </p:par>
+    </p:tnLst>
+  </p:timing>
+</p:sld>
+</file>
+
+<file path=ppt/slides/slide16.xml><?xml version="1.0" encoding="utf-8"?>
+<p:sld xmlns:a="http://schemas.openxmlformats.org/drawingml/2006/main" xmlns:r="http://schemas.openxmlformats.org/officeDocument/2006/relationships" xmlns:p="http://schemas.openxmlformats.org/presentationml/2006/main">
+  <p:cSld>
+    <p:spTree>
+      <p:nvGrpSpPr>
+        <p:cNvPr id="1" name=""/>
+        <p:cNvGrpSpPr/>
+        <p:nvPr/>
+      </p:nvGrpSpPr>
+      <p:grpSpPr>
+        <a:xfrm>
+          <a:off x="0" y="0"/>
+          <a:ext cx="0" cy="0"/>
+          <a:chOff x="0" y="0"/>
+          <a:chExt cx="0" cy="0"/>
+        </a:xfrm>
+      </p:grpSpPr>
+      <p:sp>
+        <p:nvSpPr>
+          <p:cNvPr id="4" name="ZoneTexte 3"/>
+          <p:cNvSpPr txBox="1"/>
+          <p:nvPr/>
+        </p:nvSpPr>
+        <p:spPr>
+          <a:xfrm>
+            <a:off x="10573555" y="371083"/>
+            <a:ext cx="441146" cy="369332"/>
+          </a:xfrm>
+          <a:prstGeom prst="rect">
+            <a:avLst/>
+          </a:prstGeom>
+          <a:noFill/>
+        </p:spPr>
+        <p:txBody>
+          <a:bodyPr wrap="none" rtlCol="0">
+            <a:spAutoFit/>
+          </a:bodyPr>
+          <a:lstStyle/>
+          <a:p>
+            <a:r>
+              <a:rPr lang="fr-FR" dirty="0"/>
+              <a:t>04</a:t>
+            </a:r>
+          </a:p>
+        </p:txBody>
+      </p:sp>
+      <p:sp>
+        <p:nvSpPr>
+          <p:cNvPr id="9" name="Rectangle 8"/>
+          <p:cNvSpPr/>
+          <p:nvPr/>
+        </p:nvSpPr>
+        <p:spPr>
+          <a:xfrm>
+            <a:off x="-14503" y="0"/>
+            <a:ext cx="2177143" cy="6858000"/>
+          </a:xfrm>
+          <a:prstGeom prst="rect">
+            <a:avLst/>
+          </a:prstGeom>
+          <a:ln>
+            <a:noFill/>
+          </a:ln>
+        </p:spPr>
+        <p:style>
+          <a:lnRef idx="2">
+            <a:schemeClr val="accent1">
+              <a:shade val="50000"/>
+            </a:schemeClr>
+          </a:lnRef>
+          <a:fillRef idx="1">
+            <a:schemeClr val="accent1"/>
+          </a:fillRef>
+          <a:effectRef idx="0">
+            <a:schemeClr val="accent1"/>
+          </a:effectRef>
+          <a:fontRef idx="minor">
+            <a:schemeClr val="lt1"/>
+          </a:fontRef>
+        </p:style>
+        <p:txBody>
+          <a:bodyPr rtlCol="0" anchor="ctr"/>
+          <a:lstStyle/>
+          <a:p>
+            <a:pPr algn="ctr"/>
+            <a:endParaRPr lang="fr-FR"/>
+          </a:p>
+        </p:txBody>
+      </p:sp>
+      <p:sp>
+        <p:nvSpPr>
+          <p:cNvPr id="10" name="Rectangle 9"/>
+          <p:cNvSpPr/>
+          <p:nvPr/>
+        </p:nvSpPr>
+        <p:spPr>
+          <a:xfrm>
+            <a:off x="-10509" y="-14513"/>
+            <a:ext cx="2318280" cy="1483506"/>
+          </a:xfrm>
+          <a:prstGeom prst="rect">
+            <a:avLst/>
+          </a:prstGeom>
+          <a:noFill/>
+          <a:ln>
+            <a:noFill/>
+          </a:ln>
+        </p:spPr>
+        <p:style>
+          <a:lnRef idx="2">
+            <a:schemeClr val="accent1">
+              <a:shade val="50000"/>
+            </a:schemeClr>
+          </a:lnRef>
+          <a:fillRef idx="1">
+            <a:schemeClr val="accent1"/>
+          </a:fillRef>
+          <a:effectRef idx="0">
+            <a:schemeClr val="accent1"/>
+          </a:effectRef>
+          <a:fontRef idx="minor">
+            <a:schemeClr val="lt1"/>
+          </a:fontRef>
+        </p:style>
+        <p:txBody>
+          <a:bodyPr rtlCol="0" anchor="ctr"/>
+          <a:lstStyle/>
+          <a:p>
+            <a:pPr algn="ctr"/>
+            <a:r>
+              <a:rPr lang="fr-FR" dirty="0"/>
+              <a:t>INTRODUCTION</a:t>
+            </a:r>
+          </a:p>
+        </p:txBody>
+      </p:sp>
+      <p:sp>
+        <p:nvSpPr>
+          <p:cNvPr id="12" name="Rectangle 11"/>
+          <p:cNvSpPr/>
+          <p:nvPr/>
+        </p:nvSpPr>
+        <p:spPr>
+          <a:xfrm>
+            <a:off x="-12515" y="1483507"/>
+            <a:ext cx="2320286" cy="1187122"/>
+          </a:xfrm>
+          <a:prstGeom prst="rect">
+            <a:avLst/>
+          </a:prstGeom>
+          <a:noFill/>
+          <a:ln>
+            <a:noFill/>
+          </a:ln>
+        </p:spPr>
+        <p:style>
+          <a:lnRef idx="2">
+            <a:schemeClr val="accent1">
+              <a:shade val="50000"/>
+            </a:schemeClr>
+          </a:lnRef>
+          <a:fillRef idx="1">
+            <a:schemeClr val="accent1"/>
+          </a:fillRef>
+          <a:effectRef idx="0">
+            <a:schemeClr val="accent1"/>
+          </a:effectRef>
+          <a:fontRef idx="minor">
+            <a:schemeClr val="lt1"/>
+          </a:fontRef>
+        </p:style>
+        <p:txBody>
+          <a:bodyPr rtlCol="0" anchor="ctr"/>
+          <a:lstStyle/>
+          <a:p>
+            <a:pPr algn="ctr"/>
+            <a:r>
+              <a:rPr lang="fr-FR" dirty="0"/>
+              <a:t>AVIACO FRANCE</a:t>
+            </a:r>
+          </a:p>
+        </p:txBody>
+      </p:sp>
+      <p:sp>
+        <p:nvSpPr>
+          <p:cNvPr id="2" name="Rectangle 1"/>
+          <p:cNvSpPr/>
+          <p:nvPr/>
+        </p:nvSpPr>
+        <p:spPr>
+          <a:xfrm>
+            <a:off x="-14510" y="2688198"/>
+            <a:ext cx="2510967" cy="1041978"/>
+          </a:xfrm>
+          <a:prstGeom prst="rect">
+            <a:avLst/>
+          </a:prstGeom>
+          <a:noFill/>
+          <a:ln>
+            <a:noFill/>
+          </a:ln>
+        </p:spPr>
+        <p:style>
+          <a:lnRef idx="2">
+            <a:schemeClr val="accent1">
+              <a:shade val="50000"/>
+            </a:schemeClr>
+          </a:lnRef>
+          <a:fillRef idx="1">
+            <a:schemeClr val="accent1"/>
+          </a:fillRef>
+          <a:effectRef idx="0">
+            <a:schemeClr val="accent1"/>
+          </a:effectRef>
+          <a:fontRef idx="minor">
+            <a:schemeClr val="lt1"/>
+          </a:fontRef>
+        </p:style>
+        <p:txBody>
+          <a:bodyPr rtlCol="0" anchor="ctr"/>
+          <a:lstStyle/>
+          <a:p>
+            <a:pPr algn="ctr"/>
+            <a:r>
+              <a:rPr lang="fr-FR" dirty="0"/>
+              <a:t>SITE INTERNET</a:t>
+            </a:r>
+          </a:p>
+        </p:txBody>
+      </p:sp>
+      <p:sp>
+        <p:nvSpPr>
+          <p:cNvPr id="5" name="Rectangle 4"/>
+          <p:cNvSpPr/>
+          <p:nvPr/>
+        </p:nvSpPr>
+        <p:spPr>
+          <a:xfrm>
+            <a:off x="-18425" y="3749233"/>
+            <a:ext cx="2552981" cy="967920"/>
+          </a:xfrm>
+          <a:prstGeom prst="rect">
+            <a:avLst/>
+          </a:prstGeom>
+          <a:blipFill>
+            <a:blip r:embed="rId2"/>
+            <a:stretch>
+              <a:fillRect/>
+            </a:stretch>
+          </a:blipFill>
+          <a:ln>
+            <a:noFill/>
+          </a:ln>
+        </p:spPr>
+        <p:style>
+          <a:lnRef idx="2">
+            <a:schemeClr val="accent1">
+              <a:shade val="50000"/>
+            </a:schemeClr>
+          </a:lnRef>
+          <a:fillRef idx="1">
+            <a:schemeClr val="accent1"/>
+          </a:fillRef>
+          <a:effectRef idx="0">
+            <a:schemeClr val="accent1"/>
+          </a:effectRef>
+          <a:fontRef idx="minor">
+            <a:schemeClr val="lt1"/>
+          </a:fontRef>
+        </p:style>
+        <p:txBody>
+          <a:bodyPr rtlCol="0" anchor="ctr"/>
+          <a:lstStyle/>
+          <a:p>
+            <a:pPr algn="ctr"/>
+            <a:r>
+              <a:rPr lang="fr-FR" dirty="0"/>
+              <a:t>APPLICATION</a:t>
+            </a:r>
+          </a:p>
+        </p:txBody>
+      </p:sp>
+      <p:sp>
+        <p:nvSpPr>
+          <p:cNvPr id="7" name="Rectangle 6"/>
+          <p:cNvSpPr/>
+          <p:nvPr/>
+        </p:nvSpPr>
+        <p:spPr>
+          <a:xfrm>
+            <a:off x="2191" y="5748669"/>
+            <a:ext cx="2532365" cy="1109331"/>
+          </a:xfrm>
+          <a:prstGeom prst="rect">
+            <a:avLst/>
+          </a:prstGeom>
+          <a:noFill/>
+          <a:ln>
+            <a:noFill/>
+          </a:ln>
+        </p:spPr>
+        <p:style>
+          <a:lnRef idx="2">
+            <a:schemeClr val="accent1">
+              <a:shade val="50000"/>
+            </a:schemeClr>
+          </a:lnRef>
+          <a:fillRef idx="1">
+            <a:schemeClr val="accent1"/>
+          </a:fillRef>
+          <a:effectRef idx="0">
+            <a:schemeClr val="accent1"/>
+          </a:effectRef>
+          <a:fontRef idx="minor">
+            <a:schemeClr val="lt1"/>
+          </a:fontRef>
+        </p:style>
+        <p:txBody>
+          <a:bodyPr rtlCol="0" anchor="ctr"/>
+          <a:lstStyle/>
+          <a:p>
+            <a:pPr algn="ctr"/>
+            <a:r>
+              <a:rPr lang="fr-FR" dirty="0"/>
+              <a:t>CONCLUSION</a:t>
+            </a:r>
+          </a:p>
+        </p:txBody>
+      </p:sp>
+      <p:sp>
+        <p:nvSpPr>
+          <p:cNvPr id="8" name="Rectangle 7"/>
+          <p:cNvSpPr/>
+          <p:nvPr/>
+        </p:nvSpPr>
+        <p:spPr>
+          <a:xfrm>
+            <a:off x="-9752" y="4733436"/>
+            <a:ext cx="2544308" cy="1001486"/>
+          </a:xfrm>
+          <a:prstGeom prst="rect">
+            <a:avLst/>
+          </a:prstGeom>
+          <a:noFill/>
+          <a:ln>
+            <a:noFill/>
+          </a:ln>
+        </p:spPr>
+        <p:style>
+          <a:lnRef idx="2">
+            <a:schemeClr val="accent1">
+              <a:shade val="50000"/>
+            </a:schemeClr>
+          </a:lnRef>
+          <a:fillRef idx="1">
+            <a:schemeClr val="accent1"/>
+          </a:fillRef>
+          <a:effectRef idx="0">
+            <a:schemeClr val="accent1"/>
+          </a:effectRef>
+          <a:fontRef idx="minor">
+            <a:schemeClr val="lt1"/>
+          </a:fontRef>
+        </p:style>
+        <p:txBody>
+          <a:bodyPr rtlCol="0" anchor="ctr"/>
+          <a:lstStyle/>
+          <a:p>
+            <a:pPr algn="ctr"/>
+            <a:r>
+              <a:rPr lang="fr-FR" dirty="0"/>
+              <a:t>LE STAGIAIRE</a:t>
+            </a:r>
+          </a:p>
+        </p:txBody>
+      </p:sp>
+      <p:sp>
+        <p:nvSpPr>
+          <p:cNvPr id="19" name="Rectangle 18"/>
+          <p:cNvSpPr/>
+          <p:nvPr/>
+        </p:nvSpPr>
+        <p:spPr>
+          <a:xfrm>
+            <a:off x="3291882" y="506014"/>
+            <a:ext cx="1619331" cy="442452"/>
+          </a:xfrm>
+          <a:prstGeom prst="rect">
+            <a:avLst/>
+          </a:prstGeom>
+          <a:solidFill>
+            <a:schemeClr val="bg2">
+              <a:lumMod val="60000"/>
+              <a:lumOff val="40000"/>
+            </a:schemeClr>
+          </a:solidFill>
+          <a:ln>
+            <a:noFill/>
+          </a:ln>
+        </p:spPr>
+        <p:style>
+          <a:lnRef idx="2">
+            <a:schemeClr val="accent1">
+              <a:shade val="50000"/>
+            </a:schemeClr>
+          </a:lnRef>
+          <a:fillRef idx="1">
+            <a:schemeClr val="accent1"/>
+          </a:fillRef>
+          <a:effectRef idx="0">
+            <a:schemeClr val="accent1"/>
+          </a:effectRef>
+          <a:fontRef idx="minor">
+            <a:schemeClr val="lt1"/>
+          </a:fontRef>
+        </p:style>
+        <p:txBody>
+          <a:bodyPr rtlCol="0" anchor="ctr"/>
+          <a:lstStyle/>
+          <a:p>
+            <a:pPr algn="ctr"/>
+            <a:r>
+              <a:rPr lang="fr-FR" dirty="0">
+                <a:solidFill>
+                  <a:srgbClr val="C00000"/>
+                </a:solidFill>
+              </a:rPr>
+              <a:t>Objectifs</a:t>
+            </a:r>
+          </a:p>
+        </p:txBody>
+      </p:sp>
+      <p:sp>
+        <p:nvSpPr>
+          <p:cNvPr id="20" name="Rectangle 19"/>
+          <p:cNvSpPr/>
+          <p:nvPr/>
+        </p:nvSpPr>
+        <p:spPr>
+          <a:xfrm>
+            <a:off x="4911213" y="506014"/>
+            <a:ext cx="1619331" cy="442452"/>
+          </a:xfrm>
+          <a:prstGeom prst="rect">
+            <a:avLst/>
+          </a:prstGeom>
+          <a:solidFill>
+            <a:schemeClr val="bg2">
+              <a:lumMod val="60000"/>
+              <a:lumOff val="40000"/>
+            </a:schemeClr>
+          </a:solidFill>
+          <a:ln>
+            <a:noFill/>
+          </a:ln>
+        </p:spPr>
+        <p:style>
+          <a:lnRef idx="2">
+            <a:schemeClr val="accent1">
+              <a:shade val="50000"/>
+            </a:schemeClr>
+          </a:lnRef>
+          <a:fillRef idx="1">
+            <a:schemeClr val="accent1"/>
+          </a:fillRef>
+          <a:effectRef idx="0">
+            <a:schemeClr val="accent1"/>
+          </a:effectRef>
+          <a:fontRef idx="minor">
+            <a:schemeClr val="lt1"/>
+          </a:fontRef>
+        </p:style>
+        <p:txBody>
+          <a:bodyPr rtlCol="0" anchor="ctr"/>
+          <a:lstStyle/>
+          <a:p>
+            <a:pPr algn="ctr"/>
+            <a:r>
+              <a:rPr lang="fr-FR" dirty="0">
+                <a:solidFill>
+                  <a:srgbClr val="C00000"/>
+                </a:solidFill>
+              </a:rPr>
+              <a:t>MCD</a:t>
+            </a:r>
+          </a:p>
+        </p:txBody>
+      </p:sp>
+      <p:sp>
+        <p:nvSpPr>
+          <p:cNvPr id="21" name="Rectangle 20"/>
+          <p:cNvSpPr/>
+          <p:nvPr/>
+        </p:nvSpPr>
+        <p:spPr>
+          <a:xfrm>
+            <a:off x="6458937" y="506014"/>
+            <a:ext cx="1844406" cy="442452"/>
+          </a:xfrm>
+          <a:prstGeom prst="rect">
+            <a:avLst/>
+          </a:prstGeom>
+          <a:solidFill>
+            <a:schemeClr val="bg2">
+              <a:lumMod val="60000"/>
+              <a:lumOff val="40000"/>
+            </a:schemeClr>
+          </a:solidFill>
+          <a:ln>
+            <a:noFill/>
+          </a:ln>
+        </p:spPr>
+        <p:style>
+          <a:lnRef idx="2">
+            <a:schemeClr val="accent1">
+              <a:shade val="50000"/>
+            </a:schemeClr>
+          </a:lnRef>
+          <a:fillRef idx="1">
+            <a:schemeClr val="accent1"/>
+          </a:fillRef>
+          <a:effectRef idx="0">
+            <a:schemeClr val="accent1"/>
+          </a:effectRef>
+          <a:fontRef idx="minor">
+            <a:schemeClr val="lt1"/>
+          </a:fontRef>
+        </p:style>
+        <p:txBody>
+          <a:bodyPr rtlCol="0" anchor="ctr"/>
+          <a:lstStyle/>
+          <a:p>
+            <a:pPr algn="ctr"/>
+            <a:r>
+              <a:rPr lang="fr-FR" dirty="0">
+                <a:solidFill>
+                  <a:srgbClr val="C00000"/>
+                </a:solidFill>
+              </a:rPr>
+              <a:t>Composition</a:t>
+            </a:r>
+          </a:p>
+        </p:txBody>
+      </p:sp>
+      <p:pic>
+        <p:nvPicPr>
+          <p:cNvPr id="3" name="Image 2"/>
+          <p:cNvPicPr>
+            <a:picLocks noChangeAspect="1"/>
+          </p:cNvPicPr>
+          <p:nvPr/>
+        </p:nvPicPr>
+        <p:blipFill>
+          <a:blip r:embed="rId3">
+            <a:extLst>
+              <a:ext uri="{28A0092B-C50C-407E-A947-70E740481C1C}">
+                <a14:useLocalDpi xmlns:a14="http://schemas.microsoft.com/office/drawing/2010/main" val="0"/>
+              </a:ext>
+            </a:extLst>
+          </a:blip>
+          <a:stretch>
+            <a:fillRect/>
+          </a:stretch>
+        </p:blipFill>
+        <p:spPr>
+          <a:xfrm>
+            <a:off x="2534556" y="1550046"/>
+            <a:ext cx="9174844" cy="4850754"/>
+          </a:xfrm>
+          <a:prstGeom prst="rect">
+            <a:avLst/>
+          </a:prstGeom>
+        </p:spPr>
+      </p:pic>
+    </p:spTree>
+    <p:extLst>
+      <p:ext uri="{BB962C8B-B14F-4D97-AF65-F5344CB8AC3E}">
+        <p14:creationId xmlns:p14="http://schemas.microsoft.com/office/powerpoint/2010/main" val="4156491817"/>
+      </p:ext>
+    </p:extLst>
+  </p:cSld>
+  <p:clrMapOvr>
+    <a:masterClrMapping/>
+  </p:clrMapOvr>
+  <p:timing>
+    <p:tnLst>
+      <p:par>
+        <p:cTn id="1" dur="indefinite" restart="never" nodeType="tmRoot">
+          <p:childTnLst>
+            <p:seq concurrent="1" nextAc="seek">
+              <p:cTn id="2" dur="indefinite" nodeType="mainSeq">
+                <p:childTnLst>
+                  <p:par>
+                    <p:cTn id="3" fill="hold">
+                      <p:stCondLst>
+                        <p:cond delay="indefinite"/>
+                        <p:cond evt="onBegin" delay="0">
+                          <p:tn val="2"/>
+                        </p:cond>
+                      </p:stCondLst>
+                      <p:childTnLst>
+                        <p:par>
+                          <p:cTn id="4" fill="hold">
+                            <p:stCondLst>
+                              <p:cond delay="0"/>
+                            </p:stCondLst>
+                            <p:childTnLst>
+                              <p:par>
+                                <p:cTn id="5" presetID="22" presetClass="entr" presetSubtype="8" fill="hold" nodeType="afterEffect">
+                                  <p:stCondLst>
+                                    <p:cond delay="0"/>
+                                  </p:stCondLst>
+                                  <p:childTnLst>
+                                    <p:set>
+                                      <p:cBhvr>
+                                        <p:cTn id="6" dur="1" fill="hold">
+                                          <p:stCondLst>
+                                            <p:cond delay="0"/>
+                                          </p:stCondLst>
+                                        </p:cTn>
+                                        <p:tgtEl>
+                                          <p:spTgt spid="3"/>
+                                        </p:tgtEl>
+                                        <p:attrNameLst>
+                                          <p:attrName>style.visibility</p:attrName>
+                                        </p:attrNameLst>
+                                      </p:cBhvr>
+                                      <p:to>
+                                        <p:strVal val="visible"/>
+                                      </p:to>
+                                    </p:set>
+                                    <p:animEffect transition="in" filter="wipe(left)">
+                                      <p:cBhvr>
+                                        <p:cTn id="7" dur="1000"/>
+                                        <p:tgtEl>
+                                          <p:spTgt spid="3"/>
+                                        </p:tgtEl>
+                                      </p:cBhvr>
+                                    </p:animEffect>
+                                  </p:childTnLst>
+                                </p:cTn>
+                              </p:par>
+                            </p:childTnLst>
+                          </p:cTn>
+                        </p:par>
+                      </p:childTnLst>
+                    </p:cTn>
+                  </p:par>
+                </p:childTnLst>
+              </p:cTn>
+              <p:prevCondLst>
+                <p:cond evt="onPrev" delay="0">
+                  <p:tgtEl>
+                    <p:sldTgt/>
+                  </p:tgtEl>
+                </p:cond>
+              </p:prevCondLst>
+              <p:nextCondLst>
+                <p:cond evt="onNext" delay="0">
+                  <p:tgtEl>
+                    <p:sldTgt/>
+                  </p:tgtEl>
+                </p:cond>
+              </p:nextCondLst>
+            </p:seq>
+          </p:childTnLst>
+        </p:cTn>
+      </p:par>
+    </p:tnLst>
+  </p:timing>
+</p:sld>
+</file>
+
+<file path=ppt/slides/slide17.xml><?xml version="1.0" encoding="utf-8"?>
+<p:sld xmlns:a="http://schemas.openxmlformats.org/drawingml/2006/main" xmlns:r="http://schemas.openxmlformats.org/officeDocument/2006/relationships" xmlns:p="http://schemas.openxmlformats.org/presentationml/2006/main">
+  <p:cSld>
+    <p:spTree>
+      <p:nvGrpSpPr>
+        <p:cNvPr id="1" name=""/>
+        <p:cNvGrpSpPr/>
+        <p:nvPr/>
+      </p:nvGrpSpPr>
+      <p:grpSpPr>
+        <a:xfrm>
+          <a:off x="0" y="0"/>
+          <a:ext cx="0" cy="0"/>
+          <a:chOff x="0" y="0"/>
+          <a:chExt cx="0" cy="0"/>
+        </a:xfrm>
+      </p:grpSpPr>
+      <p:sp>
+        <p:nvSpPr>
+          <p:cNvPr id="4" name="ZoneTexte 3"/>
+          <p:cNvSpPr txBox="1"/>
+          <p:nvPr/>
+        </p:nvSpPr>
+        <p:spPr>
+          <a:xfrm>
+            <a:off x="10573555" y="371083"/>
+            <a:ext cx="441146" cy="369332"/>
+          </a:xfrm>
+          <a:prstGeom prst="rect">
+            <a:avLst/>
+          </a:prstGeom>
+          <a:noFill/>
+        </p:spPr>
+        <p:txBody>
+          <a:bodyPr wrap="none" rtlCol="0">
+            <a:spAutoFit/>
+          </a:bodyPr>
+          <a:lstStyle/>
+          <a:p>
+            <a:r>
+              <a:rPr lang="fr-FR" dirty="0"/>
+              <a:t>04</a:t>
+            </a:r>
+          </a:p>
+        </p:txBody>
+      </p:sp>
+      <p:sp>
+        <p:nvSpPr>
+          <p:cNvPr id="9" name="Rectangle 8"/>
+          <p:cNvSpPr/>
+          <p:nvPr/>
+        </p:nvSpPr>
+        <p:spPr>
+          <a:xfrm>
+            <a:off x="-14503" y="0"/>
+            <a:ext cx="2177143" cy="6858000"/>
+          </a:xfrm>
+          <a:prstGeom prst="rect">
+            <a:avLst/>
+          </a:prstGeom>
+          <a:ln>
+            <a:noFill/>
+          </a:ln>
+        </p:spPr>
+        <p:style>
+          <a:lnRef idx="2">
+            <a:schemeClr val="accent1">
+              <a:shade val="50000"/>
+            </a:schemeClr>
+          </a:lnRef>
+          <a:fillRef idx="1">
+            <a:schemeClr val="accent1"/>
+          </a:fillRef>
+          <a:effectRef idx="0">
+            <a:schemeClr val="accent1"/>
+          </a:effectRef>
+          <a:fontRef idx="minor">
+            <a:schemeClr val="lt1"/>
+          </a:fontRef>
+        </p:style>
+        <p:txBody>
+          <a:bodyPr rtlCol="0" anchor="ctr"/>
+          <a:lstStyle/>
+          <a:p>
+            <a:pPr algn="ctr"/>
+            <a:endParaRPr lang="fr-FR"/>
+          </a:p>
+        </p:txBody>
+      </p:sp>
+      <p:sp>
+        <p:nvSpPr>
+          <p:cNvPr id="10" name="Rectangle 9"/>
+          <p:cNvSpPr/>
+          <p:nvPr/>
+        </p:nvSpPr>
+        <p:spPr>
+          <a:xfrm>
+            <a:off x="-10509" y="-14513"/>
+            <a:ext cx="2318280" cy="1483506"/>
+          </a:xfrm>
+          <a:prstGeom prst="rect">
+            <a:avLst/>
+          </a:prstGeom>
+          <a:noFill/>
+          <a:ln>
+            <a:noFill/>
+          </a:ln>
+        </p:spPr>
+        <p:style>
+          <a:lnRef idx="2">
+            <a:schemeClr val="accent1">
+              <a:shade val="50000"/>
+            </a:schemeClr>
+          </a:lnRef>
+          <a:fillRef idx="1">
+            <a:schemeClr val="accent1"/>
+          </a:fillRef>
+          <a:effectRef idx="0">
+            <a:schemeClr val="accent1"/>
+          </a:effectRef>
+          <a:fontRef idx="minor">
+            <a:schemeClr val="lt1"/>
+          </a:fontRef>
+        </p:style>
+        <p:txBody>
+          <a:bodyPr rtlCol="0" anchor="ctr"/>
+          <a:lstStyle/>
+          <a:p>
+            <a:pPr algn="ctr"/>
+            <a:r>
+              <a:rPr lang="fr-FR" dirty="0"/>
+              <a:t>INTRODUCTION</a:t>
+            </a:r>
+          </a:p>
+        </p:txBody>
+      </p:sp>
+      <p:sp>
+        <p:nvSpPr>
+          <p:cNvPr id="12" name="Rectangle 11"/>
+          <p:cNvSpPr/>
+          <p:nvPr/>
+        </p:nvSpPr>
+        <p:spPr>
+          <a:xfrm>
+            <a:off x="-12515" y="1483507"/>
+            <a:ext cx="2320286" cy="1187122"/>
+          </a:xfrm>
+          <a:prstGeom prst="rect">
+            <a:avLst/>
+          </a:prstGeom>
+          <a:noFill/>
+          <a:ln>
+            <a:noFill/>
+          </a:ln>
+        </p:spPr>
+        <p:style>
+          <a:lnRef idx="2">
+            <a:schemeClr val="accent1">
+              <a:shade val="50000"/>
+            </a:schemeClr>
+          </a:lnRef>
+          <a:fillRef idx="1">
+            <a:schemeClr val="accent1"/>
+          </a:fillRef>
+          <a:effectRef idx="0">
+            <a:schemeClr val="accent1"/>
+          </a:effectRef>
+          <a:fontRef idx="minor">
+            <a:schemeClr val="lt1"/>
+          </a:fontRef>
+        </p:style>
+        <p:txBody>
+          <a:bodyPr rtlCol="0" anchor="ctr"/>
+          <a:lstStyle/>
+          <a:p>
+            <a:pPr algn="ctr"/>
+            <a:r>
+              <a:rPr lang="fr-FR" dirty="0"/>
+              <a:t>AVIACO FRANCE</a:t>
+            </a:r>
+          </a:p>
+        </p:txBody>
+      </p:sp>
+      <p:sp>
+        <p:nvSpPr>
+          <p:cNvPr id="2" name="Rectangle 1"/>
+          <p:cNvSpPr/>
+          <p:nvPr/>
+        </p:nvSpPr>
+        <p:spPr>
+          <a:xfrm>
+            <a:off x="-14510" y="2688198"/>
+            <a:ext cx="2510967" cy="1041978"/>
+          </a:xfrm>
+          <a:prstGeom prst="rect">
+            <a:avLst/>
+          </a:prstGeom>
+          <a:noFill/>
+          <a:ln>
+            <a:noFill/>
+          </a:ln>
+        </p:spPr>
+        <p:style>
+          <a:lnRef idx="2">
+            <a:schemeClr val="accent1">
+              <a:shade val="50000"/>
+            </a:schemeClr>
+          </a:lnRef>
+          <a:fillRef idx="1">
+            <a:schemeClr val="accent1"/>
+          </a:fillRef>
+          <a:effectRef idx="0">
+            <a:schemeClr val="accent1"/>
+          </a:effectRef>
+          <a:fontRef idx="minor">
+            <a:schemeClr val="lt1"/>
+          </a:fontRef>
+        </p:style>
+        <p:txBody>
+          <a:bodyPr rtlCol="0" anchor="ctr"/>
+          <a:lstStyle/>
+          <a:p>
+            <a:pPr algn="ctr"/>
+            <a:r>
+              <a:rPr lang="fr-FR" dirty="0"/>
+              <a:t>SITE INTERNET</a:t>
+            </a:r>
+          </a:p>
+        </p:txBody>
+      </p:sp>
+      <p:sp>
+        <p:nvSpPr>
+          <p:cNvPr id="5" name="Rectangle 4"/>
+          <p:cNvSpPr/>
+          <p:nvPr/>
+        </p:nvSpPr>
+        <p:spPr>
+          <a:xfrm>
+            <a:off x="-18425" y="3749233"/>
+            <a:ext cx="2552981" cy="967920"/>
+          </a:xfrm>
+          <a:prstGeom prst="rect">
+            <a:avLst/>
+          </a:prstGeom>
+          <a:blipFill>
+            <a:blip r:embed="rId2"/>
+            <a:stretch>
+              <a:fillRect/>
+            </a:stretch>
+          </a:blipFill>
+          <a:ln>
+            <a:noFill/>
+          </a:ln>
+        </p:spPr>
+        <p:style>
+          <a:lnRef idx="2">
+            <a:schemeClr val="accent1">
+              <a:shade val="50000"/>
+            </a:schemeClr>
+          </a:lnRef>
+          <a:fillRef idx="1">
+            <a:schemeClr val="accent1"/>
+          </a:fillRef>
+          <a:effectRef idx="0">
+            <a:schemeClr val="accent1"/>
+          </a:effectRef>
+          <a:fontRef idx="minor">
+            <a:schemeClr val="lt1"/>
+          </a:fontRef>
+        </p:style>
+        <p:txBody>
+          <a:bodyPr rtlCol="0" anchor="ctr"/>
+          <a:lstStyle/>
+          <a:p>
+            <a:pPr algn="ctr"/>
+            <a:r>
+              <a:rPr lang="fr-FR" dirty="0"/>
+              <a:t>APPLICATION</a:t>
+            </a:r>
+          </a:p>
+        </p:txBody>
+      </p:sp>
+      <p:sp>
+        <p:nvSpPr>
+          <p:cNvPr id="7" name="Rectangle 6"/>
+          <p:cNvSpPr/>
+          <p:nvPr/>
+        </p:nvSpPr>
+        <p:spPr>
+          <a:xfrm>
+            <a:off x="2191" y="5748669"/>
+            <a:ext cx="2532365" cy="1109331"/>
+          </a:xfrm>
+          <a:prstGeom prst="rect">
+            <a:avLst/>
+          </a:prstGeom>
+          <a:noFill/>
+          <a:ln>
+            <a:noFill/>
+          </a:ln>
+        </p:spPr>
+        <p:style>
+          <a:lnRef idx="2">
+            <a:schemeClr val="accent1">
+              <a:shade val="50000"/>
+            </a:schemeClr>
+          </a:lnRef>
+          <a:fillRef idx="1">
+            <a:schemeClr val="accent1"/>
+          </a:fillRef>
+          <a:effectRef idx="0">
+            <a:schemeClr val="accent1"/>
+          </a:effectRef>
+          <a:fontRef idx="minor">
+            <a:schemeClr val="lt1"/>
+          </a:fontRef>
+        </p:style>
+        <p:txBody>
+          <a:bodyPr rtlCol="0" anchor="ctr"/>
+          <a:lstStyle/>
+          <a:p>
+            <a:pPr algn="ctr"/>
+            <a:r>
+              <a:rPr lang="fr-FR" dirty="0"/>
+              <a:t>CONCLUSION</a:t>
+            </a:r>
+          </a:p>
+        </p:txBody>
+      </p:sp>
+      <p:sp>
+        <p:nvSpPr>
+          <p:cNvPr id="8" name="Rectangle 7"/>
+          <p:cNvSpPr/>
+          <p:nvPr/>
+        </p:nvSpPr>
+        <p:spPr>
+          <a:xfrm>
+            <a:off x="-9752" y="4733436"/>
+            <a:ext cx="2544308" cy="1001486"/>
+          </a:xfrm>
+          <a:prstGeom prst="rect">
+            <a:avLst/>
+          </a:prstGeom>
+          <a:noFill/>
+          <a:ln>
+            <a:noFill/>
+          </a:ln>
+        </p:spPr>
+        <p:style>
+          <a:lnRef idx="2">
+            <a:schemeClr val="accent1">
+              <a:shade val="50000"/>
+            </a:schemeClr>
+          </a:lnRef>
+          <a:fillRef idx="1">
+            <a:schemeClr val="accent1"/>
+          </a:fillRef>
+          <a:effectRef idx="0">
+            <a:schemeClr val="accent1"/>
+          </a:effectRef>
+          <a:fontRef idx="minor">
+            <a:schemeClr val="lt1"/>
+          </a:fontRef>
+        </p:style>
+        <p:txBody>
+          <a:bodyPr rtlCol="0" anchor="ctr"/>
+          <a:lstStyle/>
+          <a:p>
+            <a:pPr algn="ctr"/>
+            <a:r>
+              <a:rPr lang="fr-FR" dirty="0"/>
+              <a:t>LE STAGIAIRE</a:t>
+            </a:r>
+          </a:p>
+        </p:txBody>
+      </p:sp>
+      <p:sp>
+        <p:nvSpPr>
+          <p:cNvPr id="19" name="Rectangle 18"/>
+          <p:cNvSpPr/>
+          <p:nvPr/>
+        </p:nvSpPr>
+        <p:spPr>
+          <a:xfrm>
+            <a:off x="3291882" y="506014"/>
+            <a:ext cx="1619331" cy="442452"/>
+          </a:xfrm>
+          <a:prstGeom prst="rect">
+            <a:avLst/>
+          </a:prstGeom>
+          <a:solidFill>
+            <a:schemeClr val="bg2">
+              <a:lumMod val="60000"/>
+              <a:lumOff val="40000"/>
+            </a:schemeClr>
+          </a:solidFill>
+          <a:ln>
+            <a:noFill/>
+          </a:ln>
+        </p:spPr>
+        <p:style>
+          <a:lnRef idx="2">
+            <a:schemeClr val="accent1">
+              <a:shade val="50000"/>
+            </a:schemeClr>
+          </a:lnRef>
+          <a:fillRef idx="1">
+            <a:schemeClr val="accent1"/>
+          </a:fillRef>
+          <a:effectRef idx="0">
+            <a:schemeClr val="accent1"/>
+          </a:effectRef>
+          <a:fontRef idx="minor">
+            <a:schemeClr val="lt1"/>
+          </a:fontRef>
+        </p:style>
+        <p:txBody>
+          <a:bodyPr rtlCol="0" anchor="ctr"/>
+          <a:lstStyle/>
+          <a:p>
+            <a:pPr algn="ctr"/>
+            <a:r>
+              <a:rPr lang="fr-FR" dirty="0">
+                <a:solidFill>
+                  <a:srgbClr val="C00000"/>
+                </a:solidFill>
+              </a:rPr>
+              <a:t>Objectifs</a:t>
+            </a:r>
+          </a:p>
+        </p:txBody>
+      </p:sp>
+      <p:sp>
+        <p:nvSpPr>
+          <p:cNvPr id="20" name="Rectangle 19"/>
+          <p:cNvSpPr/>
+          <p:nvPr/>
+        </p:nvSpPr>
+        <p:spPr>
+          <a:xfrm>
+            <a:off x="4911213" y="506014"/>
+            <a:ext cx="1619331" cy="442452"/>
+          </a:xfrm>
+          <a:prstGeom prst="rect">
+            <a:avLst/>
+          </a:prstGeom>
+          <a:solidFill>
+            <a:schemeClr val="bg2">
+              <a:lumMod val="60000"/>
+              <a:lumOff val="40000"/>
+            </a:schemeClr>
+          </a:solidFill>
+          <a:ln>
+            <a:noFill/>
+          </a:ln>
+        </p:spPr>
+        <p:style>
+          <a:lnRef idx="2">
+            <a:schemeClr val="accent1">
+              <a:shade val="50000"/>
+            </a:schemeClr>
+          </a:lnRef>
+          <a:fillRef idx="1">
+            <a:schemeClr val="accent1"/>
+          </a:fillRef>
+          <a:effectRef idx="0">
+            <a:schemeClr val="accent1"/>
+          </a:effectRef>
+          <a:fontRef idx="minor">
+            <a:schemeClr val="lt1"/>
+          </a:fontRef>
+        </p:style>
+        <p:txBody>
+          <a:bodyPr rtlCol="0" anchor="ctr"/>
+          <a:lstStyle/>
+          <a:p>
+            <a:pPr algn="ctr"/>
+            <a:r>
+              <a:rPr lang="fr-FR" dirty="0">
+                <a:solidFill>
+                  <a:srgbClr val="C00000"/>
+                </a:solidFill>
+              </a:rPr>
+              <a:t>MCD</a:t>
+            </a:r>
+          </a:p>
+        </p:txBody>
+      </p:sp>
+      <p:sp>
+        <p:nvSpPr>
+          <p:cNvPr id="21" name="Rectangle 20"/>
+          <p:cNvSpPr/>
+          <p:nvPr/>
+        </p:nvSpPr>
+        <p:spPr>
+          <a:xfrm>
+            <a:off x="6458937" y="506014"/>
+            <a:ext cx="1844406" cy="442452"/>
+          </a:xfrm>
+          <a:prstGeom prst="rect">
+            <a:avLst/>
+          </a:prstGeom>
+          <a:solidFill>
+            <a:schemeClr val="bg2">
+              <a:lumMod val="60000"/>
+              <a:lumOff val="40000"/>
+            </a:schemeClr>
+          </a:solidFill>
+          <a:ln>
+            <a:noFill/>
+          </a:ln>
+        </p:spPr>
+        <p:style>
+          <a:lnRef idx="2">
+            <a:schemeClr val="accent1">
+              <a:shade val="50000"/>
+            </a:schemeClr>
+          </a:lnRef>
+          <a:fillRef idx="1">
+            <a:schemeClr val="accent1"/>
+          </a:fillRef>
+          <a:effectRef idx="0">
+            <a:schemeClr val="accent1"/>
+          </a:effectRef>
+          <a:fontRef idx="minor">
+            <a:schemeClr val="lt1"/>
+          </a:fontRef>
+        </p:style>
+        <p:txBody>
+          <a:bodyPr rtlCol="0" anchor="ctr"/>
+          <a:lstStyle/>
+          <a:p>
+            <a:pPr algn="ctr"/>
+            <a:r>
+              <a:rPr lang="fr-FR" dirty="0">
+                <a:solidFill>
+                  <a:srgbClr val="C00000"/>
+                </a:solidFill>
+              </a:rPr>
+              <a:t>Composition</a:t>
+            </a:r>
+          </a:p>
+        </p:txBody>
+      </p:sp>
+      <p:pic>
+        <p:nvPicPr>
+          <p:cNvPr id="3" name="Image 2"/>
+          <p:cNvPicPr>
+            <a:picLocks noChangeAspect="1"/>
+          </p:cNvPicPr>
+          <p:nvPr/>
+        </p:nvPicPr>
+        <p:blipFill>
+          <a:blip r:embed="rId3">
+            <a:extLst>
+              <a:ext uri="{28A0092B-C50C-407E-A947-70E740481C1C}">
+                <a14:useLocalDpi xmlns:a14="http://schemas.microsoft.com/office/drawing/2010/main" val="0"/>
+              </a:ext>
+            </a:extLst>
+          </a:blip>
+          <a:stretch>
+            <a:fillRect/>
+          </a:stretch>
+        </p:blipFill>
+        <p:spPr>
+          <a:xfrm>
             <a:off x="2534556" y="2670630"/>
             <a:ext cx="9149444" cy="2495410"/>
           </a:xfrm>
@@ -12084,7 +14492,7 @@
 </p:sld>
 </file>
 
-<file path=ppt/slides/slide15.xml><?xml version="1.0" encoding="utf-8"?>
+<file path=ppt/slides/slide18.xml><?xml version="1.0" encoding="utf-8"?>
 <p:sld xmlns:a="http://schemas.openxmlformats.org/drawingml/2006/main" xmlns:r="http://schemas.openxmlformats.org/officeDocument/2006/relationships" xmlns:p="http://schemas.openxmlformats.org/presentationml/2006/main">
   <p:cSld>
     <p:spTree>
@@ -12979,7 +15387,7 @@
 </p:sld>
 </file>
 
-<file path=ppt/slides/slide16.xml><?xml version="1.0" encoding="utf-8"?>
+<file path=ppt/slides/slide19.xml><?xml version="1.0" encoding="utf-8"?>
 <p:sld xmlns:a="http://schemas.openxmlformats.org/drawingml/2006/main" xmlns:r="http://schemas.openxmlformats.org/officeDocument/2006/relationships" xmlns:p="http://schemas.openxmlformats.org/presentationml/2006/main">
   <p:cSld>
     <p:spTree>
@@ -13721,7 +16129,765 @@
 </p:sld>
 </file>
 
-<file path=ppt/slides/slide17.xml><?xml version="1.0" encoding="utf-8"?>
+<file path=ppt/slides/slide2.xml><?xml version="1.0" encoding="utf-8"?>
+<p:sld xmlns:a="http://schemas.openxmlformats.org/drawingml/2006/main" xmlns:r="http://schemas.openxmlformats.org/officeDocument/2006/relationships" xmlns:p="http://schemas.openxmlformats.org/presentationml/2006/main">
+  <p:cSld>
+    <p:spTree>
+      <p:nvGrpSpPr>
+        <p:cNvPr id="1" name=""/>
+        <p:cNvGrpSpPr/>
+        <p:nvPr/>
+      </p:nvGrpSpPr>
+      <p:grpSpPr>
+        <a:xfrm>
+          <a:off x="0" y="0"/>
+          <a:ext cx="0" cy="0"/>
+          <a:chOff x="0" y="0"/>
+          <a:chExt cx="0" cy="0"/>
+        </a:xfrm>
+      </p:grpSpPr>
+      <p:sp>
+        <p:nvSpPr>
+          <p:cNvPr id="4" name="ZoneTexte 3"/>
+          <p:cNvSpPr txBox="1"/>
+          <p:nvPr/>
+        </p:nvSpPr>
+        <p:spPr>
+          <a:xfrm>
+            <a:off x="10573555" y="371083"/>
+            <a:ext cx="441146" cy="369332"/>
+          </a:xfrm>
+          <a:prstGeom prst="rect">
+            <a:avLst/>
+          </a:prstGeom>
+          <a:noFill/>
+        </p:spPr>
+        <p:txBody>
+          <a:bodyPr wrap="none" rtlCol="0">
+            <a:spAutoFit/>
+          </a:bodyPr>
+          <a:lstStyle/>
+          <a:p>
+            <a:r>
+              <a:rPr lang="fr-FR" dirty="0"/>
+              <a:t>01</a:t>
+            </a:r>
+          </a:p>
+        </p:txBody>
+      </p:sp>
+      <p:sp>
+        <p:nvSpPr>
+          <p:cNvPr id="9" name="Rectangle 8"/>
+          <p:cNvSpPr/>
+          <p:nvPr/>
+        </p:nvSpPr>
+        <p:spPr>
+          <a:xfrm>
+            <a:off x="-18425" y="-14513"/>
+            <a:ext cx="2177143" cy="6858000"/>
+          </a:xfrm>
+          <a:prstGeom prst="rect">
+            <a:avLst/>
+          </a:prstGeom>
+          <a:ln>
+            <a:noFill/>
+          </a:ln>
+        </p:spPr>
+        <p:style>
+          <a:lnRef idx="2">
+            <a:schemeClr val="accent1">
+              <a:shade val="50000"/>
+            </a:schemeClr>
+          </a:lnRef>
+          <a:fillRef idx="1">
+            <a:schemeClr val="accent1"/>
+          </a:fillRef>
+          <a:effectRef idx="0">
+            <a:schemeClr val="accent1"/>
+          </a:effectRef>
+          <a:fontRef idx="minor">
+            <a:schemeClr val="lt1"/>
+          </a:fontRef>
+        </p:style>
+        <p:txBody>
+          <a:bodyPr rtlCol="0" anchor="ctr"/>
+          <a:lstStyle/>
+          <a:p>
+            <a:pPr algn="ctr"/>
+            <a:endParaRPr lang="fr-FR"/>
+          </a:p>
+        </p:txBody>
+      </p:sp>
+      <p:sp>
+        <p:nvSpPr>
+          <p:cNvPr id="10" name="Rectangle 9"/>
+          <p:cNvSpPr/>
+          <p:nvPr/>
+        </p:nvSpPr>
+        <p:spPr>
+          <a:xfrm>
+            <a:off x="-10509" y="-14513"/>
+            <a:ext cx="2192816" cy="1483506"/>
+          </a:xfrm>
+          <a:prstGeom prst="rect">
+            <a:avLst/>
+          </a:prstGeom>
+          <a:blipFill>
+            <a:blip r:embed="rId2"/>
+            <a:stretch>
+              <a:fillRect/>
+            </a:stretch>
+          </a:blipFill>
+          <a:ln>
+            <a:noFill/>
+          </a:ln>
+        </p:spPr>
+        <p:style>
+          <a:lnRef idx="2">
+            <a:schemeClr val="accent1">
+              <a:shade val="50000"/>
+            </a:schemeClr>
+          </a:lnRef>
+          <a:fillRef idx="1">
+            <a:schemeClr val="accent1"/>
+          </a:fillRef>
+          <a:effectRef idx="0">
+            <a:schemeClr val="accent1"/>
+          </a:effectRef>
+          <a:fontRef idx="minor">
+            <a:schemeClr val="lt1"/>
+          </a:fontRef>
+        </p:style>
+        <p:txBody>
+          <a:bodyPr rtlCol="0" anchor="ctr"/>
+          <a:lstStyle/>
+          <a:p>
+            <a:pPr algn="ctr"/>
+            <a:r>
+              <a:rPr lang="fr-FR" dirty="0"/>
+              <a:t>INTRODUCTION</a:t>
+            </a:r>
+          </a:p>
+        </p:txBody>
+      </p:sp>
+      <p:sp>
+        <p:nvSpPr>
+          <p:cNvPr id="12" name="Rectangle 11"/>
+          <p:cNvSpPr/>
+          <p:nvPr/>
+        </p:nvSpPr>
+        <p:spPr>
+          <a:xfrm>
+            <a:off x="-12515" y="1648705"/>
+            <a:ext cx="2320286" cy="593454"/>
+          </a:xfrm>
+          <a:prstGeom prst="rect">
+            <a:avLst/>
+          </a:prstGeom>
+          <a:noFill/>
+          <a:ln>
+            <a:noFill/>
+          </a:ln>
+        </p:spPr>
+        <p:style>
+          <a:lnRef idx="2">
+            <a:schemeClr val="accent1">
+              <a:shade val="50000"/>
+            </a:schemeClr>
+          </a:lnRef>
+          <a:fillRef idx="1">
+            <a:schemeClr val="accent1"/>
+          </a:fillRef>
+          <a:effectRef idx="0">
+            <a:schemeClr val="accent1"/>
+          </a:effectRef>
+          <a:fontRef idx="minor">
+            <a:schemeClr val="lt1"/>
+          </a:fontRef>
+        </p:style>
+        <p:txBody>
+          <a:bodyPr rtlCol="0" anchor="ctr"/>
+          <a:lstStyle/>
+          <a:p>
+            <a:pPr algn="ctr"/>
+            <a:r>
+              <a:rPr lang="fr-FR" dirty="0"/>
+              <a:t>AICOM</a:t>
+            </a:r>
+          </a:p>
+        </p:txBody>
+      </p:sp>
+      <p:sp>
+        <p:nvSpPr>
+          <p:cNvPr id="2" name="Rectangle 1"/>
+          <p:cNvSpPr/>
+          <p:nvPr/>
+        </p:nvSpPr>
+        <p:spPr>
+          <a:xfrm>
+            <a:off x="0" y="2292326"/>
+            <a:ext cx="2510967" cy="683741"/>
+          </a:xfrm>
+          <a:prstGeom prst="rect">
+            <a:avLst/>
+          </a:prstGeom>
+          <a:noFill/>
+          <a:ln>
+            <a:noFill/>
+          </a:ln>
+        </p:spPr>
+        <p:style>
+          <a:lnRef idx="2">
+            <a:schemeClr val="accent1">
+              <a:shade val="50000"/>
+            </a:schemeClr>
+          </a:lnRef>
+          <a:fillRef idx="1">
+            <a:schemeClr val="accent1"/>
+          </a:fillRef>
+          <a:effectRef idx="0">
+            <a:schemeClr val="accent1"/>
+          </a:effectRef>
+          <a:fontRef idx="minor">
+            <a:schemeClr val="lt1"/>
+          </a:fontRef>
+        </p:style>
+        <p:txBody>
+          <a:bodyPr rtlCol="0" anchor="ctr"/>
+          <a:lstStyle/>
+          <a:p>
+            <a:pPr algn="ctr"/>
+            <a:r>
+              <a:rPr lang="fr-FR" dirty="0"/>
+              <a:t>Site immobilier</a:t>
+            </a:r>
+          </a:p>
+        </p:txBody>
+      </p:sp>
+      <p:sp>
+        <p:nvSpPr>
+          <p:cNvPr id="5" name="Rectangle 4"/>
+          <p:cNvSpPr/>
+          <p:nvPr/>
+        </p:nvSpPr>
+        <p:spPr>
+          <a:xfrm>
+            <a:off x="-42014" y="3026234"/>
+            <a:ext cx="2552981" cy="773166"/>
+          </a:xfrm>
+          <a:prstGeom prst="rect">
+            <a:avLst/>
+          </a:prstGeom>
+          <a:noFill/>
+          <a:ln>
+            <a:noFill/>
+          </a:ln>
+        </p:spPr>
+        <p:style>
+          <a:lnRef idx="2">
+            <a:schemeClr val="accent1">
+              <a:shade val="50000"/>
+            </a:schemeClr>
+          </a:lnRef>
+          <a:fillRef idx="1">
+            <a:schemeClr val="accent1"/>
+          </a:fillRef>
+          <a:effectRef idx="0">
+            <a:schemeClr val="accent1"/>
+          </a:effectRef>
+          <a:fontRef idx="minor">
+            <a:schemeClr val="lt1"/>
+          </a:fontRef>
+        </p:style>
+        <p:txBody>
+          <a:bodyPr rtlCol="0" anchor="ctr"/>
+          <a:lstStyle/>
+          <a:p>
+            <a:pPr algn="ctr"/>
+            <a:r>
+              <a:rPr lang="fr-FR" dirty="0"/>
+              <a:t>Moteur de recherche</a:t>
+            </a:r>
+          </a:p>
+        </p:txBody>
+      </p:sp>
+      <p:sp>
+        <p:nvSpPr>
+          <p:cNvPr id="7" name="Rectangle 6"/>
+          <p:cNvSpPr/>
+          <p:nvPr/>
+        </p:nvSpPr>
+        <p:spPr>
+          <a:xfrm>
+            <a:off x="2191" y="5748669"/>
+            <a:ext cx="2532365" cy="1109331"/>
+          </a:xfrm>
+          <a:prstGeom prst="rect">
+            <a:avLst/>
+          </a:prstGeom>
+          <a:noFill/>
+          <a:ln>
+            <a:noFill/>
+          </a:ln>
+        </p:spPr>
+        <p:style>
+          <a:lnRef idx="2">
+            <a:schemeClr val="accent1">
+              <a:shade val="50000"/>
+            </a:schemeClr>
+          </a:lnRef>
+          <a:fillRef idx="1">
+            <a:schemeClr val="accent1"/>
+          </a:fillRef>
+          <a:effectRef idx="0">
+            <a:schemeClr val="accent1"/>
+          </a:effectRef>
+          <a:fontRef idx="minor">
+            <a:schemeClr val="lt1"/>
+          </a:fontRef>
+        </p:style>
+        <p:txBody>
+          <a:bodyPr rtlCol="0" anchor="ctr"/>
+          <a:lstStyle/>
+          <a:p>
+            <a:pPr algn="ctr"/>
+            <a:r>
+              <a:rPr lang="fr-FR" dirty="0"/>
+              <a:t>Conclusion</a:t>
+            </a:r>
+          </a:p>
+        </p:txBody>
+      </p:sp>
+      <p:sp>
+        <p:nvSpPr>
+          <p:cNvPr id="8" name="Rectangle 7"/>
+          <p:cNvSpPr/>
+          <p:nvPr/>
+        </p:nvSpPr>
+        <p:spPr>
+          <a:xfrm>
+            <a:off x="-9752" y="4733436"/>
+            <a:ext cx="2168470" cy="1001486"/>
+          </a:xfrm>
+          <a:prstGeom prst="rect">
+            <a:avLst/>
+          </a:prstGeom>
+          <a:noFill/>
+          <a:ln>
+            <a:noFill/>
+          </a:ln>
+        </p:spPr>
+        <p:style>
+          <a:lnRef idx="2">
+            <a:schemeClr val="accent1">
+              <a:shade val="50000"/>
+            </a:schemeClr>
+          </a:lnRef>
+          <a:fillRef idx="1">
+            <a:schemeClr val="accent1"/>
+          </a:fillRef>
+          <a:effectRef idx="0">
+            <a:schemeClr val="accent1"/>
+          </a:effectRef>
+          <a:fontRef idx="minor">
+            <a:schemeClr val="lt1"/>
+          </a:fontRef>
+        </p:style>
+        <p:txBody>
+          <a:bodyPr rtlCol="0" anchor="ctr"/>
+          <a:lstStyle/>
+          <a:p>
+            <a:pPr algn="ctr"/>
+            <a:r>
+              <a:rPr lang="fr-FR" dirty="0"/>
+              <a:t>L’entreprise et moi</a:t>
+            </a:r>
+          </a:p>
+        </p:txBody>
+      </p:sp>
+      <p:sp>
+        <p:nvSpPr>
+          <p:cNvPr id="11" name="Espace réservé du contenu 2"/>
+          <p:cNvSpPr>
+            <a:spLocks noGrp="1"/>
+          </p:cNvSpPr>
+          <p:nvPr>
+            <p:ph idx="1"/>
+          </p:nvPr>
+        </p:nvSpPr>
+        <p:spPr>
+          <a:xfrm>
+            <a:off x="3163930" y="2530298"/>
+            <a:ext cx="6778560" cy="2399755"/>
+          </a:xfrm>
+        </p:spPr>
+        <p:txBody>
+          <a:bodyPr>
+            <a:normAutofit/>
+          </a:bodyPr>
+          <a:lstStyle/>
+          <a:p>
+            <a:r>
+              <a:rPr lang="fr-FR" dirty="0"/>
+              <a:t>Objectif du stage</a:t>
+            </a:r>
+          </a:p>
+          <a:p>
+            <a:r>
+              <a:rPr lang="fr-FR" dirty="0"/>
+              <a:t>Présentation de la société</a:t>
+            </a:r>
+          </a:p>
+          <a:p>
+            <a:r>
+              <a:rPr lang="fr-FR" dirty="0"/>
+              <a:t>Présentation de mes projets</a:t>
+            </a:r>
+          </a:p>
+          <a:p>
+            <a:r>
+              <a:rPr lang="fr-FR" dirty="0"/>
+              <a:t>Mon organisation</a:t>
+            </a:r>
+          </a:p>
+          <a:p>
+            <a:r>
+              <a:rPr lang="fr-FR" dirty="0"/>
+              <a:t>L’entreprise et moi</a:t>
+            </a:r>
+          </a:p>
+        </p:txBody>
+      </p:sp>
+      <p:sp>
+        <p:nvSpPr>
+          <p:cNvPr id="13" name="Rectangle 12"/>
+          <p:cNvSpPr/>
+          <p:nvPr/>
+        </p:nvSpPr>
+        <p:spPr>
+          <a:xfrm>
+            <a:off x="-42014" y="3928567"/>
+            <a:ext cx="2544308" cy="804869"/>
+          </a:xfrm>
+          <a:prstGeom prst="rect">
+            <a:avLst/>
+          </a:prstGeom>
+          <a:noFill/>
+          <a:ln>
+            <a:noFill/>
+          </a:ln>
+        </p:spPr>
+        <p:style>
+          <a:lnRef idx="2">
+            <a:schemeClr val="accent1">
+              <a:shade val="50000"/>
+            </a:schemeClr>
+          </a:lnRef>
+          <a:fillRef idx="1">
+            <a:schemeClr val="accent1"/>
+          </a:fillRef>
+          <a:effectRef idx="0">
+            <a:schemeClr val="accent1"/>
+          </a:effectRef>
+          <a:fontRef idx="minor">
+            <a:schemeClr val="lt1"/>
+          </a:fontRef>
+        </p:style>
+        <p:txBody>
+          <a:bodyPr rtlCol="0" anchor="ctr"/>
+          <a:lstStyle/>
+          <a:p>
+            <a:pPr algn="ctr"/>
+            <a:r>
+              <a:rPr lang="fr-FR" dirty="0"/>
+              <a:t>Organisation</a:t>
+            </a:r>
+          </a:p>
+        </p:txBody>
+      </p:sp>
+    </p:spTree>
+    <p:extLst>
+      <p:ext uri="{BB962C8B-B14F-4D97-AF65-F5344CB8AC3E}">
+        <p14:creationId xmlns:p14="http://schemas.microsoft.com/office/powerpoint/2010/main" val="2308858167"/>
+      </p:ext>
+    </p:extLst>
+  </p:cSld>
+  <p:clrMapOvr>
+    <a:masterClrMapping/>
+  </p:clrMapOvr>
+  <p:timing>
+    <p:tnLst>
+      <p:par>
+        <p:cTn id="1" dur="indefinite" restart="never" nodeType="tmRoot">
+          <p:childTnLst>
+            <p:seq concurrent="1" nextAc="seek">
+              <p:cTn id="2" dur="indefinite" nodeType="mainSeq">
+                <p:childTnLst>
+                  <p:par>
+                    <p:cTn id="3" fill="hold">
+                      <p:stCondLst>
+                        <p:cond delay="indefinite"/>
+                        <p:cond evt="onBegin" delay="0">
+                          <p:tn val="2"/>
+                        </p:cond>
+                      </p:stCondLst>
+                      <p:childTnLst>
+                        <p:par>
+                          <p:cTn id="4" fill="hold">
+                            <p:stCondLst>
+                              <p:cond delay="0"/>
+                            </p:stCondLst>
+                            <p:childTnLst>
+                              <p:par>
+                                <p:cTn id="5" presetID="22" presetClass="entr" presetSubtype="8" fill="hold" grpId="0" nodeType="withEffect">
+                                  <p:stCondLst>
+                                    <p:cond delay="0"/>
+                                  </p:stCondLst>
+                                  <p:childTnLst>
+                                    <p:set>
+                                      <p:cBhvr>
+                                        <p:cTn id="6" dur="1" fill="hold">
+                                          <p:stCondLst>
+                                            <p:cond delay="0"/>
+                                          </p:stCondLst>
+                                        </p:cTn>
+                                        <p:tgtEl>
+                                          <p:spTgt spid="11">
+                                            <p:txEl>
+                                              <p:pRg st="0" end="0"/>
+                                            </p:txEl>
+                                          </p:spTgt>
+                                        </p:tgtEl>
+                                        <p:attrNameLst>
+                                          <p:attrName>style.visibility</p:attrName>
+                                        </p:attrNameLst>
+                                      </p:cBhvr>
+                                      <p:to>
+                                        <p:strVal val="visible"/>
+                                      </p:to>
+                                    </p:set>
+                                    <p:animEffect transition="in" filter="wipe(left)">
+                                      <p:cBhvr>
+                                        <p:cTn id="7" dur="1000"/>
+                                        <p:tgtEl>
+                                          <p:spTgt spid="11">
+                                            <p:txEl>
+                                              <p:pRg st="0" end="0"/>
+                                            </p:txEl>
+                                          </p:spTgt>
+                                        </p:tgtEl>
+                                      </p:cBhvr>
+                                    </p:animEffect>
+                                  </p:childTnLst>
+                                </p:cTn>
+                              </p:par>
+                              <p:par>
+                                <p:cTn id="8" presetID="22" presetClass="entr" presetSubtype="8" fill="hold" grpId="0" nodeType="withEffect">
+                                  <p:stCondLst>
+                                    <p:cond delay="0"/>
+                                  </p:stCondLst>
+                                  <p:childTnLst>
+                                    <p:set>
+                                      <p:cBhvr>
+                                        <p:cTn id="9" dur="1" fill="hold">
+                                          <p:stCondLst>
+                                            <p:cond delay="0"/>
+                                          </p:stCondLst>
+                                        </p:cTn>
+                                        <p:tgtEl>
+                                          <p:spTgt spid="11">
+                                            <p:txEl>
+                                              <p:pRg st="1" end="1"/>
+                                            </p:txEl>
+                                          </p:spTgt>
+                                        </p:tgtEl>
+                                        <p:attrNameLst>
+                                          <p:attrName>style.visibility</p:attrName>
+                                        </p:attrNameLst>
+                                      </p:cBhvr>
+                                      <p:to>
+                                        <p:strVal val="visible"/>
+                                      </p:to>
+                                    </p:set>
+                                    <p:animEffect transition="in" filter="wipe(left)">
+                                      <p:cBhvr>
+                                        <p:cTn id="10" dur="1000"/>
+                                        <p:tgtEl>
+                                          <p:spTgt spid="11">
+                                            <p:txEl>
+                                              <p:pRg st="1" end="1"/>
+                                            </p:txEl>
+                                          </p:spTgt>
+                                        </p:tgtEl>
+                                      </p:cBhvr>
+                                    </p:animEffect>
+                                  </p:childTnLst>
+                                </p:cTn>
+                              </p:par>
+                              <p:par>
+                                <p:cTn id="11" presetID="22" presetClass="entr" presetSubtype="8" fill="hold" grpId="0" nodeType="withEffect">
+                                  <p:stCondLst>
+                                    <p:cond delay="0"/>
+                                  </p:stCondLst>
+                                  <p:childTnLst>
+                                    <p:set>
+                                      <p:cBhvr>
+                                        <p:cTn id="12" dur="1" fill="hold">
+                                          <p:stCondLst>
+                                            <p:cond delay="0"/>
+                                          </p:stCondLst>
+                                        </p:cTn>
+                                        <p:tgtEl>
+                                          <p:spTgt spid="11">
+                                            <p:txEl>
+                                              <p:pRg st="2" end="2"/>
+                                            </p:txEl>
+                                          </p:spTgt>
+                                        </p:tgtEl>
+                                        <p:attrNameLst>
+                                          <p:attrName>style.visibility</p:attrName>
+                                        </p:attrNameLst>
+                                      </p:cBhvr>
+                                      <p:to>
+                                        <p:strVal val="visible"/>
+                                      </p:to>
+                                    </p:set>
+                                    <p:animEffect transition="in" filter="wipe(left)">
+                                      <p:cBhvr>
+                                        <p:cTn id="13" dur="1000"/>
+                                        <p:tgtEl>
+                                          <p:spTgt spid="11">
+                                            <p:txEl>
+                                              <p:pRg st="2" end="2"/>
+                                            </p:txEl>
+                                          </p:spTgt>
+                                        </p:tgtEl>
+                                      </p:cBhvr>
+                                    </p:animEffect>
+                                  </p:childTnLst>
+                                </p:cTn>
+                              </p:par>
+                              <p:par>
+                                <p:cTn id="14" presetID="22" presetClass="entr" presetSubtype="8" fill="hold" grpId="0" nodeType="withEffect">
+                                  <p:stCondLst>
+                                    <p:cond delay="0"/>
+                                  </p:stCondLst>
+                                  <p:childTnLst>
+                                    <p:set>
+                                      <p:cBhvr>
+                                        <p:cTn id="15" dur="1" fill="hold">
+                                          <p:stCondLst>
+                                            <p:cond delay="0"/>
+                                          </p:stCondLst>
+                                        </p:cTn>
+                                        <p:tgtEl>
+                                          <p:spTgt spid="11">
+                                            <p:txEl>
+                                              <p:pRg st="3" end="3"/>
+                                            </p:txEl>
+                                          </p:spTgt>
+                                        </p:tgtEl>
+                                        <p:attrNameLst>
+                                          <p:attrName>style.visibility</p:attrName>
+                                        </p:attrNameLst>
+                                      </p:cBhvr>
+                                      <p:to>
+                                        <p:strVal val="visible"/>
+                                      </p:to>
+                                    </p:set>
+                                    <p:animEffect transition="in" filter="wipe(left)">
+                                      <p:cBhvr>
+                                        <p:cTn id="16" dur="1000"/>
+                                        <p:tgtEl>
+                                          <p:spTgt spid="11">
+                                            <p:txEl>
+                                              <p:pRg st="3" end="3"/>
+                                            </p:txEl>
+                                          </p:spTgt>
+                                        </p:tgtEl>
+                                      </p:cBhvr>
+                                    </p:animEffect>
+                                  </p:childTnLst>
+                                </p:cTn>
+                              </p:par>
+                              <p:par>
+                                <p:cTn id="17" presetID="22" presetClass="entr" presetSubtype="8" fill="hold" grpId="0" nodeType="withEffect">
+                                  <p:stCondLst>
+                                    <p:cond delay="0"/>
+                                  </p:stCondLst>
+                                  <p:childTnLst>
+                                    <p:set>
+                                      <p:cBhvr>
+                                        <p:cTn id="18" dur="1" fill="hold">
+                                          <p:stCondLst>
+                                            <p:cond delay="0"/>
+                                          </p:stCondLst>
+                                        </p:cTn>
+                                        <p:tgtEl>
+                                          <p:spTgt spid="11">
+                                            <p:txEl>
+                                              <p:pRg st="4" end="4"/>
+                                            </p:txEl>
+                                          </p:spTgt>
+                                        </p:tgtEl>
+                                        <p:attrNameLst>
+                                          <p:attrName>style.visibility</p:attrName>
+                                        </p:attrNameLst>
+                                      </p:cBhvr>
+                                      <p:to>
+                                        <p:strVal val="visible"/>
+                                      </p:to>
+                                    </p:set>
+                                    <p:animEffect transition="in" filter="wipe(left)">
+                                      <p:cBhvr>
+                                        <p:cTn id="19" dur="1000"/>
+                                        <p:tgtEl>
+                                          <p:spTgt spid="11">
+                                            <p:txEl>
+                                              <p:pRg st="4" end="4"/>
+                                            </p:txEl>
+                                          </p:spTgt>
+                                        </p:tgtEl>
+                                      </p:cBhvr>
+                                    </p:animEffect>
+                                  </p:childTnLst>
+                                </p:cTn>
+                              </p:par>
+                            </p:childTnLst>
+                          </p:cTn>
+                        </p:par>
+                      </p:childTnLst>
+                    </p:cTn>
+                  </p:par>
+                </p:childTnLst>
+              </p:cTn>
+              <p:prevCondLst>
+                <p:cond evt="onPrev" delay="0">
+                  <p:tgtEl>
+                    <p:sldTgt/>
+                  </p:tgtEl>
+                </p:cond>
+              </p:prevCondLst>
+              <p:nextCondLst>
+                <p:cond evt="onNext" delay="0">
+                  <p:tgtEl>
+                    <p:sldTgt/>
+                  </p:tgtEl>
+                </p:cond>
+              </p:nextCondLst>
+            </p:seq>
+          </p:childTnLst>
+        </p:cTn>
+      </p:par>
+    </p:tnLst>
+    <p:bldLst>
+      <p:bldP spid="11" grpId="0" build="p"/>
+    </p:bldLst>
+  </p:timing>
+</p:sld>
+</file>
+
+<file path=ppt/slides/slide20.xml><?xml version="1.0" encoding="utf-8"?>
 <p:sld xmlns:a="http://schemas.openxmlformats.org/drawingml/2006/main" xmlns:r="http://schemas.openxmlformats.org/officeDocument/2006/relationships" xmlns:p="http://schemas.openxmlformats.org/presentationml/2006/main">
   <p:cSld>
     <p:spTree>
@@ -14930,7 +18096,7 @@
 </p:sld>
 </file>
 
-<file path=ppt/slides/slide18.xml><?xml version="1.0" encoding="utf-8"?>
+<file path=ppt/slides/slide21.xml><?xml version="1.0" encoding="utf-8"?>
 <p:sld xmlns:a="http://schemas.openxmlformats.org/drawingml/2006/main" xmlns:r="http://schemas.openxmlformats.org/officeDocument/2006/relationships" xmlns:p="http://schemas.openxmlformats.org/presentationml/2006/main">
   <p:cSld>
     <p:spTree>
@@ -15659,7 +18825,7 @@
 </p:sld>
 </file>
 
-<file path=ppt/slides/slide19.xml><?xml version="1.0" encoding="utf-8"?>
+<file path=ppt/slides/slide22.xml><?xml version="1.0" encoding="utf-8"?>
 <p:sld xmlns:a="http://schemas.openxmlformats.org/drawingml/2006/main" xmlns:r="http://schemas.openxmlformats.org/officeDocument/2006/relationships" xmlns:p="http://schemas.openxmlformats.org/presentationml/2006/main">
   <p:cSld>
     <p:spTree>
@@ -16388,765 +19554,7 @@
 </p:sld>
 </file>
 
-<file path=ppt/slides/slide2.xml><?xml version="1.0" encoding="utf-8"?>
-<p:sld xmlns:a="http://schemas.openxmlformats.org/drawingml/2006/main" xmlns:r="http://schemas.openxmlformats.org/officeDocument/2006/relationships" xmlns:p="http://schemas.openxmlformats.org/presentationml/2006/main">
-  <p:cSld>
-    <p:spTree>
-      <p:nvGrpSpPr>
-        <p:cNvPr id="1" name=""/>
-        <p:cNvGrpSpPr/>
-        <p:nvPr/>
-      </p:nvGrpSpPr>
-      <p:grpSpPr>
-        <a:xfrm>
-          <a:off x="0" y="0"/>
-          <a:ext cx="0" cy="0"/>
-          <a:chOff x="0" y="0"/>
-          <a:chExt cx="0" cy="0"/>
-        </a:xfrm>
-      </p:grpSpPr>
-      <p:sp>
-        <p:nvSpPr>
-          <p:cNvPr id="4" name="ZoneTexte 3"/>
-          <p:cNvSpPr txBox="1"/>
-          <p:nvPr/>
-        </p:nvSpPr>
-        <p:spPr>
-          <a:xfrm>
-            <a:off x="10573555" y="371083"/>
-            <a:ext cx="441146" cy="369332"/>
-          </a:xfrm>
-          <a:prstGeom prst="rect">
-            <a:avLst/>
-          </a:prstGeom>
-          <a:noFill/>
-        </p:spPr>
-        <p:txBody>
-          <a:bodyPr wrap="none" rtlCol="0">
-            <a:spAutoFit/>
-          </a:bodyPr>
-          <a:lstStyle/>
-          <a:p>
-            <a:r>
-              <a:rPr lang="fr-FR" dirty="0"/>
-              <a:t>01</a:t>
-            </a:r>
-          </a:p>
-        </p:txBody>
-      </p:sp>
-      <p:sp>
-        <p:nvSpPr>
-          <p:cNvPr id="9" name="Rectangle 8"/>
-          <p:cNvSpPr/>
-          <p:nvPr/>
-        </p:nvSpPr>
-        <p:spPr>
-          <a:xfrm>
-            <a:off x="-18425" y="-14513"/>
-            <a:ext cx="2177143" cy="6858000"/>
-          </a:xfrm>
-          <a:prstGeom prst="rect">
-            <a:avLst/>
-          </a:prstGeom>
-          <a:ln>
-            <a:noFill/>
-          </a:ln>
-        </p:spPr>
-        <p:style>
-          <a:lnRef idx="2">
-            <a:schemeClr val="accent1">
-              <a:shade val="50000"/>
-            </a:schemeClr>
-          </a:lnRef>
-          <a:fillRef idx="1">
-            <a:schemeClr val="accent1"/>
-          </a:fillRef>
-          <a:effectRef idx="0">
-            <a:schemeClr val="accent1"/>
-          </a:effectRef>
-          <a:fontRef idx="minor">
-            <a:schemeClr val="lt1"/>
-          </a:fontRef>
-        </p:style>
-        <p:txBody>
-          <a:bodyPr rtlCol="0" anchor="ctr"/>
-          <a:lstStyle/>
-          <a:p>
-            <a:pPr algn="ctr"/>
-            <a:endParaRPr lang="fr-FR"/>
-          </a:p>
-        </p:txBody>
-      </p:sp>
-      <p:sp>
-        <p:nvSpPr>
-          <p:cNvPr id="10" name="Rectangle 9"/>
-          <p:cNvSpPr/>
-          <p:nvPr/>
-        </p:nvSpPr>
-        <p:spPr>
-          <a:xfrm>
-            <a:off x="-10509" y="-14513"/>
-            <a:ext cx="2192816" cy="1483506"/>
-          </a:xfrm>
-          <a:prstGeom prst="rect">
-            <a:avLst/>
-          </a:prstGeom>
-          <a:blipFill>
-            <a:blip r:embed="rId2"/>
-            <a:stretch>
-              <a:fillRect/>
-            </a:stretch>
-          </a:blipFill>
-          <a:ln>
-            <a:noFill/>
-          </a:ln>
-        </p:spPr>
-        <p:style>
-          <a:lnRef idx="2">
-            <a:schemeClr val="accent1">
-              <a:shade val="50000"/>
-            </a:schemeClr>
-          </a:lnRef>
-          <a:fillRef idx="1">
-            <a:schemeClr val="accent1"/>
-          </a:fillRef>
-          <a:effectRef idx="0">
-            <a:schemeClr val="accent1"/>
-          </a:effectRef>
-          <a:fontRef idx="minor">
-            <a:schemeClr val="lt1"/>
-          </a:fontRef>
-        </p:style>
-        <p:txBody>
-          <a:bodyPr rtlCol="0" anchor="ctr"/>
-          <a:lstStyle/>
-          <a:p>
-            <a:pPr algn="ctr"/>
-            <a:r>
-              <a:rPr lang="fr-FR" dirty="0"/>
-              <a:t>INTRODUCTION</a:t>
-            </a:r>
-          </a:p>
-        </p:txBody>
-      </p:sp>
-      <p:sp>
-        <p:nvSpPr>
-          <p:cNvPr id="12" name="Rectangle 11"/>
-          <p:cNvSpPr/>
-          <p:nvPr/>
-        </p:nvSpPr>
-        <p:spPr>
-          <a:xfrm>
-            <a:off x="-12515" y="1648705"/>
-            <a:ext cx="2320286" cy="593454"/>
-          </a:xfrm>
-          <a:prstGeom prst="rect">
-            <a:avLst/>
-          </a:prstGeom>
-          <a:noFill/>
-          <a:ln>
-            <a:noFill/>
-          </a:ln>
-        </p:spPr>
-        <p:style>
-          <a:lnRef idx="2">
-            <a:schemeClr val="accent1">
-              <a:shade val="50000"/>
-            </a:schemeClr>
-          </a:lnRef>
-          <a:fillRef idx="1">
-            <a:schemeClr val="accent1"/>
-          </a:fillRef>
-          <a:effectRef idx="0">
-            <a:schemeClr val="accent1"/>
-          </a:effectRef>
-          <a:fontRef idx="minor">
-            <a:schemeClr val="lt1"/>
-          </a:fontRef>
-        </p:style>
-        <p:txBody>
-          <a:bodyPr rtlCol="0" anchor="ctr"/>
-          <a:lstStyle/>
-          <a:p>
-            <a:pPr algn="ctr"/>
-            <a:r>
-              <a:rPr lang="fr-FR" dirty="0"/>
-              <a:t>AICOM</a:t>
-            </a:r>
-          </a:p>
-        </p:txBody>
-      </p:sp>
-      <p:sp>
-        <p:nvSpPr>
-          <p:cNvPr id="2" name="Rectangle 1"/>
-          <p:cNvSpPr/>
-          <p:nvPr/>
-        </p:nvSpPr>
-        <p:spPr>
-          <a:xfrm>
-            <a:off x="0" y="2292326"/>
-            <a:ext cx="2510967" cy="683741"/>
-          </a:xfrm>
-          <a:prstGeom prst="rect">
-            <a:avLst/>
-          </a:prstGeom>
-          <a:noFill/>
-          <a:ln>
-            <a:noFill/>
-          </a:ln>
-        </p:spPr>
-        <p:style>
-          <a:lnRef idx="2">
-            <a:schemeClr val="accent1">
-              <a:shade val="50000"/>
-            </a:schemeClr>
-          </a:lnRef>
-          <a:fillRef idx="1">
-            <a:schemeClr val="accent1"/>
-          </a:fillRef>
-          <a:effectRef idx="0">
-            <a:schemeClr val="accent1"/>
-          </a:effectRef>
-          <a:fontRef idx="minor">
-            <a:schemeClr val="lt1"/>
-          </a:fontRef>
-        </p:style>
-        <p:txBody>
-          <a:bodyPr rtlCol="0" anchor="ctr"/>
-          <a:lstStyle/>
-          <a:p>
-            <a:pPr algn="ctr"/>
-            <a:r>
-              <a:rPr lang="fr-FR" dirty="0"/>
-              <a:t>Site immobilier</a:t>
-            </a:r>
-          </a:p>
-        </p:txBody>
-      </p:sp>
-      <p:sp>
-        <p:nvSpPr>
-          <p:cNvPr id="5" name="Rectangle 4"/>
-          <p:cNvSpPr/>
-          <p:nvPr/>
-        </p:nvSpPr>
-        <p:spPr>
-          <a:xfrm>
-            <a:off x="-42014" y="3026234"/>
-            <a:ext cx="2552981" cy="773166"/>
-          </a:xfrm>
-          <a:prstGeom prst="rect">
-            <a:avLst/>
-          </a:prstGeom>
-          <a:noFill/>
-          <a:ln>
-            <a:noFill/>
-          </a:ln>
-        </p:spPr>
-        <p:style>
-          <a:lnRef idx="2">
-            <a:schemeClr val="accent1">
-              <a:shade val="50000"/>
-            </a:schemeClr>
-          </a:lnRef>
-          <a:fillRef idx="1">
-            <a:schemeClr val="accent1"/>
-          </a:fillRef>
-          <a:effectRef idx="0">
-            <a:schemeClr val="accent1"/>
-          </a:effectRef>
-          <a:fontRef idx="minor">
-            <a:schemeClr val="lt1"/>
-          </a:fontRef>
-        </p:style>
-        <p:txBody>
-          <a:bodyPr rtlCol="0" anchor="ctr"/>
-          <a:lstStyle/>
-          <a:p>
-            <a:pPr algn="ctr"/>
-            <a:r>
-              <a:rPr lang="fr-FR" dirty="0"/>
-              <a:t>Moteur de recherche</a:t>
-            </a:r>
-          </a:p>
-        </p:txBody>
-      </p:sp>
-      <p:sp>
-        <p:nvSpPr>
-          <p:cNvPr id="7" name="Rectangle 6"/>
-          <p:cNvSpPr/>
-          <p:nvPr/>
-        </p:nvSpPr>
-        <p:spPr>
-          <a:xfrm>
-            <a:off x="2191" y="5748669"/>
-            <a:ext cx="2532365" cy="1109331"/>
-          </a:xfrm>
-          <a:prstGeom prst="rect">
-            <a:avLst/>
-          </a:prstGeom>
-          <a:noFill/>
-          <a:ln>
-            <a:noFill/>
-          </a:ln>
-        </p:spPr>
-        <p:style>
-          <a:lnRef idx="2">
-            <a:schemeClr val="accent1">
-              <a:shade val="50000"/>
-            </a:schemeClr>
-          </a:lnRef>
-          <a:fillRef idx="1">
-            <a:schemeClr val="accent1"/>
-          </a:fillRef>
-          <a:effectRef idx="0">
-            <a:schemeClr val="accent1"/>
-          </a:effectRef>
-          <a:fontRef idx="minor">
-            <a:schemeClr val="lt1"/>
-          </a:fontRef>
-        </p:style>
-        <p:txBody>
-          <a:bodyPr rtlCol="0" anchor="ctr"/>
-          <a:lstStyle/>
-          <a:p>
-            <a:pPr algn="ctr"/>
-            <a:r>
-              <a:rPr lang="fr-FR" dirty="0"/>
-              <a:t>Conclusion</a:t>
-            </a:r>
-          </a:p>
-        </p:txBody>
-      </p:sp>
-      <p:sp>
-        <p:nvSpPr>
-          <p:cNvPr id="8" name="Rectangle 7"/>
-          <p:cNvSpPr/>
-          <p:nvPr/>
-        </p:nvSpPr>
-        <p:spPr>
-          <a:xfrm>
-            <a:off x="-9752" y="4733436"/>
-            <a:ext cx="2168470" cy="1001486"/>
-          </a:xfrm>
-          <a:prstGeom prst="rect">
-            <a:avLst/>
-          </a:prstGeom>
-          <a:noFill/>
-          <a:ln>
-            <a:noFill/>
-          </a:ln>
-        </p:spPr>
-        <p:style>
-          <a:lnRef idx="2">
-            <a:schemeClr val="accent1">
-              <a:shade val="50000"/>
-            </a:schemeClr>
-          </a:lnRef>
-          <a:fillRef idx="1">
-            <a:schemeClr val="accent1"/>
-          </a:fillRef>
-          <a:effectRef idx="0">
-            <a:schemeClr val="accent1"/>
-          </a:effectRef>
-          <a:fontRef idx="minor">
-            <a:schemeClr val="lt1"/>
-          </a:fontRef>
-        </p:style>
-        <p:txBody>
-          <a:bodyPr rtlCol="0" anchor="ctr"/>
-          <a:lstStyle/>
-          <a:p>
-            <a:pPr algn="ctr"/>
-            <a:r>
-              <a:rPr lang="fr-FR" dirty="0"/>
-              <a:t>L’entreprise et moi</a:t>
-            </a:r>
-          </a:p>
-        </p:txBody>
-      </p:sp>
-      <p:sp>
-        <p:nvSpPr>
-          <p:cNvPr id="11" name="Espace réservé du contenu 2"/>
-          <p:cNvSpPr>
-            <a:spLocks noGrp="1"/>
-          </p:cNvSpPr>
-          <p:nvPr>
-            <p:ph idx="1"/>
-          </p:nvPr>
-        </p:nvSpPr>
-        <p:spPr>
-          <a:xfrm>
-            <a:off x="3163930" y="2530298"/>
-            <a:ext cx="6778560" cy="2399755"/>
-          </a:xfrm>
-        </p:spPr>
-        <p:txBody>
-          <a:bodyPr>
-            <a:normAutofit/>
-          </a:bodyPr>
-          <a:lstStyle/>
-          <a:p>
-            <a:r>
-              <a:rPr lang="fr-FR" dirty="0"/>
-              <a:t>Objectif du stage</a:t>
-            </a:r>
-          </a:p>
-          <a:p>
-            <a:r>
-              <a:rPr lang="fr-FR" dirty="0"/>
-              <a:t>Présentation de la société</a:t>
-            </a:r>
-          </a:p>
-          <a:p>
-            <a:r>
-              <a:rPr lang="fr-FR" dirty="0"/>
-              <a:t>Présentation de mes projets</a:t>
-            </a:r>
-          </a:p>
-          <a:p>
-            <a:r>
-              <a:rPr lang="fr-FR" dirty="0"/>
-              <a:t>Mon organisation</a:t>
-            </a:r>
-          </a:p>
-          <a:p>
-            <a:r>
-              <a:rPr lang="fr-FR" dirty="0"/>
-              <a:t>L’entreprise et moi</a:t>
-            </a:r>
-          </a:p>
-        </p:txBody>
-      </p:sp>
-      <p:sp>
-        <p:nvSpPr>
-          <p:cNvPr id="13" name="Rectangle 12"/>
-          <p:cNvSpPr/>
-          <p:nvPr/>
-        </p:nvSpPr>
-        <p:spPr>
-          <a:xfrm>
-            <a:off x="-42014" y="3928567"/>
-            <a:ext cx="2544308" cy="804869"/>
-          </a:xfrm>
-          <a:prstGeom prst="rect">
-            <a:avLst/>
-          </a:prstGeom>
-          <a:noFill/>
-          <a:ln>
-            <a:noFill/>
-          </a:ln>
-        </p:spPr>
-        <p:style>
-          <a:lnRef idx="2">
-            <a:schemeClr val="accent1">
-              <a:shade val="50000"/>
-            </a:schemeClr>
-          </a:lnRef>
-          <a:fillRef idx="1">
-            <a:schemeClr val="accent1"/>
-          </a:fillRef>
-          <a:effectRef idx="0">
-            <a:schemeClr val="accent1"/>
-          </a:effectRef>
-          <a:fontRef idx="minor">
-            <a:schemeClr val="lt1"/>
-          </a:fontRef>
-        </p:style>
-        <p:txBody>
-          <a:bodyPr rtlCol="0" anchor="ctr"/>
-          <a:lstStyle/>
-          <a:p>
-            <a:pPr algn="ctr"/>
-            <a:r>
-              <a:rPr lang="fr-FR" dirty="0"/>
-              <a:t>Organisation</a:t>
-            </a:r>
-          </a:p>
-        </p:txBody>
-      </p:sp>
-    </p:spTree>
-    <p:extLst>
-      <p:ext uri="{BB962C8B-B14F-4D97-AF65-F5344CB8AC3E}">
-        <p14:creationId xmlns:p14="http://schemas.microsoft.com/office/powerpoint/2010/main" val="2308858167"/>
-      </p:ext>
-    </p:extLst>
-  </p:cSld>
-  <p:clrMapOvr>
-    <a:masterClrMapping/>
-  </p:clrMapOvr>
-  <p:timing>
-    <p:tnLst>
-      <p:par>
-        <p:cTn id="1" dur="indefinite" restart="never" nodeType="tmRoot">
-          <p:childTnLst>
-            <p:seq concurrent="1" nextAc="seek">
-              <p:cTn id="2" dur="indefinite" nodeType="mainSeq">
-                <p:childTnLst>
-                  <p:par>
-                    <p:cTn id="3" fill="hold">
-                      <p:stCondLst>
-                        <p:cond delay="indefinite"/>
-                        <p:cond evt="onBegin" delay="0">
-                          <p:tn val="2"/>
-                        </p:cond>
-                      </p:stCondLst>
-                      <p:childTnLst>
-                        <p:par>
-                          <p:cTn id="4" fill="hold">
-                            <p:stCondLst>
-                              <p:cond delay="0"/>
-                            </p:stCondLst>
-                            <p:childTnLst>
-                              <p:par>
-                                <p:cTn id="5" presetID="22" presetClass="entr" presetSubtype="8" fill="hold" grpId="0" nodeType="withEffect">
-                                  <p:stCondLst>
-                                    <p:cond delay="0"/>
-                                  </p:stCondLst>
-                                  <p:childTnLst>
-                                    <p:set>
-                                      <p:cBhvr>
-                                        <p:cTn id="6" dur="1" fill="hold">
-                                          <p:stCondLst>
-                                            <p:cond delay="0"/>
-                                          </p:stCondLst>
-                                        </p:cTn>
-                                        <p:tgtEl>
-                                          <p:spTgt spid="11">
-                                            <p:txEl>
-                                              <p:pRg st="0" end="0"/>
-                                            </p:txEl>
-                                          </p:spTgt>
-                                        </p:tgtEl>
-                                        <p:attrNameLst>
-                                          <p:attrName>style.visibility</p:attrName>
-                                        </p:attrNameLst>
-                                      </p:cBhvr>
-                                      <p:to>
-                                        <p:strVal val="visible"/>
-                                      </p:to>
-                                    </p:set>
-                                    <p:animEffect transition="in" filter="wipe(left)">
-                                      <p:cBhvr>
-                                        <p:cTn id="7" dur="1000"/>
-                                        <p:tgtEl>
-                                          <p:spTgt spid="11">
-                                            <p:txEl>
-                                              <p:pRg st="0" end="0"/>
-                                            </p:txEl>
-                                          </p:spTgt>
-                                        </p:tgtEl>
-                                      </p:cBhvr>
-                                    </p:animEffect>
-                                  </p:childTnLst>
-                                </p:cTn>
-                              </p:par>
-                              <p:par>
-                                <p:cTn id="8" presetID="22" presetClass="entr" presetSubtype="8" fill="hold" grpId="0" nodeType="withEffect">
-                                  <p:stCondLst>
-                                    <p:cond delay="0"/>
-                                  </p:stCondLst>
-                                  <p:childTnLst>
-                                    <p:set>
-                                      <p:cBhvr>
-                                        <p:cTn id="9" dur="1" fill="hold">
-                                          <p:stCondLst>
-                                            <p:cond delay="0"/>
-                                          </p:stCondLst>
-                                        </p:cTn>
-                                        <p:tgtEl>
-                                          <p:spTgt spid="11">
-                                            <p:txEl>
-                                              <p:pRg st="1" end="1"/>
-                                            </p:txEl>
-                                          </p:spTgt>
-                                        </p:tgtEl>
-                                        <p:attrNameLst>
-                                          <p:attrName>style.visibility</p:attrName>
-                                        </p:attrNameLst>
-                                      </p:cBhvr>
-                                      <p:to>
-                                        <p:strVal val="visible"/>
-                                      </p:to>
-                                    </p:set>
-                                    <p:animEffect transition="in" filter="wipe(left)">
-                                      <p:cBhvr>
-                                        <p:cTn id="10" dur="1000"/>
-                                        <p:tgtEl>
-                                          <p:spTgt spid="11">
-                                            <p:txEl>
-                                              <p:pRg st="1" end="1"/>
-                                            </p:txEl>
-                                          </p:spTgt>
-                                        </p:tgtEl>
-                                      </p:cBhvr>
-                                    </p:animEffect>
-                                  </p:childTnLst>
-                                </p:cTn>
-                              </p:par>
-                              <p:par>
-                                <p:cTn id="11" presetID="22" presetClass="entr" presetSubtype="8" fill="hold" grpId="0" nodeType="withEffect">
-                                  <p:stCondLst>
-                                    <p:cond delay="0"/>
-                                  </p:stCondLst>
-                                  <p:childTnLst>
-                                    <p:set>
-                                      <p:cBhvr>
-                                        <p:cTn id="12" dur="1" fill="hold">
-                                          <p:stCondLst>
-                                            <p:cond delay="0"/>
-                                          </p:stCondLst>
-                                        </p:cTn>
-                                        <p:tgtEl>
-                                          <p:spTgt spid="11">
-                                            <p:txEl>
-                                              <p:pRg st="2" end="2"/>
-                                            </p:txEl>
-                                          </p:spTgt>
-                                        </p:tgtEl>
-                                        <p:attrNameLst>
-                                          <p:attrName>style.visibility</p:attrName>
-                                        </p:attrNameLst>
-                                      </p:cBhvr>
-                                      <p:to>
-                                        <p:strVal val="visible"/>
-                                      </p:to>
-                                    </p:set>
-                                    <p:animEffect transition="in" filter="wipe(left)">
-                                      <p:cBhvr>
-                                        <p:cTn id="13" dur="1000"/>
-                                        <p:tgtEl>
-                                          <p:spTgt spid="11">
-                                            <p:txEl>
-                                              <p:pRg st="2" end="2"/>
-                                            </p:txEl>
-                                          </p:spTgt>
-                                        </p:tgtEl>
-                                      </p:cBhvr>
-                                    </p:animEffect>
-                                  </p:childTnLst>
-                                </p:cTn>
-                              </p:par>
-                              <p:par>
-                                <p:cTn id="14" presetID="22" presetClass="entr" presetSubtype="8" fill="hold" grpId="0" nodeType="withEffect">
-                                  <p:stCondLst>
-                                    <p:cond delay="0"/>
-                                  </p:stCondLst>
-                                  <p:childTnLst>
-                                    <p:set>
-                                      <p:cBhvr>
-                                        <p:cTn id="15" dur="1" fill="hold">
-                                          <p:stCondLst>
-                                            <p:cond delay="0"/>
-                                          </p:stCondLst>
-                                        </p:cTn>
-                                        <p:tgtEl>
-                                          <p:spTgt spid="11">
-                                            <p:txEl>
-                                              <p:pRg st="3" end="3"/>
-                                            </p:txEl>
-                                          </p:spTgt>
-                                        </p:tgtEl>
-                                        <p:attrNameLst>
-                                          <p:attrName>style.visibility</p:attrName>
-                                        </p:attrNameLst>
-                                      </p:cBhvr>
-                                      <p:to>
-                                        <p:strVal val="visible"/>
-                                      </p:to>
-                                    </p:set>
-                                    <p:animEffect transition="in" filter="wipe(left)">
-                                      <p:cBhvr>
-                                        <p:cTn id="16" dur="1000"/>
-                                        <p:tgtEl>
-                                          <p:spTgt spid="11">
-                                            <p:txEl>
-                                              <p:pRg st="3" end="3"/>
-                                            </p:txEl>
-                                          </p:spTgt>
-                                        </p:tgtEl>
-                                      </p:cBhvr>
-                                    </p:animEffect>
-                                  </p:childTnLst>
-                                </p:cTn>
-                              </p:par>
-                              <p:par>
-                                <p:cTn id="17" presetID="22" presetClass="entr" presetSubtype="8" fill="hold" grpId="0" nodeType="withEffect">
-                                  <p:stCondLst>
-                                    <p:cond delay="0"/>
-                                  </p:stCondLst>
-                                  <p:childTnLst>
-                                    <p:set>
-                                      <p:cBhvr>
-                                        <p:cTn id="18" dur="1" fill="hold">
-                                          <p:stCondLst>
-                                            <p:cond delay="0"/>
-                                          </p:stCondLst>
-                                        </p:cTn>
-                                        <p:tgtEl>
-                                          <p:spTgt spid="11">
-                                            <p:txEl>
-                                              <p:pRg st="4" end="4"/>
-                                            </p:txEl>
-                                          </p:spTgt>
-                                        </p:tgtEl>
-                                        <p:attrNameLst>
-                                          <p:attrName>style.visibility</p:attrName>
-                                        </p:attrNameLst>
-                                      </p:cBhvr>
-                                      <p:to>
-                                        <p:strVal val="visible"/>
-                                      </p:to>
-                                    </p:set>
-                                    <p:animEffect transition="in" filter="wipe(left)">
-                                      <p:cBhvr>
-                                        <p:cTn id="19" dur="1000"/>
-                                        <p:tgtEl>
-                                          <p:spTgt spid="11">
-                                            <p:txEl>
-                                              <p:pRg st="4" end="4"/>
-                                            </p:txEl>
-                                          </p:spTgt>
-                                        </p:tgtEl>
-                                      </p:cBhvr>
-                                    </p:animEffect>
-                                  </p:childTnLst>
-                                </p:cTn>
-                              </p:par>
-                            </p:childTnLst>
-                          </p:cTn>
-                        </p:par>
-                      </p:childTnLst>
-                    </p:cTn>
-                  </p:par>
-                </p:childTnLst>
-              </p:cTn>
-              <p:prevCondLst>
-                <p:cond evt="onPrev" delay="0">
-                  <p:tgtEl>
-                    <p:sldTgt/>
-                  </p:tgtEl>
-                </p:cond>
-              </p:prevCondLst>
-              <p:nextCondLst>
-                <p:cond evt="onNext" delay="0">
-                  <p:tgtEl>
-                    <p:sldTgt/>
-                  </p:tgtEl>
-                </p:cond>
-              </p:nextCondLst>
-            </p:seq>
-          </p:childTnLst>
-        </p:cTn>
-      </p:par>
-    </p:tnLst>
-    <p:bldLst>
-      <p:bldP spid="11" grpId="0" build="p"/>
-    </p:bldLst>
-  </p:timing>
-</p:sld>
-</file>
-
-<file path=ppt/slides/slide20.xml><?xml version="1.0" encoding="utf-8"?>
+<file path=ppt/slides/slide23.xml><?xml version="1.0" encoding="utf-8"?>
 <p:sld xmlns:a="http://schemas.openxmlformats.org/drawingml/2006/main" xmlns:r="http://schemas.openxmlformats.org/officeDocument/2006/relationships" xmlns:p="http://schemas.openxmlformats.org/presentationml/2006/main">
   <p:cSld>
     <p:spTree>
@@ -17816,7 +20224,7 @@
 </p:sld>
 </file>
 
-<file path=ppt/slides/slide21.xml><?xml version="1.0" encoding="utf-8"?>
+<file path=ppt/slides/slide24.xml><?xml version="1.0" encoding="utf-8"?>
 <p:sld xmlns:a="http://schemas.openxmlformats.org/drawingml/2006/main" xmlns:r="http://schemas.openxmlformats.org/officeDocument/2006/relationships" xmlns:p="http://schemas.openxmlformats.org/presentationml/2006/main">
   <p:cSld>
     <p:spTree>
@@ -18544,7 +20952,7 @@
 </p:sld>
 </file>
 
-<file path=ppt/slides/slide22.xml><?xml version="1.0" encoding="utf-8"?>
+<file path=ppt/slides/slide25.xml><?xml version="1.0" encoding="utf-8"?>
 <p:sld xmlns:a="http://schemas.openxmlformats.org/drawingml/2006/main" xmlns:r="http://schemas.openxmlformats.org/officeDocument/2006/relationships" xmlns:p="http://schemas.openxmlformats.org/presentationml/2006/main">
   <p:cSld>
     <p:spTree>
@@ -19140,7 +21548,7 @@
 </p:sld>
 </file>
 
-<file path=ppt/slides/slide23.xml><?xml version="1.0" encoding="utf-8"?>
+<file path=ppt/slides/slide26.xml><?xml version="1.0" encoding="utf-8"?>
 <p:sld xmlns:a="http://schemas.openxmlformats.org/drawingml/2006/main" xmlns:r="http://schemas.openxmlformats.org/officeDocument/2006/relationships" xmlns:p="http://schemas.openxmlformats.org/presentationml/2006/main">
   <p:cSld>
     <p:spTree>
@@ -20419,7 +22827,7 @@
         </p:spPr>
         <p:txBody>
           <a:bodyPr vert="horz" lIns="91440" tIns="45720" rIns="91440" bIns="45720" rtlCol="0">
-            <a:normAutofit fontScale="70000" lnSpcReduction="20000"/>
+            <a:noAutofit/>
           </a:bodyPr>
           <a:lstStyle>
             <a:lvl1pPr marL="342900" indent="-342900" algn="l" defTabSz="457200" rtl="0" eaLnBrk="1" latinLnBrk="0" hangingPunct="1">
@@ -21990,8 +24398,8 @@
         </p:nvSpPr>
         <p:spPr>
           <a:xfrm>
-            <a:off x="3500285" y="2500001"/>
-            <a:ext cx="4803058" cy="1418371"/>
+            <a:off x="3450181" y="2361078"/>
+            <a:ext cx="4803058" cy="1696218"/>
           </a:xfrm>
           <a:prstGeom prst="rect">
             <a:avLst/>
@@ -22699,7 +25107,7 @@
         <p:spPr>
           <a:xfrm>
             <a:off x="6458937" y="506014"/>
-            <a:ext cx="1844406" cy="442452"/>
+            <a:ext cx="2284230" cy="442452"/>
           </a:xfrm>
           <a:prstGeom prst="rect">
             <a:avLst/>
@@ -22741,7 +25149,7 @@
                   <a:schemeClr val="tx1"/>
                 </a:solidFill>
               </a:rPr>
-              <a:t>Composition</a:t>
+              <a:t>Aperçu</a:t>
             </a:r>
           </a:p>
         </p:txBody>
@@ -22896,18 +25304,24 @@
       </p:sp>
       <p:sp>
         <p:nvSpPr>
-          <p:cNvPr id="9" name="Rectangle 8"/>
+          <p:cNvPr id="13" name="Rectangle 12"/>
           <p:cNvSpPr/>
           <p:nvPr/>
         </p:nvSpPr>
         <p:spPr>
           <a:xfrm>
-            <a:off x="-14503" y="0"/>
-            <a:ext cx="2177143" cy="6858000"/>
-          </a:xfrm>
-          <a:prstGeom prst="rect">
-            <a:avLst/>
-          </a:prstGeom>
+            <a:off x="3291882" y="506014"/>
+            <a:ext cx="1619331" cy="442452"/>
+          </a:xfrm>
+          <a:prstGeom prst="rect">
+            <a:avLst/>
+          </a:prstGeom>
+          <a:solidFill>
+            <a:schemeClr val="bg2">
+              <a:lumMod val="60000"/>
+              <a:lumOff val="40000"/>
+            </a:schemeClr>
+          </a:solidFill>
           <a:ln>
             <a:noFill/>
           </a:ln>
@@ -22933,25 +25347,37 @@
           <a:lstStyle/>
           <a:p>
             <a:pPr algn="ctr"/>
-            <a:endParaRPr lang="fr-FR"/>
-          </a:p>
-        </p:txBody>
-      </p:sp>
-      <p:sp>
-        <p:nvSpPr>
-          <p:cNvPr id="10" name="Rectangle 9"/>
+            <a:r>
+              <a:rPr lang="fr-FR" dirty="0">
+                <a:solidFill>
+                  <a:srgbClr val="C00000"/>
+                </a:solidFill>
+              </a:rPr>
+              <a:t>Objectifs</a:t>
+            </a:r>
+          </a:p>
+        </p:txBody>
+      </p:sp>
+      <p:sp>
+        <p:nvSpPr>
+          <p:cNvPr id="14" name="Rectangle 13"/>
           <p:cNvSpPr/>
           <p:nvPr/>
         </p:nvSpPr>
         <p:spPr>
           <a:xfrm>
-            <a:off x="-10509" y="-14513"/>
-            <a:ext cx="2318280" cy="1483506"/>
-          </a:xfrm>
-          <a:prstGeom prst="rect">
-            <a:avLst/>
-          </a:prstGeom>
-          <a:noFill/>
+            <a:off x="4911213" y="506014"/>
+            <a:ext cx="1619331" cy="442452"/>
+          </a:xfrm>
+          <a:prstGeom prst="rect">
+            <a:avLst/>
+          </a:prstGeom>
+          <a:solidFill>
+            <a:schemeClr val="bg2">
+              <a:lumMod val="60000"/>
+              <a:lumOff val="40000"/>
+            </a:schemeClr>
+          </a:solidFill>
           <a:ln>
             <a:noFill/>
           </a:ln>
@@ -22978,27 +25404,36 @@
           <a:p>
             <a:pPr algn="ctr"/>
             <a:r>
-              <a:rPr lang="fr-FR" dirty="0"/>
-              <a:t>INTRODUCTION</a:t>
-            </a:r>
-          </a:p>
-        </p:txBody>
-      </p:sp>
-      <p:sp>
-        <p:nvSpPr>
-          <p:cNvPr id="12" name="Rectangle 11"/>
+              <a:rPr lang="fr-FR" dirty="0">
+                <a:solidFill>
+                  <a:srgbClr val="C00000"/>
+                </a:solidFill>
+              </a:rPr>
+              <a:t>Réalisation</a:t>
+            </a:r>
+          </a:p>
+        </p:txBody>
+      </p:sp>
+      <p:sp>
+        <p:nvSpPr>
+          <p:cNvPr id="15" name="Rectangle 14"/>
           <p:cNvSpPr/>
           <p:nvPr/>
         </p:nvSpPr>
         <p:spPr>
           <a:xfrm>
-            <a:off x="-12515" y="1483507"/>
-            <a:ext cx="2320286" cy="1187122"/>
-          </a:xfrm>
-          <a:prstGeom prst="rect">
-            <a:avLst/>
-          </a:prstGeom>
-          <a:noFill/>
+            <a:off x="6458937" y="506014"/>
+            <a:ext cx="1844406" cy="442452"/>
+          </a:xfrm>
+          <a:prstGeom prst="rect">
+            <a:avLst/>
+          </a:prstGeom>
+          <a:solidFill>
+            <a:schemeClr val="bg2">
+              <a:lumMod val="60000"/>
+              <a:lumOff val="40000"/>
+            </a:schemeClr>
+          </a:solidFill>
           <a:ln>
             <a:noFill/>
           </a:ln>
@@ -23025,6 +25460,147 @@
           <a:p>
             <a:pPr algn="ctr"/>
             <a:r>
+              <a:rPr lang="fr-FR" dirty="0">
+                <a:solidFill>
+                  <a:schemeClr val="tx1"/>
+                </a:solidFill>
+              </a:rPr>
+              <a:t>Aperçu</a:t>
+            </a:r>
+          </a:p>
+        </p:txBody>
+      </p:sp>
+      <p:sp>
+        <p:nvSpPr>
+          <p:cNvPr id="16" name="Rectangle 15"/>
+          <p:cNvSpPr/>
+          <p:nvPr/>
+        </p:nvSpPr>
+        <p:spPr>
+          <a:xfrm>
+            <a:off x="-15189" y="0"/>
+            <a:ext cx="2177143" cy="6858000"/>
+          </a:xfrm>
+          <a:prstGeom prst="rect">
+            <a:avLst/>
+          </a:prstGeom>
+          <a:ln>
+            <a:noFill/>
+          </a:ln>
+        </p:spPr>
+        <p:style>
+          <a:lnRef idx="2">
+            <a:schemeClr val="accent1">
+              <a:shade val="50000"/>
+            </a:schemeClr>
+          </a:lnRef>
+          <a:fillRef idx="1">
+            <a:schemeClr val="accent1"/>
+          </a:fillRef>
+          <a:effectRef idx="0">
+            <a:schemeClr val="accent1"/>
+          </a:effectRef>
+          <a:fontRef idx="minor">
+            <a:schemeClr val="lt1"/>
+          </a:fontRef>
+        </p:style>
+        <p:txBody>
+          <a:bodyPr rtlCol="0" anchor="ctr"/>
+          <a:lstStyle/>
+          <a:p>
+            <a:pPr algn="ctr"/>
+            <a:endParaRPr lang="fr-FR"/>
+          </a:p>
+        </p:txBody>
+      </p:sp>
+      <p:sp>
+        <p:nvSpPr>
+          <p:cNvPr id="17" name="Rectangle 16"/>
+          <p:cNvSpPr/>
+          <p:nvPr/>
+        </p:nvSpPr>
+        <p:spPr>
+          <a:xfrm>
+            <a:off x="-10509" y="-14513"/>
+            <a:ext cx="2194068" cy="1483506"/>
+          </a:xfrm>
+          <a:prstGeom prst="rect">
+            <a:avLst/>
+          </a:prstGeom>
+          <a:noFill/>
+          <a:ln>
+            <a:noFill/>
+          </a:ln>
+        </p:spPr>
+        <p:style>
+          <a:lnRef idx="2">
+            <a:schemeClr val="accent1">
+              <a:shade val="50000"/>
+            </a:schemeClr>
+          </a:lnRef>
+          <a:fillRef idx="1">
+            <a:schemeClr val="accent1"/>
+          </a:fillRef>
+          <a:effectRef idx="0">
+            <a:schemeClr val="accent1"/>
+          </a:effectRef>
+          <a:fontRef idx="minor">
+            <a:schemeClr val="lt1"/>
+          </a:fontRef>
+        </p:style>
+        <p:txBody>
+          <a:bodyPr rtlCol="0" anchor="ctr"/>
+          <a:lstStyle/>
+          <a:p>
+            <a:pPr algn="ctr"/>
+            <a:r>
+              <a:rPr lang="fr-FR" dirty="0"/>
+              <a:t>Introduction</a:t>
+            </a:r>
+          </a:p>
+        </p:txBody>
+      </p:sp>
+      <p:sp>
+        <p:nvSpPr>
+          <p:cNvPr id="18" name="Rectangle 17"/>
+          <p:cNvSpPr/>
+          <p:nvPr/>
+        </p:nvSpPr>
+        <p:spPr>
+          <a:xfrm>
+            <a:off x="-12515" y="1483507"/>
+            <a:ext cx="2196074" cy="1011830"/>
+          </a:xfrm>
+          <a:prstGeom prst="rect">
+            <a:avLst/>
+          </a:prstGeom>
+          <a:noFill/>
+          <a:ln>
+            <a:noFill/>
+          </a:ln>
+        </p:spPr>
+        <p:style>
+          <a:lnRef idx="2">
+            <a:schemeClr val="accent1">
+              <a:shade val="50000"/>
+            </a:schemeClr>
+          </a:lnRef>
+          <a:fillRef idx="1">
+            <a:schemeClr val="accent1"/>
+          </a:fillRef>
+          <a:effectRef idx="0">
+            <a:schemeClr val="accent1"/>
+          </a:effectRef>
+          <a:fontRef idx="minor">
+            <a:schemeClr val="lt1"/>
+          </a:fontRef>
+        </p:style>
+        <p:txBody>
+          <a:bodyPr rtlCol="0" anchor="ctr"/>
+          <a:lstStyle/>
+          <a:p>
+            <a:pPr algn="ctr"/>
+            <a:r>
               <a:rPr lang="fr-FR" dirty="0"/>
               <a:t>AICOM</a:t>
             </a:r>
@@ -23033,14 +25609,14 @@
       </p:sp>
       <p:sp>
         <p:nvSpPr>
-          <p:cNvPr id="2" name="Rectangle 1"/>
+          <p:cNvPr id="19" name="Rectangle 18"/>
           <p:cNvSpPr/>
           <p:nvPr/>
         </p:nvSpPr>
         <p:spPr>
           <a:xfrm>
             <a:off x="-14510" y="2688198"/>
-            <a:ext cx="2510967" cy="1041978"/>
+            <a:ext cx="2175787" cy="1041978"/>
           </a:xfrm>
           <a:prstGeom prst="rect">
             <a:avLst/>
@@ -23078,21 +25654,21 @@
             <a:pPr algn="ctr"/>
             <a:r>
               <a:rPr lang="fr-FR" dirty="0"/>
-              <a:t>SITE INTERNET</a:t>
-            </a:r>
-          </a:p>
-        </p:txBody>
-      </p:sp>
-      <p:sp>
-        <p:nvSpPr>
-          <p:cNvPr id="5" name="Rectangle 4"/>
+              <a:t>Site immobilier</a:t>
+            </a:r>
+          </a:p>
+        </p:txBody>
+      </p:sp>
+      <p:sp>
+        <p:nvSpPr>
+          <p:cNvPr id="20" name="Rectangle 19"/>
           <p:cNvSpPr/>
           <p:nvPr/>
         </p:nvSpPr>
         <p:spPr>
           <a:xfrm>
-            <a:off x="-18425" y="3749233"/>
-            <a:ext cx="2552981" cy="967920"/>
+            <a:off x="-18424" y="3749233"/>
+            <a:ext cx="2201984" cy="967920"/>
           </a:xfrm>
           <a:prstGeom prst="rect">
             <a:avLst/>
@@ -23125,21 +25701,21 @@
             <a:pPr algn="ctr"/>
             <a:r>
               <a:rPr lang="fr-FR" dirty="0"/>
-              <a:t>APPLICATION</a:t>
-            </a:r>
-          </a:p>
-        </p:txBody>
-      </p:sp>
-      <p:sp>
-        <p:nvSpPr>
-          <p:cNvPr id="7" name="Rectangle 6"/>
+              <a:t>Moteur de recherche</a:t>
+            </a:r>
+          </a:p>
+        </p:txBody>
+      </p:sp>
+      <p:sp>
+        <p:nvSpPr>
+          <p:cNvPr id="21" name="Rectangle 20"/>
           <p:cNvSpPr/>
           <p:nvPr/>
         </p:nvSpPr>
         <p:spPr>
           <a:xfrm>
-            <a:off x="2191" y="5748669"/>
-            <a:ext cx="2532365" cy="1109331"/>
+            <a:off x="2192" y="5748669"/>
+            <a:ext cx="2181368" cy="1109331"/>
           </a:xfrm>
           <a:prstGeom prst="rect">
             <a:avLst/>
@@ -23172,21 +25748,21 @@
             <a:pPr algn="ctr"/>
             <a:r>
               <a:rPr lang="fr-FR" dirty="0"/>
-              <a:t>CONCLUSION</a:t>
-            </a:r>
-          </a:p>
-        </p:txBody>
-      </p:sp>
-      <p:sp>
-        <p:nvSpPr>
-          <p:cNvPr id="8" name="Rectangle 7"/>
+              <a:t>Conclusion</a:t>
+            </a:r>
+          </a:p>
+        </p:txBody>
+      </p:sp>
+      <p:sp>
+        <p:nvSpPr>
+          <p:cNvPr id="22" name="Rectangle 21"/>
           <p:cNvSpPr/>
           <p:nvPr/>
         </p:nvSpPr>
         <p:spPr>
           <a:xfrm>
             <a:off x="-9752" y="4733436"/>
-            <a:ext cx="2544308" cy="1001486"/>
+            <a:ext cx="2171029" cy="1001486"/>
           </a:xfrm>
           <a:prstGeom prst="rect">
             <a:avLst/>
@@ -23219,209 +25795,11 @@
             <a:pPr algn="ctr"/>
             <a:r>
               <a:rPr lang="fr-FR" dirty="0"/>
-              <a:t>LE STAGIAIRE</a:t>
-            </a:r>
-          </a:p>
-        </p:txBody>
-      </p:sp>
-      <p:sp>
-        <p:nvSpPr>
-          <p:cNvPr id="13" name="Rectangle 12"/>
-          <p:cNvSpPr/>
-          <p:nvPr/>
-        </p:nvSpPr>
-        <p:spPr>
-          <a:xfrm>
-            <a:off x="3291882" y="506014"/>
-            <a:ext cx="1619331" cy="442452"/>
-          </a:xfrm>
-          <a:prstGeom prst="rect">
-            <a:avLst/>
-          </a:prstGeom>
-          <a:solidFill>
-            <a:schemeClr val="bg2">
-              <a:lumMod val="60000"/>
-              <a:lumOff val="40000"/>
-            </a:schemeClr>
-          </a:solidFill>
-          <a:ln>
-            <a:noFill/>
-          </a:ln>
-        </p:spPr>
-        <p:style>
-          <a:lnRef idx="2">
-            <a:schemeClr val="accent1">
-              <a:shade val="50000"/>
-            </a:schemeClr>
-          </a:lnRef>
-          <a:fillRef idx="1">
-            <a:schemeClr val="accent1"/>
-          </a:fillRef>
-          <a:effectRef idx="0">
-            <a:schemeClr val="accent1"/>
-          </a:effectRef>
-          <a:fontRef idx="minor">
-            <a:schemeClr val="lt1"/>
-          </a:fontRef>
-        </p:style>
-        <p:txBody>
-          <a:bodyPr rtlCol="0" anchor="ctr"/>
-          <a:lstStyle/>
-          <a:p>
-            <a:pPr algn="ctr"/>
-            <a:r>
-              <a:rPr lang="fr-FR" dirty="0">
-                <a:solidFill>
-                  <a:srgbClr val="C00000"/>
-                </a:solidFill>
-              </a:rPr>
-              <a:t>Objectifs</a:t>
-            </a:r>
-          </a:p>
-        </p:txBody>
-      </p:sp>
-      <p:sp>
-        <p:nvSpPr>
-          <p:cNvPr id="14" name="Rectangle 13"/>
-          <p:cNvSpPr/>
-          <p:nvPr/>
-        </p:nvSpPr>
-        <p:spPr>
-          <a:xfrm>
-            <a:off x="4911213" y="506014"/>
-            <a:ext cx="1619331" cy="442452"/>
-          </a:xfrm>
-          <a:prstGeom prst="rect">
-            <a:avLst/>
-          </a:prstGeom>
-          <a:solidFill>
-            <a:schemeClr val="bg2">
-              <a:lumMod val="60000"/>
-              <a:lumOff val="40000"/>
-            </a:schemeClr>
-          </a:solidFill>
-          <a:ln>
-            <a:noFill/>
-          </a:ln>
-        </p:spPr>
-        <p:style>
-          <a:lnRef idx="2">
-            <a:schemeClr val="accent1">
-              <a:shade val="50000"/>
-            </a:schemeClr>
-          </a:lnRef>
-          <a:fillRef idx="1">
-            <a:schemeClr val="accent1"/>
-          </a:fillRef>
-          <a:effectRef idx="0">
-            <a:schemeClr val="accent1"/>
-          </a:effectRef>
-          <a:fontRef idx="minor">
-            <a:schemeClr val="lt1"/>
-          </a:fontRef>
-        </p:style>
-        <p:txBody>
-          <a:bodyPr rtlCol="0" anchor="ctr"/>
-          <a:lstStyle/>
-          <a:p>
-            <a:pPr algn="ctr"/>
-            <a:r>
-              <a:rPr lang="fr-FR" dirty="0">
-                <a:solidFill>
-                  <a:srgbClr val="C00000"/>
-                </a:solidFill>
-              </a:rPr>
-              <a:t>MCD</a:t>
-            </a:r>
-          </a:p>
-        </p:txBody>
-      </p:sp>
-      <p:sp>
-        <p:nvSpPr>
-          <p:cNvPr id="15" name="Rectangle 14"/>
-          <p:cNvSpPr/>
-          <p:nvPr/>
-        </p:nvSpPr>
-        <p:spPr>
-          <a:xfrm>
-            <a:off x="6458937" y="506014"/>
-            <a:ext cx="1844406" cy="442452"/>
-          </a:xfrm>
-          <a:prstGeom prst="rect">
-            <a:avLst/>
-          </a:prstGeom>
-          <a:solidFill>
-            <a:schemeClr val="bg2">
-              <a:lumMod val="60000"/>
-              <a:lumOff val="40000"/>
-            </a:schemeClr>
-          </a:solidFill>
-          <a:ln>
-            <a:noFill/>
-          </a:ln>
-        </p:spPr>
-        <p:style>
-          <a:lnRef idx="2">
-            <a:schemeClr val="accent1">
-              <a:shade val="50000"/>
-            </a:schemeClr>
-          </a:lnRef>
-          <a:fillRef idx="1">
-            <a:schemeClr val="accent1"/>
-          </a:fillRef>
-          <a:effectRef idx="0">
-            <a:schemeClr val="accent1"/>
-          </a:effectRef>
-          <a:fontRef idx="minor">
-            <a:schemeClr val="lt1"/>
-          </a:fontRef>
-        </p:style>
-        <p:txBody>
-          <a:bodyPr rtlCol="0" anchor="ctr"/>
-          <a:lstStyle/>
-          <a:p>
-            <a:pPr algn="ctr"/>
-            <a:r>
-              <a:rPr lang="fr-FR" dirty="0">
-                <a:solidFill>
-                  <a:schemeClr val="tx1"/>
-                </a:solidFill>
-              </a:rPr>
-              <a:t>Composition</a:t>
-            </a:r>
-          </a:p>
-        </p:txBody>
-      </p:sp>
-      <p:pic>
-        <p:nvPicPr>
-          <p:cNvPr id="11" name="Image 10"/>
-          <p:cNvPicPr>
-            <a:picLocks noChangeAspect="1"/>
-          </p:cNvPicPr>
-          <p:nvPr/>
-        </p:nvPicPr>
-        <p:blipFill>
-          <a:blip r:embed="rId3">
-            <a:extLst>
-              <a:ext uri="{28A0092B-C50C-407E-A947-70E740481C1C}">
-                <a14:useLocalDpi xmlns:a14="http://schemas.microsoft.com/office/drawing/2010/main" val="0"/>
-              </a:ext>
-            </a:extLst>
-          </a:blip>
-          <a:stretch>
-            <a:fillRect/>
-          </a:stretch>
-        </p:blipFill>
-        <p:spPr>
-          <a:xfrm>
-            <a:off x="3291881" y="1312606"/>
-            <a:ext cx="7813653" cy="5161936"/>
-          </a:xfrm>
-          <a:prstGeom prst="rect">
-            <a:avLst/>
-          </a:prstGeom>
-        </p:spPr>
-      </p:pic>
+              <a:t>L’entreprise et moi</a:t>
+            </a:r>
+          </a:p>
+        </p:txBody>
+      </p:sp>
     </p:spTree>
     <p:extLst>
       <p:ext uri="{BB962C8B-B14F-4D97-AF65-F5344CB8AC3E}">
@@ -23432,92 +25810,6 @@
   <p:clrMapOvr>
     <a:masterClrMapping/>
   </p:clrMapOvr>
-  <p:timing>
-    <p:tnLst>
-      <p:par>
-        <p:cTn id="1" dur="indefinite" restart="never" nodeType="tmRoot">
-          <p:childTnLst>
-            <p:seq concurrent="1" nextAc="seek">
-              <p:cTn id="2" dur="indefinite" nodeType="mainSeq">
-                <p:childTnLst>
-                  <p:par>
-                    <p:cTn id="3" fill="hold">
-                      <p:stCondLst>
-                        <p:cond delay="indefinite"/>
-                        <p:cond evt="onBegin" delay="0">
-                          <p:tn val="2"/>
-                        </p:cond>
-                      </p:stCondLst>
-                      <p:childTnLst>
-                        <p:par>
-                          <p:cTn id="4" fill="hold">
-                            <p:stCondLst>
-                              <p:cond delay="0"/>
-                            </p:stCondLst>
-                            <p:childTnLst>
-                              <p:par>
-                                <p:cTn id="5" presetID="22" presetClass="entr" presetSubtype="8" fill="hold" nodeType="afterEffect">
-                                  <p:stCondLst>
-                                    <p:cond delay="0"/>
-                                  </p:stCondLst>
-                                  <p:childTnLst>
-                                    <p:set>
-                                      <p:cBhvr>
-                                        <p:cTn id="6" dur="1" fill="hold">
-                                          <p:stCondLst>
-                                            <p:cond delay="0"/>
-                                          </p:stCondLst>
-                                        </p:cTn>
-                                        <p:tgtEl>
-                                          <p:spTgt spid="11"/>
-                                        </p:tgtEl>
-                                        <p:attrNameLst>
-                                          <p:attrName>style.visibility</p:attrName>
-                                        </p:attrNameLst>
-                                      </p:cBhvr>
-                                      <p:to>
-                                        <p:strVal val="visible"/>
-                                      </p:to>
-                                    </p:set>
-                                    <p:animEffect transition="in" filter="wipe(left)">
-                                      <p:cBhvr>
-                                        <p:cTn id="7" dur="1000"/>
-                                        <p:tgtEl>
-                                          <p:spTgt spid="11"/>
-                                        </p:tgtEl>
-                                      </p:cBhvr>
-                                    </p:animEffect>
-                                  </p:childTnLst>
-                                </p:cTn>
-                              </p:par>
-                            </p:childTnLst>
-                          </p:cTn>
-                        </p:par>
-                      </p:childTnLst>
-                    </p:cTn>
-                  </p:par>
-                </p:childTnLst>
-              </p:cTn>
-              <p:prevCondLst>
-                <p:cond evt="onPrev" delay="0">
-                  <p:tgtEl>
-                    <p:sldTgt/>
-                  </p:tgtEl>
-                </p:cond>
-              </p:prevCondLst>
-              <p:nextCondLst>
-                <p:cond evt="onNext" delay="0">
-                  <p:tgtEl>
-                    <p:sldTgt/>
-                  </p:tgtEl>
-                </p:cond>
-              </p:nextCondLst>
-            </p:seq>
-          </p:childTnLst>
-        </p:cTn>
-      </p:par>
-    </p:tnLst>
-  </p:timing>
 </p:sld>
 </file>
 
@@ -23569,294 +25861,24 @@
       </p:sp>
       <p:sp>
         <p:nvSpPr>
-          <p:cNvPr id="6" name="Espace réservé du contenu 2"/>
-          <p:cNvSpPr txBox="1">
-            <a:spLocks/>
-          </p:cNvSpPr>
-          <p:nvPr/>
-        </p:nvSpPr>
-        <p:spPr>
-          <a:xfrm>
-            <a:off x="4277033" y="2500002"/>
-            <a:ext cx="4803058" cy="877380"/>
-          </a:xfrm>
-          <a:prstGeom prst="rect">
-            <a:avLst/>
-          </a:prstGeom>
-        </p:spPr>
-        <p:txBody>
-          <a:bodyPr vert="horz" lIns="91440" tIns="45720" rIns="91440" bIns="45720" rtlCol="0">
-            <a:normAutofit/>
-          </a:bodyPr>
-          <a:lstStyle>
-            <a:lvl1pPr marL="342900" indent="-342900" algn="l" defTabSz="457200" rtl="0" eaLnBrk="1" latinLnBrk="0" hangingPunct="1">
-              <a:spcBef>
-                <a:spcPts val="1000"/>
-              </a:spcBef>
-              <a:spcAft>
-                <a:spcPts val="0"/>
-              </a:spcAft>
-              <a:buClr>
-                <a:schemeClr val="bg2">
-                  <a:lumMod val="40000"/>
-                  <a:lumOff val="60000"/>
-                </a:schemeClr>
-              </a:buClr>
-              <a:buSzPct val="80000"/>
-              <a:buFont typeface="Wingdings 3" charset="2"/>
-              <a:buChar char=""/>
-              <a:defRPr sz="2000" b="0" i="0" kern="1200">
-                <a:solidFill>
-                  <a:schemeClr val="tx1"/>
-                </a:solidFill>
-                <a:latin typeface="+mj-lt"/>
-                <a:ea typeface="+mj-ea"/>
-                <a:cs typeface="+mj-cs"/>
-              </a:defRPr>
-            </a:lvl1pPr>
-            <a:lvl2pPr marL="742950" indent="-285750" algn="l" defTabSz="457200" rtl="0" eaLnBrk="1" latinLnBrk="0" hangingPunct="1">
-              <a:spcBef>
-                <a:spcPts val="1000"/>
-              </a:spcBef>
-              <a:spcAft>
-                <a:spcPts val="0"/>
-              </a:spcAft>
-              <a:buClr>
-                <a:schemeClr val="bg2">
-                  <a:lumMod val="40000"/>
-                  <a:lumOff val="60000"/>
-                </a:schemeClr>
-              </a:buClr>
-              <a:buSzPct val="80000"/>
-              <a:buFont typeface="Wingdings 3" charset="2"/>
-              <a:buChar char=""/>
-              <a:defRPr sz="1800" b="0" i="0" kern="1200">
-                <a:solidFill>
-                  <a:schemeClr val="tx1"/>
-                </a:solidFill>
-                <a:latin typeface="+mj-lt"/>
-                <a:ea typeface="+mj-ea"/>
-                <a:cs typeface="+mj-cs"/>
-              </a:defRPr>
-            </a:lvl2pPr>
-            <a:lvl3pPr marL="1143000" indent="-228600" algn="l" defTabSz="457200" rtl="0" eaLnBrk="1" latinLnBrk="0" hangingPunct="1">
-              <a:spcBef>
-                <a:spcPts val="1000"/>
-              </a:spcBef>
-              <a:spcAft>
-                <a:spcPts val="0"/>
-              </a:spcAft>
-              <a:buClr>
-                <a:schemeClr val="bg2">
-                  <a:lumMod val="40000"/>
-                  <a:lumOff val="60000"/>
-                </a:schemeClr>
-              </a:buClr>
-              <a:buSzPct val="80000"/>
-              <a:buFont typeface="Wingdings 3" charset="2"/>
-              <a:buChar char=""/>
-              <a:defRPr sz="1600" b="0" i="0" kern="1200">
-                <a:solidFill>
-                  <a:schemeClr val="tx1"/>
-                </a:solidFill>
-                <a:latin typeface="+mj-lt"/>
-                <a:ea typeface="+mj-ea"/>
-                <a:cs typeface="+mj-cs"/>
-              </a:defRPr>
-            </a:lvl3pPr>
-            <a:lvl4pPr marL="1600200" indent="-228600" algn="l" defTabSz="457200" rtl="0" eaLnBrk="1" latinLnBrk="0" hangingPunct="1">
-              <a:spcBef>
-                <a:spcPts val="1000"/>
-              </a:spcBef>
-              <a:spcAft>
-                <a:spcPts val="0"/>
-              </a:spcAft>
-              <a:buClr>
-                <a:schemeClr val="bg2">
-                  <a:lumMod val="40000"/>
-                  <a:lumOff val="60000"/>
-                </a:schemeClr>
-              </a:buClr>
-              <a:buSzPct val="80000"/>
-              <a:buFont typeface="Wingdings 3" charset="2"/>
-              <a:buChar char=""/>
-              <a:defRPr sz="1400" b="0" i="0" kern="1200">
-                <a:solidFill>
-                  <a:schemeClr val="tx1"/>
-                </a:solidFill>
-                <a:latin typeface="+mj-lt"/>
-                <a:ea typeface="+mj-ea"/>
-                <a:cs typeface="+mj-cs"/>
-              </a:defRPr>
-            </a:lvl4pPr>
-            <a:lvl5pPr marL="2057400" indent="-228600" algn="l" defTabSz="457200" rtl="0" eaLnBrk="1" latinLnBrk="0" hangingPunct="1">
-              <a:spcBef>
-                <a:spcPts val="1000"/>
-              </a:spcBef>
-              <a:spcAft>
-                <a:spcPts val="0"/>
-              </a:spcAft>
-              <a:buClr>
-                <a:schemeClr val="bg2">
-                  <a:lumMod val="40000"/>
-                  <a:lumOff val="60000"/>
-                </a:schemeClr>
-              </a:buClr>
-              <a:buSzPct val="80000"/>
-              <a:buFont typeface="Wingdings 3" charset="2"/>
-              <a:buChar char=""/>
-              <a:defRPr sz="1400" b="0" i="0" kern="1200">
-                <a:solidFill>
-                  <a:schemeClr val="tx1"/>
-                </a:solidFill>
-                <a:latin typeface="+mj-lt"/>
-                <a:ea typeface="+mj-ea"/>
-                <a:cs typeface="+mj-cs"/>
-              </a:defRPr>
-            </a:lvl5pPr>
-            <a:lvl6pPr marL="2506000" indent="-228600" algn="l" defTabSz="457200" rtl="0" eaLnBrk="1" latinLnBrk="0" hangingPunct="1">
-              <a:spcBef>
-                <a:spcPts val="1000"/>
-              </a:spcBef>
-              <a:spcAft>
-                <a:spcPts val="0"/>
-              </a:spcAft>
-              <a:buClr>
-                <a:schemeClr val="bg2">
-                  <a:lumMod val="40000"/>
-                  <a:lumOff val="60000"/>
-                </a:schemeClr>
-              </a:buClr>
-              <a:buSzPct val="80000"/>
-              <a:buFont typeface="Wingdings 3" charset="2"/>
-              <a:buChar char=""/>
-              <a:defRPr sz="1400" b="0" i="0" kern="1200">
-                <a:solidFill>
-                  <a:schemeClr val="tx1"/>
-                </a:solidFill>
-                <a:latin typeface="+mj-lt"/>
-                <a:ea typeface="+mj-ea"/>
-                <a:cs typeface="+mj-cs"/>
-              </a:defRPr>
-            </a:lvl6pPr>
-            <a:lvl7pPr marL="2971800" indent="-228600" algn="l" defTabSz="457200" rtl="0" eaLnBrk="1" latinLnBrk="0" hangingPunct="1">
-              <a:spcBef>
-                <a:spcPts val="1000"/>
-              </a:spcBef>
-              <a:spcAft>
-                <a:spcPts val="0"/>
-              </a:spcAft>
-              <a:buClr>
-                <a:schemeClr val="bg2">
-                  <a:lumMod val="40000"/>
-                  <a:lumOff val="60000"/>
-                </a:schemeClr>
-              </a:buClr>
-              <a:buSzPct val="80000"/>
-              <a:buFont typeface="Wingdings 3" charset="2"/>
-              <a:buChar char=""/>
-              <a:defRPr sz="1400" b="0" i="0" kern="1200">
-                <a:solidFill>
-                  <a:schemeClr val="tx1"/>
-                </a:solidFill>
-                <a:latin typeface="+mj-lt"/>
-                <a:ea typeface="+mj-ea"/>
-                <a:cs typeface="+mj-cs"/>
-              </a:defRPr>
-            </a:lvl7pPr>
-            <a:lvl8pPr marL="3429000" indent="-228600" algn="l" defTabSz="457200" rtl="0" eaLnBrk="1" latinLnBrk="0" hangingPunct="1">
-              <a:spcBef>
-                <a:spcPts val="1000"/>
-              </a:spcBef>
-              <a:spcAft>
-                <a:spcPts val="0"/>
-              </a:spcAft>
-              <a:buClr>
-                <a:schemeClr val="bg2">
-                  <a:lumMod val="40000"/>
-                  <a:lumOff val="60000"/>
-                </a:schemeClr>
-              </a:buClr>
-              <a:buSzPct val="80000"/>
-              <a:buFont typeface="Wingdings 3" charset="2"/>
-              <a:buChar char=""/>
-              <a:defRPr sz="1400" b="0" i="0" kern="1200">
-                <a:solidFill>
-                  <a:schemeClr val="tx1"/>
-                </a:solidFill>
-                <a:latin typeface="+mj-lt"/>
-                <a:ea typeface="+mj-ea"/>
-                <a:cs typeface="+mj-cs"/>
-              </a:defRPr>
-            </a:lvl8pPr>
-            <a:lvl9pPr marL="3886200" indent="-228600" algn="l" defTabSz="457200" rtl="0" eaLnBrk="1" latinLnBrk="0" hangingPunct="1">
-              <a:spcBef>
-                <a:spcPts val="1000"/>
-              </a:spcBef>
-              <a:spcAft>
-                <a:spcPts val="0"/>
-              </a:spcAft>
-              <a:buClr>
-                <a:schemeClr val="bg2">
-                  <a:lumMod val="40000"/>
-                  <a:lumOff val="60000"/>
-                </a:schemeClr>
-              </a:buClr>
-              <a:buSzPct val="80000"/>
-              <a:buFont typeface="Wingdings 3" charset="2"/>
-              <a:buChar char=""/>
-              <a:defRPr sz="1400" b="0" i="0" kern="1200">
-                <a:solidFill>
-                  <a:schemeClr val="tx1"/>
-                </a:solidFill>
-                <a:latin typeface="+mj-lt"/>
-                <a:ea typeface="+mj-ea"/>
-                <a:cs typeface="+mj-cs"/>
-              </a:defRPr>
-            </a:lvl9pPr>
-          </a:lstStyle>
-          <a:p>
-            <a:r>
-              <a:rPr lang="fr-FR" dirty="0"/>
-              <a:t>Front-End </a:t>
-            </a:r>
-            <a:r>
-              <a:rPr lang="fr-FR" dirty="0">
-                <a:hlinkClick r:id="rId2"/>
-              </a:rPr>
-              <a:t>voir le site</a:t>
-            </a:r>
-            <a:endParaRPr lang="fr-FR" dirty="0"/>
-          </a:p>
-          <a:p>
-            <a:r>
-              <a:rPr lang="fr-FR" dirty="0"/>
-              <a:t>Back-End </a:t>
-            </a:r>
-            <a:r>
-              <a:rPr lang="fr-FR" dirty="0">
-                <a:hlinkClick r:id="rId3"/>
-              </a:rPr>
-              <a:t>voir admin</a:t>
-            </a:r>
-            <a:endParaRPr lang="fr-FR" dirty="0"/>
-          </a:p>
-        </p:txBody>
-      </p:sp>
-      <p:sp>
-        <p:nvSpPr>
-          <p:cNvPr id="9" name="Rectangle 8"/>
+          <p:cNvPr id="13" name="Rectangle 12"/>
           <p:cNvSpPr/>
           <p:nvPr/>
         </p:nvSpPr>
         <p:spPr>
           <a:xfrm>
-            <a:off x="-14503" y="0"/>
-            <a:ext cx="2177143" cy="6858000"/>
-          </a:xfrm>
-          <a:prstGeom prst="rect">
-            <a:avLst/>
-          </a:prstGeom>
+            <a:off x="3291882" y="506014"/>
+            <a:ext cx="1619331" cy="442452"/>
+          </a:xfrm>
+          <a:prstGeom prst="rect">
+            <a:avLst/>
+          </a:prstGeom>
+          <a:solidFill>
+            <a:schemeClr val="bg2">
+              <a:lumMod val="60000"/>
+              <a:lumOff val="40000"/>
+            </a:schemeClr>
+          </a:solidFill>
           <a:ln>
             <a:noFill/>
           </a:ln>
@@ -23882,25 +25904,37 @@
           <a:lstStyle/>
           <a:p>
             <a:pPr algn="ctr"/>
-            <a:endParaRPr lang="fr-FR"/>
-          </a:p>
-        </p:txBody>
-      </p:sp>
-      <p:sp>
-        <p:nvSpPr>
-          <p:cNvPr id="10" name="Rectangle 9"/>
+            <a:r>
+              <a:rPr lang="fr-FR" dirty="0">
+                <a:solidFill>
+                  <a:srgbClr val="C00000"/>
+                </a:solidFill>
+              </a:rPr>
+              <a:t>Objectifs</a:t>
+            </a:r>
+          </a:p>
+        </p:txBody>
+      </p:sp>
+      <p:sp>
+        <p:nvSpPr>
+          <p:cNvPr id="14" name="Rectangle 13"/>
           <p:cNvSpPr/>
           <p:nvPr/>
         </p:nvSpPr>
         <p:spPr>
           <a:xfrm>
-            <a:off x="-10509" y="-14513"/>
-            <a:ext cx="2318280" cy="1483506"/>
-          </a:xfrm>
-          <a:prstGeom prst="rect">
-            <a:avLst/>
-          </a:prstGeom>
-          <a:noFill/>
+            <a:off x="4911213" y="506014"/>
+            <a:ext cx="1619331" cy="442452"/>
+          </a:xfrm>
+          <a:prstGeom prst="rect">
+            <a:avLst/>
+          </a:prstGeom>
+          <a:solidFill>
+            <a:schemeClr val="bg2">
+              <a:lumMod val="60000"/>
+              <a:lumOff val="40000"/>
+            </a:schemeClr>
+          </a:solidFill>
           <a:ln>
             <a:noFill/>
           </a:ln>
@@ -23927,27 +25961,36 @@
           <a:p>
             <a:pPr algn="ctr"/>
             <a:r>
-              <a:rPr lang="fr-FR" dirty="0"/>
-              <a:t>INTRODUCTION</a:t>
-            </a:r>
-          </a:p>
-        </p:txBody>
-      </p:sp>
-      <p:sp>
-        <p:nvSpPr>
-          <p:cNvPr id="12" name="Rectangle 11"/>
+              <a:rPr lang="fr-FR" dirty="0">
+                <a:solidFill>
+                  <a:srgbClr val="C00000"/>
+                </a:solidFill>
+              </a:rPr>
+              <a:t>Réalisation</a:t>
+            </a:r>
+          </a:p>
+        </p:txBody>
+      </p:sp>
+      <p:sp>
+        <p:nvSpPr>
+          <p:cNvPr id="15" name="Rectangle 14"/>
           <p:cNvSpPr/>
           <p:nvPr/>
         </p:nvSpPr>
         <p:spPr>
           <a:xfrm>
-            <a:off x="-12515" y="1483507"/>
-            <a:ext cx="2320286" cy="1187122"/>
-          </a:xfrm>
-          <a:prstGeom prst="rect">
-            <a:avLst/>
-          </a:prstGeom>
-          <a:noFill/>
+            <a:off x="6458937" y="506014"/>
+            <a:ext cx="1844406" cy="442452"/>
+          </a:xfrm>
+          <a:prstGeom prst="rect">
+            <a:avLst/>
+          </a:prstGeom>
+          <a:solidFill>
+            <a:schemeClr val="bg2">
+              <a:lumMod val="60000"/>
+              <a:lumOff val="40000"/>
+            </a:schemeClr>
+          </a:solidFill>
           <a:ln>
             <a:noFill/>
           </a:ln>
@@ -23974,6 +26017,147 @@
           <a:p>
             <a:pPr algn="ctr"/>
             <a:r>
+              <a:rPr lang="fr-FR" dirty="0">
+                <a:solidFill>
+                  <a:schemeClr val="tx1"/>
+                </a:solidFill>
+              </a:rPr>
+              <a:t>Aperçu</a:t>
+            </a:r>
+          </a:p>
+        </p:txBody>
+      </p:sp>
+      <p:sp>
+        <p:nvSpPr>
+          <p:cNvPr id="16" name="Rectangle 15"/>
+          <p:cNvSpPr/>
+          <p:nvPr/>
+        </p:nvSpPr>
+        <p:spPr>
+          <a:xfrm>
+            <a:off x="-15189" y="0"/>
+            <a:ext cx="2177143" cy="6858000"/>
+          </a:xfrm>
+          <a:prstGeom prst="rect">
+            <a:avLst/>
+          </a:prstGeom>
+          <a:ln>
+            <a:noFill/>
+          </a:ln>
+        </p:spPr>
+        <p:style>
+          <a:lnRef idx="2">
+            <a:schemeClr val="accent1">
+              <a:shade val="50000"/>
+            </a:schemeClr>
+          </a:lnRef>
+          <a:fillRef idx="1">
+            <a:schemeClr val="accent1"/>
+          </a:fillRef>
+          <a:effectRef idx="0">
+            <a:schemeClr val="accent1"/>
+          </a:effectRef>
+          <a:fontRef idx="minor">
+            <a:schemeClr val="lt1"/>
+          </a:fontRef>
+        </p:style>
+        <p:txBody>
+          <a:bodyPr rtlCol="0" anchor="ctr"/>
+          <a:lstStyle/>
+          <a:p>
+            <a:pPr algn="ctr"/>
+            <a:endParaRPr lang="fr-FR"/>
+          </a:p>
+        </p:txBody>
+      </p:sp>
+      <p:sp>
+        <p:nvSpPr>
+          <p:cNvPr id="17" name="Rectangle 16"/>
+          <p:cNvSpPr/>
+          <p:nvPr/>
+        </p:nvSpPr>
+        <p:spPr>
+          <a:xfrm>
+            <a:off x="-10509" y="-14513"/>
+            <a:ext cx="2194068" cy="1483506"/>
+          </a:xfrm>
+          <a:prstGeom prst="rect">
+            <a:avLst/>
+          </a:prstGeom>
+          <a:noFill/>
+          <a:ln>
+            <a:noFill/>
+          </a:ln>
+        </p:spPr>
+        <p:style>
+          <a:lnRef idx="2">
+            <a:schemeClr val="accent1">
+              <a:shade val="50000"/>
+            </a:schemeClr>
+          </a:lnRef>
+          <a:fillRef idx="1">
+            <a:schemeClr val="accent1"/>
+          </a:fillRef>
+          <a:effectRef idx="0">
+            <a:schemeClr val="accent1"/>
+          </a:effectRef>
+          <a:fontRef idx="minor">
+            <a:schemeClr val="lt1"/>
+          </a:fontRef>
+        </p:style>
+        <p:txBody>
+          <a:bodyPr rtlCol="0" anchor="ctr"/>
+          <a:lstStyle/>
+          <a:p>
+            <a:pPr algn="ctr"/>
+            <a:r>
+              <a:rPr lang="fr-FR" dirty="0"/>
+              <a:t>Introduction</a:t>
+            </a:r>
+          </a:p>
+        </p:txBody>
+      </p:sp>
+      <p:sp>
+        <p:nvSpPr>
+          <p:cNvPr id="18" name="Rectangle 17"/>
+          <p:cNvSpPr/>
+          <p:nvPr/>
+        </p:nvSpPr>
+        <p:spPr>
+          <a:xfrm>
+            <a:off x="-12515" y="1483507"/>
+            <a:ext cx="2196074" cy="1011830"/>
+          </a:xfrm>
+          <a:prstGeom prst="rect">
+            <a:avLst/>
+          </a:prstGeom>
+          <a:noFill/>
+          <a:ln>
+            <a:noFill/>
+          </a:ln>
+        </p:spPr>
+        <p:style>
+          <a:lnRef idx="2">
+            <a:schemeClr val="accent1">
+              <a:shade val="50000"/>
+            </a:schemeClr>
+          </a:lnRef>
+          <a:fillRef idx="1">
+            <a:schemeClr val="accent1"/>
+          </a:fillRef>
+          <a:effectRef idx="0">
+            <a:schemeClr val="accent1"/>
+          </a:effectRef>
+          <a:fontRef idx="minor">
+            <a:schemeClr val="lt1"/>
+          </a:fontRef>
+        </p:style>
+        <p:txBody>
+          <a:bodyPr rtlCol="0" anchor="ctr"/>
+          <a:lstStyle/>
+          <a:p>
+            <a:pPr algn="ctr"/>
+            <a:r>
               <a:rPr lang="fr-FR" dirty="0"/>
               <a:t>AICOM</a:t>
             </a:r>
@@ -23982,20 +26166,20 @@
       </p:sp>
       <p:sp>
         <p:nvSpPr>
-          <p:cNvPr id="2" name="Rectangle 1"/>
+          <p:cNvPr id="19" name="Rectangle 18"/>
           <p:cNvSpPr/>
           <p:nvPr/>
         </p:nvSpPr>
         <p:spPr>
           <a:xfrm>
             <a:off x="-14510" y="2688198"/>
-            <a:ext cx="2510967" cy="1041978"/>
+            <a:ext cx="2175787" cy="1041978"/>
           </a:xfrm>
           <a:prstGeom prst="rect">
             <a:avLst/>
           </a:prstGeom>
           <a:blipFill>
-            <a:blip r:embed="rId4"/>
+            <a:blip r:embed="rId2"/>
             <a:stretch>
               <a:fillRect/>
             </a:stretch>
@@ -24027,21 +26211,21 @@
             <a:pPr algn="ctr"/>
             <a:r>
               <a:rPr lang="fr-FR" dirty="0"/>
-              <a:t>SITE INTERNET</a:t>
-            </a:r>
-          </a:p>
-        </p:txBody>
-      </p:sp>
-      <p:sp>
-        <p:nvSpPr>
-          <p:cNvPr id="5" name="Rectangle 4"/>
+              <a:t>Site immobilier</a:t>
+            </a:r>
+          </a:p>
+        </p:txBody>
+      </p:sp>
+      <p:sp>
+        <p:nvSpPr>
+          <p:cNvPr id="20" name="Rectangle 19"/>
           <p:cNvSpPr/>
           <p:nvPr/>
         </p:nvSpPr>
         <p:spPr>
           <a:xfrm>
-            <a:off x="-18425" y="3749233"/>
-            <a:ext cx="2552981" cy="967920"/>
+            <a:off x="-18424" y="3749233"/>
+            <a:ext cx="2201984" cy="967920"/>
           </a:xfrm>
           <a:prstGeom prst="rect">
             <a:avLst/>
@@ -24074,21 +26258,21 @@
             <a:pPr algn="ctr"/>
             <a:r>
               <a:rPr lang="fr-FR" dirty="0"/>
-              <a:t>APPLICATION</a:t>
-            </a:r>
-          </a:p>
-        </p:txBody>
-      </p:sp>
-      <p:sp>
-        <p:nvSpPr>
-          <p:cNvPr id="7" name="Rectangle 6"/>
+              <a:t>Moteur de recherche</a:t>
+            </a:r>
+          </a:p>
+        </p:txBody>
+      </p:sp>
+      <p:sp>
+        <p:nvSpPr>
+          <p:cNvPr id="21" name="Rectangle 20"/>
           <p:cNvSpPr/>
           <p:nvPr/>
         </p:nvSpPr>
         <p:spPr>
           <a:xfrm>
-            <a:off x="2191" y="5748669"/>
-            <a:ext cx="2532365" cy="1109331"/>
+            <a:off x="2192" y="5748669"/>
+            <a:ext cx="2181368" cy="1109331"/>
           </a:xfrm>
           <a:prstGeom prst="rect">
             <a:avLst/>
@@ -24121,21 +26305,21 @@
             <a:pPr algn="ctr"/>
             <a:r>
               <a:rPr lang="fr-FR" dirty="0"/>
-              <a:t>CONCLUSION</a:t>
-            </a:r>
-          </a:p>
-        </p:txBody>
-      </p:sp>
-      <p:sp>
-        <p:nvSpPr>
-          <p:cNvPr id="8" name="Rectangle 7"/>
+              <a:t>Conclusion</a:t>
+            </a:r>
+          </a:p>
+        </p:txBody>
+      </p:sp>
+      <p:sp>
+        <p:nvSpPr>
+          <p:cNvPr id="22" name="Rectangle 21"/>
           <p:cNvSpPr/>
           <p:nvPr/>
         </p:nvSpPr>
         <p:spPr>
           <a:xfrm>
             <a:off x="-9752" y="4733436"/>
-            <a:ext cx="2544308" cy="1001486"/>
+            <a:ext cx="2171029" cy="1001486"/>
           </a:xfrm>
           <a:prstGeom prst="rect">
             <a:avLst/>
@@ -24168,175 +26352,7 @@
             <a:pPr algn="ctr"/>
             <a:r>
               <a:rPr lang="fr-FR" dirty="0"/>
-              <a:t>LE STAGIAIRE</a:t>
-            </a:r>
-          </a:p>
-        </p:txBody>
-      </p:sp>
-      <p:sp>
-        <p:nvSpPr>
-          <p:cNvPr id="13" name="Rectangle 12"/>
-          <p:cNvSpPr/>
-          <p:nvPr/>
-        </p:nvSpPr>
-        <p:spPr>
-          <a:xfrm>
-            <a:off x="3291882" y="506014"/>
-            <a:ext cx="1619331" cy="442452"/>
-          </a:xfrm>
-          <a:prstGeom prst="rect">
-            <a:avLst/>
-          </a:prstGeom>
-          <a:solidFill>
-            <a:schemeClr val="bg2">
-              <a:lumMod val="60000"/>
-              <a:lumOff val="40000"/>
-            </a:schemeClr>
-          </a:solidFill>
-          <a:ln>
-            <a:noFill/>
-          </a:ln>
-        </p:spPr>
-        <p:style>
-          <a:lnRef idx="2">
-            <a:schemeClr val="accent1">
-              <a:shade val="50000"/>
-            </a:schemeClr>
-          </a:lnRef>
-          <a:fillRef idx="1">
-            <a:schemeClr val="accent1"/>
-          </a:fillRef>
-          <a:effectRef idx="0">
-            <a:schemeClr val="accent1"/>
-          </a:effectRef>
-          <a:fontRef idx="minor">
-            <a:schemeClr val="lt1"/>
-          </a:fontRef>
-        </p:style>
-        <p:txBody>
-          <a:bodyPr rtlCol="0" anchor="ctr"/>
-          <a:lstStyle/>
-          <a:p>
-            <a:pPr algn="ctr"/>
-            <a:r>
-              <a:rPr lang="fr-FR" dirty="0">
-                <a:solidFill>
-                  <a:srgbClr val="C00000"/>
-                </a:solidFill>
-              </a:rPr>
-              <a:t>Objectifs</a:t>
-            </a:r>
-          </a:p>
-        </p:txBody>
-      </p:sp>
-      <p:sp>
-        <p:nvSpPr>
-          <p:cNvPr id="14" name="Rectangle 13"/>
-          <p:cNvSpPr/>
-          <p:nvPr/>
-        </p:nvSpPr>
-        <p:spPr>
-          <a:xfrm>
-            <a:off x="4911213" y="506014"/>
-            <a:ext cx="1619331" cy="442452"/>
-          </a:xfrm>
-          <a:prstGeom prst="rect">
-            <a:avLst/>
-          </a:prstGeom>
-          <a:solidFill>
-            <a:schemeClr val="bg2">
-              <a:lumMod val="60000"/>
-              <a:lumOff val="40000"/>
-            </a:schemeClr>
-          </a:solidFill>
-          <a:ln>
-            <a:noFill/>
-          </a:ln>
-        </p:spPr>
-        <p:style>
-          <a:lnRef idx="2">
-            <a:schemeClr val="accent1">
-              <a:shade val="50000"/>
-            </a:schemeClr>
-          </a:lnRef>
-          <a:fillRef idx="1">
-            <a:schemeClr val="accent1"/>
-          </a:fillRef>
-          <a:effectRef idx="0">
-            <a:schemeClr val="accent1"/>
-          </a:effectRef>
-          <a:fontRef idx="minor">
-            <a:schemeClr val="lt1"/>
-          </a:fontRef>
-        </p:style>
-        <p:txBody>
-          <a:bodyPr rtlCol="0" anchor="ctr"/>
-          <a:lstStyle/>
-          <a:p>
-            <a:pPr algn="ctr"/>
-            <a:r>
-              <a:rPr lang="fr-FR" dirty="0">
-                <a:solidFill>
-                  <a:srgbClr val="C00000"/>
-                </a:solidFill>
-              </a:rPr>
-              <a:t>MCD</a:t>
-            </a:r>
-          </a:p>
-        </p:txBody>
-      </p:sp>
-      <p:sp>
-        <p:nvSpPr>
-          <p:cNvPr id="15" name="Rectangle 14"/>
-          <p:cNvSpPr/>
-          <p:nvPr/>
-        </p:nvSpPr>
-        <p:spPr>
-          <a:xfrm>
-            <a:off x="6458937" y="506014"/>
-            <a:ext cx="1844406" cy="442452"/>
-          </a:xfrm>
-          <a:prstGeom prst="rect">
-            <a:avLst/>
-          </a:prstGeom>
-          <a:solidFill>
-            <a:schemeClr val="bg2">
-              <a:lumMod val="60000"/>
-              <a:lumOff val="40000"/>
-            </a:schemeClr>
-          </a:solidFill>
-          <a:ln>
-            <a:noFill/>
-          </a:ln>
-        </p:spPr>
-        <p:style>
-          <a:lnRef idx="2">
-            <a:schemeClr val="accent1">
-              <a:shade val="50000"/>
-            </a:schemeClr>
-          </a:lnRef>
-          <a:fillRef idx="1">
-            <a:schemeClr val="accent1"/>
-          </a:fillRef>
-          <a:effectRef idx="0">
-            <a:schemeClr val="accent1"/>
-          </a:effectRef>
-          <a:fontRef idx="minor">
-            <a:schemeClr val="lt1"/>
-          </a:fontRef>
-        </p:style>
-        <p:txBody>
-          <a:bodyPr rtlCol="0" anchor="ctr"/>
-          <a:lstStyle/>
-          <a:p>
-            <a:pPr algn="ctr"/>
-            <a:r>
-              <a:rPr lang="fr-FR" dirty="0">
-                <a:solidFill>
-                  <a:srgbClr val="C00000"/>
-                </a:solidFill>
-              </a:rPr>
-              <a:t>Composition</a:t>
+              <a:t>L’entreprise et moi</a:t>
             </a:r>
           </a:p>
         </p:txBody>
@@ -24344,102 +26360,13 @@
     </p:spTree>
     <p:extLst>
       <p:ext uri="{BB962C8B-B14F-4D97-AF65-F5344CB8AC3E}">
-        <p14:creationId xmlns:p14="http://schemas.microsoft.com/office/powerpoint/2010/main" val="2356147316"/>
+        <p14:creationId xmlns:p14="http://schemas.microsoft.com/office/powerpoint/2010/main" val="1474541631"/>
       </p:ext>
     </p:extLst>
   </p:cSld>
   <p:clrMapOvr>
     <a:masterClrMapping/>
   </p:clrMapOvr>
-  <p:timing>
-    <p:tnLst>
-      <p:par>
-        <p:cTn id="1" dur="indefinite" restart="never" nodeType="tmRoot">
-          <p:childTnLst>
-            <p:seq concurrent="1" nextAc="seek">
-              <p:cTn id="2" dur="indefinite" nodeType="mainSeq">
-                <p:childTnLst>
-                  <p:par>
-                    <p:cTn id="3" fill="hold">
-                      <p:stCondLst>
-                        <p:cond delay="indefinite"/>
-                        <p:cond evt="onBegin" delay="0">
-                          <p:tn val="2"/>
-                        </p:cond>
-                      </p:stCondLst>
-                      <p:childTnLst>
-                        <p:par>
-                          <p:cTn id="4" fill="hold">
-                            <p:stCondLst>
-                              <p:cond delay="0"/>
-                            </p:stCondLst>
-                            <p:childTnLst>
-                              <p:par>
-                                <p:cTn id="5" presetID="22" presetClass="entr" presetSubtype="8" fill="hold" grpId="0" nodeType="afterEffect">
-                                  <p:stCondLst>
-                                    <p:cond delay="0"/>
-                                  </p:stCondLst>
-                                  <p:childTnLst>
-                                    <p:set>
-                                      <p:cBhvr>
-                                        <p:cTn id="6" dur="1" fill="hold">
-                                          <p:stCondLst>
-                                            <p:cond delay="0"/>
-                                          </p:stCondLst>
-                                        </p:cTn>
-                                        <p:tgtEl>
-                                          <p:spTgt spid="6"/>
-                                        </p:tgtEl>
-                                        <p:attrNameLst>
-                                          <p:attrName>style.visibility</p:attrName>
-                                        </p:attrNameLst>
-                                      </p:cBhvr>
-                                      <p:to>
-                                        <p:strVal val="visible"/>
-                                      </p:to>
-                                    </p:set>
-                                    <p:animEffect transition="in" filter="wipe(left)">
-                                      <p:cBhvr>
-                                        <p:cTn id="7" dur="1000"/>
-                                        <p:tgtEl>
-                                          <p:spTgt spid="6"/>
-                                        </p:tgtEl>
-                                      </p:cBhvr>
-                                    </p:animEffect>
-                                  </p:childTnLst>
-                                </p:cTn>
-                              </p:par>
-                            </p:childTnLst>
-                          </p:cTn>
-                        </p:par>
-                      </p:childTnLst>
-                    </p:cTn>
-                  </p:par>
-                </p:childTnLst>
-              </p:cTn>
-              <p:prevCondLst>
-                <p:cond evt="onPrev" delay="0">
-                  <p:tgtEl>
-                    <p:sldTgt/>
-                  </p:tgtEl>
-                </p:cond>
-              </p:prevCondLst>
-              <p:nextCondLst>
-                <p:cond evt="onNext" delay="0">
-                  <p:tgtEl>
-                    <p:sldTgt/>
-                  </p:tgtEl>
-                </p:cond>
-              </p:nextCondLst>
-            </p:seq>
-          </p:childTnLst>
-        </p:cTn>
-      </p:par>
-    </p:tnLst>
-    <p:bldLst>
-      <p:bldP spid="6" grpId="0"/>
-    </p:bldLst>
-  </p:timing>
 </p:sld>
 </file>
 
@@ -24468,7 +26395,7 @@
         </p:nvSpPr>
         <p:spPr>
           <a:xfrm>
-            <a:off x="10573555" y="371083"/>
+            <a:off x="10558807" y="371083"/>
             <a:ext cx="441146" cy="369332"/>
           </a:xfrm>
           <a:prstGeom prst="rect">
@@ -24484,305 +26411,31 @@
           <a:p>
             <a:r>
               <a:rPr lang="fr-FR" dirty="0"/>
-              <a:t>04</a:t>
-            </a:r>
-          </a:p>
-        </p:txBody>
-      </p:sp>
-      <p:sp>
-        <p:nvSpPr>
-          <p:cNvPr id="6" name="Espace réservé du contenu 2"/>
-          <p:cNvSpPr txBox="1">
-            <a:spLocks/>
-          </p:cNvSpPr>
-          <p:nvPr/>
-        </p:nvSpPr>
-        <p:spPr>
-          <a:xfrm>
-            <a:off x="3180414" y="2024739"/>
-            <a:ext cx="8401451" cy="2808522"/>
-          </a:xfrm>
-          <a:prstGeom prst="rect">
-            <a:avLst/>
-          </a:prstGeom>
-        </p:spPr>
-        <p:txBody>
-          <a:bodyPr vert="horz" lIns="91440" tIns="45720" rIns="91440" bIns="45720" rtlCol="0">
-            <a:normAutofit/>
-          </a:bodyPr>
-          <a:lstStyle>
-            <a:lvl1pPr marL="342900" indent="-342900" algn="l" defTabSz="457200" rtl="0" eaLnBrk="1" latinLnBrk="0" hangingPunct="1">
-              <a:spcBef>
-                <a:spcPts val="1000"/>
-              </a:spcBef>
-              <a:spcAft>
-                <a:spcPts val="0"/>
-              </a:spcAft>
-              <a:buClr>
-                <a:schemeClr val="bg2">
-                  <a:lumMod val="40000"/>
-                  <a:lumOff val="60000"/>
-                </a:schemeClr>
-              </a:buClr>
-              <a:buSzPct val="80000"/>
-              <a:buFont typeface="Wingdings 3" charset="2"/>
-              <a:buChar char=""/>
-              <a:defRPr sz="2000" b="0" i="0" kern="1200">
-                <a:solidFill>
-                  <a:schemeClr val="tx1"/>
-                </a:solidFill>
-                <a:latin typeface="+mj-lt"/>
-                <a:ea typeface="+mj-ea"/>
-                <a:cs typeface="+mj-cs"/>
-              </a:defRPr>
-            </a:lvl1pPr>
-            <a:lvl2pPr marL="742950" indent="-285750" algn="l" defTabSz="457200" rtl="0" eaLnBrk="1" latinLnBrk="0" hangingPunct="1">
-              <a:spcBef>
-                <a:spcPts val="1000"/>
-              </a:spcBef>
-              <a:spcAft>
-                <a:spcPts val="0"/>
-              </a:spcAft>
-              <a:buClr>
-                <a:schemeClr val="bg2">
-                  <a:lumMod val="40000"/>
-                  <a:lumOff val="60000"/>
-                </a:schemeClr>
-              </a:buClr>
-              <a:buSzPct val="80000"/>
-              <a:buFont typeface="Wingdings 3" charset="2"/>
-              <a:buChar char=""/>
-              <a:defRPr sz="1800" b="0" i="0" kern="1200">
-                <a:solidFill>
-                  <a:schemeClr val="tx1"/>
-                </a:solidFill>
-                <a:latin typeface="+mj-lt"/>
-                <a:ea typeface="+mj-ea"/>
-                <a:cs typeface="+mj-cs"/>
-              </a:defRPr>
-            </a:lvl2pPr>
-            <a:lvl3pPr marL="1143000" indent="-228600" algn="l" defTabSz="457200" rtl="0" eaLnBrk="1" latinLnBrk="0" hangingPunct="1">
-              <a:spcBef>
-                <a:spcPts val="1000"/>
-              </a:spcBef>
-              <a:spcAft>
-                <a:spcPts val="0"/>
-              </a:spcAft>
-              <a:buClr>
-                <a:schemeClr val="bg2">
-                  <a:lumMod val="40000"/>
-                  <a:lumOff val="60000"/>
-                </a:schemeClr>
-              </a:buClr>
-              <a:buSzPct val="80000"/>
-              <a:buFont typeface="Wingdings 3" charset="2"/>
-              <a:buChar char=""/>
-              <a:defRPr sz="1600" b="0" i="0" kern="1200">
-                <a:solidFill>
-                  <a:schemeClr val="tx1"/>
-                </a:solidFill>
-                <a:latin typeface="+mj-lt"/>
-                <a:ea typeface="+mj-ea"/>
-                <a:cs typeface="+mj-cs"/>
-              </a:defRPr>
-            </a:lvl3pPr>
-            <a:lvl4pPr marL="1600200" indent="-228600" algn="l" defTabSz="457200" rtl="0" eaLnBrk="1" latinLnBrk="0" hangingPunct="1">
-              <a:spcBef>
-                <a:spcPts val="1000"/>
-              </a:spcBef>
-              <a:spcAft>
-                <a:spcPts val="0"/>
-              </a:spcAft>
-              <a:buClr>
-                <a:schemeClr val="bg2">
-                  <a:lumMod val="40000"/>
-                  <a:lumOff val="60000"/>
-                </a:schemeClr>
-              </a:buClr>
-              <a:buSzPct val="80000"/>
-              <a:buFont typeface="Wingdings 3" charset="2"/>
-              <a:buChar char=""/>
-              <a:defRPr sz="1400" b="0" i="0" kern="1200">
-                <a:solidFill>
-                  <a:schemeClr val="tx1"/>
-                </a:solidFill>
-                <a:latin typeface="+mj-lt"/>
-                <a:ea typeface="+mj-ea"/>
-                <a:cs typeface="+mj-cs"/>
-              </a:defRPr>
-            </a:lvl4pPr>
-            <a:lvl5pPr marL="2057400" indent="-228600" algn="l" defTabSz="457200" rtl="0" eaLnBrk="1" latinLnBrk="0" hangingPunct="1">
-              <a:spcBef>
-                <a:spcPts val="1000"/>
-              </a:spcBef>
-              <a:spcAft>
-                <a:spcPts val="0"/>
-              </a:spcAft>
-              <a:buClr>
-                <a:schemeClr val="bg2">
-                  <a:lumMod val="40000"/>
-                  <a:lumOff val="60000"/>
-                </a:schemeClr>
-              </a:buClr>
-              <a:buSzPct val="80000"/>
-              <a:buFont typeface="Wingdings 3" charset="2"/>
-              <a:buChar char=""/>
-              <a:defRPr sz="1400" b="0" i="0" kern="1200">
-                <a:solidFill>
-                  <a:schemeClr val="tx1"/>
-                </a:solidFill>
-                <a:latin typeface="+mj-lt"/>
-                <a:ea typeface="+mj-ea"/>
-                <a:cs typeface="+mj-cs"/>
-              </a:defRPr>
-            </a:lvl5pPr>
-            <a:lvl6pPr marL="2506000" indent="-228600" algn="l" defTabSz="457200" rtl="0" eaLnBrk="1" latinLnBrk="0" hangingPunct="1">
-              <a:spcBef>
-                <a:spcPts val="1000"/>
-              </a:spcBef>
-              <a:spcAft>
-                <a:spcPts val="0"/>
-              </a:spcAft>
-              <a:buClr>
-                <a:schemeClr val="bg2">
-                  <a:lumMod val="40000"/>
-                  <a:lumOff val="60000"/>
-                </a:schemeClr>
-              </a:buClr>
-              <a:buSzPct val="80000"/>
-              <a:buFont typeface="Wingdings 3" charset="2"/>
-              <a:buChar char=""/>
-              <a:defRPr sz="1400" b="0" i="0" kern="1200">
-                <a:solidFill>
-                  <a:schemeClr val="tx1"/>
-                </a:solidFill>
-                <a:latin typeface="+mj-lt"/>
-                <a:ea typeface="+mj-ea"/>
-                <a:cs typeface="+mj-cs"/>
-              </a:defRPr>
-            </a:lvl6pPr>
-            <a:lvl7pPr marL="2971800" indent="-228600" algn="l" defTabSz="457200" rtl="0" eaLnBrk="1" latinLnBrk="0" hangingPunct="1">
-              <a:spcBef>
-                <a:spcPts val="1000"/>
-              </a:spcBef>
-              <a:spcAft>
-                <a:spcPts val="0"/>
-              </a:spcAft>
-              <a:buClr>
-                <a:schemeClr val="bg2">
-                  <a:lumMod val="40000"/>
-                  <a:lumOff val="60000"/>
-                </a:schemeClr>
-              </a:buClr>
-              <a:buSzPct val="80000"/>
-              <a:buFont typeface="Wingdings 3" charset="2"/>
-              <a:buChar char=""/>
-              <a:defRPr sz="1400" b="0" i="0" kern="1200">
-                <a:solidFill>
-                  <a:schemeClr val="tx1"/>
-                </a:solidFill>
-                <a:latin typeface="+mj-lt"/>
-                <a:ea typeface="+mj-ea"/>
-                <a:cs typeface="+mj-cs"/>
-              </a:defRPr>
-            </a:lvl7pPr>
-            <a:lvl8pPr marL="3429000" indent="-228600" algn="l" defTabSz="457200" rtl="0" eaLnBrk="1" latinLnBrk="0" hangingPunct="1">
-              <a:spcBef>
-                <a:spcPts val="1000"/>
-              </a:spcBef>
-              <a:spcAft>
-                <a:spcPts val="0"/>
-              </a:spcAft>
-              <a:buClr>
-                <a:schemeClr val="bg2">
-                  <a:lumMod val="40000"/>
-                  <a:lumOff val="60000"/>
-                </a:schemeClr>
-              </a:buClr>
-              <a:buSzPct val="80000"/>
-              <a:buFont typeface="Wingdings 3" charset="2"/>
-              <a:buChar char=""/>
-              <a:defRPr sz="1400" b="0" i="0" kern="1200">
-                <a:solidFill>
-                  <a:schemeClr val="tx1"/>
-                </a:solidFill>
-                <a:latin typeface="+mj-lt"/>
-                <a:ea typeface="+mj-ea"/>
-                <a:cs typeface="+mj-cs"/>
-              </a:defRPr>
-            </a:lvl8pPr>
-            <a:lvl9pPr marL="3886200" indent="-228600" algn="l" defTabSz="457200" rtl="0" eaLnBrk="1" latinLnBrk="0" hangingPunct="1">
-              <a:spcBef>
-                <a:spcPts val="1000"/>
-              </a:spcBef>
-              <a:spcAft>
-                <a:spcPts val="0"/>
-              </a:spcAft>
-              <a:buClr>
-                <a:schemeClr val="bg2">
-                  <a:lumMod val="40000"/>
-                  <a:lumOff val="60000"/>
-                </a:schemeClr>
-              </a:buClr>
-              <a:buSzPct val="80000"/>
-              <a:buFont typeface="Wingdings 3" charset="2"/>
-              <a:buChar char=""/>
-              <a:defRPr sz="1400" b="0" i="0" kern="1200">
-                <a:solidFill>
-                  <a:schemeClr val="tx1"/>
-                </a:solidFill>
-                <a:latin typeface="+mj-lt"/>
-                <a:ea typeface="+mj-ea"/>
-                <a:cs typeface="+mj-cs"/>
-              </a:defRPr>
-            </a:lvl9pPr>
-          </a:lstStyle>
-          <a:p>
-            <a:r>
-              <a:rPr lang="fr-FR" dirty="0"/>
-              <a:t>Avoir une plate-forme d’informations sur les partenaires</a:t>
-            </a:r>
-          </a:p>
-          <a:p>
-            <a:r>
-              <a:rPr lang="fr-FR" dirty="0"/>
-              <a:t>Filtre des sociétés selon leurs pays, activités, fabricants, appareils exploités,…</a:t>
-            </a:r>
-          </a:p>
-          <a:p>
-            <a:r>
-              <a:rPr lang="fr-FR" dirty="0"/>
-              <a:t>Gérer la fourniture et la vente des pièces</a:t>
-            </a:r>
-          </a:p>
-          <a:p>
-            <a:r>
-              <a:rPr lang="fr-FR" dirty="0"/>
-              <a:t>Archivage des données</a:t>
-            </a:r>
-          </a:p>
-          <a:p>
-            <a:r>
-              <a:rPr lang="fr-FR" dirty="0"/>
-              <a:t>Faciliter l’accès à l’information sur l’ensemble des activités d’achat et de vente </a:t>
-            </a:r>
-          </a:p>
-        </p:txBody>
-      </p:sp>
-      <p:sp>
-        <p:nvSpPr>
-          <p:cNvPr id="9" name="Rectangle 8"/>
+              <a:t>03</a:t>
+            </a:r>
+          </a:p>
+        </p:txBody>
+      </p:sp>
+      <p:sp>
+        <p:nvSpPr>
+          <p:cNvPr id="13" name="Rectangle 12"/>
           <p:cNvSpPr/>
           <p:nvPr/>
         </p:nvSpPr>
         <p:spPr>
           <a:xfrm>
-            <a:off x="-14503" y="0"/>
-            <a:ext cx="2177143" cy="6858000"/>
-          </a:xfrm>
-          <a:prstGeom prst="rect">
-            <a:avLst/>
-          </a:prstGeom>
+            <a:off x="3291882" y="506014"/>
+            <a:ext cx="1619331" cy="442452"/>
+          </a:xfrm>
+          <a:prstGeom prst="rect">
+            <a:avLst/>
+          </a:prstGeom>
+          <a:solidFill>
+            <a:schemeClr val="bg2">
+              <a:lumMod val="60000"/>
+              <a:lumOff val="40000"/>
+            </a:schemeClr>
+          </a:solidFill>
           <a:ln>
             <a:noFill/>
           </a:ln>
@@ -24808,25 +26461,37 @@
           <a:lstStyle/>
           <a:p>
             <a:pPr algn="ctr"/>
-            <a:endParaRPr lang="fr-FR"/>
-          </a:p>
-        </p:txBody>
-      </p:sp>
-      <p:sp>
-        <p:nvSpPr>
-          <p:cNvPr id="10" name="Rectangle 9"/>
+            <a:r>
+              <a:rPr lang="fr-FR" dirty="0">
+                <a:solidFill>
+                  <a:srgbClr val="C00000"/>
+                </a:solidFill>
+              </a:rPr>
+              <a:t>Objectifs</a:t>
+            </a:r>
+          </a:p>
+        </p:txBody>
+      </p:sp>
+      <p:sp>
+        <p:nvSpPr>
+          <p:cNvPr id="14" name="Rectangle 13"/>
           <p:cNvSpPr/>
           <p:nvPr/>
         </p:nvSpPr>
         <p:spPr>
           <a:xfrm>
-            <a:off x="-10509" y="-14513"/>
-            <a:ext cx="2318280" cy="1483506"/>
-          </a:xfrm>
-          <a:prstGeom prst="rect">
-            <a:avLst/>
-          </a:prstGeom>
-          <a:noFill/>
+            <a:off x="4911213" y="506014"/>
+            <a:ext cx="1619331" cy="442452"/>
+          </a:xfrm>
+          <a:prstGeom prst="rect">
+            <a:avLst/>
+          </a:prstGeom>
+          <a:solidFill>
+            <a:schemeClr val="bg2">
+              <a:lumMod val="60000"/>
+              <a:lumOff val="40000"/>
+            </a:schemeClr>
+          </a:solidFill>
           <a:ln>
             <a:noFill/>
           </a:ln>
@@ -24853,27 +26518,36 @@
           <a:p>
             <a:pPr algn="ctr"/>
             <a:r>
-              <a:rPr lang="fr-FR" dirty="0"/>
-              <a:t>INTRODUCTION</a:t>
-            </a:r>
-          </a:p>
-        </p:txBody>
-      </p:sp>
-      <p:sp>
-        <p:nvSpPr>
-          <p:cNvPr id="12" name="Rectangle 11"/>
+              <a:rPr lang="fr-FR" dirty="0">
+                <a:solidFill>
+                  <a:srgbClr val="C00000"/>
+                </a:solidFill>
+              </a:rPr>
+              <a:t>Réalisation</a:t>
+            </a:r>
+          </a:p>
+        </p:txBody>
+      </p:sp>
+      <p:sp>
+        <p:nvSpPr>
+          <p:cNvPr id="15" name="Rectangle 14"/>
           <p:cNvSpPr/>
           <p:nvPr/>
         </p:nvSpPr>
         <p:spPr>
           <a:xfrm>
-            <a:off x="-12515" y="1483507"/>
-            <a:ext cx="2320286" cy="1187122"/>
-          </a:xfrm>
-          <a:prstGeom prst="rect">
-            <a:avLst/>
-          </a:prstGeom>
-          <a:noFill/>
+            <a:off x="6458937" y="506014"/>
+            <a:ext cx="1844406" cy="442452"/>
+          </a:xfrm>
+          <a:prstGeom prst="rect">
+            <a:avLst/>
+          </a:prstGeom>
+          <a:solidFill>
+            <a:schemeClr val="bg2">
+              <a:lumMod val="60000"/>
+              <a:lumOff val="40000"/>
+            </a:schemeClr>
+          </a:solidFill>
           <a:ln>
             <a:noFill/>
           </a:ln>
@@ -24900,27 +26574,30 @@
           <a:p>
             <a:pPr algn="ctr"/>
             <a:r>
-              <a:rPr lang="fr-FR" dirty="0"/>
-              <a:t>AVIACO FRANCE</a:t>
-            </a:r>
-          </a:p>
-        </p:txBody>
-      </p:sp>
-      <p:sp>
-        <p:nvSpPr>
-          <p:cNvPr id="2" name="Rectangle 1"/>
+              <a:rPr lang="fr-FR" dirty="0">
+                <a:solidFill>
+                  <a:schemeClr val="tx1"/>
+                </a:solidFill>
+              </a:rPr>
+              <a:t>Aperçu</a:t>
+            </a:r>
+          </a:p>
+        </p:txBody>
+      </p:sp>
+      <p:sp>
+        <p:nvSpPr>
+          <p:cNvPr id="16" name="Rectangle 15"/>
           <p:cNvSpPr/>
           <p:nvPr/>
         </p:nvSpPr>
         <p:spPr>
           <a:xfrm>
-            <a:off x="-14510" y="2688198"/>
-            <a:ext cx="2510967" cy="1041978"/>
-          </a:xfrm>
-          <a:prstGeom prst="rect">
-            <a:avLst/>
-          </a:prstGeom>
-          <a:noFill/>
+            <a:off x="-15189" y="0"/>
+            <a:ext cx="2177143" cy="6858000"/>
+          </a:xfrm>
+          <a:prstGeom prst="rect">
+            <a:avLst/>
+          </a:prstGeom>
           <a:ln>
             <a:noFill/>
           </a:ln>
@@ -24946,23 +26623,114 @@
           <a:lstStyle/>
           <a:p>
             <a:pPr algn="ctr"/>
+            <a:endParaRPr lang="fr-FR"/>
+          </a:p>
+        </p:txBody>
+      </p:sp>
+      <p:sp>
+        <p:nvSpPr>
+          <p:cNvPr id="17" name="Rectangle 16"/>
+          <p:cNvSpPr/>
+          <p:nvPr/>
+        </p:nvSpPr>
+        <p:spPr>
+          <a:xfrm>
+            <a:off x="-10509" y="-14513"/>
+            <a:ext cx="2194068" cy="1483506"/>
+          </a:xfrm>
+          <a:prstGeom prst="rect">
+            <a:avLst/>
+          </a:prstGeom>
+          <a:noFill/>
+          <a:ln>
+            <a:noFill/>
+          </a:ln>
+        </p:spPr>
+        <p:style>
+          <a:lnRef idx="2">
+            <a:schemeClr val="accent1">
+              <a:shade val="50000"/>
+            </a:schemeClr>
+          </a:lnRef>
+          <a:fillRef idx="1">
+            <a:schemeClr val="accent1"/>
+          </a:fillRef>
+          <a:effectRef idx="0">
+            <a:schemeClr val="accent1"/>
+          </a:effectRef>
+          <a:fontRef idx="minor">
+            <a:schemeClr val="lt1"/>
+          </a:fontRef>
+        </p:style>
+        <p:txBody>
+          <a:bodyPr rtlCol="0" anchor="ctr"/>
+          <a:lstStyle/>
+          <a:p>
+            <a:pPr algn="ctr"/>
             <a:r>
               <a:rPr lang="fr-FR" dirty="0"/>
-              <a:t>SITE INTERNET</a:t>
-            </a:r>
-          </a:p>
-        </p:txBody>
-      </p:sp>
-      <p:sp>
-        <p:nvSpPr>
-          <p:cNvPr id="5" name="Rectangle 4"/>
+              <a:t>Introduction</a:t>
+            </a:r>
+          </a:p>
+        </p:txBody>
+      </p:sp>
+      <p:sp>
+        <p:nvSpPr>
+          <p:cNvPr id="18" name="Rectangle 17"/>
           <p:cNvSpPr/>
           <p:nvPr/>
         </p:nvSpPr>
         <p:spPr>
           <a:xfrm>
-            <a:off x="-18425" y="3749233"/>
-            <a:ext cx="2552981" cy="967920"/>
+            <a:off x="-12515" y="1483507"/>
+            <a:ext cx="2196074" cy="1011830"/>
+          </a:xfrm>
+          <a:prstGeom prst="rect">
+            <a:avLst/>
+          </a:prstGeom>
+          <a:noFill/>
+          <a:ln>
+            <a:noFill/>
+          </a:ln>
+        </p:spPr>
+        <p:style>
+          <a:lnRef idx="2">
+            <a:schemeClr val="accent1">
+              <a:shade val="50000"/>
+            </a:schemeClr>
+          </a:lnRef>
+          <a:fillRef idx="1">
+            <a:schemeClr val="accent1"/>
+          </a:fillRef>
+          <a:effectRef idx="0">
+            <a:schemeClr val="accent1"/>
+          </a:effectRef>
+          <a:fontRef idx="minor">
+            <a:schemeClr val="lt1"/>
+          </a:fontRef>
+        </p:style>
+        <p:txBody>
+          <a:bodyPr rtlCol="0" anchor="ctr"/>
+          <a:lstStyle/>
+          <a:p>
+            <a:pPr algn="ctr"/>
+            <a:r>
+              <a:rPr lang="fr-FR" dirty="0"/>
+              <a:t>AICOM</a:t>
+            </a:r>
+          </a:p>
+        </p:txBody>
+      </p:sp>
+      <p:sp>
+        <p:nvSpPr>
+          <p:cNvPr id="19" name="Rectangle 18"/>
+          <p:cNvSpPr/>
+          <p:nvPr/>
+        </p:nvSpPr>
+        <p:spPr>
+          <a:xfrm>
+            <a:off x="-14510" y="2688198"/>
+            <a:ext cx="2175787" cy="1041978"/>
           </a:xfrm>
           <a:prstGeom prst="rect">
             <a:avLst/>
@@ -25000,21 +26768,21 @@
             <a:pPr algn="ctr"/>
             <a:r>
               <a:rPr lang="fr-FR" dirty="0"/>
-              <a:t>APPLICATION</a:t>
-            </a:r>
-          </a:p>
-        </p:txBody>
-      </p:sp>
-      <p:sp>
-        <p:nvSpPr>
-          <p:cNvPr id="7" name="Rectangle 6"/>
+              <a:t>Site immobilier</a:t>
+            </a:r>
+          </a:p>
+        </p:txBody>
+      </p:sp>
+      <p:sp>
+        <p:nvSpPr>
+          <p:cNvPr id="20" name="Rectangle 19"/>
           <p:cNvSpPr/>
           <p:nvPr/>
         </p:nvSpPr>
         <p:spPr>
           <a:xfrm>
-            <a:off x="2191" y="5748669"/>
-            <a:ext cx="2532365" cy="1109331"/>
+            <a:off x="-18424" y="3749233"/>
+            <a:ext cx="2201984" cy="967920"/>
           </a:xfrm>
           <a:prstGeom prst="rect">
             <a:avLst/>
@@ -25047,21 +26815,21 @@
             <a:pPr algn="ctr"/>
             <a:r>
               <a:rPr lang="fr-FR" dirty="0"/>
-              <a:t>CONCLUSION</a:t>
-            </a:r>
-          </a:p>
-        </p:txBody>
-      </p:sp>
-      <p:sp>
-        <p:nvSpPr>
-          <p:cNvPr id="8" name="Rectangle 7"/>
+              <a:t>Moteur de recherche</a:t>
+            </a:r>
+          </a:p>
+        </p:txBody>
+      </p:sp>
+      <p:sp>
+        <p:nvSpPr>
+          <p:cNvPr id="21" name="Rectangle 20"/>
           <p:cNvSpPr/>
           <p:nvPr/>
         </p:nvSpPr>
         <p:spPr>
           <a:xfrm>
-            <a:off x="-9752" y="4733436"/>
-            <a:ext cx="2544308" cy="1001486"/>
+            <a:off x="2192" y="5748669"/>
+            <a:ext cx="2181368" cy="1109331"/>
           </a:xfrm>
           <a:prstGeom prst="rect">
             <a:avLst/>
@@ -25094,31 +26862,26 @@
             <a:pPr algn="ctr"/>
             <a:r>
               <a:rPr lang="fr-FR" dirty="0"/>
-              <a:t>LE STAGIAIRE</a:t>
-            </a:r>
-          </a:p>
-        </p:txBody>
-      </p:sp>
-      <p:sp>
-        <p:nvSpPr>
-          <p:cNvPr id="19" name="Rectangle 18"/>
+              <a:t>Conclusion</a:t>
+            </a:r>
+          </a:p>
+        </p:txBody>
+      </p:sp>
+      <p:sp>
+        <p:nvSpPr>
+          <p:cNvPr id="22" name="Rectangle 21"/>
           <p:cNvSpPr/>
           <p:nvPr/>
         </p:nvSpPr>
         <p:spPr>
           <a:xfrm>
-            <a:off x="3291882" y="506014"/>
-            <a:ext cx="1619331" cy="442452"/>
-          </a:xfrm>
-          <a:prstGeom prst="rect">
-            <a:avLst/>
-          </a:prstGeom>
-          <a:solidFill>
-            <a:schemeClr val="bg2">
-              <a:lumMod val="60000"/>
-              <a:lumOff val="40000"/>
-            </a:schemeClr>
-          </a:solidFill>
+            <a:off x="-9752" y="4733436"/>
+            <a:ext cx="2171029" cy="1001486"/>
+          </a:xfrm>
+          <a:prstGeom prst="rect">
+            <a:avLst/>
+          </a:prstGeom>
+          <a:noFill/>
           <a:ln>
             <a:noFill/>
           </a:ln>
@@ -25145,124 +26908,8 @@
           <a:p>
             <a:pPr algn="ctr"/>
             <a:r>
-              <a:rPr lang="fr-FR" dirty="0">
-                <a:solidFill>
-                  <a:srgbClr val="C00000"/>
-                </a:solidFill>
-              </a:rPr>
-              <a:t>Objectifs</a:t>
-            </a:r>
-          </a:p>
-        </p:txBody>
-      </p:sp>
-      <p:sp>
-        <p:nvSpPr>
-          <p:cNvPr id="20" name="Rectangle 19"/>
-          <p:cNvSpPr/>
-          <p:nvPr/>
-        </p:nvSpPr>
-        <p:spPr>
-          <a:xfrm>
-            <a:off x="4911213" y="506014"/>
-            <a:ext cx="1619331" cy="442452"/>
-          </a:xfrm>
-          <a:prstGeom prst="rect">
-            <a:avLst/>
-          </a:prstGeom>
-          <a:solidFill>
-            <a:schemeClr val="bg2">
-              <a:lumMod val="60000"/>
-              <a:lumOff val="40000"/>
-            </a:schemeClr>
-          </a:solidFill>
-          <a:ln>
-            <a:noFill/>
-          </a:ln>
-        </p:spPr>
-        <p:style>
-          <a:lnRef idx="2">
-            <a:schemeClr val="accent1">
-              <a:shade val="50000"/>
-            </a:schemeClr>
-          </a:lnRef>
-          <a:fillRef idx="1">
-            <a:schemeClr val="accent1"/>
-          </a:fillRef>
-          <a:effectRef idx="0">
-            <a:schemeClr val="accent1"/>
-          </a:effectRef>
-          <a:fontRef idx="minor">
-            <a:schemeClr val="lt1"/>
-          </a:fontRef>
-        </p:style>
-        <p:txBody>
-          <a:bodyPr rtlCol="0" anchor="ctr"/>
-          <a:lstStyle/>
-          <a:p>
-            <a:pPr algn="ctr"/>
-            <a:r>
-              <a:rPr lang="fr-FR" dirty="0">
-                <a:solidFill>
-                  <a:schemeClr val="tx1"/>
-                </a:solidFill>
-              </a:rPr>
-              <a:t>MCD</a:t>
-            </a:r>
-          </a:p>
-        </p:txBody>
-      </p:sp>
-      <p:sp>
-        <p:nvSpPr>
-          <p:cNvPr id="21" name="Rectangle 20"/>
-          <p:cNvSpPr/>
-          <p:nvPr/>
-        </p:nvSpPr>
-        <p:spPr>
-          <a:xfrm>
-            <a:off x="6458937" y="506014"/>
-            <a:ext cx="1844406" cy="442452"/>
-          </a:xfrm>
-          <a:prstGeom prst="rect">
-            <a:avLst/>
-          </a:prstGeom>
-          <a:solidFill>
-            <a:schemeClr val="bg2">
-              <a:lumMod val="60000"/>
-              <a:lumOff val="40000"/>
-            </a:schemeClr>
-          </a:solidFill>
-          <a:ln>
-            <a:noFill/>
-          </a:ln>
-        </p:spPr>
-        <p:style>
-          <a:lnRef idx="2">
-            <a:schemeClr val="accent1">
-              <a:shade val="50000"/>
-            </a:schemeClr>
-          </a:lnRef>
-          <a:fillRef idx="1">
-            <a:schemeClr val="accent1"/>
-          </a:fillRef>
-          <a:effectRef idx="0">
-            <a:schemeClr val="accent1"/>
-          </a:effectRef>
-          <a:fontRef idx="minor">
-            <a:schemeClr val="lt1"/>
-          </a:fontRef>
-        </p:style>
-        <p:txBody>
-          <a:bodyPr rtlCol="0" anchor="ctr"/>
-          <a:lstStyle/>
-          <a:p>
-            <a:pPr algn="ctr"/>
-            <a:r>
-              <a:rPr lang="fr-FR" dirty="0">
-                <a:solidFill>
-                  <a:schemeClr val="tx1"/>
-                </a:solidFill>
-              </a:rPr>
-              <a:t>Composition</a:t>
+              <a:rPr lang="fr-FR" dirty="0"/>
+              <a:t>L’entreprise et moi</a:t>
             </a:r>
           </a:p>
         </p:txBody>
@@ -25270,102 +26917,13 @@
     </p:spTree>
     <p:extLst>
       <p:ext uri="{BB962C8B-B14F-4D97-AF65-F5344CB8AC3E}">
-        <p14:creationId xmlns:p14="http://schemas.microsoft.com/office/powerpoint/2010/main" val="1869359849"/>
+        <p14:creationId xmlns:p14="http://schemas.microsoft.com/office/powerpoint/2010/main" val="2474202133"/>
       </p:ext>
     </p:extLst>
   </p:cSld>
   <p:clrMapOvr>
     <a:masterClrMapping/>
   </p:clrMapOvr>
-  <p:timing>
-    <p:tnLst>
-      <p:par>
-        <p:cTn id="1" dur="indefinite" restart="never" nodeType="tmRoot">
-          <p:childTnLst>
-            <p:seq concurrent="1" nextAc="seek">
-              <p:cTn id="2" dur="indefinite" nodeType="mainSeq">
-                <p:childTnLst>
-                  <p:par>
-                    <p:cTn id="3" fill="hold">
-                      <p:stCondLst>
-                        <p:cond delay="indefinite"/>
-                        <p:cond evt="onBegin" delay="0">
-                          <p:tn val="2"/>
-                        </p:cond>
-                      </p:stCondLst>
-                      <p:childTnLst>
-                        <p:par>
-                          <p:cTn id="4" fill="hold">
-                            <p:stCondLst>
-                              <p:cond delay="0"/>
-                            </p:stCondLst>
-                            <p:childTnLst>
-                              <p:par>
-                                <p:cTn id="5" presetID="22" presetClass="entr" presetSubtype="8" fill="hold" grpId="0" nodeType="afterEffect">
-                                  <p:stCondLst>
-                                    <p:cond delay="0"/>
-                                  </p:stCondLst>
-                                  <p:childTnLst>
-                                    <p:set>
-                                      <p:cBhvr>
-                                        <p:cTn id="6" dur="1" fill="hold">
-                                          <p:stCondLst>
-                                            <p:cond delay="0"/>
-                                          </p:stCondLst>
-                                        </p:cTn>
-                                        <p:tgtEl>
-                                          <p:spTgt spid="6"/>
-                                        </p:tgtEl>
-                                        <p:attrNameLst>
-                                          <p:attrName>style.visibility</p:attrName>
-                                        </p:attrNameLst>
-                                      </p:cBhvr>
-                                      <p:to>
-                                        <p:strVal val="visible"/>
-                                      </p:to>
-                                    </p:set>
-                                    <p:animEffect transition="in" filter="wipe(left)">
-                                      <p:cBhvr>
-                                        <p:cTn id="7" dur="1000"/>
-                                        <p:tgtEl>
-                                          <p:spTgt spid="6"/>
-                                        </p:tgtEl>
-                                      </p:cBhvr>
-                                    </p:animEffect>
-                                  </p:childTnLst>
-                                </p:cTn>
-                              </p:par>
-                            </p:childTnLst>
-                          </p:cTn>
-                        </p:par>
-                      </p:childTnLst>
-                    </p:cTn>
-                  </p:par>
-                </p:childTnLst>
-              </p:cTn>
-              <p:prevCondLst>
-                <p:cond evt="onPrev" delay="0">
-                  <p:tgtEl>
-                    <p:sldTgt/>
-                  </p:tgtEl>
-                </p:cond>
-              </p:prevCondLst>
-              <p:nextCondLst>
-                <p:cond evt="onNext" delay="0">
-                  <p:tgtEl>
-                    <p:sldTgt/>
-                  </p:tgtEl>
-                </p:cond>
-              </p:nextCondLst>
-            </p:seq>
-          </p:childTnLst>
-        </p:cTn>
-      </p:par>
-    </p:tnLst>
-    <p:bldLst>
-      <p:bldP spid="6" grpId="0"/>
-    </p:bldLst>
-  </p:timing>
 </p:sld>
 </file>
 

--- a/Aviaco france.pptx
+++ b/Aviaco france.pptx
@@ -131,7 +131,7 @@
   </p:defaultTextStyle>
   <p:extLst>
     <p:ext uri="{EFAFB233-063F-42B5-8137-9DF3F51BA10A}">
-      <p15:sldGuideLst xmlns:p15="http://schemas.microsoft.com/office/powerpoint/2012/main">
+      <p15:sldGuideLst xmlns:p15="http://schemas.microsoft.com/office/powerpoint/2012/main" xmlns="">
         <p15:guide id="1" orient="horz" pos="2160">
           <p15:clr>
             <a:srgbClr val="A4A3A4"/>
@@ -149,7 +149,7 @@
 </file>
 
 <file path=ppt/charts/chart1.xml><?xml version="1.0" encoding="utf-8"?>
-<c:chartSpace xmlns:c="http://schemas.openxmlformats.org/drawingml/2006/chart" xmlns:a="http://schemas.openxmlformats.org/drawingml/2006/main" xmlns:r="http://schemas.openxmlformats.org/officeDocument/2006/relationships" xmlns:c16r2="http://schemas.microsoft.com/office/drawing/2015/06/chart">
+<c:chartSpace xmlns:c="http://schemas.openxmlformats.org/drawingml/2006/chart" xmlns:a="http://schemas.openxmlformats.org/drawingml/2006/main" xmlns:r="http://schemas.openxmlformats.org/officeDocument/2006/relationships">
   <c:date1904 val="0"/>
   <c:lang val="fr-FR"/>
   <c:roundedCorners val="0"/>
@@ -163,6 +163,7 @@
   </mc:AlternateContent>
   <c:chart>
     <c:title>
+      <c:layout/>
       <c:overlay val="0"/>
       <c:spPr>
         <a:noFill/>
@@ -281,7 +282,7 @@
                 </a:contourClr>
               </a:sp3d>
             </c:spPr>
-            <c:extLst>
+            <c:extLst xmlns:c16r2="http://schemas.microsoft.com/office/drawing/2015/06/chart">
               <c:ext xmlns:c16="http://schemas.microsoft.com/office/drawing/2014/chart" uri="{C3380CC4-5D6E-409C-BE32-E72D297353CC}">
                 <c16:uniqueId val="{00000001-DE36-4BDB-B3BB-1FB96422F983}"/>
               </c:ext>
@@ -317,7 +318,7 @@
                 </a:contourClr>
               </a:sp3d>
             </c:spPr>
-            <c:extLst>
+            <c:extLst xmlns:c16r2="http://schemas.microsoft.com/office/drawing/2015/06/chart">
               <c:ext xmlns:c16="http://schemas.microsoft.com/office/drawing/2014/chart" uri="{C3380CC4-5D6E-409C-BE32-E72D297353CC}">
                 <c16:uniqueId val="{00000003-DE36-4BDB-B3BB-1FB96422F983}"/>
               </c:ext>
@@ -353,7 +354,7 @@
                 </a:contourClr>
               </a:sp3d>
             </c:spPr>
-            <c:extLst>
+            <c:extLst xmlns:c16r2="http://schemas.microsoft.com/office/drawing/2015/06/chart">
               <c:ext xmlns:c16="http://schemas.microsoft.com/office/drawing/2014/chart" uri="{C3380CC4-5D6E-409C-BE32-E72D297353CC}">
                 <c16:uniqueId val="{00000005-DE36-4BDB-B3BB-1FB96422F983}"/>
               </c:ext>
@@ -389,7 +390,7 @@
                 </a:contourClr>
               </a:sp3d>
             </c:spPr>
-            <c:extLst>
+            <c:extLst xmlns:c16r2="http://schemas.microsoft.com/office/drawing/2015/06/chart">
               <c:ext xmlns:c16="http://schemas.microsoft.com/office/drawing/2014/chart" uri="{C3380CC4-5D6E-409C-BE32-E72D297353CC}">
                 <c16:uniqueId val="{00000007-DE36-4BDB-B3BB-1FB96422F983}"/>
               </c:ext>
@@ -426,7 +427,7 @@
                 </a:contourClr>
               </a:sp3d>
             </c:spPr>
-            <c:extLst>
+            <c:extLst xmlns:c16r2="http://schemas.microsoft.com/office/drawing/2015/06/chart">
               <c:ext xmlns:c16="http://schemas.microsoft.com/office/drawing/2014/chart" uri="{C3380CC4-5D6E-409C-BE32-E72D297353CC}">
                 <c16:uniqueId val="{00000009-DE36-4BDB-B3BB-1FB96422F983}"/>
               </c:ext>
@@ -462,7 +463,7 @@
                 </a:contourClr>
               </a:sp3d>
             </c:spPr>
-            <c:extLst>
+            <c:extLst xmlns:c16r2="http://schemas.microsoft.com/office/drawing/2015/06/chart">
               <c:ext xmlns:c16="http://schemas.microsoft.com/office/drawing/2014/chart" uri="{C3380CC4-5D6E-409C-BE32-E72D297353CC}">
                 <c16:uniqueId val="{0000000B-DE36-4BDB-B3BB-1FB96422F983}"/>
               </c:ext>
@@ -501,7 +502,7 @@
                 </a:contourClr>
               </a:sp3d>
             </c:spPr>
-            <c:extLst>
+            <c:extLst xmlns:c16r2="http://schemas.microsoft.com/office/drawing/2015/06/chart">
               <c:ext xmlns:c16="http://schemas.microsoft.com/office/drawing/2014/chart" uri="{C3380CC4-5D6E-409C-BE32-E72D297353CC}">
                 <c16:uniqueId val="{0000000D-DE36-4BDB-B3BB-1FB96422F983}"/>
               </c:ext>
@@ -540,7 +541,7 @@
                 </a:contourClr>
               </a:sp3d>
             </c:spPr>
-            <c:extLst>
+            <c:extLst xmlns:c16r2="http://schemas.microsoft.com/office/drawing/2015/06/chart">
               <c:ext xmlns:c16="http://schemas.microsoft.com/office/drawing/2014/chart" uri="{C3380CC4-5D6E-409C-BE32-E72D297353CC}">
                 <c16:uniqueId val="{0000000F-DE36-4BDB-B3BB-1FB96422F983}"/>
               </c:ext>
@@ -579,7 +580,7 @@
                 </a:contourClr>
               </a:sp3d>
             </c:spPr>
-            <c:extLst>
+            <c:extLst xmlns:c16r2="http://schemas.microsoft.com/office/drawing/2015/06/chart">
               <c:ext xmlns:c16="http://schemas.microsoft.com/office/drawing/2014/chart" uri="{C3380CC4-5D6E-409C-BE32-E72D297353CC}">
                 <c16:uniqueId val="{00000011-DE36-4BDB-B3BB-1FB96422F983}"/>
               </c:ext>
@@ -618,7 +619,7 @@
                 </a:contourClr>
               </a:sp3d>
             </c:spPr>
-            <c:extLst>
+            <c:extLst xmlns:c16r2="http://schemas.microsoft.com/office/drawing/2015/06/chart">
               <c:ext xmlns:c16="http://schemas.microsoft.com/office/drawing/2014/chart" uri="{C3380CC4-5D6E-409C-BE32-E72D297353CC}">
                 <c16:uniqueId val="{00000013-DE36-4BDB-B3BB-1FB96422F983}"/>
               </c:ext>
@@ -657,7 +658,7 @@
                 </a:contourClr>
               </a:sp3d>
             </c:spPr>
-            <c:extLst>
+            <c:extLst xmlns:c16r2="http://schemas.microsoft.com/office/drawing/2015/06/chart">
               <c:ext xmlns:c16="http://schemas.microsoft.com/office/drawing/2014/chart" uri="{C3380CC4-5D6E-409C-BE32-E72D297353CC}">
                 <c16:uniqueId val="{00000015-DE36-4BDB-B3BB-1FB96422F983}"/>
               </c:ext>
@@ -696,7 +697,7 @@
                 </a:contourClr>
               </a:sp3d>
             </c:spPr>
-            <c:extLst>
+            <c:extLst xmlns:c16r2="http://schemas.microsoft.com/office/drawing/2015/06/chart">
               <c:ext xmlns:c16="http://schemas.microsoft.com/office/drawing/2014/chart" uri="{C3380CC4-5D6E-409C-BE32-E72D297353CC}">
                 <c16:uniqueId val="{00000017-DE36-4BDB-B3BB-1FB96422F983}"/>
               </c:ext>
@@ -707,8 +708,8 @@
               <c:idx val="2"/>
               <c:layout>
                 <c:manualLayout>
-                  <c:x val="-9.74102425975246E-3"/>
-                  <c:y val="-9.7089023526340302E-17"/>
+                  <c:x val="-0.00974102425975246"/>
+                  <c:y val="-9.70890235263404E-17"/>
                 </c:manualLayout>
               </c:layout>
               <c:dLblPos val="bestFit"/>
@@ -718,7 +719,7 @@
               <c:showSerName val="0"/>
               <c:showPercent val="1"/>
               <c:showBubbleSize val="0"/>
-              <c:extLst>
+              <c:extLst xmlns:c16r2="http://schemas.microsoft.com/office/drawing/2015/06/chart">
                 <c:ext xmlns:c15="http://schemas.microsoft.com/office/drawing/2012/chart" uri="{CE6537A1-D6FC-4f65-9D91-7224C49458BB}"/>
                 <c:ext xmlns:c16="http://schemas.microsoft.com/office/drawing/2014/chart" uri="{C3380CC4-5D6E-409C-BE32-E72D297353CC}">
                   <c16:uniqueId val="{00000005-DE36-4BDB-B3BB-1FB96422F983}"/>
@@ -729,8 +730,8 @@
               <c:idx val="6"/>
               <c:layout>
                 <c:manualLayout>
-                  <c:x val="-5.1519396915536197E-2"/>
-                  <c:y val="-7.1493652306082095E-2"/>
+                  <c:x val="-0.0515193969155362"/>
+                  <c:y val="-0.0714936523060821"/>
                 </c:manualLayout>
               </c:layout>
               <c:dLblPos val="bestFit"/>
@@ -740,7 +741,7 @@
               <c:showSerName val="0"/>
               <c:showPercent val="1"/>
               <c:showBubbleSize val="0"/>
-              <c:extLst>
+              <c:extLst xmlns:c16r2="http://schemas.microsoft.com/office/drawing/2015/06/chart">
                 <c:ext xmlns:c15="http://schemas.microsoft.com/office/drawing/2012/chart" uri="{CE6537A1-D6FC-4f65-9D91-7224C49458BB}"/>
                 <c:ext xmlns:c16="http://schemas.microsoft.com/office/drawing/2014/chart" uri="{C3380CC4-5D6E-409C-BE32-E72D297353CC}">
                   <c16:uniqueId val="{0000000D-DE36-4BDB-B3BB-1FB96422F983}"/>
@@ -751,8 +752,8 @@
               <c:idx val="8"/>
               <c:layout>
                 <c:manualLayout>
-                  <c:x val="-5.31813129450696E-2"/>
-                  <c:y val="9.7972782789816096E-2"/>
+                  <c:x val="-0.0531813129450696"/>
+                  <c:y val="0.0979727827898161"/>
                 </c:manualLayout>
               </c:layout>
               <c:dLblPos val="bestFit"/>
@@ -762,7 +763,7 @@
               <c:showSerName val="0"/>
               <c:showPercent val="1"/>
               <c:showBubbleSize val="0"/>
-              <c:extLst>
+              <c:extLst xmlns:c16r2="http://schemas.microsoft.com/office/drawing/2015/06/chart">
                 <c:ext xmlns:c15="http://schemas.microsoft.com/office/drawing/2012/chart" uri="{CE6537A1-D6FC-4f65-9D91-7224C49458BB}"/>
                 <c:ext xmlns:c16="http://schemas.microsoft.com/office/drawing/2014/chart" uri="{C3380CC4-5D6E-409C-BE32-E72D297353CC}">
                   <c16:uniqueId val="{00000011-DE36-4BDB-B3BB-1FB96422F983}"/>
@@ -773,8 +774,8 @@
               <c:idx val="10"/>
               <c:layout>
                 <c:manualLayout>
-                  <c:x val="4.4871732797402503E-2"/>
-                  <c:y val="-9.0029043644695994E-2"/>
+                  <c:x val="0.0448717327974025"/>
+                  <c:y val="-0.090029043644696"/>
                 </c:manualLayout>
               </c:layout>
               <c:dLblPos val="bestFit"/>
@@ -784,7 +785,7 @@
               <c:showSerName val="0"/>
               <c:showPercent val="1"/>
               <c:showBubbleSize val="0"/>
-              <c:extLst>
+              <c:extLst xmlns:c16r2="http://schemas.microsoft.com/office/drawing/2015/06/chart">
                 <c:ext xmlns:c15="http://schemas.microsoft.com/office/drawing/2012/chart" uri="{CE6537A1-D6FC-4f65-9D91-7224C49458BB}"/>
                 <c:ext xmlns:c16="http://schemas.microsoft.com/office/drawing/2014/chart" uri="{C3380CC4-5D6E-409C-BE32-E72D297353CC}">
                   <c16:uniqueId val="{00000015-DE36-4BDB-B3BB-1FB96422F983}"/>
@@ -795,8 +796,8 @@
               <c:idx val="11"/>
               <c:layout>
                 <c:manualLayout>
-                  <c:x val="9.47292136834052E-2"/>
-                  <c:y val="-1.2136127940792501E-17"/>
+                  <c:x val="0.0947292136834052"/>
+                  <c:y val="-1.21361279407925E-17"/>
                 </c:manualLayout>
               </c:layout>
               <c:dLblPos val="bestFit"/>
@@ -806,7 +807,7 @@
               <c:showSerName val="0"/>
               <c:showPercent val="1"/>
               <c:showBubbleSize val="0"/>
-              <c:extLst>
+              <c:extLst xmlns:c16r2="http://schemas.microsoft.com/office/drawing/2015/06/chart">
                 <c:ext xmlns:c15="http://schemas.microsoft.com/office/drawing/2012/chart" uri="{CE6537A1-D6FC-4f65-9D91-7224C49458BB}"/>
                 <c:ext xmlns:c16="http://schemas.microsoft.com/office/drawing/2014/chart" uri="{C3380CC4-5D6E-409C-BE32-E72D297353CC}">
                   <c16:uniqueId val="{00000017-DE36-4BDB-B3BB-1FB96422F983}"/>
@@ -864,7 +865,7 @@
                 <a:effectLst/>
               </c:spPr>
             </c:leaderLines>
-            <c:extLst>
+            <c:extLst xmlns:c16r2="http://schemas.microsoft.com/office/drawing/2015/06/chart">
               <c:ext xmlns:c15="http://schemas.microsoft.com/office/drawing/2012/chart" uri="{CE6537A1-D6FC-4f65-9D91-7224C49458BB}"/>
             </c:extLst>
           </c:dLbls>
@@ -919,45 +920,45 @@
                 <c:formatCode>General</c:formatCode>
                 <c:ptCount val="12"/>
                 <c:pt idx="0">
-                  <c:v>1</c:v>
+                  <c:v>1.0</c:v>
                 </c:pt>
                 <c:pt idx="1">
-                  <c:v>40</c:v>
+                  <c:v>40.0</c:v>
                 </c:pt>
                 <c:pt idx="2">
-                  <c:v>20</c:v>
+                  <c:v>20.0</c:v>
                 </c:pt>
                 <c:pt idx="3">
-                  <c:v>10</c:v>
+                  <c:v>10.0</c:v>
                 </c:pt>
                 <c:pt idx="4">
-                  <c:v>20</c:v>
+                  <c:v>20.0</c:v>
                 </c:pt>
                 <c:pt idx="5">
-                  <c:v>0</c:v>
+                  <c:v>0.0</c:v>
                 </c:pt>
                 <c:pt idx="6">
-                  <c:v>5</c:v>
+                  <c:v>5.0</c:v>
                 </c:pt>
                 <c:pt idx="7">
-                  <c:v>30</c:v>
+                  <c:v>30.0</c:v>
                 </c:pt>
                 <c:pt idx="8">
-                  <c:v>5</c:v>
+                  <c:v>5.0</c:v>
                 </c:pt>
                 <c:pt idx="9">
-                  <c:v>0</c:v>
+                  <c:v>0.0</c:v>
                 </c:pt>
                 <c:pt idx="10">
-                  <c:v>5</c:v>
+                  <c:v>5.0</c:v>
                 </c:pt>
                 <c:pt idx="11">
-                  <c:v>20</c:v>
+                  <c:v>20.0</c:v>
                 </c:pt>
               </c:numCache>
             </c:numRef>
           </c:val>
-          <c:extLst>
+          <c:extLst xmlns:c16r2="http://schemas.microsoft.com/office/drawing/2015/06/chart">
             <c:ext xmlns:c16="http://schemas.microsoft.com/office/drawing/2014/chart" uri="{C3380CC4-5D6E-409C-BE32-E72D297353CC}">
               <c16:uniqueId val="{00000018-DE36-4BDB-B3BB-1FB96422F983}"/>
             </c:ext>
@@ -984,6 +985,7 @@
     </c:plotArea>
     <c:legend>
       <c:legendPos val="r"/>
+      <c:layout/>
       <c:overlay val="0"/>
       <c:spPr>
         <a:solidFill>
@@ -1054,14 +1056,14 @@
       <a:endParaRPr lang="fr-FR"/>
     </a:p>
   </c:txPr>
-  <c:externalData r:id="rId3">
+  <c:externalData r:id="rId1">
     <c:autoUpdate val="0"/>
   </c:externalData>
 </c:chartSpace>
 </file>
 
 <file path=ppt/charts/chart2.xml><?xml version="1.0" encoding="utf-8"?>
-<c:chartSpace xmlns:c="http://schemas.openxmlformats.org/drawingml/2006/chart" xmlns:a="http://schemas.openxmlformats.org/drawingml/2006/main" xmlns:r="http://schemas.openxmlformats.org/officeDocument/2006/relationships" xmlns:c16r2="http://schemas.microsoft.com/office/drawing/2015/06/chart">
+<c:chartSpace xmlns:c="http://schemas.openxmlformats.org/drawingml/2006/chart" xmlns:a="http://schemas.openxmlformats.org/drawingml/2006/main" xmlns:r="http://schemas.openxmlformats.org/officeDocument/2006/relationships">
   <c:date1904 val="0"/>
   <c:lang val="fr-FR"/>
   <c:roundedCorners val="0"/>
@@ -1079,8 +1081,8 @@
         <c:manualLayout>
           <c:xMode val="edge"/>
           <c:yMode val="edge"/>
-          <c:x val="2.3387957665450099E-2"/>
-          <c:y val="2.1607905236331899E-2"/>
+          <c:x val="0.0233879576654501"/>
+          <c:y val="0.0216079052363319"/>
         </c:manualLayout>
       </c:layout>
       <c:overlay val="0"/>
@@ -1145,7 +1147,7 @@
               </a:ln>
               <a:effectLst/>
             </c:spPr>
-            <c:extLst>
+            <c:extLst xmlns:c16r2="http://schemas.microsoft.com/office/drawing/2015/06/chart">
               <c:ext xmlns:c16="http://schemas.microsoft.com/office/drawing/2014/chart" uri="{C3380CC4-5D6E-409C-BE32-E72D297353CC}">
                 <c16:uniqueId val="{00000001-E370-42E9-B8E3-1C4F79784C18}"/>
               </c:ext>
@@ -1165,7 +1167,7 @@
               </a:ln>
               <a:effectLst/>
             </c:spPr>
-            <c:extLst>
+            <c:extLst xmlns:c16r2="http://schemas.microsoft.com/office/drawing/2015/06/chart">
               <c:ext xmlns:c16="http://schemas.microsoft.com/office/drawing/2014/chart" uri="{C3380CC4-5D6E-409C-BE32-E72D297353CC}">
                 <c16:uniqueId val="{00000003-E370-42E9-B8E3-1C4F79784C18}"/>
               </c:ext>
@@ -1185,7 +1187,7 @@
               </a:ln>
               <a:effectLst/>
             </c:spPr>
-            <c:extLst>
+            <c:extLst xmlns:c16r2="http://schemas.microsoft.com/office/drawing/2015/06/chart">
               <c:ext xmlns:c16="http://schemas.microsoft.com/office/drawing/2014/chart" uri="{C3380CC4-5D6E-409C-BE32-E72D297353CC}">
                 <c16:uniqueId val="{00000005-E370-42E9-B8E3-1C4F79784C18}"/>
               </c:ext>
@@ -1205,7 +1207,7 @@
               </a:ln>
               <a:effectLst/>
             </c:spPr>
-            <c:extLst>
+            <c:extLst xmlns:c16r2="http://schemas.microsoft.com/office/drawing/2015/06/chart">
               <c:ext xmlns:c16="http://schemas.microsoft.com/office/drawing/2014/chart" uri="{C3380CC4-5D6E-409C-BE32-E72D297353CC}">
                 <c16:uniqueId val="{00000007-E370-42E9-B8E3-1C4F79784C18}"/>
               </c:ext>
@@ -1263,7 +1265,7 @@
                 <a:effectLst/>
               </c:spPr>
             </c:leaderLines>
-            <c:extLst>
+            <c:extLst xmlns:c16r2="http://schemas.microsoft.com/office/drawing/2015/06/chart">
               <c:ext xmlns:c15="http://schemas.microsoft.com/office/drawing/2012/chart" uri="{CE6537A1-D6FC-4f65-9D91-7224C49458BB}"/>
             </c:extLst>
           </c:dLbls>
@@ -1294,21 +1296,21 @@
                 <c:formatCode>General</c:formatCode>
                 <c:ptCount val="4"/>
                 <c:pt idx="0">
-                  <c:v>60</c:v>
+                  <c:v>60.0</c:v>
                 </c:pt>
                 <c:pt idx="1">
-                  <c:v>10</c:v>
+                  <c:v>10.0</c:v>
                 </c:pt>
                 <c:pt idx="2">
-                  <c:v>10</c:v>
+                  <c:v>10.0</c:v>
                 </c:pt>
                 <c:pt idx="3">
-                  <c:v>20</c:v>
+                  <c:v>20.0</c:v>
                 </c:pt>
               </c:numCache>
             </c:numRef>
           </c:val>
-          <c:extLst>
+          <c:extLst xmlns:c16r2="http://schemas.microsoft.com/office/drawing/2015/06/chart">
             <c:ext xmlns:c16="http://schemas.microsoft.com/office/drawing/2014/chart" uri="{C3380CC4-5D6E-409C-BE32-E72D297353CC}">
               <c16:uniqueId val="{00000008-E370-42E9-B8E3-1C4F79784C18}"/>
             </c:ext>
@@ -1336,6 +1338,7 @@
     </c:plotArea>
     <c:legend>
       <c:legendPos val="b"/>
+      <c:layout/>
       <c:overlay val="0"/>
       <c:spPr>
         <a:noFill/>
@@ -1386,7 +1389,7 @@
       <a:endParaRPr lang="fr-FR"/>
     </a:p>
   </c:txPr>
-  <c:externalData r:id="rId3">
+  <c:externalData r:id="rId1">
     <c:autoUpdate val="0"/>
   </c:externalData>
 </c:chartSpace>
@@ -2720,7 +2723,7 @@
           <a:p>
             <a:fld id="{4AAD347D-5ACD-4C99-B74B-A9C85AD731AF}" type="datetimeFigureOut">
               <a:rPr lang="en-US" dirty="0"/>
-              <a:t>6/14/2016</a:t>
+              <a:t>15/06/16</a:t>
             </a:fld>
             <a:endParaRPr lang="en-US" dirty="0"/>
           </a:p>
@@ -2762,7 +2765,7 @@
           <a:p>
             <a:fld id="{D57F1E4F-1CFF-5643-939E-02111984F565}" type="slidenum">
               <a:rPr lang="en-US" dirty="0"/>
-              <a:t>‹N°›</a:t>
+              <a:t>‹#›</a:t>
             </a:fld>
             <a:endParaRPr lang="en-US" dirty="0"/>
           </a:p>
@@ -2990,7 +2993,7 @@
           <a:p>
             <a:fld id="{4509A250-FF31-4206-8172-F9D3106AACB1}" type="datetimeFigureOut">
               <a:rPr lang="en-US" dirty="0"/>
-              <a:t>6/14/2016</a:t>
+              <a:t>15/06/16</a:t>
             </a:fld>
             <a:endParaRPr lang="en-US" dirty="0"/>
           </a:p>
@@ -3032,7 +3035,7 @@
           <a:p>
             <a:fld id="{D57F1E4F-1CFF-5643-939E-02111984F565}" type="slidenum">
               <a:rPr lang="en-US" dirty="0"/>
-              <a:t>‹N°›</a:t>
+              <a:t>‹#›</a:t>
             </a:fld>
             <a:endParaRPr lang="en-US" dirty="0"/>
           </a:p>
@@ -3179,7 +3182,7 @@
           <a:p>
             <a:fld id="{4509A250-FF31-4206-8172-F9D3106AACB1}" type="datetimeFigureOut">
               <a:rPr lang="en-US" dirty="0"/>
-              <a:t>6/14/2016</a:t>
+              <a:t>15/06/16</a:t>
             </a:fld>
             <a:endParaRPr lang="en-US" dirty="0"/>
           </a:p>
@@ -3221,7 +3224,7 @@
           <a:p>
             <a:fld id="{D57F1E4F-1CFF-5643-939E-02111984F565}" type="slidenum">
               <a:rPr lang="en-US" dirty="0"/>
-              <a:t>‹N°›</a:t>
+              <a:t>‹#›</a:t>
             </a:fld>
             <a:endParaRPr lang="en-US" dirty="0"/>
           </a:p>
@@ -3447,7 +3450,7 @@
           <a:p>
             <a:fld id="{4509A250-FF31-4206-8172-F9D3106AACB1}" type="datetimeFigureOut">
               <a:rPr lang="en-US" dirty="0"/>
-              <a:t>6/14/2016</a:t>
+              <a:t>15/06/16</a:t>
             </a:fld>
             <a:endParaRPr lang="en-US" dirty="0"/>
           </a:p>
@@ -3489,7 +3492,7 @@
           <a:p>
             <a:fld id="{D57F1E4F-1CFF-5643-939E-02111984F565}" type="slidenum">
               <a:rPr lang="en-US" dirty="0"/>
-              <a:t>‹N°›</a:t>
+              <a:t>‹#›</a:t>
             </a:fld>
             <a:endParaRPr lang="en-US" dirty="0"/>
           </a:p>
@@ -3783,7 +3786,7 @@
           <a:p>
             <a:fld id="{4509A250-FF31-4206-8172-F9D3106AACB1}" type="datetimeFigureOut">
               <a:rPr lang="en-US" dirty="0"/>
-              <a:t>6/14/2016</a:t>
+              <a:t>15/06/16</a:t>
             </a:fld>
             <a:endParaRPr lang="en-US" dirty="0"/>
           </a:p>
@@ -3825,7 +3828,7 @@
           <a:p>
             <a:fld id="{D57F1E4F-1CFF-5643-939E-02111984F565}" type="slidenum">
               <a:rPr lang="en-US" dirty="0"/>
-              <a:t>‹N°›</a:t>
+              <a:t>‹#›</a:t>
             </a:fld>
             <a:endParaRPr lang="en-US" dirty="0"/>
           </a:p>
@@ -4401,7 +4404,7 @@
           <a:p>
             <a:fld id="{4509A250-FF31-4206-8172-F9D3106AACB1}" type="datetimeFigureOut">
               <a:rPr lang="en-US" dirty="0"/>
-              <a:t>6/14/2016</a:t>
+              <a:t>15/06/16</a:t>
             </a:fld>
             <a:endParaRPr lang="en-US" dirty="0"/>
           </a:p>
@@ -4443,7 +4446,7 @@
           <a:p>
             <a:fld id="{D57F1E4F-1CFF-5643-939E-02111984F565}" type="slidenum">
               <a:rPr lang="en-US" dirty="0"/>
-              <a:t>‹N°›</a:t>
+              <a:t>‹#›</a:t>
             </a:fld>
             <a:endParaRPr lang="en-US" dirty="0"/>
           </a:p>
@@ -5256,7 +5259,7 @@
           <a:p>
             <a:fld id="{4509A250-FF31-4206-8172-F9D3106AACB1}" type="datetimeFigureOut">
               <a:rPr lang="en-US" dirty="0"/>
-              <a:t>6/14/2016</a:t>
+              <a:t>15/06/16</a:t>
             </a:fld>
             <a:endParaRPr lang="en-US" dirty="0"/>
           </a:p>
@@ -5298,7 +5301,7 @@
           <a:p>
             <a:fld id="{D57F1E4F-1CFF-5643-939E-02111984F565}" type="slidenum">
               <a:rPr lang="en-US" dirty="0"/>
-              <a:t>‹N°›</a:t>
+              <a:t>‹#›</a:t>
             </a:fld>
             <a:endParaRPr lang="en-US" dirty="0"/>
           </a:p>
@@ -5421,7 +5424,7 @@
           <a:p>
             <a:fld id="{4509A250-FF31-4206-8172-F9D3106AACB1}" type="datetimeFigureOut">
               <a:rPr lang="en-US" dirty="0"/>
-              <a:t>6/14/2016</a:t>
+              <a:t>15/06/16</a:t>
             </a:fld>
             <a:endParaRPr lang="en-US" dirty="0"/>
           </a:p>
@@ -5463,7 +5466,7 @@
           <a:p>
             <a:fld id="{D57F1E4F-1CFF-5643-939E-02111984F565}" type="slidenum">
               <a:rPr lang="en-US" dirty="0"/>
-              <a:t>‹N°›</a:t>
+              <a:t>‹#›</a:t>
             </a:fld>
             <a:endParaRPr lang="en-US" dirty="0"/>
           </a:p>
@@ -5596,7 +5599,7 @@
           <a:p>
             <a:fld id="{4509A250-FF31-4206-8172-F9D3106AACB1}" type="datetimeFigureOut">
               <a:rPr lang="en-US" dirty="0"/>
-              <a:t>6/14/2016</a:t>
+              <a:t>15/06/16</a:t>
             </a:fld>
             <a:endParaRPr lang="en-US" dirty="0"/>
           </a:p>
@@ -5638,7 +5641,7 @@
           <a:p>
             <a:fld id="{D57F1E4F-1CFF-5643-939E-02111984F565}" type="slidenum">
               <a:rPr lang="en-US" dirty="0"/>
-              <a:t>‹N°›</a:t>
+              <a:t>‹#›</a:t>
             </a:fld>
             <a:endParaRPr lang="en-US" dirty="0"/>
           </a:p>
@@ -5761,7 +5764,7 @@
           <a:p>
             <a:fld id="{4509A250-FF31-4206-8172-F9D3106AACB1}" type="datetimeFigureOut">
               <a:rPr lang="en-US" dirty="0"/>
-              <a:t>6/14/2016</a:t>
+              <a:t>15/06/16</a:t>
             </a:fld>
             <a:endParaRPr lang="en-US" dirty="0"/>
           </a:p>
@@ -5803,7 +5806,7 @@
           <a:p>
             <a:fld id="{D57F1E4F-1CFF-5643-939E-02111984F565}" type="slidenum">
               <a:rPr lang="en-US" dirty="0"/>
-              <a:t>‹N°›</a:t>
+              <a:t>‹#›</a:t>
             </a:fld>
             <a:endParaRPr lang="en-US" dirty="0"/>
           </a:p>
@@ -6003,7 +6006,7 @@
           <a:p>
             <a:fld id="{9796027F-7875-4030-9381-8BD8C4F21935}" type="datetimeFigureOut">
               <a:rPr lang="en-US" dirty="0"/>
-              <a:t>6/14/2016</a:t>
+              <a:t>15/06/16</a:t>
             </a:fld>
             <a:endParaRPr lang="en-US" dirty="0"/>
           </a:p>
@@ -6045,7 +6048,7 @@
           <a:p>
             <a:fld id="{D57F1E4F-1CFF-5643-939E-02111984F565}" type="slidenum">
               <a:rPr lang="en-US" dirty="0"/>
-              <a:t>‹N°›</a:t>
+              <a:t>‹#›</a:t>
             </a:fld>
             <a:endParaRPr lang="en-US" dirty="0"/>
           </a:p>
@@ -6290,7 +6293,7 @@
           <a:p>
             <a:fld id="{9796027F-7875-4030-9381-8BD8C4F21935}" type="datetimeFigureOut">
               <a:rPr lang="en-US" dirty="0"/>
-              <a:t>6/14/2016</a:t>
+              <a:t>15/06/16</a:t>
             </a:fld>
             <a:endParaRPr lang="en-US" dirty="0"/>
           </a:p>
@@ -6332,7 +6335,7 @@
           <a:p>
             <a:fld id="{D57F1E4F-1CFF-5643-939E-02111984F565}" type="slidenum">
               <a:rPr lang="en-US" dirty="0"/>
-              <a:t>‹N°›</a:t>
+              <a:t>‹#›</a:t>
             </a:fld>
             <a:endParaRPr lang="en-US" dirty="0"/>
           </a:p>
@@ -6729,7 +6732,7 @@
           <a:p>
             <a:fld id="{9796027F-7875-4030-9381-8BD8C4F21935}" type="datetimeFigureOut">
               <a:rPr lang="en-US" dirty="0"/>
-              <a:t>6/14/2016</a:t>
+              <a:t>15/06/16</a:t>
             </a:fld>
             <a:endParaRPr lang="en-US" dirty="0"/>
           </a:p>
@@ -6771,7 +6774,7 @@
           <a:p>
             <a:fld id="{D57F1E4F-1CFF-5643-939E-02111984F565}" type="slidenum">
               <a:rPr lang="en-US" dirty="0"/>
-              <a:t>‹N°›</a:t>
+              <a:t>‹#›</a:t>
             </a:fld>
             <a:endParaRPr lang="en-US" dirty="0"/>
           </a:p>
@@ -6842,7 +6845,7 @@
           <a:p>
             <a:fld id="{4509A250-FF31-4206-8172-F9D3106AACB1}" type="datetimeFigureOut">
               <a:rPr lang="en-US" dirty="0"/>
-              <a:t>6/14/2016</a:t>
+              <a:t>15/06/16</a:t>
             </a:fld>
             <a:endParaRPr lang="en-US" dirty="0"/>
           </a:p>
@@ -6884,7 +6887,7 @@
           <a:p>
             <a:fld id="{D57F1E4F-1CFF-5643-939E-02111984F565}" type="slidenum">
               <a:rPr lang="en-US" dirty="0"/>
-              <a:t>‹N°›</a:t>
+              <a:t>‹#›</a:t>
             </a:fld>
             <a:endParaRPr lang="en-US" dirty="0"/>
           </a:p>
@@ -6932,7 +6935,7 @@
           <a:p>
             <a:fld id="{4509A250-FF31-4206-8172-F9D3106AACB1}" type="datetimeFigureOut">
               <a:rPr lang="en-US" dirty="0"/>
-              <a:t>6/14/2016</a:t>
+              <a:t>15/06/16</a:t>
             </a:fld>
             <a:endParaRPr lang="en-US" dirty="0"/>
           </a:p>
@@ -6974,7 +6977,7 @@
           <a:p>
             <a:fld id="{D57F1E4F-1CFF-5643-939E-02111984F565}" type="slidenum">
               <a:rPr lang="en-US" dirty="0"/>
-              <a:t>‹N°›</a:t>
+              <a:t>‹#›</a:t>
             </a:fld>
             <a:endParaRPr lang="en-US" dirty="0"/>
           </a:p>
@@ -7206,7 +7209,7 @@
           <a:p>
             <a:fld id="{4509A250-FF31-4206-8172-F9D3106AACB1}" type="datetimeFigureOut">
               <a:rPr lang="en-US" dirty="0"/>
-              <a:t>6/14/2016</a:t>
+              <a:t>15/06/16</a:t>
             </a:fld>
             <a:endParaRPr lang="en-US" dirty="0"/>
           </a:p>
@@ -7248,7 +7251,7 @@
           <a:p>
             <a:fld id="{D57F1E4F-1CFF-5643-939E-02111984F565}" type="slidenum">
               <a:rPr lang="en-US" dirty="0"/>
-              <a:t>‹N°›</a:t>
+              <a:t>‹#›</a:t>
             </a:fld>
             <a:endParaRPr lang="en-US" dirty="0"/>
           </a:p>
@@ -7476,7 +7479,7 @@
           <a:p>
             <a:fld id="{4509A250-FF31-4206-8172-F9D3106AACB1}" type="datetimeFigureOut">
               <a:rPr lang="en-US" dirty="0"/>
-              <a:t>6/14/2016</a:t>
+              <a:t>15/06/16</a:t>
             </a:fld>
             <a:endParaRPr lang="en-US" dirty="0"/>
           </a:p>
@@ -7518,7 +7521,7 @@
           <a:p>
             <a:fld id="{D57F1E4F-1CFF-5643-939E-02111984F565}" type="slidenum">
               <a:rPr lang="en-US" dirty="0"/>
-              <a:t>‹N°›</a:t>
+              <a:t>‹#›</a:t>
             </a:fld>
             <a:endParaRPr lang="en-US" dirty="0"/>
           </a:p>
@@ -7900,7 +7903,7 @@
           <a:p>
             <a:fld id="{4AAD347D-5ACD-4C99-B74B-A9C85AD731AF}" type="datetimeFigureOut">
               <a:rPr lang="en-US" dirty="0"/>
-              <a:t>6/14/2016</a:t>
+              <a:t>15/06/16</a:t>
             </a:fld>
             <a:endParaRPr lang="en-US" dirty="0"/>
           </a:p>
@@ -7979,7 +7982,7 @@
           <a:p>
             <a:fld id="{D57F1E4F-1CFF-5643-939E-02111984F565}" type="slidenum">
               <a:rPr lang="en-US" dirty="0"/>
-              <a:t>‹N°›</a:t>
+              <a:t>‹#›</a:t>
             </a:fld>
             <a:endParaRPr lang="en-US" dirty="0"/>
           </a:p>
@@ -8509,7 +8512,7 @@
         </p:nvSpPr>
         <p:spPr>
           <a:xfrm>
-            <a:off x="8973460" y="1880594"/>
+            <a:off x="8171337" y="1223340"/>
             <a:ext cx="1281571" cy="646331"/>
           </a:xfrm>
           <a:prstGeom prst="rect">
@@ -8653,8 +8656,8 @@
         </p:blipFill>
         <p:spPr>
           <a:xfrm>
-            <a:off x="493644" y="402835"/>
-            <a:ext cx="2869245" cy="1308779"/>
+            <a:off x="493645" y="402835"/>
+            <a:ext cx="2369492" cy="1080821"/>
           </a:xfrm>
           <a:prstGeom prst="rect">
             <a:avLst/>
@@ -8677,8 +8680,8 @@
         </p:blipFill>
         <p:spPr>
           <a:xfrm>
-            <a:off x="7705766" y="487868"/>
-            <a:ext cx="1223745" cy="1223745"/>
+            <a:off x="8151391" y="476728"/>
+            <a:ext cx="718253" cy="718253"/>
           </a:xfrm>
           <a:prstGeom prst="rect">
             <a:avLst/>
@@ -8701,8 +8704,8 @@
         </p:blipFill>
         <p:spPr>
           <a:xfrm>
-            <a:off x="8929511" y="487868"/>
-            <a:ext cx="1223745" cy="1223745"/>
+            <a:off x="8873809" y="476728"/>
+            <a:ext cx="718253" cy="718253"/>
           </a:xfrm>
           <a:prstGeom prst="rect">
             <a:avLst/>
@@ -8870,13 +8873,18 @@
           <a:p>
             <a:pPr algn="ctr"/>
             <a:r>
-              <a:rPr lang="fr-FR" dirty="0">
+              <a:rPr lang="fr-FR" dirty="0" smtClean="0">
                 <a:solidFill>
                   <a:srgbClr val="C00000"/>
                 </a:solidFill>
               </a:rPr>
               <a:t>Réalisation</a:t>
             </a:r>
+            <a:endParaRPr lang="fr-FR" dirty="0">
+              <a:solidFill>
+                <a:srgbClr val="C00000"/>
+              </a:solidFill>
+            </a:endParaRPr>
           </a:p>
         </p:txBody>
       </p:sp>
@@ -8938,18 +8946,24 @@
       </p:sp>
       <p:sp>
         <p:nvSpPr>
-          <p:cNvPr id="16" name="Rectangle 15"/>
+          <p:cNvPr id="23" name="Rectangle 22"/>
           <p:cNvSpPr/>
           <p:nvPr/>
         </p:nvSpPr>
         <p:spPr>
           <a:xfrm>
-            <a:off x="-15189" y="0"/>
-            <a:ext cx="2177143" cy="6858000"/>
-          </a:xfrm>
-          <a:prstGeom prst="rect">
-            <a:avLst/>
-          </a:prstGeom>
+            <a:off x="8366595" y="1159710"/>
+            <a:ext cx="3825406" cy="544694"/>
+          </a:xfrm>
+          <a:prstGeom prst="rect">
+            <a:avLst/>
+          </a:prstGeom>
+          <a:solidFill>
+            <a:schemeClr val="bg2">
+              <a:lumMod val="60000"/>
+              <a:lumOff val="40000"/>
+            </a:schemeClr>
+          </a:solidFill>
           <a:ln>
             <a:noFill/>
           </a:ln>
@@ -8975,25 +8989,36 @@
           <a:lstStyle/>
           <a:p>
             <a:pPr algn="ctr"/>
-            <a:endParaRPr lang="fr-FR"/>
-          </a:p>
-        </p:txBody>
-      </p:sp>
-      <p:sp>
-        <p:nvSpPr>
-          <p:cNvPr id="17" name="Rectangle 16"/>
+            <a:r>
+              <a:rPr lang="fr-FR" dirty="0" smtClean="0">
+                <a:solidFill>
+                  <a:srgbClr val="C00000"/>
+                </a:solidFill>
+              </a:rPr>
+              <a:t>Intégration de la partie fonctionnelle des vues</a:t>
+            </a:r>
+            <a:endParaRPr lang="fr-FR" dirty="0">
+              <a:solidFill>
+                <a:srgbClr val="C00000"/>
+              </a:solidFill>
+            </a:endParaRPr>
+          </a:p>
+        </p:txBody>
+      </p:sp>
+      <p:sp>
+        <p:nvSpPr>
+          <p:cNvPr id="24" name="Rectangle 23"/>
           <p:cNvSpPr/>
           <p:nvPr/>
         </p:nvSpPr>
         <p:spPr>
           <a:xfrm>
-            <a:off x="-10509" y="-14513"/>
-            <a:ext cx="2194068" cy="1483506"/>
-          </a:xfrm>
-          <a:prstGeom prst="rect">
-            <a:avLst/>
-          </a:prstGeom>
-          <a:noFill/>
+            <a:off x="-15189" y="0"/>
+            <a:ext cx="2177143" cy="6858000"/>
+          </a:xfrm>
+          <a:prstGeom prst="rect">
+            <a:avLst/>
+          </a:prstGeom>
           <a:ln>
             <a:noFill/>
           </a:ln>
@@ -9019,23 +9044,20 @@
           <a:lstStyle/>
           <a:p>
             <a:pPr algn="ctr"/>
-            <a:r>
-              <a:rPr lang="fr-FR" dirty="0"/>
-              <a:t>Introduction</a:t>
-            </a:r>
-          </a:p>
-        </p:txBody>
-      </p:sp>
-      <p:sp>
-        <p:nvSpPr>
-          <p:cNvPr id="18" name="Rectangle 17"/>
+            <a:endParaRPr lang="fr-FR"/>
+          </a:p>
+        </p:txBody>
+      </p:sp>
+      <p:sp>
+        <p:nvSpPr>
+          <p:cNvPr id="25" name="Rectangle 24"/>
           <p:cNvSpPr/>
           <p:nvPr/>
         </p:nvSpPr>
         <p:spPr>
           <a:xfrm>
-            <a:off x="-12515" y="1483507"/>
-            <a:ext cx="2196074" cy="1011830"/>
+            <a:off x="-10509" y="-14513"/>
+            <a:ext cx="2194068" cy="1106223"/>
           </a:xfrm>
           <a:prstGeom prst="rect">
             <a:avLst/>
@@ -9068,6 +9090,53 @@
             <a:pPr algn="ctr"/>
             <a:r>
               <a:rPr lang="fr-FR" dirty="0"/>
+              <a:t>Introduction</a:t>
+            </a:r>
+          </a:p>
+        </p:txBody>
+      </p:sp>
+      <p:sp>
+        <p:nvSpPr>
+          <p:cNvPr id="26" name="Rectangle 25"/>
+          <p:cNvSpPr/>
+          <p:nvPr/>
+        </p:nvSpPr>
+        <p:spPr>
+          <a:xfrm>
+            <a:off x="0" y="937652"/>
+            <a:ext cx="2196074" cy="889291"/>
+          </a:xfrm>
+          <a:prstGeom prst="rect">
+            <a:avLst/>
+          </a:prstGeom>
+          <a:noFill/>
+          <a:ln>
+            <a:noFill/>
+          </a:ln>
+        </p:spPr>
+        <p:style>
+          <a:lnRef idx="2">
+            <a:schemeClr val="accent1">
+              <a:shade val="50000"/>
+            </a:schemeClr>
+          </a:lnRef>
+          <a:fillRef idx="1">
+            <a:schemeClr val="accent1"/>
+          </a:fillRef>
+          <a:effectRef idx="0">
+            <a:schemeClr val="accent1"/>
+          </a:effectRef>
+          <a:fontRef idx="minor">
+            <a:schemeClr val="lt1"/>
+          </a:fontRef>
+        </p:style>
+        <p:txBody>
+          <a:bodyPr rtlCol="0" anchor="ctr"/>
+          <a:lstStyle/>
+          <a:p>
+            <a:pPr algn="ctr"/>
+            <a:r>
+              <a:rPr lang="fr-FR" dirty="0"/>
               <a:t>AICOM</a:t>
             </a:r>
           </a:p>
@@ -9075,13 +9144,13 @@
       </p:sp>
       <p:sp>
         <p:nvSpPr>
-          <p:cNvPr id="19" name="Rectangle 18"/>
+          <p:cNvPr id="27" name="Rectangle 26"/>
           <p:cNvSpPr/>
           <p:nvPr/>
         </p:nvSpPr>
         <p:spPr>
           <a:xfrm>
-            <a:off x="-14510" y="2688198"/>
+            <a:off x="0" y="1841565"/>
             <a:ext cx="2175787" cy="1041978"/>
           </a:xfrm>
           <a:prstGeom prst="rect">
@@ -9127,13 +9196,13 @@
       </p:sp>
       <p:sp>
         <p:nvSpPr>
-          <p:cNvPr id="20" name="Rectangle 19"/>
+          <p:cNvPr id="28" name="Rectangle 27"/>
           <p:cNvSpPr/>
           <p:nvPr/>
         </p:nvSpPr>
         <p:spPr>
           <a:xfrm>
-            <a:off x="-18424" y="3749233"/>
+            <a:off x="0" y="2869181"/>
             <a:ext cx="2201984" cy="967920"/>
           </a:xfrm>
           <a:prstGeom prst="rect">
@@ -9174,7 +9243,7 @@
       </p:sp>
       <p:sp>
         <p:nvSpPr>
-          <p:cNvPr id="21" name="Rectangle 20"/>
+          <p:cNvPr id="29" name="Rectangle 28"/>
           <p:cNvSpPr/>
           <p:nvPr/>
         </p:nvSpPr>
@@ -9221,13 +9290,13 @@
       </p:sp>
       <p:sp>
         <p:nvSpPr>
-          <p:cNvPr id="22" name="Rectangle 21"/>
+          <p:cNvPr id="30" name="Rectangle 29"/>
           <p:cNvSpPr/>
           <p:nvPr/>
         </p:nvSpPr>
         <p:spPr>
           <a:xfrm>
-            <a:off x="-9752" y="4733436"/>
+            <a:off x="0" y="4989654"/>
             <a:ext cx="2171029" cy="1001486"/>
           </a:xfrm>
           <a:prstGeom prst="rect">
@@ -9266,16 +9335,71 @@
           </a:p>
         </p:txBody>
       </p:sp>
+      <p:sp>
+        <p:nvSpPr>
+          <p:cNvPr id="31" name="Rectangle 30"/>
+          <p:cNvSpPr/>
+          <p:nvPr/>
+        </p:nvSpPr>
+        <p:spPr>
+          <a:xfrm>
+            <a:off x="0" y="3868213"/>
+            <a:ext cx="2201984" cy="967920"/>
+          </a:xfrm>
+          <a:prstGeom prst="rect">
+            <a:avLst/>
+          </a:prstGeom>
+          <a:noFill/>
+          <a:ln>
+            <a:noFill/>
+          </a:ln>
+        </p:spPr>
+        <p:style>
+          <a:lnRef idx="2">
+            <a:schemeClr val="accent1">
+              <a:shade val="50000"/>
+            </a:schemeClr>
+          </a:lnRef>
+          <a:fillRef idx="1">
+            <a:schemeClr val="accent1"/>
+          </a:fillRef>
+          <a:effectRef idx="0">
+            <a:schemeClr val="accent1"/>
+          </a:effectRef>
+          <a:fontRef idx="minor">
+            <a:schemeClr val="lt1"/>
+          </a:fontRef>
+        </p:style>
+        <p:txBody>
+          <a:bodyPr rtlCol="0" anchor="ctr"/>
+          <a:lstStyle/>
+          <a:p>
+            <a:pPr algn="ctr"/>
+            <a:r>
+              <a:rPr lang="fr-FR" dirty="0" smtClean="0"/>
+              <a:t>Organisation</a:t>
+            </a:r>
+            <a:endParaRPr lang="fr-FR" dirty="0"/>
+          </a:p>
+        </p:txBody>
+      </p:sp>
     </p:spTree>
     <p:extLst>
       <p:ext uri="{BB962C8B-B14F-4D97-AF65-F5344CB8AC3E}">
-        <p14:creationId xmlns:p14="http://schemas.microsoft.com/office/powerpoint/2010/main" val="1078126924"/>
+        <p14:creationId xmlns:p14="http://schemas.microsoft.com/office/powerpoint/2010/main" val="1588302678"/>
       </p:ext>
     </p:extLst>
   </p:cSld>
   <p:clrMapOvr>
     <a:masterClrMapping/>
   </p:clrMapOvr>
+  <p:timing>
+    <p:tnLst>
+      <p:par>
+        <p:cTn xmlns:p14="http://schemas.microsoft.com/office/powerpoint/2010/main" id="1" dur="indefinite" restart="never" nodeType="tmRoot"/>
+      </p:par>
+    </p:tnLst>
+  </p:timing>
 </p:sld>
 </file>
 
@@ -10112,7 +10236,7 @@
   <p:timing>
     <p:tnLst>
       <p:par>
-        <p:cTn id="1" dur="indefinite" restart="never" nodeType="tmRoot">
+        <p:cTn xmlns:p14="http://schemas.microsoft.com/office/powerpoint/2010/main" id="1" dur="indefinite" restart="never" nodeType="tmRoot">
           <p:childTnLst>
             <p:seq concurrent="1" nextAc="seek">
               <p:cTn id="2" dur="indefinite" nodeType="mainSeq">
@@ -11038,7 +11162,7 @@
   <p:timing>
     <p:tnLst>
       <p:par>
-        <p:cTn id="1" dur="indefinite" restart="never" nodeType="tmRoot">
+        <p:cTn xmlns:p14="http://schemas.microsoft.com/office/powerpoint/2010/main" id="1" dur="indefinite" restart="never" nodeType="tmRoot">
           <p:childTnLst>
             <p:seq concurrent="1" nextAc="seek">
               <p:cTn id="2" dur="indefinite" nodeType="mainSeq">
@@ -11714,7 +11838,7 @@
   <p:timing>
     <p:tnLst>
       <p:par>
-        <p:cTn id="1" dur="indefinite" restart="never" nodeType="tmRoot">
+        <p:cTn xmlns:p14="http://schemas.microsoft.com/office/powerpoint/2010/main" id="1" dur="indefinite" restart="never" nodeType="tmRoot">
           <p:childTnLst>
             <p:seq concurrent="1" nextAc="seek">
               <p:cTn id="2" dur="indefinite" nodeType="mainSeq">
@@ -12387,7 +12511,7 @@
   <p:timing>
     <p:tnLst>
       <p:par>
-        <p:cTn id="1" dur="indefinite" restart="never" nodeType="tmRoot">
+        <p:cTn xmlns:p14="http://schemas.microsoft.com/office/powerpoint/2010/main" id="1" dur="indefinite" restart="never" nodeType="tmRoot">
           <p:childTnLst>
             <p:seq concurrent="1" nextAc="seek">
               <p:cTn id="2" dur="indefinite" nodeType="mainSeq">
@@ -13060,7 +13184,7 @@
   <p:timing>
     <p:tnLst>
       <p:par>
-        <p:cTn id="1" dur="indefinite" restart="never" nodeType="tmRoot">
+        <p:cTn xmlns:p14="http://schemas.microsoft.com/office/powerpoint/2010/main" id="1" dur="indefinite" restart="never" nodeType="tmRoot">
           <p:childTnLst>
             <p:seq concurrent="1" nextAc="seek">
               <p:cTn id="2" dur="indefinite" nodeType="mainSeq">
@@ -13733,7 +13857,7 @@
   <p:timing>
     <p:tnLst>
       <p:par>
-        <p:cTn id="1" dur="indefinite" restart="never" nodeType="tmRoot">
+        <p:cTn xmlns:p14="http://schemas.microsoft.com/office/powerpoint/2010/main" id="1" dur="indefinite" restart="never" nodeType="tmRoot">
           <p:childTnLst>
             <p:seq concurrent="1" nextAc="seek">
               <p:cTn id="2" dur="indefinite" nodeType="mainSeq">
@@ -14406,7 +14530,7 @@
   <p:timing>
     <p:tnLst>
       <p:par>
-        <p:cTn id="1" dur="indefinite" restart="never" nodeType="tmRoot">
+        <p:cTn xmlns:p14="http://schemas.microsoft.com/office/powerpoint/2010/main" id="1" dur="indefinite" restart="never" nodeType="tmRoot">
           <p:childTnLst>
             <p:seq concurrent="1" nextAc="seek">
               <p:cTn id="2" dur="indefinite" nodeType="mainSeq">
@@ -15195,7 +15319,7 @@
   <p:timing>
     <p:tnLst>
       <p:par>
-        <p:cTn id="1" dur="indefinite" restart="never" nodeType="tmRoot">
+        <p:cTn xmlns:p14="http://schemas.microsoft.com/office/powerpoint/2010/main" id="1" dur="indefinite" restart="never" nodeType="tmRoot">
           <p:childTnLst>
             <p:seq concurrent="1" nextAc="seek">
               <p:cTn id="2" dur="indefinite" nodeType="mainSeq">
@@ -16032,7 +16156,7 @@
   <p:timing>
     <p:tnLst>
       <p:par>
-        <p:cTn id="1" dur="indefinite" restart="never" nodeType="tmRoot">
+        <p:cTn xmlns:p14="http://schemas.microsoft.com/office/powerpoint/2010/main" id="1" dur="indefinite" restart="never" nodeType="tmRoot">
           <p:childTnLst>
             <p:seq concurrent="1" nextAc="seek">
               <p:cTn id="2" dur="indefinite" nodeType="mainSeq">
@@ -16279,7 +16403,7 @@
         <p:spPr>
           <a:xfrm>
             <a:off x="-12515" y="1648705"/>
-            <a:ext cx="2320286" cy="593454"/>
+            <a:ext cx="2173792" cy="593454"/>
           </a:xfrm>
           <a:prstGeom prst="rect">
             <a:avLst/>
@@ -16373,7 +16497,7 @@
         <p:spPr>
           <a:xfrm>
             <a:off x="-42014" y="3026234"/>
-            <a:ext cx="2552981" cy="773166"/>
+            <a:ext cx="2225573" cy="773166"/>
           </a:xfrm>
           <a:prstGeom prst="rect">
             <a:avLst/>
@@ -16420,7 +16544,7 @@
         <p:spPr>
           <a:xfrm>
             <a:off x="2191" y="5748669"/>
-            <a:ext cx="2532365" cy="1109331"/>
+            <a:ext cx="2170227" cy="1109331"/>
           </a:xfrm>
           <a:prstGeom prst="rect">
             <a:avLst/>
@@ -16535,8 +16659,13 @@
           <a:p>
             <a:r>
               <a:rPr lang="fr-FR" dirty="0"/>
-              <a:t>Présentation de la société</a:t>
-            </a:r>
+              <a:t>Présentation de la </a:t>
+            </a:r>
+            <a:r>
+              <a:rPr lang="fr-FR" dirty="0" smtClean="0"/>
+              <a:t>société AICOM</a:t>
+            </a:r>
+            <a:endParaRPr lang="fr-FR" dirty="0"/>
           </a:p>
           <a:p>
             <a:r>
@@ -16567,7 +16696,7 @@
         <p:spPr>
           <a:xfrm>
             <a:off x="-42014" y="3928567"/>
-            <a:ext cx="2544308" cy="804869"/>
+            <a:ext cx="2225573" cy="804869"/>
           </a:xfrm>
           <a:prstGeom prst="rect">
             <a:avLst/>
@@ -16618,7 +16747,7 @@
   <p:timing>
     <p:tnLst>
       <p:par>
-        <p:cTn id="1" dur="indefinite" restart="never" nodeType="tmRoot">
+        <p:cTn xmlns:p14="http://schemas.microsoft.com/office/powerpoint/2010/main" id="1" dur="indefinite" restart="never" nodeType="tmRoot">
           <p:childTnLst>
             <p:seq concurrent="1" nextAc="seek">
               <p:cTn id="2" dur="indefinite" nodeType="mainSeq">
@@ -17583,7 +17712,7 @@
   <p:timing>
     <p:tnLst>
       <p:par>
-        <p:cTn id="1" dur="indefinite" restart="never" nodeType="tmRoot">
+        <p:cTn xmlns:p14="http://schemas.microsoft.com/office/powerpoint/2010/main" id="1" dur="indefinite" restart="never" nodeType="tmRoot">
           <p:childTnLst>
             <p:seq concurrent="1" nextAc="seek">
               <p:cTn id="2" dur="indefinite" nodeType="mainSeq">
@@ -18739,7 +18868,7 @@
   <p:timing>
     <p:tnLst>
       <p:par>
-        <p:cTn id="1" dur="indefinite" restart="never" nodeType="tmRoot">
+        <p:cTn xmlns:p14="http://schemas.microsoft.com/office/powerpoint/2010/main" id="1" dur="indefinite" restart="never" nodeType="tmRoot">
           <p:childTnLst>
             <p:seq concurrent="1" nextAc="seek">
               <p:cTn id="2" dur="indefinite" nodeType="mainSeq">
@@ -19468,7 +19597,7 @@
   <p:timing>
     <p:tnLst>
       <p:par>
-        <p:cTn id="1" dur="indefinite" restart="never" nodeType="tmRoot">
+        <p:cTn xmlns:p14="http://schemas.microsoft.com/office/powerpoint/2010/main" id="1" dur="indefinite" restart="never" nodeType="tmRoot">
           <p:childTnLst>
             <p:seq concurrent="1" nextAc="seek">
               <p:cTn id="2" dur="indefinite" nodeType="mainSeq">
@@ -20133,7 +20262,7 @@
   <p:timing>
     <p:tnLst>
       <p:par>
-        <p:cTn id="1" dur="indefinite" restart="never" nodeType="tmRoot">
+        <p:cTn xmlns:p14="http://schemas.microsoft.com/office/powerpoint/2010/main" id="1" dur="indefinite" restart="never" nodeType="tmRoot">
           <p:childTnLst>
             <p:seq concurrent="1" nextAc="seek">
               <p:cTn id="2" dur="indefinite" nodeType="mainSeq">
@@ -20861,7 +20990,7 @@
   <p:timing>
     <p:tnLst>
       <p:par>
-        <p:cTn id="1" dur="indefinite" restart="never" nodeType="tmRoot">
+        <p:cTn xmlns:p14="http://schemas.microsoft.com/office/powerpoint/2010/main" id="1" dur="indefinite" restart="never" nodeType="tmRoot">
           <p:childTnLst>
             <p:seq concurrent="1" nextAc="seek">
               <p:cTn id="2" dur="indefinite" nodeType="mainSeq">
@@ -21714,7 +21843,7 @@
         <p:spPr>
           <a:xfrm>
             <a:off x="-10509" y="-14513"/>
-            <a:ext cx="2318280" cy="1483506"/>
+            <a:ext cx="2318280" cy="1139643"/>
           </a:xfrm>
           <a:prstGeom prst="rect">
             <a:avLst/>
@@ -21760,7 +21889,7 @@
         </p:nvSpPr>
         <p:spPr>
           <a:xfrm>
-            <a:off x="-14510" y="2688198"/>
+            <a:off x="0" y="1941824"/>
             <a:ext cx="2164647" cy="1041978"/>
           </a:xfrm>
           <a:prstGeom prst="rect">
@@ -21807,8 +21936,8 @@
         </p:nvSpPr>
         <p:spPr>
           <a:xfrm>
-            <a:off x="-18425" y="3749233"/>
-            <a:ext cx="2552981" cy="967920"/>
+            <a:off x="1" y="2858041"/>
+            <a:ext cx="2172418" cy="967920"/>
           </a:xfrm>
           <a:prstGeom prst="rect">
             <a:avLst/>
@@ -21854,8 +21983,8 @@
         </p:nvSpPr>
         <p:spPr>
           <a:xfrm>
-            <a:off x="2191" y="5748669"/>
-            <a:ext cx="2532365" cy="1109331"/>
+            <a:off x="2192" y="5748669"/>
+            <a:ext cx="2159086" cy="1109331"/>
           </a:xfrm>
           <a:prstGeom prst="rect">
             <a:avLst/>
@@ -21901,7 +22030,7 @@
         </p:nvSpPr>
         <p:spPr>
           <a:xfrm>
-            <a:off x="-9752" y="4733436"/>
+            <a:off x="0" y="5000794"/>
             <a:ext cx="2172392" cy="1001486"/>
           </a:xfrm>
           <a:prstGeom prst="rect">
@@ -22108,8 +22237,8 @@
         </p:nvSpPr>
         <p:spPr>
           <a:xfrm>
-            <a:off x="-12515" y="1483507"/>
-            <a:ext cx="2218356" cy="1187122"/>
+            <a:off x="0" y="1171590"/>
+            <a:ext cx="2218356" cy="755612"/>
           </a:xfrm>
           <a:prstGeom prst="rect">
             <a:avLst/>
@@ -22441,6 +22570,54 @@
               <a:rPr lang="fr-FR" b="1" dirty="0"/>
               <a:t>AICOM</a:t>
             </a:r>
+          </a:p>
+        </p:txBody>
+      </p:sp>
+      <p:sp>
+        <p:nvSpPr>
+          <p:cNvPr id="21" name="Rectangle 20"/>
+          <p:cNvSpPr/>
+          <p:nvPr/>
+        </p:nvSpPr>
+        <p:spPr>
+          <a:xfrm>
+            <a:off x="0" y="3812513"/>
+            <a:ext cx="2172418" cy="910804"/>
+          </a:xfrm>
+          <a:prstGeom prst="rect">
+            <a:avLst/>
+          </a:prstGeom>
+          <a:noFill/>
+          <a:ln>
+            <a:noFill/>
+          </a:ln>
+        </p:spPr>
+        <p:style>
+          <a:lnRef idx="2">
+            <a:schemeClr val="accent1">
+              <a:shade val="50000"/>
+            </a:schemeClr>
+          </a:lnRef>
+          <a:fillRef idx="1">
+            <a:schemeClr val="accent1"/>
+          </a:fillRef>
+          <a:effectRef idx="0">
+            <a:schemeClr val="accent1"/>
+          </a:effectRef>
+          <a:fontRef idx="minor">
+            <a:schemeClr val="lt1"/>
+          </a:fontRef>
+        </p:style>
+        <p:txBody>
+          <a:bodyPr rtlCol="0" anchor="ctr"/>
+          <a:lstStyle/>
+          <a:p>
+            <a:pPr algn="ctr"/>
+            <a:r>
+              <a:rPr lang="fr-FR" dirty="0" smtClean="0"/>
+              <a:t>Organisation</a:t>
+            </a:r>
+            <a:endParaRPr lang="fr-FR" dirty="0"/>
           </a:p>
         </p:txBody>
       </p:sp>
@@ -22457,7 +22634,7 @@
   <p:timing>
     <p:tnLst>
       <p:par>
-        <p:cTn id="1" dur="indefinite" restart="never" nodeType="tmRoot">
+        <p:cTn xmlns:p14="http://schemas.microsoft.com/office/powerpoint/2010/main" id="1" dur="indefinite" restart="never" nodeType="tmRoot">
           <p:childTnLst>
             <p:seq concurrent="1" nextAc="seek">
               <p:cTn id="2" dur="indefinite" nodeType="mainSeq">
@@ -23245,7 +23422,7 @@
       </p:sp>
       <p:sp>
         <p:nvSpPr>
-          <p:cNvPr id="24" name="Rectangle 23"/>
+          <p:cNvPr id="15" name="Rectangle 14"/>
           <p:cNvSpPr/>
           <p:nvPr/>
         </p:nvSpPr>
@@ -23288,14 +23465,14 @@
       </p:sp>
       <p:sp>
         <p:nvSpPr>
-          <p:cNvPr id="25" name="Rectangle 24"/>
+          <p:cNvPr id="16" name="Rectangle 15"/>
           <p:cNvSpPr/>
           <p:nvPr/>
         </p:nvSpPr>
         <p:spPr>
           <a:xfrm>
             <a:off x="-10509" y="-14513"/>
-            <a:ext cx="2160646" cy="1483506"/>
+            <a:ext cx="2318280" cy="1139643"/>
           </a:xfrm>
           <a:prstGeom prst="rect">
             <a:avLst/>
@@ -23328,20 +23505,20 @@
             <a:pPr algn="ctr"/>
             <a:r>
               <a:rPr lang="fr-FR" dirty="0"/>
-              <a:t>Introduction</a:t>
-            </a:r>
-          </a:p>
-        </p:txBody>
-      </p:sp>
-      <p:sp>
-        <p:nvSpPr>
-          <p:cNvPr id="26" name="Rectangle 25"/>
+              <a:t>INTRODUCTION</a:t>
+            </a:r>
+          </a:p>
+        </p:txBody>
+      </p:sp>
+      <p:sp>
+        <p:nvSpPr>
+          <p:cNvPr id="18" name="Rectangle 17"/>
           <p:cNvSpPr/>
           <p:nvPr/>
         </p:nvSpPr>
         <p:spPr>
           <a:xfrm>
-            <a:off x="-14510" y="2688198"/>
+            <a:off x="0" y="1941824"/>
             <a:ext cx="2164647" cy="1041978"/>
           </a:xfrm>
           <a:prstGeom prst="rect">
@@ -23382,14 +23559,14 @@
       </p:sp>
       <p:sp>
         <p:nvSpPr>
-          <p:cNvPr id="27" name="Rectangle 26"/>
+          <p:cNvPr id="19" name="Rectangle 18"/>
           <p:cNvSpPr/>
           <p:nvPr/>
         </p:nvSpPr>
         <p:spPr>
           <a:xfrm>
-            <a:off x="-18425" y="3749233"/>
-            <a:ext cx="2181065" cy="967920"/>
+            <a:off x="1" y="2858041"/>
+            <a:ext cx="2172418" cy="967920"/>
           </a:xfrm>
           <a:prstGeom prst="rect">
             <a:avLst/>
@@ -23429,14 +23606,14 @@
       </p:sp>
       <p:sp>
         <p:nvSpPr>
-          <p:cNvPr id="28" name="Rectangle 27"/>
+          <p:cNvPr id="20" name="Rectangle 19"/>
           <p:cNvSpPr/>
           <p:nvPr/>
         </p:nvSpPr>
         <p:spPr>
           <a:xfrm>
-            <a:off x="2191" y="5748669"/>
-            <a:ext cx="2160449" cy="1109331"/>
+            <a:off x="2192" y="5748669"/>
+            <a:ext cx="2192508" cy="1109331"/>
           </a:xfrm>
           <a:prstGeom prst="rect">
             <a:avLst/>
@@ -23476,13 +23653,13 @@
       </p:sp>
       <p:sp>
         <p:nvSpPr>
-          <p:cNvPr id="29" name="Rectangle 28"/>
+          <p:cNvPr id="21" name="Rectangle 20"/>
           <p:cNvSpPr/>
           <p:nvPr/>
         </p:nvSpPr>
         <p:spPr>
           <a:xfrm>
-            <a:off x="-9752" y="4733436"/>
+            <a:off x="0" y="4766856"/>
             <a:ext cx="2172392" cy="1001486"/>
           </a:xfrm>
           <a:prstGeom prst="rect">
@@ -23523,14 +23700,14 @@
       </p:sp>
       <p:sp>
         <p:nvSpPr>
-          <p:cNvPr id="30" name="Rectangle 29"/>
+          <p:cNvPr id="22" name="Rectangle 21"/>
           <p:cNvSpPr/>
           <p:nvPr/>
         </p:nvSpPr>
         <p:spPr>
           <a:xfrm>
-            <a:off x="-12515" y="1483507"/>
-            <a:ext cx="2218356" cy="1187122"/>
+            <a:off x="0" y="1171590"/>
+            <a:ext cx="2218356" cy="755612"/>
           </a:xfrm>
           <a:prstGeom prst="rect">
             <a:avLst/>
@@ -23570,6 +23747,54 @@
               <a:rPr lang="fr-FR" dirty="0"/>
               <a:t>AICOM</a:t>
             </a:r>
+          </a:p>
+        </p:txBody>
+      </p:sp>
+      <p:sp>
+        <p:nvSpPr>
+          <p:cNvPr id="23" name="Rectangle 22"/>
+          <p:cNvSpPr/>
+          <p:nvPr/>
+        </p:nvSpPr>
+        <p:spPr>
+          <a:xfrm>
+            <a:off x="0" y="3812513"/>
+            <a:ext cx="2172418" cy="910804"/>
+          </a:xfrm>
+          <a:prstGeom prst="rect">
+            <a:avLst/>
+          </a:prstGeom>
+          <a:noFill/>
+          <a:ln>
+            <a:noFill/>
+          </a:ln>
+        </p:spPr>
+        <p:style>
+          <a:lnRef idx="2">
+            <a:schemeClr val="accent1">
+              <a:shade val="50000"/>
+            </a:schemeClr>
+          </a:lnRef>
+          <a:fillRef idx="1">
+            <a:schemeClr val="accent1"/>
+          </a:fillRef>
+          <a:effectRef idx="0">
+            <a:schemeClr val="accent1"/>
+          </a:effectRef>
+          <a:fontRef idx="minor">
+            <a:schemeClr val="lt1"/>
+          </a:fontRef>
+        </p:style>
+        <p:txBody>
+          <a:bodyPr rtlCol="0" anchor="ctr"/>
+          <a:lstStyle/>
+          <a:p>
+            <a:pPr algn="ctr"/>
+            <a:r>
+              <a:rPr lang="fr-FR" dirty="0" smtClean="0"/>
+              <a:t>Organisation</a:t>
+            </a:r>
+            <a:endParaRPr lang="fr-FR" dirty="0"/>
           </a:p>
         </p:txBody>
       </p:sp>
@@ -23586,7 +23811,7 @@
   <p:timing>
     <p:tnLst>
       <p:par>
-        <p:cTn id="1" dur="indefinite" restart="never" nodeType="tmRoot">
+        <p:cTn xmlns:p14="http://schemas.microsoft.com/office/powerpoint/2010/main" id="1" dur="indefinite" restart="never" nodeType="tmRoot">
           <p:childTnLst>
             <p:seq concurrent="1" nextAc="seek">
               <p:cTn id="2" dur="indefinite" nodeType="mainSeq">
@@ -23915,14 +24140,14 @@
       </p:sp>
       <p:sp>
         <p:nvSpPr>
-          <p:cNvPr id="15" name="Rectangle 14"/>
+          <p:cNvPr id="16" name="Rectangle 15"/>
           <p:cNvSpPr/>
           <p:nvPr/>
         </p:nvSpPr>
         <p:spPr>
           <a:xfrm>
             <a:off x="-14503" y="0"/>
-            <a:ext cx="2184160" cy="6858000"/>
+            <a:ext cx="2177143" cy="6858000"/>
           </a:xfrm>
           <a:prstGeom prst="rect">
             <a:avLst/>
@@ -23958,14 +24183,14 @@
       </p:sp>
       <p:sp>
         <p:nvSpPr>
-          <p:cNvPr id="18" name="Rectangle 17"/>
+          <p:cNvPr id="24" name="Rectangle 23"/>
           <p:cNvSpPr/>
           <p:nvPr/>
         </p:nvSpPr>
         <p:spPr>
           <a:xfrm>
             <a:off x="-10509" y="-14513"/>
-            <a:ext cx="2223500" cy="1483506"/>
+            <a:ext cx="2318280" cy="1139643"/>
           </a:xfrm>
           <a:prstGeom prst="rect">
             <a:avLst/>
@@ -24005,14 +24230,14 @@
       </p:sp>
       <p:sp>
         <p:nvSpPr>
-          <p:cNvPr id="19" name="Rectangle 18"/>
+          <p:cNvPr id="25" name="Rectangle 24"/>
           <p:cNvSpPr/>
           <p:nvPr/>
         </p:nvSpPr>
         <p:spPr>
           <a:xfrm>
-            <a:off x="-14510" y="2688198"/>
-            <a:ext cx="2171623" cy="1041978"/>
+            <a:off x="0" y="1941824"/>
+            <a:ext cx="2164647" cy="1041978"/>
           </a:xfrm>
           <a:prstGeom prst="rect">
             <a:avLst/>
@@ -24052,14 +24277,14 @@
       </p:sp>
       <p:sp>
         <p:nvSpPr>
-          <p:cNvPr id="20" name="Rectangle 19"/>
+          <p:cNvPr id="26" name="Rectangle 25"/>
           <p:cNvSpPr/>
           <p:nvPr/>
         </p:nvSpPr>
         <p:spPr>
           <a:xfrm>
-            <a:off x="-18424" y="3749233"/>
-            <a:ext cx="2231416" cy="967920"/>
+            <a:off x="1" y="2858041"/>
+            <a:ext cx="2172418" cy="967920"/>
           </a:xfrm>
           <a:prstGeom prst="rect">
             <a:avLst/>
@@ -24099,14 +24324,14 @@
       </p:sp>
       <p:sp>
         <p:nvSpPr>
-          <p:cNvPr id="21" name="Rectangle 20"/>
+          <p:cNvPr id="27" name="Rectangle 26"/>
           <p:cNvSpPr/>
           <p:nvPr/>
         </p:nvSpPr>
         <p:spPr>
           <a:xfrm>
-            <a:off x="2191" y="5748669"/>
-            <a:ext cx="2540527" cy="1109331"/>
+            <a:off x="2192" y="5748669"/>
+            <a:ext cx="2159086" cy="1109331"/>
           </a:xfrm>
           <a:prstGeom prst="rect">
             <a:avLst/>
@@ -24146,14 +24371,14 @@
       </p:sp>
       <p:sp>
         <p:nvSpPr>
-          <p:cNvPr id="22" name="Rectangle 21"/>
+          <p:cNvPr id="28" name="Rectangle 27"/>
           <p:cNvSpPr/>
           <p:nvPr/>
         </p:nvSpPr>
         <p:spPr>
           <a:xfrm>
-            <a:off x="-9753" y="4733436"/>
-            <a:ext cx="2179393" cy="1001486"/>
+            <a:off x="0" y="5000794"/>
+            <a:ext cx="2172392" cy="1001486"/>
           </a:xfrm>
           <a:prstGeom prst="rect">
             <a:avLst/>
@@ -24193,14 +24418,14 @@
       </p:sp>
       <p:sp>
         <p:nvSpPr>
-          <p:cNvPr id="23" name="Rectangle 22"/>
+          <p:cNvPr id="29" name="Rectangle 28"/>
           <p:cNvSpPr/>
           <p:nvPr/>
         </p:nvSpPr>
         <p:spPr>
           <a:xfrm>
-            <a:off x="-12515" y="1483507"/>
-            <a:ext cx="2225506" cy="1187122"/>
+            <a:off x="0" y="1171590"/>
+            <a:ext cx="2218356" cy="755612"/>
           </a:xfrm>
           <a:prstGeom prst="rect">
             <a:avLst/>
@@ -24240,6 +24465,54 @@
               <a:rPr lang="fr-FR" dirty="0"/>
               <a:t>AICOM</a:t>
             </a:r>
+          </a:p>
+        </p:txBody>
+      </p:sp>
+      <p:sp>
+        <p:nvSpPr>
+          <p:cNvPr id="30" name="Rectangle 29"/>
+          <p:cNvSpPr/>
+          <p:nvPr/>
+        </p:nvSpPr>
+        <p:spPr>
+          <a:xfrm>
+            <a:off x="0" y="3812513"/>
+            <a:ext cx="2172418" cy="910804"/>
+          </a:xfrm>
+          <a:prstGeom prst="rect">
+            <a:avLst/>
+          </a:prstGeom>
+          <a:noFill/>
+          <a:ln>
+            <a:noFill/>
+          </a:ln>
+        </p:spPr>
+        <p:style>
+          <a:lnRef idx="2">
+            <a:schemeClr val="accent1">
+              <a:shade val="50000"/>
+            </a:schemeClr>
+          </a:lnRef>
+          <a:fillRef idx="1">
+            <a:schemeClr val="accent1"/>
+          </a:fillRef>
+          <a:effectRef idx="0">
+            <a:schemeClr val="accent1"/>
+          </a:effectRef>
+          <a:fontRef idx="minor">
+            <a:schemeClr val="lt1"/>
+          </a:fontRef>
+        </p:style>
+        <p:txBody>
+          <a:bodyPr rtlCol="0" anchor="ctr"/>
+          <a:lstStyle/>
+          <a:p>
+            <a:pPr algn="ctr"/>
+            <a:r>
+              <a:rPr lang="fr-FR" dirty="0" smtClean="0"/>
+              <a:t>Organisation</a:t>
+            </a:r>
+            <a:endParaRPr lang="fr-FR" dirty="0"/>
           </a:p>
         </p:txBody>
       </p:sp>
@@ -24256,7 +24529,7 @@
   <p:timing>
     <p:tnLst>
       <p:par>
-        <p:cTn id="1" dur="indefinite" restart="never" nodeType="tmRoot">
+        <p:cTn xmlns:p14="http://schemas.microsoft.com/office/powerpoint/2010/main" id="1" dur="indefinite" restart="never" nodeType="tmRoot">
           <p:childTnLst>
             <p:seq concurrent="1" nextAc="seek">
               <p:cTn id="2" dur="indefinite" nodeType="mainSeq">
@@ -24651,8 +24924,19 @@
           <a:p>
             <a:r>
               <a:rPr lang="fr-FR" dirty="0"/>
-              <a:t>Evolution future prévue</a:t>
-            </a:r>
+              <a:t>Evolution future </a:t>
+            </a:r>
+            <a:r>
+              <a:rPr lang="fr-FR" dirty="0" smtClean="0"/>
+              <a:t>prévue</a:t>
+            </a:r>
+          </a:p>
+          <a:p>
+            <a:r>
+              <a:rPr lang="fr-FR" dirty="0" smtClean="0"/>
+              <a:t>Modularité des traitements</a:t>
+            </a:r>
+            <a:endParaRPr lang="fr-FR" dirty="0"/>
           </a:p>
         </p:txBody>
       </p:sp>
@@ -24708,7 +24992,7 @@
         <p:spPr>
           <a:xfrm>
             <a:off x="-10509" y="-14513"/>
-            <a:ext cx="2194068" cy="1483506"/>
+            <a:ext cx="2194068" cy="1106223"/>
           </a:xfrm>
           <a:prstGeom prst="rect">
             <a:avLst/>
@@ -24754,8 +25038,8 @@
         </p:nvSpPr>
         <p:spPr>
           <a:xfrm>
-            <a:off x="-12515" y="1483507"/>
-            <a:ext cx="2196074" cy="1011830"/>
+            <a:off x="0" y="937652"/>
+            <a:ext cx="2196074" cy="889291"/>
           </a:xfrm>
           <a:prstGeom prst="rect">
             <a:avLst/>
@@ -24801,7 +25085,7 @@
         </p:nvSpPr>
         <p:spPr>
           <a:xfrm>
-            <a:off x="-14510" y="2688198"/>
+            <a:off x="0" y="1841565"/>
             <a:ext cx="2175787" cy="1041978"/>
           </a:xfrm>
           <a:prstGeom prst="rect">
@@ -24853,7 +25137,7 @@
         </p:nvSpPr>
         <p:spPr>
           <a:xfrm>
-            <a:off x="-18424" y="3749233"/>
+            <a:off x="0" y="2869181"/>
             <a:ext cx="2201984" cy="967920"/>
           </a:xfrm>
           <a:prstGeom prst="rect">
@@ -24947,7 +25231,7 @@
         </p:nvSpPr>
         <p:spPr>
           <a:xfrm>
-            <a:off x="-9752" y="4733436"/>
+            <a:off x="0" y="4989654"/>
             <a:ext cx="2171029" cy="1001486"/>
           </a:xfrm>
           <a:prstGeom prst="rect">
@@ -25151,6 +25435,54 @@
               </a:rPr>
               <a:t>Aperçu</a:t>
             </a:r>
+          </a:p>
+        </p:txBody>
+      </p:sp>
+      <p:sp>
+        <p:nvSpPr>
+          <p:cNvPr id="16" name="Rectangle 15"/>
+          <p:cNvSpPr/>
+          <p:nvPr/>
+        </p:nvSpPr>
+        <p:spPr>
+          <a:xfrm>
+            <a:off x="0" y="3868213"/>
+            <a:ext cx="2201984" cy="967920"/>
+          </a:xfrm>
+          <a:prstGeom prst="rect">
+            <a:avLst/>
+          </a:prstGeom>
+          <a:noFill/>
+          <a:ln>
+            <a:noFill/>
+          </a:ln>
+        </p:spPr>
+        <p:style>
+          <a:lnRef idx="2">
+            <a:schemeClr val="accent1">
+              <a:shade val="50000"/>
+            </a:schemeClr>
+          </a:lnRef>
+          <a:fillRef idx="1">
+            <a:schemeClr val="accent1"/>
+          </a:fillRef>
+          <a:effectRef idx="0">
+            <a:schemeClr val="accent1"/>
+          </a:effectRef>
+          <a:fontRef idx="minor">
+            <a:schemeClr val="lt1"/>
+          </a:fontRef>
+        </p:style>
+        <p:txBody>
+          <a:bodyPr rtlCol="0" anchor="ctr"/>
+          <a:lstStyle/>
+          <a:p>
+            <a:pPr algn="ctr"/>
+            <a:r>
+              <a:rPr lang="fr-FR" dirty="0" smtClean="0"/>
+              <a:t>Organisation</a:t>
+            </a:r>
+            <a:endParaRPr lang="fr-FR" dirty="0"/>
           </a:p>
         </p:txBody>
       </p:sp>
@@ -25167,7 +25499,7 @@
   <p:timing>
     <p:tnLst>
       <p:par>
-        <p:cTn id="1" dur="indefinite" restart="never" nodeType="tmRoot">
+        <p:cTn xmlns:p14="http://schemas.microsoft.com/office/powerpoint/2010/main" id="1" dur="indefinite" restart="never" nodeType="tmRoot">
           <p:childTnLst>
             <p:seq concurrent="1" nextAc="seek">
               <p:cTn id="2" dur="indefinite" nodeType="mainSeq">
@@ -25404,13 +25736,18 @@
           <a:p>
             <a:pPr algn="ctr"/>
             <a:r>
-              <a:rPr lang="fr-FR" dirty="0">
+              <a:rPr lang="fr-FR" dirty="0" smtClean="0">
                 <a:solidFill>
                   <a:srgbClr val="C00000"/>
                 </a:solidFill>
               </a:rPr>
               <a:t>Réalisation</a:t>
             </a:r>
+            <a:endParaRPr lang="fr-FR" dirty="0">
+              <a:solidFill>
+                <a:srgbClr val="C00000"/>
+              </a:solidFill>
+            </a:endParaRPr>
           </a:p>
         </p:txBody>
       </p:sp>
@@ -25472,18 +25809,24 @@
       </p:sp>
       <p:sp>
         <p:nvSpPr>
-          <p:cNvPr id="16" name="Rectangle 15"/>
+          <p:cNvPr id="23" name="Rectangle 22"/>
           <p:cNvSpPr/>
           <p:nvPr/>
         </p:nvSpPr>
         <p:spPr>
           <a:xfrm>
-            <a:off x="-15189" y="0"/>
-            <a:ext cx="2177143" cy="6858000"/>
-          </a:xfrm>
-          <a:prstGeom prst="rect">
-            <a:avLst/>
-          </a:prstGeom>
+            <a:off x="8366595" y="1159710"/>
+            <a:ext cx="3825406" cy="442452"/>
+          </a:xfrm>
+          <a:prstGeom prst="rect">
+            <a:avLst/>
+          </a:prstGeom>
+          <a:solidFill>
+            <a:schemeClr val="bg2">
+              <a:lumMod val="60000"/>
+              <a:lumOff val="40000"/>
+            </a:schemeClr>
+          </a:solidFill>
           <a:ln>
             <a:noFill/>
           </a:ln>
@@ -25509,25 +25852,36 @@
           <a:lstStyle/>
           <a:p>
             <a:pPr algn="ctr"/>
-            <a:endParaRPr lang="fr-FR"/>
-          </a:p>
-        </p:txBody>
-      </p:sp>
-      <p:sp>
-        <p:nvSpPr>
-          <p:cNvPr id="17" name="Rectangle 16"/>
+            <a:r>
+              <a:rPr lang="fr-FR" dirty="0" smtClean="0">
+                <a:solidFill>
+                  <a:srgbClr val="C00000"/>
+                </a:solidFill>
+              </a:rPr>
+              <a:t>Prise en main de CodeIgniter</a:t>
+            </a:r>
+            <a:endParaRPr lang="fr-FR" dirty="0">
+              <a:solidFill>
+                <a:srgbClr val="C00000"/>
+              </a:solidFill>
+            </a:endParaRPr>
+          </a:p>
+        </p:txBody>
+      </p:sp>
+      <p:sp>
+        <p:nvSpPr>
+          <p:cNvPr id="24" name="Rectangle 23"/>
           <p:cNvSpPr/>
           <p:nvPr/>
         </p:nvSpPr>
         <p:spPr>
           <a:xfrm>
-            <a:off x="-10509" y="-14513"/>
-            <a:ext cx="2194068" cy="1483506"/>
-          </a:xfrm>
-          <a:prstGeom prst="rect">
-            <a:avLst/>
-          </a:prstGeom>
-          <a:noFill/>
+            <a:off x="-15189" y="0"/>
+            <a:ext cx="2177143" cy="6858000"/>
+          </a:xfrm>
+          <a:prstGeom prst="rect">
+            <a:avLst/>
+          </a:prstGeom>
           <a:ln>
             <a:noFill/>
           </a:ln>
@@ -25553,23 +25907,20 @@
           <a:lstStyle/>
           <a:p>
             <a:pPr algn="ctr"/>
-            <a:r>
-              <a:rPr lang="fr-FR" dirty="0"/>
-              <a:t>Introduction</a:t>
-            </a:r>
-          </a:p>
-        </p:txBody>
-      </p:sp>
-      <p:sp>
-        <p:nvSpPr>
-          <p:cNvPr id="18" name="Rectangle 17"/>
+            <a:endParaRPr lang="fr-FR"/>
+          </a:p>
+        </p:txBody>
+      </p:sp>
+      <p:sp>
+        <p:nvSpPr>
+          <p:cNvPr id="25" name="Rectangle 24"/>
           <p:cNvSpPr/>
           <p:nvPr/>
         </p:nvSpPr>
         <p:spPr>
           <a:xfrm>
-            <a:off x="-12515" y="1483507"/>
-            <a:ext cx="2196074" cy="1011830"/>
+            <a:off x="-10509" y="-14513"/>
+            <a:ext cx="2194068" cy="1106223"/>
           </a:xfrm>
           <a:prstGeom prst="rect">
             <a:avLst/>
@@ -25602,6 +25953,53 @@
             <a:pPr algn="ctr"/>
             <a:r>
               <a:rPr lang="fr-FR" dirty="0"/>
+              <a:t>Introduction</a:t>
+            </a:r>
+          </a:p>
+        </p:txBody>
+      </p:sp>
+      <p:sp>
+        <p:nvSpPr>
+          <p:cNvPr id="26" name="Rectangle 25"/>
+          <p:cNvSpPr/>
+          <p:nvPr/>
+        </p:nvSpPr>
+        <p:spPr>
+          <a:xfrm>
+            <a:off x="0" y="937652"/>
+            <a:ext cx="2196074" cy="889291"/>
+          </a:xfrm>
+          <a:prstGeom prst="rect">
+            <a:avLst/>
+          </a:prstGeom>
+          <a:noFill/>
+          <a:ln>
+            <a:noFill/>
+          </a:ln>
+        </p:spPr>
+        <p:style>
+          <a:lnRef idx="2">
+            <a:schemeClr val="accent1">
+              <a:shade val="50000"/>
+            </a:schemeClr>
+          </a:lnRef>
+          <a:fillRef idx="1">
+            <a:schemeClr val="accent1"/>
+          </a:fillRef>
+          <a:effectRef idx="0">
+            <a:schemeClr val="accent1"/>
+          </a:effectRef>
+          <a:fontRef idx="minor">
+            <a:schemeClr val="lt1"/>
+          </a:fontRef>
+        </p:style>
+        <p:txBody>
+          <a:bodyPr rtlCol="0" anchor="ctr"/>
+          <a:lstStyle/>
+          <a:p>
+            <a:pPr algn="ctr"/>
+            <a:r>
+              <a:rPr lang="fr-FR" dirty="0"/>
               <a:t>AICOM</a:t>
             </a:r>
           </a:p>
@@ -25609,13 +26007,13 @@
       </p:sp>
       <p:sp>
         <p:nvSpPr>
-          <p:cNvPr id="19" name="Rectangle 18"/>
+          <p:cNvPr id="27" name="Rectangle 26"/>
           <p:cNvSpPr/>
           <p:nvPr/>
         </p:nvSpPr>
         <p:spPr>
           <a:xfrm>
-            <a:off x="-14510" y="2688198"/>
+            <a:off x="0" y="1841565"/>
             <a:ext cx="2175787" cy="1041978"/>
           </a:xfrm>
           <a:prstGeom prst="rect">
@@ -25661,13 +26059,13 @@
       </p:sp>
       <p:sp>
         <p:nvSpPr>
-          <p:cNvPr id="20" name="Rectangle 19"/>
+          <p:cNvPr id="28" name="Rectangle 27"/>
           <p:cNvSpPr/>
           <p:nvPr/>
         </p:nvSpPr>
         <p:spPr>
           <a:xfrm>
-            <a:off x="-18424" y="3749233"/>
+            <a:off x="0" y="2869181"/>
             <a:ext cx="2201984" cy="967920"/>
           </a:xfrm>
           <a:prstGeom prst="rect">
@@ -25708,7 +26106,7 @@
       </p:sp>
       <p:sp>
         <p:nvSpPr>
-          <p:cNvPr id="21" name="Rectangle 20"/>
+          <p:cNvPr id="29" name="Rectangle 28"/>
           <p:cNvSpPr/>
           <p:nvPr/>
         </p:nvSpPr>
@@ -25755,13 +26153,13 @@
       </p:sp>
       <p:sp>
         <p:nvSpPr>
-          <p:cNvPr id="22" name="Rectangle 21"/>
+          <p:cNvPr id="30" name="Rectangle 29"/>
           <p:cNvSpPr/>
           <p:nvPr/>
         </p:nvSpPr>
         <p:spPr>
           <a:xfrm>
-            <a:off x="-9752" y="4733436"/>
+            <a:off x="0" y="4989654"/>
             <a:ext cx="2171029" cy="1001486"/>
           </a:xfrm>
           <a:prstGeom prst="rect">
@@ -25797,6 +26195,54 @@
               <a:rPr lang="fr-FR" dirty="0"/>
               <a:t>L’entreprise et moi</a:t>
             </a:r>
+          </a:p>
+        </p:txBody>
+      </p:sp>
+      <p:sp>
+        <p:nvSpPr>
+          <p:cNvPr id="31" name="Rectangle 30"/>
+          <p:cNvSpPr/>
+          <p:nvPr/>
+        </p:nvSpPr>
+        <p:spPr>
+          <a:xfrm>
+            <a:off x="0" y="3868213"/>
+            <a:ext cx="2201984" cy="967920"/>
+          </a:xfrm>
+          <a:prstGeom prst="rect">
+            <a:avLst/>
+          </a:prstGeom>
+          <a:noFill/>
+          <a:ln>
+            <a:noFill/>
+          </a:ln>
+        </p:spPr>
+        <p:style>
+          <a:lnRef idx="2">
+            <a:schemeClr val="accent1">
+              <a:shade val="50000"/>
+            </a:schemeClr>
+          </a:lnRef>
+          <a:fillRef idx="1">
+            <a:schemeClr val="accent1"/>
+          </a:fillRef>
+          <a:effectRef idx="0">
+            <a:schemeClr val="accent1"/>
+          </a:effectRef>
+          <a:fontRef idx="minor">
+            <a:schemeClr val="lt1"/>
+          </a:fontRef>
+        </p:style>
+        <p:txBody>
+          <a:bodyPr rtlCol="0" anchor="ctr"/>
+          <a:lstStyle/>
+          <a:p>
+            <a:pPr algn="ctr"/>
+            <a:r>
+              <a:rPr lang="fr-FR" dirty="0" smtClean="0"/>
+              <a:t>Organisation</a:t>
+            </a:r>
+            <a:endParaRPr lang="fr-FR" dirty="0"/>
           </a:p>
         </p:txBody>
       </p:sp>
@@ -25810,6 +26256,13 @@
   <p:clrMapOvr>
     <a:masterClrMapping/>
   </p:clrMapOvr>
+  <p:timing>
+    <p:tnLst>
+      <p:par>
+        <p:cTn xmlns:p14="http://schemas.microsoft.com/office/powerpoint/2010/main" id="1" dur="indefinite" restart="never" nodeType="tmRoot"/>
+      </p:par>
+    </p:tnLst>
+  </p:timing>
 </p:sld>
 </file>
 
@@ -25961,13 +26414,18 @@
           <a:p>
             <a:pPr algn="ctr"/>
             <a:r>
-              <a:rPr lang="fr-FR" dirty="0">
+              <a:rPr lang="fr-FR" dirty="0" smtClean="0">
                 <a:solidFill>
                   <a:srgbClr val="C00000"/>
                 </a:solidFill>
               </a:rPr>
               <a:t>Réalisation</a:t>
             </a:r>
+            <a:endParaRPr lang="fr-FR" dirty="0">
+              <a:solidFill>
+                <a:srgbClr val="C00000"/>
+              </a:solidFill>
+            </a:endParaRPr>
           </a:p>
         </p:txBody>
       </p:sp>
@@ -26029,18 +26487,24 @@
       </p:sp>
       <p:sp>
         <p:nvSpPr>
-          <p:cNvPr id="16" name="Rectangle 15"/>
+          <p:cNvPr id="23" name="Rectangle 22"/>
           <p:cNvSpPr/>
           <p:nvPr/>
         </p:nvSpPr>
         <p:spPr>
           <a:xfrm>
-            <a:off x="-15189" y="0"/>
-            <a:ext cx="2177143" cy="6858000"/>
-          </a:xfrm>
-          <a:prstGeom prst="rect">
-            <a:avLst/>
-          </a:prstGeom>
+            <a:off x="8366595" y="1159710"/>
+            <a:ext cx="3825406" cy="442452"/>
+          </a:xfrm>
+          <a:prstGeom prst="rect">
+            <a:avLst/>
+          </a:prstGeom>
+          <a:solidFill>
+            <a:schemeClr val="bg2">
+              <a:lumMod val="60000"/>
+              <a:lumOff val="40000"/>
+            </a:schemeClr>
+          </a:solidFill>
           <a:ln>
             <a:noFill/>
           </a:ln>
@@ -26066,25 +26530,36 @@
           <a:lstStyle/>
           <a:p>
             <a:pPr algn="ctr"/>
-            <a:endParaRPr lang="fr-FR"/>
-          </a:p>
-        </p:txBody>
-      </p:sp>
-      <p:sp>
-        <p:nvSpPr>
-          <p:cNvPr id="17" name="Rectangle 16"/>
+            <a:r>
+              <a:rPr lang="fr-FR" dirty="0" smtClean="0">
+                <a:solidFill>
+                  <a:srgbClr val="C00000"/>
+                </a:solidFill>
+              </a:rPr>
+              <a:t>Prise en main de CodeIgniter</a:t>
+            </a:r>
+            <a:endParaRPr lang="fr-FR" dirty="0">
+              <a:solidFill>
+                <a:srgbClr val="C00000"/>
+              </a:solidFill>
+            </a:endParaRPr>
+          </a:p>
+        </p:txBody>
+      </p:sp>
+      <p:sp>
+        <p:nvSpPr>
+          <p:cNvPr id="24" name="Rectangle 23"/>
           <p:cNvSpPr/>
           <p:nvPr/>
         </p:nvSpPr>
         <p:spPr>
           <a:xfrm>
-            <a:off x="-10509" y="-14513"/>
-            <a:ext cx="2194068" cy="1483506"/>
-          </a:xfrm>
-          <a:prstGeom prst="rect">
-            <a:avLst/>
-          </a:prstGeom>
-          <a:noFill/>
+            <a:off x="-15189" y="0"/>
+            <a:ext cx="2177143" cy="6858000"/>
+          </a:xfrm>
+          <a:prstGeom prst="rect">
+            <a:avLst/>
+          </a:prstGeom>
           <a:ln>
             <a:noFill/>
           </a:ln>
@@ -26110,23 +26585,20 @@
           <a:lstStyle/>
           <a:p>
             <a:pPr algn="ctr"/>
-            <a:r>
-              <a:rPr lang="fr-FR" dirty="0"/>
-              <a:t>Introduction</a:t>
-            </a:r>
-          </a:p>
-        </p:txBody>
-      </p:sp>
-      <p:sp>
-        <p:nvSpPr>
-          <p:cNvPr id="18" name="Rectangle 17"/>
+            <a:endParaRPr lang="fr-FR"/>
+          </a:p>
+        </p:txBody>
+      </p:sp>
+      <p:sp>
+        <p:nvSpPr>
+          <p:cNvPr id="25" name="Rectangle 24"/>
           <p:cNvSpPr/>
           <p:nvPr/>
         </p:nvSpPr>
         <p:spPr>
           <a:xfrm>
-            <a:off x="-12515" y="1483507"/>
-            <a:ext cx="2196074" cy="1011830"/>
+            <a:off x="-10509" y="-14513"/>
+            <a:ext cx="2194068" cy="1106223"/>
           </a:xfrm>
           <a:prstGeom prst="rect">
             <a:avLst/>
@@ -26159,6 +26631,53 @@
             <a:pPr algn="ctr"/>
             <a:r>
               <a:rPr lang="fr-FR" dirty="0"/>
+              <a:t>Introduction</a:t>
+            </a:r>
+          </a:p>
+        </p:txBody>
+      </p:sp>
+      <p:sp>
+        <p:nvSpPr>
+          <p:cNvPr id="26" name="Rectangle 25"/>
+          <p:cNvSpPr/>
+          <p:nvPr/>
+        </p:nvSpPr>
+        <p:spPr>
+          <a:xfrm>
+            <a:off x="0" y="937652"/>
+            <a:ext cx="2196074" cy="889291"/>
+          </a:xfrm>
+          <a:prstGeom prst="rect">
+            <a:avLst/>
+          </a:prstGeom>
+          <a:noFill/>
+          <a:ln>
+            <a:noFill/>
+          </a:ln>
+        </p:spPr>
+        <p:style>
+          <a:lnRef idx="2">
+            <a:schemeClr val="accent1">
+              <a:shade val="50000"/>
+            </a:schemeClr>
+          </a:lnRef>
+          <a:fillRef idx="1">
+            <a:schemeClr val="accent1"/>
+          </a:fillRef>
+          <a:effectRef idx="0">
+            <a:schemeClr val="accent1"/>
+          </a:effectRef>
+          <a:fontRef idx="minor">
+            <a:schemeClr val="lt1"/>
+          </a:fontRef>
+        </p:style>
+        <p:txBody>
+          <a:bodyPr rtlCol="0" anchor="ctr"/>
+          <a:lstStyle/>
+          <a:p>
+            <a:pPr algn="ctr"/>
+            <a:r>
+              <a:rPr lang="fr-FR" dirty="0"/>
               <a:t>AICOM</a:t>
             </a:r>
           </a:p>
@@ -26166,13 +26685,13 @@
       </p:sp>
       <p:sp>
         <p:nvSpPr>
-          <p:cNvPr id="19" name="Rectangle 18"/>
+          <p:cNvPr id="27" name="Rectangle 26"/>
           <p:cNvSpPr/>
           <p:nvPr/>
         </p:nvSpPr>
         <p:spPr>
           <a:xfrm>
-            <a:off x="-14510" y="2688198"/>
+            <a:off x="0" y="1841565"/>
             <a:ext cx="2175787" cy="1041978"/>
           </a:xfrm>
           <a:prstGeom prst="rect">
@@ -26218,13 +26737,13 @@
       </p:sp>
       <p:sp>
         <p:nvSpPr>
-          <p:cNvPr id="20" name="Rectangle 19"/>
+          <p:cNvPr id="28" name="Rectangle 27"/>
           <p:cNvSpPr/>
           <p:nvPr/>
         </p:nvSpPr>
         <p:spPr>
           <a:xfrm>
-            <a:off x="-18424" y="3749233"/>
+            <a:off x="0" y="2869181"/>
             <a:ext cx="2201984" cy="967920"/>
           </a:xfrm>
           <a:prstGeom prst="rect">
@@ -26265,7 +26784,7 @@
       </p:sp>
       <p:sp>
         <p:nvSpPr>
-          <p:cNvPr id="21" name="Rectangle 20"/>
+          <p:cNvPr id="29" name="Rectangle 28"/>
           <p:cNvSpPr/>
           <p:nvPr/>
         </p:nvSpPr>
@@ -26312,13 +26831,13 @@
       </p:sp>
       <p:sp>
         <p:nvSpPr>
-          <p:cNvPr id="22" name="Rectangle 21"/>
+          <p:cNvPr id="30" name="Rectangle 29"/>
           <p:cNvSpPr/>
           <p:nvPr/>
         </p:nvSpPr>
         <p:spPr>
           <a:xfrm>
-            <a:off x="-9752" y="4733436"/>
+            <a:off x="0" y="4989654"/>
             <a:ext cx="2171029" cy="1001486"/>
           </a:xfrm>
           <a:prstGeom prst="rect">
@@ -26357,16 +26876,71 @@
           </a:p>
         </p:txBody>
       </p:sp>
+      <p:sp>
+        <p:nvSpPr>
+          <p:cNvPr id="31" name="Rectangle 30"/>
+          <p:cNvSpPr/>
+          <p:nvPr/>
+        </p:nvSpPr>
+        <p:spPr>
+          <a:xfrm>
+            <a:off x="0" y="3868213"/>
+            <a:ext cx="2201984" cy="967920"/>
+          </a:xfrm>
+          <a:prstGeom prst="rect">
+            <a:avLst/>
+          </a:prstGeom>
+          <a:noFill/>
+          <a:ln>
+            <a:noFill/>
+          </a:ln>
+        </p:spPr>
+        <p:style>
+          <a:lnRef idx="2">
+            <a:schemeClr val="accent1">
+              <a:shade val="50000"/>
+            </a:schemeClr>
+          </a:lnRef>
+          <a:fillRef idx="1">
+            <a:schemeClr val="accent1"/>
+          </a:fillRef>
+          <a:effectRef idx="0">
+            <a:schemeClr val="accent1"/>
+          </a:effectRef>
+          <a:fontRef idx="minor">
+            <a:schemeClr val="lt1"/>
+          </a:fontRef>
+        </p:style>
+        <p:txBody>
+          <a:bodyPr rtlCol="0" anchor="ctr"/>
+          <a:lstStyle/>
+          <a:p>
+            <a:pPr algn="ctr"/>
+            <a:r>
+              <a:rPr lang="fr-FR" dirty="0" smtClean="0"/>
+              <a:t>Organisation</a:t>
+            </a:r>
+            <a:endParaRPr lang="fr-FR" dirty="0"/>
+          </a:p>
+        </p:txBody>
+      </p:sp>
     </p:spTree>
     <p:extLst>
       <p:ext uri="{BB962C8B-B14F-4D97-AF65-F5344CB8AC3E}">
-        <p14:creationId xmlns:p14="http://schemas.microsoft.com/office/powerpoint/2010/main" val="1474541631"/>
+        <p14:creationId xmlns:p14="http://schemas.microsoft.com/office/powerpoint/2010/main" val="1890249000"/>
       </p:ext>
     </p:extLst>
   </p:cSld>
   <p:clrMapOvr>
     <a:masterClrMapping/>
   </p:clrMapOvr>
+  <p:timing>
+    <p:tnLst>
+      <p:par>
+        <p:cTn xmlns:p14="http://schemas.microsoft.com/office/powerpoint/2010/main" id="1" dur="indefinite" restart="never" nodeType="tmRoot"/>
+      </p:par>
+    </p:tnLst>
+  </p:timing>
 </p:sld>
 </file>
 
@@ -26518,13 +27092,18 @@
           <a:p>
             <a:pPr algn="ctr"/>
             <a:r>
-              <a:rPr lang="fr-FR" dirty="0">
+              <a:rPr lang="fr-FR" dirty="0" smtClean="0">
                 <a:solidFill>
                   <a:srgbClr val="C00000"/>
                 </a:solidFill>
               </a:rPr>
               <a:t>Réalisation</a:t>
             </a:r>
+            <a:endParaRPr lang="fr-FR" dirty="0">
+              <a:solidFill>
+                <a:srgbClr val="C00000"/>
+              </a:solidFill>
+            </a:endParaRPr>
           </a:p>
         </p:txBody>
       </p:sp>
@@ -26586,18 +27165,24 @@
       </p:sp>
       <p:sp>
         <p:nvSpPr>
-          <p:cNvPr id="16" name="Rectangle 15"/>
+          <p:cNvPr id="23" name="Rectangle 22"/>
           <p:cNvSpPr/>
           <p:nvPr/>
         </p:nvSpPr>
         <p:spPr>
           <a:xfrm>
-            <a:off x="-15189" y="0"/>
-            <a:ext cx="2177143" cy="6858000"/>
-          </a:xfrm>
-          <a:prstGeom prst="rect">
-            <a:avLst/>
-          </a:prstGeom>
+            <a:off x="8366595" y="1159710"/>
+            <a:ext cx="3825406" cy="544694"/>
+          </a:xfrm>
+          <a:prstGeom prst="rect">
+            <a:avLst/>
+          </a:prstGeom>
+          <a:solidFill>
+            <a:schemeClr val="bg2">
+              <a:lumMod val="60000"/>
+              <a:lumOff val="40000"/>
+            </a:schemeClr>
+          </a:solidFill>
           <a:ln>
             <a:noFill/>
           </a:ln>
@@ -26623,25 +27208,36 @@
           <a:lstStyle/>
           <a:p>
             <a:pPr algn="ctr"/>
-            <a:endParaRPr lang="fr-FR"/>
-          </a:p>
-        </p:txBody>
-      </p:sp>
-      <p:sp>
-        <p:nvSpPr>
-          <p:cNvPr id="17" name="Rectangle 16"/>
+            <a:r>
+              <a:rPr lang="fr-FR" dirty="0" smtClean="0">
+                <a:solidFill>
+                  <a:srgbClr val="C00000"/>
+                </a:solidFill>
+              </a:rPr>
+              <a:t>Prise en main de la base de données</a:t>
+            </a:r>
+            <a:endParaRPr lang="fr-FR" dirty="0">
+              <a:solidFill>
+                <a:srgbClr val="C00000"/>
+              </a:solidFill>
+            </a:endParaRPr>
+          </a:p>
+        </p:txBody>
+      </p:sp>
+      <p:sp>
+        <p:nvSpPr>
+          <p:cNvPr id="24" name="Rectangle 23"/>
           <p:cNvSpPr/>
           <p:nvPr/>
         </p:nvSpPr>
         <p:spPr>
           <a:xfrm>
-            <a:off x="-10509" y="-14513"/>
-            <a:ext cx="2194068" cy="1483506"/>
-          </a:xfrm>
-          <a:prstGeom prst="rect">
-            <a:avLst/>
-          </a:prstGeom>
-          <a:noFill/>
+            <a:off x="-15189" y="0"/>
+            <a:ext cx="2177143" cy="6858000"/>
+          </a:xfrm>
+          <a:prstGeom prst="rect">
+            <a:avLst/>
+          </a:prstGeom>
           <a:ln>
             <a:noFill/>
           </a:ln>
@@ -26667,23 +27263,20 @@
           <a:lstStyle/>
           <a:p>
             <a:pPr algn="ctr"/>
-            <a:r>
-              <a:rPr lang="fr-FR" dirty="0"/>
-              <a:t>Introduction</a:t>
-            </a:r>
-          </a:p>
-        </p:txBody>
-      </p:sp>
-      <p:sp>
-        <p:nvSpPr>
-          <p:cNvPr id="18" name="Rectangle 17"/>
+            <a:endParaRPr lang="fr-FR"/>
+          </a:p>
+        </p:txBody>
+      </p:sp>
+      <p:sp>
+        <p:nvSpPr>
+          <p:cNvPr id="25" name="Rectangle 24"/>
           <p:cNvSpPr/>
           <p:nvPr/>
         </p:nvSpPr>
         <p:spPr>
           <a:xfrm>
-            <a:off x="-12515" y="1483507"/>
-            <a:ext cx="2196074" cy="1011830"/>
+            <a:off x="-10509" y="-14513"/>
+            <a:ext cx="2194068" cy="1106223"/>
           </a:xfrm>
           <a:prstGeom prst="rect">
             <a:avLst/>
@@ -26716,6 +27309,53 @@
             <a:pPr algn="ctr"/>
             <a:r>
               <a:rPr lang="fr-FR" dirty="0"/>
+              <a:t>Introduction</a:t>
+            </a:r>
+          </a:p>
+        </p:txBody>
+      </p:sp>
+      <p:sp>
+        <p:nvSpPr>
+          <p:cNvPr id="26" name="Rectangle 25"/>
+          <p:cNvSpPr/>
+          <p:nvPr/>
+        </p:nvSpPr>
+        <p:spPr>
+          <a:xfrm>
+            <a:off x="0" y="937652"/>
+            <a:ext cx="2196074" cy="889291"/>
+          </a:xfrm>
+          <a:prstGeom prst="rect">
+            <a:avLst/>
+          </a:prstGeom>
+          <a:noFill/>
+          <a:ln>
+            <a:noFill/>
+          </a:ln>
+        </p:spPr>
+        <p:style>
+          <a:lnRef idx="2">
+            <a:schemeClr val="accent1">
+              <a:shade val="50000"/>
+            </a:schemeClr>
+          </a:lnRef>
+          <a:fillRef idx="1">
+            <a:schemeClr val="accent1"/>
+          </a:fillRef>
+          <a:effectRef idx="0">
+            <a:schemeClr val="accent1"/>
+          </a:effectRef>
+          <a:fontRef idx="minor">
+            <a:schemeClr val="lt1"/>
+          </a:fontRef>
+        </p:style>
+        <p:txBody>
+          <a:bodyPr rtlCol="0" anchor="ctr"/>
+          <a:lstStyle/>
+          <a:p>
+            <a:pPr algn="ctr"/>
+            <a:r>
+              <a:rPr lang="fr-FR" dirty="0"/>
               <a:t>AICOM</a:t>
             </a:r>
           </a:p>
@@ -26723,13 +27363,13 @@
       </p:sp>
       <p:sp>
         <p:nvSpPr>
-          <p:cNvPr id="19" name="Rectangle 18"/>
+          <p:cNvPr id="27" name="Rectangle 26"/>
           <p:cNvSpPr/>
           <p:nvPr/>
         </p:nvSpPr>
         <p:spPr>
           <a:xfrm>
-            <a:off x="-14510" y="2688198"/>
+            <a:off x="0" y="1841565"/>
             <a:ext cx="2175787" cy="1041978"/>
           </a:xfrm>
           <a:prstGeom prst="rect">
@@ -26775,13 +27415,13 @@
       </p:sp>
       <p:sp>
         <p:nvSpPr>
-          <p:cNvPr id="20" name="Rectangle 19"/>
+          <p:cNvPr id="28" name="Rectangle 27"/>
           <p:cNvSpPr/>
           <p:nvPr/>
         </p:nvSpPr>
         <p:spPr>
           <a:xfrm>
-            <a:off x="-18424" y="3749233"/>
+            <a:off x="0" y="2869181"/>
             <a:ext cx="2201984" cy="967920"/>
           </a:xfrm>
           <a:prstGeom prst="rect">
@@ -26822,7 +27462,7 @@
       </p:sp>
       <p:sp>
         <p:nvSpPr>
-          <p:cNvPr id="21" name="Rectangle 20"/>
+          <p:cNvPr id="29" name="Rectangle 28"/>
           <p:cNvSpPr/>
           <p:nvPr/>
         </p:nvSpPr>
@@ -26869,13 +27509,13 @@
       </p:sp>
       <p:sp>
         <p:nvSpPr>
-          <p:cNvPr id="22" name="Rectangle 21"/>
+          <p:cNvPr id="30" name="Rectangle 29"/>
           <p:cNvSpPr/>
           <p:nvPr/>
         </p:nvSpPr>
         <p:spPr>
           <a:xfrm>
-            <a:off x="-9752" y="4733436"/>
+            <a:off x="0" y="4989654"/>
             <a:ext cx="2171029" cy="1001486"/>
           </a:xfrm>
           <a:prstGeom prst="rect">
@@ -26914,16 +27554,71 @@
           </a:p>
         </p:txBody>
       </p:sp>
+      <p:sp>
+        <p:nvSpPr>
+          <p:cNvPr id="31" name="Rectangle 30"/>
+          <p:cNvSpPr/>
+          <p:nvPr/>
+        </p:nvSpPr>
+        <p:spPr>
+          <a:xfrm>
+            <a:off x="0" y="3868213"/>
+            <a:ext cx="2201984" cy="967920"/>
+          </a:xfrm>
+          <a:prstGeom prst="rect">
+            <a:avLst/>
+          </a:prstGeom>
+          <a:noFill/>
+          <a:ln>
+            <a:noFill/>
+          </a:ln>
+        </p:spPr>
+        <p:style>
+          <a:lnRef idx="2">
+            <a:schemeClr val="accent1">
+              <a:shade val="50000"/>
+            </a:schemeClr>
+          </a:lnRef>
+          <a:fillRef idx="1">
+            <a:schemeClr val="accent1"/>
+          </a:fillRef>
+          <a:effectRef idx="0">
+            <a:schemeClr val="accent1"/>
+          </a:effectRef>
+          <a:fontRef idx="minor">
+            <a:schemeClr val="lt1"/>
+          </a:fontRef>
+        </p:style>
+        <p:txBody>
+          <a:bodyPr rtlCol="0" anchor="ctr"/>
+          <a:lstStyle/>
+          <a:p>
+            <a:pPr algn="ctr"/>
+            <a:r>
+              <a:rPr lang="fr-FR" dirty="0" smtClean="0"/>
+              <a:t>Organisation</a:t>
+            </a:r>
+            <a:endParaRPr lang="fr-FR" dirty="0"/>
+          </a:p>
+        </p:txBody>
+      </p:sp>
     </p:spTree>
     <p:extLst>
       <p:ext uri="{BB962C8B-B14F-4D97-AF65-F5344CB8AC3E}">
-        <p14:creationId xmlns:p14="http://schemas.microsoft.com/office/powerpoint/2010/main" val="2474202133"/>
+        <p14:creationId xmlns:p14="http://schemas.microsoft.com/office/powerpoint/2010/main" val="3241003377"/>
       </p:ext>
     </p:extLst>
   </p:cSld>
   <p:clrMapOvr>
     <a:masterClrMapping/>
   </p:clrMapOvr>
+  <p:timing>
+    <p:tnLst>
+      <p:par>
+        <p:cTn xmlns:p14="http://schemas.microsoft.com/office/powerpoint/2010/main" id="1" dur="indefinite" restart="never" nodeType="tmRoot"/>
+      </p:par>
+    </p:tnLst>
+  </p:timing>
 </p:sld>
 </file>
 
@@ -27187,7 +27882,7 @@
   <a:extraClrSchemeLst/>
   <a:extLst>
     <a:ext uri="{05A4C25C-085E-4340-85A3-A5531E510DB2}">
-      <thm15:themeFamily xmlns:thm15="http://schemas.microsoft.com/office/thememl/2012/main" name="Ion" id="{B8441ADB-2E43-4AF7-B97A-BD870242C6A8}" vid="{292E63A9-BB86-4E3D-B92A-7223C6510D2E}"/>
+      <thm15:themeFamily xmlns:thm15="http://schemas.microsoft.com/office/thememl/2012/main" xmlns="" name="Ion" id="{B8441ADB-2E43-4AF7-B97A-BD870242C6A8}" vid="{292E63A9-BB86-4E3D-B92A-7223C6510D2E}"/>
     </a:ext>
   </a:extLst>
 </a:theme>
